--- a/PreG21.pptx
+++ b/PreG21.pptx
@@ -11,7 +11,24 @@
     <p:sldId id="259" r:id="rId5"/>
     <p:sldId id="260" r:id="rId6"/>
     <p:sldId id="261" r:id="rId7"/>
-    <p:sldId id="262" r:id="rId8"/>
+    <p:sldId id="274" r:id="rId8"/>
+    <p:sldId id="262" r:id="rId9"/>
+    <p:sldId id="275" r:id="rId10"/>
+    <p:sldId id="263" r:id="rId11"/>
+    <p:sldId id="276" r:id="rId12"/>
+    <p:sldId id="264" r:id="rId13"/>
+    <p:sldId id="265" r:id="rId14"/>
+    <p:sldId id="277" r:id="rId15"/>
+    <p:sldId id="278" r:id="rId16"/>
+    <p:sldId id="266" r:id="rId17"/>
+    <p:sldId id="267" r:id="rId18"/>
+    <p:sldId id="268" r:id="rId19"/>
+    <p:sldId id="269" r:id="rId20"/>
+    <p:sldId id="279" r:id="rId21"/>
+    <p:sldId id="270" r:id="rId22"/>
+    <p:sldId id="271" r:id="rId23"/>
+    <p:sldId id="272" r:id="rId24"/>
+    <p:sldId id="273" r:id="rId25"/>
   </p:sldIdLst>
   <p:sldSz cx="12192000" cy="6858000"/>
   <p:notesSz cx="6858000" cy="9144000"/>
@@ -110,6 +127,11 @@
       </a:defRPr>
     </a:lvl9pPr>
   </p:defaultTextStyle>
+  <p:extLst>
+    <p:ext uri="{EFAFB233-063F-42B5-8137-9DF3F51BA10A}">
+      <p15:sldGuideLst xmlns:p15="http://schemas.microsoft.com/office/powerpoint/2012/main"/>
+    </p:ext>
+  </p:extLst>
 </p:presentation>
 </file>
 
@@ -3400,10 +3422,9 @@
           </a:p>
           <a:p>
             <a:r>
-              <a:rPr lang="zh-CN" altLang="en-US"/>
+              <a:rPr lang="zh-CN" altLang="en-US" dirty="0"/>
               <a:t>再顺手排个版</a:t>
             </a:r>
-            <a:endParaRPr lang="zh-CN" altLang="en-US" dirty="0"/>
           </a:p>
         </p:txBody>
       </p:sp>
@@ -3411,6 +3432,3076 @@
     <p:extLst>
       <p:ext uri="{BB962C8B-B14F-4D97-AF65-F5344CB8AC3E}">
         <p14:creationId xmlns:p14="http://schemas.microsoft.com/office/powerpoint/2010/main" val="2138476189"/>
+      </p:ext>
+    </p:extLst>
+  </p:cSld>
+  <p:clrMapOvr>
+    <a:masterClrMapping/>
+  </p:clrMapOvr>
+</p:sld>
+</file>
+
+<file path=ppt/slides/slide10.xml><?xml version="1.0" encoding="utf-8"?>
+<p:sld xmlns:a="http://schemas.openxmlformats.org/drawingml/2006/main" xmlns:r="http://schemas.openxmlformats.org/officeDocument/2006/relationships" xmlns:p="http://schemas.openxmlformats.org/presentationml/2006/main">
+  <p:cSld>
+    <p:spTree>
+      <p:nvGrpSpPr>
+        <p:cNvPr id="1" name=""/>
+        <p:cNvGrpSpPr/>
+        <p:nvPr/>
+      </p:nvGrpSpPr>
+      <p:grpSpPr>
+        <a:xfrm>
+          <a:off x="0" y="0"/>
+          <a:ext cx="0" cy="0"/>
+          <a:chOff x="0" y="0"/>
+          <a:chExt cx="0" cy="0"/>
+        </a:xfrm>
+      </p:grpSpPr>
+      <p:sp>
+        <p:nvSpPr>
+          <p:cNvPr id="2" name="标题 1">
+            <a:extLst>
+              <a:ext uri="{FF2B5EF4-FFF2-40B4-BE49-F238E27FC236}">
+                <a16:creationId xmlns:a16="http://schemas.microsoft.com/office/drawing/2014/main" id="{CDCA9D9F-A8CB-4879-AD67-AA1108C21477}"/>
+              </a:ext>
+            </a:extLst>
+          </p:cNvPr>
+          <p:cNvSpPr>
+            <a:spLocks noGrp="1"/>
+          </p:cNvSpPr>
+          <p:nvPr>
+            <p:ph type="title"/>
+          </p:nvPr>
+        </p:nvSpPr>
+        <p:spPr/>
+        <p:txBody>
+          <a:bodyPr/>
+          <a:lstStyle/>
+          <a:p>
+            <a:r>
+              <a:rPr lang="zh-CN" altLang="en-US" dirty="0"/>
+              <a:t>溴酸钾</a:t>
+            </a:r>
+          </a:p>
+        </p:txBody>
+      </p:sp>
+      <mc:AlternateContent xmlns:mc="http://schemas.openxmlformats.org/markup-compatibility/2006">
+        <mc:Choice xmlns:a14="http://schemas.microsoft.com/office/drawing/2010/main" Requires="a14">
+          <p:sp>
+            <p:nvSpPr>
+              <p:cNvPr id="3" name="内容占位符 2">
+                <a:extLst>
+                  <a:ext uri="{FF2B5EF4-FFF2-40B4-BE49-F238E27FC236}">
+                    <a16:creationId xmlns:a16="http://schemas.microsoft.com/office/drawing/2014/main" id="{D7C90BF0-44D2-46E1-8CD4-072C1A75F2F9}"/>
+                  </a:ext>
+                </a:extLst>
+              </p:cNvPr>
+              <p:cNvSpPr>
+                <a:spLocks noGrp="1"/>
+              </p:cNvSpPr>
+              <p:nvPr>
+                <p:ph idx="1"/>
+              </p:nvPr>
+            </p:nvSpPr>
+            <p:spPr/>
+            <p:txBody>
+              <a:bodyPr/>
+              <a:lstStyle/>
+              <a:p>
+                <a:pPr marL="0" indent="0">
+                  <a:buNone/>
+                </a:pPr>
+                <a:r>
+                  <a:rPr lang="zh-CN" altLang="en-US" dirty="0"/>
+                  <a:t>表格图</a:t>
+                </a:r>
+                <a:endParaRPr lang="en-US" altLang="zh-CN" dirty="0"/>
+              </a:p>
+              <a:p>
+                <a:pPr marL="0" indent="0">
+                  <a:buNone/>
+                </a:pPr>
+                <a:r>
+                  <a:rPr lang="zh-CN" altLang="en-US" dirty="0"/>
+                  <a:t>多个变量和溴酸钾浓度关系</a:t>
+                </a:r>
+                <a:endParaRPr lang="en-US" altLang="zh-CN" dirty="0"/>
+              </a:p>
+              <a:p>
+                <a:pPr marL="0" indent="0">
+                  <a:buNone/>
+                </a:pPr>
+                <a:endParaRPr lang="en-US" altLang="zh-CN" dirty="0"/>
+              </a:p>
+              <a:p>
+                <a:pPr marL="0" indent="0">
+                  <a:buNone/>
+                </a:pPr>
+                <a:r>
+                  <a:rPr lang="zh-CN" altLang="en-US" dirty="0"/>
+                  <a:t>灰度近似线性分布  一元线性回归</a:t>
+                </a:r>
+                <a:endParaRPr lang="en-US" altLang="zh-CN" dirty="0"/>
+              </a:p>
+              <a:p>
+                <a:pPr marL="0" indent="0">
+                  <a:buNone/>
+                </a:pPr>
+                <a14:m>
+                  <m:oMathPara xmlns:m="http://schemas.openxmlformats.org/officeDocument/2006/math">
+                    <m:oMathParaPr>
+                      <m:jc m:val="centerGroup"/>
+                    </m:oMathParaPr>
+                    <m:oMath xmlns:m="http://schemas.openxmlformats.org/officeDocument/2006/math">
+                      <m:r>
+                        <a:rPr lang="en-US" altLang="zh-CN" i="1"/>
+                        <m:t>𝑦</m:t>
+                      </m:r>
+                      <m:r>
+                        <a:rPr lang="en-US" altLang="zh-CN" i="1"/>
+                        <m:t>=−5.291</m:t>
+                      </m:r>
+                      <m:r>
+                        <a:rPr lang="en-US" altLang="zh-CN" i="1"/>
+                        <m:t>𝑥</m:t>
+                      </m:r>
+                      <m:r>
+                        <a:rPr lang="en-US" altLang="zh-CN" i="1"/>
+                        <m:t>+731.6</m:t>
+                      </m:r>
+                    </m:oMath>
+                  </m:oMathPara>
+                </a14:m>
+                <a:endParaRPr lang="zh-CN" altLang="zh-CN" dirty="0"/>
+              </a:p>
+              <a:p>
+                <a:pPr marL="0" indent="0">
+                  <a:buNone/>
+                </a:pPr>
+                <a:endParaRPr lang="en-US" altLang="zh-CN" dirty="0"/>
+              </a:p>
+              <a:p>
+                <a:pPr marL="0" indent="0">
+                  <a:buNone/>
+                </a:pPr>
+                <a:r>
+                  <a:rPr lang="zh-CN" altLang="en-US" dirty="0"/>
+                  <a:t>结果截图</a:t>
+                </a:r>
+                <a:endParaRPr lang="en-US" altLang="zh-CN" dirty="0"/>
+              </a:p>
+            </p:txBody>
+          </p:sp>
+        </mc:Choice>
+        <mc:Fallback>
+          <p:sp>
+            <p:nvSpPr>
+              <p:cNvPr id="3" name="内容占位符 2">
+                <a:extLst>
+                  <a:ext uri="{FF2B5EF4-FFF2-40B4-BE49-F238E27FC236}">
+                    <a16:creationId xmlns:a16="http://schemas.microsoft.com/office/drawing/2014/main" id="{D7C90BF0-44D2-46E1-8CD4-072C1A75F2F9}"/>
+                  </a:ext>
+                </a:extLst>
+              </p:cNvPr>
+              <p:cNvSpPr>
+                <a:spLocks noGrp="1" noRot="1" noChangeAspect="1" noMove="1" noResize="1" noEditPoints="1" noAdjustHandles="1" noChangeArrowheads="1" noChangeShapeType="1" noTextEdit="1"/>
+              </p:cNvSpPr>
+              <p:nvPr>
+                <p:ph idx="1"/>
+              </p:nvPr>
+            </p:nvSpPr>
+            <p:spPr>
+              <a:blipFill>
+                <a:blip r:embed="rId2"/>
+                <a:stretch>
+                  <a:fillRect l="-1217" t="-2521"/>
+                </a:stretch>
+              </a:blipFill>
+            </p:spPr>
+            <p:txBody>
+              <a:bodyPr/>
+              <a:lstStyle/>
+              <a:p>
+                <a:r>
+                  <a:rPr lang="zh-CN" altLang="en-US">
+                    <a:noFill/>
+                  </a:rPr>
+                  <a:t> </a:t>
+                </a:r>
+              </a:p>
+            </p:txBody>
+          </p:sp>
+        </mc:Fallback>
+      </mc:AlternateContent>
+    </p:spTree>
+    <p:extLst>
+      <p:ext uri="{BB962C8B-B14F-4D97-AF65-F5344CB8AC3E}">
+        <p14:creationId xmlns:p14="http://schemas.microsoft.com/office/powerpoint/2010/main" val="477111754"/>
+      </p:ext>
+    </p:extLst>
+  </p:cSld>
+  <p:clrMapOvr>
+    <a:masterClrMapping/>
+  </p:clrMapOvr>
+</p:sld>
+</file>
+
+<file path=ppt/slides/slide11.xml><?xml version="1.0" encoding="utf-8"?>
+<p:sld xmlns:a="http://schemas.openxmlformats.org/drawingml/2006/main" xmlns:r="http://schemas.openxmlformats.org/officeDocument/2006/relationships" xmlns:p="http://schemas.openxmlformats.org/presentationml/2006/main">
+  <p:cSld>
+    <p:spTree>
+      <p:nvGrpSpPr>
+        <p:cNvPr id="1" name=""/>
+        <p:cNvGrpSpPr/>
+        <p:nvPr/>
+      </p:nvGrpSpPr>
+      <p:grpSpPr>
+        <a:xfrm>
+          <a:off x="0" y="0"/>
+          <a:ext cx="0" cy="0"/>
+          <a:chOff x="0" y="0"/>
+          <a:chExt cx="0" cy="0"/>
+        </a:xfrm>
+      </p:grpSpPr>
+      <p:sp>
+        <p:nvSpPr>
+          <p:cNvPr id="2" name="标题 1">
+            <a:extLst>
+              <a:ext uri="{FF2B5EF4-FFF2-40B4-BE49-F238E27FC236}">
+                <a16:creationId xmlns:a16="http://schemas.microsoft.com/office/drawing/2014/main" id="{535F5016-D230-4790-9779-54AE90D22CEB}"/>
+              </a:ext>
+            </a:extLst>
+          </p:cNvPr>
+          <p:cNvSpPr>
+            <a:spLocks noGrp="1"/>
+          </p:cNvSpPr>
+          <p:nvPr>
+            <p:ph type="title"/>
+          </p:nvPr>
+        </p:nvSpPr>
+        <p:spPr/>
+        <p:txBody>
+          <a:bodyPr/>
+          <a:lstStyle/>
+          <a:p>
+            <a:r>
+              <a:rPr lang="zh-CN" altLang="en-US" dirty="0"/>
+              <a:t>溴酸钾</a:t>
+            </a:r>
+          </a:p>
+        </p:txBody>
+      </p:sp>
+      <mc:AlternateContent xmlns:mc="http://schemas.openxmlformats.org/markup-compatibility/2006">
+        <mc:Choice xmlns:a14="http://schemas.microsoft.com/office/drawing/2010/main" Requires="a14">
+          <p:sp>
+            <p:nvSpPr>
+              <p:cNvPr id="3" name="内容占位符 2">
+                <a:extLst>
+                  <a:ext uri="{FF2B5EF4-FFF2-40B4-BE49-F238E27FC236}">
+                    <a16:creationId xmlns:a16="http://schemas.microsoft.com/office/drawing/2014/main" id="{9CEC7DB2-E8E4-4C54-8707-5388E3E3B216}"/>
+                  </a:ext>
+                </a:extLst>
+              </p:cNvPr>
+              <p:cNvSpPr>
+                <a:spLocks noGrp="1"/>
+              </p:cNvSpPr>
+              <p:nvPr>
+                <p:ph idx="1"/>
+              </p:nvPr>
+            </p:nvSpPr>
+            <p:spPr/>
+            <p:txBody>
+              <a:bodyPr>
+                <a:normAutofit lnSpcReduction="10000"/>
+              </a:bodyPr>
+              <a:lstStyle/>
+              <a:p>
+                <a:pPr marL="0" indent="0">
+                  <a:buNone/>
+                </a:pPr>
+                <a:r>
+                  <a:rPr lang="en-US" altLang="zh-CN" dirty="0"/>
+                  <a:t>RGB</a:t>
+                </a:r>
+                <a:r>
+                  <a:rPr lang="zh-CN" altLang="en-US" dirty="0"/>
+                  <a:t>几何平均数一元线性回归</a:t>
+                </a:r>
+                <a:endParaRPr lang="en-US" altLang="zh-CN" dirty="0"/>
+              </a:p>
+              <a:p>
+                <a:pPr marL="0" indent="0">
+                  <a:buNone/>
+                </a:pPr>
+                <a:r>
+                  <a:rPr lang="zh-CN" altLang="en-US" dirty="0"/>
+                  <a:t>结果截图</a:t>
+                </a:r>
+                <a:endParaRPr lang="en-US" altLang="zh-CN" dirty="0"/>
+              </a:p>
+              <a:p>
+                <a:pPr marL="0" indent="0">
+                  <a:buNone/>
+                </a:pPr>
+                <a:r>
+                  <a:rPr lang="zh-CN" altLang="en-US" dirty="0"/>
+                  <a:t>方程</a:t>
+                </a:r>
+                <a:r>
+                  <a:rPr lang="en-US" altLang="zh-CN" dirty="0"/>
+                  <a:t> </a:t>
+                </a:r>
+                <a:endParaRPr lang="zh-CN" altLang="zh-CN" dirty="0"/>
+              </a:p>
+              <a:p>
+                <a:pPr marL="0" indent="0">
+                  <a:buNone/>
+                </a:pPr>
+                <a14:m>
+                  <m:oMathPara xmlns:m="http://schemas.openxmlformats.org/officeDocument/2006/math">
+                    <m:oMathParaPr>
+                      <m:jc m:val="centerGroup"/>
+                    </m:oMathParaPr>
+                    <m:oMath xmlns:m="http://schemas.openxmlformats.org/officeDocument/2006/math">
+                      <m:r>
+                        <a:rPr lang="en-US" altLang="zh-CN" i="1"/>
+                        <m:t>𝑦</m:t>
+                      </m:r>
+                      <m:r>
+                        <a:rPr lang="en-US" altLang="zh-CN" i="1"/>
+                        <m:t>=−1.197</m:t>
+                      </m:r>
+                      <m:r>
+                        <a:rPr lang="en-US" altLang="zh-CN" i="1"/>
+                        <m:t>𝑥</m:t>
+                      </m:r>
+                      <m:r>
+                        <a:rPr lang="en-US" altLang="zh-CN" i="1"/>
+                        <m:t>+162.9</m:t>
+                      </m:r>
+                    </m:oMath>
+                  </m:oMathPara>
+                </a14:m>
+                <a:endParaRPr lang="zh-CN" altLang="zh-CN" dirty="0"/>
+              </a:p>
+              <a:p>
+                <a:pPr marL="0" indent="0">
+                  <a:buNone/>
+                </a:pPr>
+                <a:endParaRPr lang="en-US" altLang="zh-CN" dirty="0"/>
+              </a:p>
+              <a:p>
+                <a:pPr marL="0" indent="0">
+                  <a:buNone/>
+                </a:pPr>
+                <a:r>
+                  <a:rPr lang="en-US" altLang="zh-CN" dirty="0"/>
+                  <a:t>HS</a:t>
+                </a:r>
+                <a:r>
+                  <a:rPr lang="zh-CN" altLang="en-US" dirty="0"/>
+                  <a:t>二元线性回归</a:t>
+                </a:r>
+                <a:endParaRPr lang="en-US" altLang="zh-CN" dirty="0"/>
+              </a:p>
+              <a:p>
+                <a:pPr marL="0" indent="0">
+                  <a:buNone/>
+                </a:pPr>
+                <a:r>
+                  <a:rPr lang="zh-CN" altLang="en-US" dirty="0"/>
+                  <a:t>结果截图</a:t>
+                </a:r>
+                <a:endParaRPr lang="en-US" altLang="zh-CN" dirty="0"/>
+              </a:p>
+              <a:p>
+                <a:pPr marL="0" indent="0">
+                  <a:buNone/>
+                </a:pPr>
+                <a:endParaRPr lang="en-US" altLang="zh-CN" dirty="0"/>
+              </a:p>
+              <a:p>
+                <a:pPr marL="0" indent="0">
+                  <a:buNone/>
+                </a:pPr>
+                <a:r>
+                  <a:rPr lang="zh-CN" altLang="en-US" dirty="0"/>
+                  <a:t>最终结论，</a:t>
+                </a:r>
+                <a:r>
+                  <a:rPr lang="en-US" altLang="zh-CN" dirty="0"/>
+                  <a:t>RGB</a:t>
+                </a:r>
+                <a:r>
+                  <a:rPr lang="zh-CN" altLang="en-US" dirty="0"/>
+                  <a:t>几何平均数</a:t>
+                </a:r>
+              </a:p>
+            </p:txBody>
+          </p:sp>
+        </mc:Choice>
+        <mc:Fallback>
+          <p:sp>
+            <p:nvSpPr>
+              <p:cNvPr id="3" name="内容占位符 2">
+                <a:extLst>
+                  <a:ext uri="{FF2B5EF4-FFF2-40B4-BE49-F238E27FC236}">
+                    <a16:creationId xmlns:a16="http://schemas.microsoft.com/office/drawing/2014/main" id="{9CEC7DB2-E8E4-4C54-8707-5388E3E3B216}"/>
+                  </a:ext>
+                </a:extLst>
+              </p:cNvPr>
+              <p:cNvSpPr>
+                <a:spLocks noGrp="1" noRot="1" noChangeAspect="1" noMove="1" noResize="1" noEditPoints="1" noAdjustHandles="1" noChangeArrowheads="1" noChangeShapeType="1" noTextEdit="1"/>
+              </p:cNvSpPr>
+              <p:nvPr>
+                <p:ph idx="1"/>
+              </p:nvPr>
+            </p:nvSpPr>
+            <p:spPr>
+              <a:blipFill>
+                <a:blip r:embed="rId2"/>
+                <a:stretch>
+                  <a:fillRect l="-1217" t="-3221"/>
+                </a:stretch>
+              </a:blipFill>
+            </p:spPr>
+            <p:txBody>
+              <a:bodyPr/>
+              <a:lstStyle/>
+              <a:p>
+                <a:r>
+                  <a:rPr lang="zh-CN" altLang="en-US">
+                    <a:noFill/>
+                  </a:rPr>
+                  <a:t> </a:t>
+                </a:r>
+              </a:p>
+            </p:txBody>
+          </p:sp>
+        </mc:Fallback>
+      </mc:AlternateContent>
+    </p:spTree>
+    <p:extLst>
+      <p:ext uri="{BB962C8B-B14F-4D97-AF65-F5344CB8AC3E}">
+        <p14:creationId xmlns:p14="http://schemas.microsoft.com/office/powerpoint/2010/main" val="2787832933"/>
+      </p:ext>
+    </p:extLst>
+  </p:cSld>
+  <p:clrMapOvr>
+    <a:masterClrMapping/>
+  </p:clrMapOvr>
+</p:sld>
+</file>
+
+<file path=ppt/slides/slide12.xml><?xml version="1.0" encoding="utf-8"?>
+<p:sld xmlns:a="http://schemas.openxmlformats.org/drawingml/2006/main" xmlns:r="http://schemas.openxmlformats.org/officeDocument/2006/relationships" xmlns:p="http://schemas.openxmlformats.org/presentationml/2006/main">
+  <p:cSld>
+    <p:spTree>
+      <p:nvGrpSpPr>
+        <p:cNvPr id="1" name=""/>
+        <p:cNvGrpSpPr/>
+        <p:nvPr/>
+      </p:nvGrpSpPr>
+      <p:grpSpPr>
+        <a:xfrm>
+          <a:off x="0" y="0"/>
+          <a:ext cx="0" cy="0"/>
+          <a:chOff x="0" y="0"/>
+          <a:chExt cx="0" cy="0"/>
+        </a:xfrm>
+      </p:grpSpPr>
+      <p:sp>
+        <p:nvSpPr>
+          <p:cNvPr id="2" name="标题 1">
+            <a:extLst>
+              <a:ext uri="{FF2B5EF4-FFF2-40B4-BE49-F238E27FC236}">
+                <a16:creationId xmlns:a16="http://schemas.microsoft.com/office/drawing/2014/main" id="{5A26D667-5B3A-450C-9E80-14FDE7A85BC5}"/>
+              </a:ext>
+            </a:extLst>
+          </p:cNvPr>
+          <p:cNvSpPr>
+            <a:spLocks noGrp="1"/>
+          </p:cNvSpPr>
+          <p:nvPr>
+            <p:ph type="title"/>
+          </p:nvPr>
+        </p:nvSpPr>
+        <p:spPr/>
+        <p:txBody>
+          <a:bodyPr/>
+          <a:lstStyle/>
+          <a:p>
+            <a:r>
+              <a:rPr lang="zh-CN" altLang="en-US" dirty="0"/>
+              <a:t>工业碱</a:t>
+            </a:r>
+          </a:p>
+        </p:txBody>
+      </p:sp>
+      <mc:AlternateContent xmlns:mc="http://schemas.openxmlformats.org/markup-compatibility/2006">
+        <mc:Choice xmlns:a14="http://schemas.microsoft.com/office/drawing/2010/main" Requires="a14">
+          <p:sp>
+            <p:nvSpPr>
+              <p:cNvPr id="3" name="内容占位符 2">
+                <a:extLst>
+                  <a:ext uri="{FF2B5EF4-FFF2-40B4-BE49-F238E27FC236}">
+                    <a16:creationId xmlns:a16="http://schemas.microsoft.com/office/drawing/2014/main" id="{EF1C7E79-7EE3-473E-A36F-971800E57197}"/>
+                  </a:ext>
+                </a:extLst>
+              </p:cNvPr>
+              <p:cNvSpPr>
+                <a:spLocks noGrp="1"/>
+              </p:cNvSpPr>
+              <p:nvPr>
+                <p:ph idx="1"/>
+              </p:nvPr>
+            </p:nvSpPr>
+            <p:spPr/>
+            <p:txBody>
+              <a:bodyPr>
+                <a:normAutofit lnSpcReduction="10000"/>
+              </a:bodyPr>
+              <a:lstStyle/>
+              <a:p>
+                <a:pPr marL="0" indent="0">
+                  <a:buNone/>
+                </a:pPr>
+                <a:r>
+                  <a:rPr lang="zh-CN" altLang="en-US" dirty="0"/>
+                  <a:t>去掉浓度为</a:t>
+                </a:r>
+                <a:r>
+                  <a:rPr lang="en-US" altLang="zh-CN" dirty="0"/>
+                  <a:t>0</a:t>
+                </a:r>
+              </a:p>
+              <a:p>
+                <a:pPr marL="0" indent="0">
+                  <a:buNone/>
+                </a:pPr>
+                <a:r>
+                  <a:rPr lang="zh-CN" altLang="en-US" dirty="0"/>
+                  <a:t>和灰度折线图</a:t>
+                </a:r>
+                <a:endParaRPr lang="en-US" altLang="zh-CN" dirty="0"/>
+              </a:p>
+              <a:p>
+                <a:pPr marL="0" indent="0">
+                  <a:buNone/>
+                </a:pPr>
+                <a:r>
+                  <a:rPr lang="zh-CN" altLang="en-US" dirty="0"/>
+                  <a:t>一元回归</a:t>
+                </a:r>
+                <a:endParaRPr lang="en-US" altLang="zh-CN" dirty="0"/>
+              </a:p>
+              <a:p>
+                <a:pPr marL="0" indent="0">
+                  <a:buNone/>
+                </a:pPr>
+                <a14:m>
+                  <m:oMathPara xmlns:m="http://schemas.openxmlformats.org/officeDocument/2006/math">
+                    <m:oMathParaPr>
+                      <m:jc m:val="centerGroup"/>
+                    </m:oMathParaPr>
+                    <m:oMath xmlns:m="http://schemas.openxmlformats.org/officeDocument/2006/math">
+                      <m:r>
+                        <a:rPr lang="en-US" altLang="zh-CN" i="1"/>
+                        <m:t>𝑦</m:t>
+                      </m:r>
+                      <m:r>
+                        <a:rPr lang="en-US" altLang="zh-CN" i="1"/>
+                        <m:t>=−0.03599</m:t>
+                      </m:r>
+                      <m:r>
+                        <a:rPr lang="en-US" altLang="zh-CN" i="1"/>
+                        <m:t>𝑥</m:t>
+                      </m:r>
+                      <m:r>
+                        <a:rPr lang="en-US" altLang="zh-CN" i="1"/>
+                        <m:t>+12.93</m:t>
+                      </m:r>
+                    </m:oMath>
+                  </m:oMathPara>
+                </a14:m>
+                <a:endParaRPr lang="zh-CN" altLang="zh-CN" dirty="0"/>
+              </a:p>
+              <a:p>
+                <a:pPr marL="0" indent="0">
+                  <a:buNone/>
+                </a:pPr>
+                <a:r>
+                  <a:rPr lang="zh-CN" altLang="en-US" dirty="0"/>
+                  <a:t>回归结果表格截图</a:t>
+                </a:r>
+                <a:endParaRPr lang="en-US" altLang="zh-CN" dirty="0"/>
+              </a:p>
+              <a:p>
+                <a:pPr marL="0" indent="0">
+                  <a:buNone/>
+                </a:pPr>
+                <a:endParaRPr lang="en-US" altLang="zh-CN" dirty="0"/>
+              </a:p>
+              <a:p>
+                <a:pPr marL="0" indent="0">
+                  <a:buNone/>
+                </a:pPr>
+                <a:endParaRPr lang="en-US" altLang="zh-CN" dirty="0"/>
+              </a:p>
+              <a:p>
+                <a:pPr marL="0" indent="0">
+                  <a:buNone/>
+                </a:pPr>
+                <a:endParaRPr lang="en-US" altLang="zh-CN" dirty="0"/>
+              </a:p>
+              <a:p>
+                <a:pPr marL="0" indent="0">
+                  <a:buNone/>
+                </a:pPr>
+                <a:r>
+                  <a:rPr lang="zh-CN" altLang="en-US" dirty="0"/>
+                  <a:t>模型应用范围，浓度</a:t>
+                </a:r>
+                <a:r>
+                  <a:rPr lang="en-US" altLang="zh-CN" dirty="0"/>
+                  <a:t>7-12ppm</a:t>
+                </a:r>
+                <a:r>
+                  <a:rPr lang="zh-CN" altLang="en-US" dirty="0"/>
+                  <a:t>，灰度取值</a:t>
+                </a:r>
+                <a:r>
+                  <a:rPr lang="en-US" altLang="zh-CN" dirty="0"/>
+                  <a:t>40-140</a:t>
+                </a:r>
+                <a:endParaRPr lang="zh-CN" altLang="en-US" dirty="0"/>
+              </a:p>
+            </p:txBody>
+          </p:sp>
+        </mc:Choice>
+        <mc:Fallback>
+          <p:sp>
+            <p:nvSpPr>
+              <p:cNvPr id="3" name="内容占位符 2">
+                <a:extLst>
+                  <a:ext uri="{FF2B5EF4-FFF2-40B4-BE49-F238E27FC236}">
+                    <a16:creationId xmlns:a16="http://schemas.microsoft.com/office/drawing/2014/main" id="{EF1C7E79-7EE3-473E-A36F-971800E57197}"/>
+                  </a:ext>
+                </a:extLst>
+              </p:cNvPr>
+              <p:cNvSpPr>
+                <a:spLocks noGrp="1" noRot="1" noChangeAspect="1" noMove="1" noResize="1" noEditPoints="1" noAdjustHandles="1" noChangeArrowheads="1" noChangeShapeType="1" noTextEdit="1"/>
+              </p:cNvSpPr>
+              <p:nvPr>
+                <p:ph idx="1"/>
+              </p:nvPr>
+            </p:nvSpPr>
+            <p:spPr>
+              <a:blipFill>
+                <a:blip r:embed="rId2"/>
+                <a:stretch>
+                  <a:fillRect l="-1217" t="-3221"/>
+                </a:stretch>
+              </a:blipFill>
+            </p:spPr>
+            <p:txBody>
+              <a:bodyPr/>
+              <a:lstStyle/>
+              <a:p>
+                <a:r>
+                  <a:rPr lang="zh-CN" altLang="en-US">
+                    <a:noFill/>
+                  </a:rPr>
+                  <a:t> </a:t>
+                </a:r>
+              </a:p>
+            </p:txBody>
+          </p:sp>
+        </mc:Fallback>
+      </mc:AlternateContent>
+    </p:spTree>
+    <p:extLst>
+      <p:ext uri="{BB962C8B-B14F-4D97-AF65-F5344CB8AC3E}">
+        <p14:creationId xmlns:p14="http://schemas.microsoft.com/office/powerpoint/2010/main" val="958515648"/>
+      </p:ext>
+    </p:extLst>
+  </p:cSld>
+  <p:clrMapOvr>
+    <a:masterClrMapping/>
+  </p:clrMapOvr>
+</p:sld>
+</file>
+
+<file path=ppt/slides/slide13.xml><?xml version="1.0" encoding="utf-8"?>
+<p:sld xmlns:a="http://schemas.openxmlformats.org/drawingml/2006/main" xmlns:r="http://schemas.openxmlformats.org/officeDocument/2006/relationships" xmlns:p="http://schemas.openxmlformats.org/presentationml/2006/main">
+  <p:cSld>
+    <p:spTree>
+      <p:nvGrpSpPr>
+        <p:cNvPr id="1" name=""/>
+        <p:cNvGrpSpPr/>
+        <p:nvPr/>
+      </p:nvGrpSpPr>
+      <p:grpSpPr>
+        <a:xfrm>
+          <a:off x="0" y="0"/>
+          <a:ext cx="0" cy="0"/>
+          <a:chOff x="0" y="0"/>
+          <a:chExt cx="0" cy="0"/>
+        </a:xfrm>
+      </p:grpSpPr>
+      <p:sp>
+        <p:nvSpPr>
+          <p:cNvPr id="2" name="标题 1">
+            <a:extLst>
+              <a:ext uri="{FF2B5EF4-FFF2-40B4-BE49-F238E27FC236}">
+                <a16:creationId xmlns:a16="http://schemas.microsoft.com/office/drawing/2014/main" id="{0086BC5F-5487-4F65-9461-1E75F74154A3}"/>
+              </a:ext>
+            </a:extLst>
+          </p:cNvPr>
+          <p:cNvSpPr>
+            <a:spLocks noGrp="1"/>
+          </p:cNvSpPr>
+          <p:nvPr>
+            <p:ph type="title"/>
+          </p:nvPr>
+        </p:nvSpPr>
+        <p:spPr/>
+        <p:txBody>
+          <a:bodyPr/>
+          <a:lstStyle/>
+          <a:p>
+            <a:r>
+              <a:rPr lang="zh-CN" altLang="en-US" dirty="0"/>
+              <a:t>硫酸铝钾</a:t>
+            </a:r>
+          </a:p>
+        </p:txBody>
+      </p:sp>
+      <mc:AlternateContent xmlns:mc="http://schemas.openxmlformats.org/markup-compatibility/2006">
+        <mc:Choice xmlns:a14="http://schemas.microsoft.com/office/drawing/2010/main" Requires="a14">
+          <p:sp>
+            <p:nvSpPr>
+              <p:cNvPr id="3" name="内容占位符 2">
+                <a:extLst>
+                  <a:ext uri="{FF2B5EF4-FFF2-40B4-BE49-F238E27FC236}">
+                    <a16:creationId xmlns:a16="http://schemas.microsoft.com/office/drawing/2014/main" id="{EA93D38E-23A9-46AE-914F-797FCF1C6B0B}"/>
+                  </a:ext>
+                </a:extLst>
+              </p:cNvPr>
+              <p:cNvSpPr>
+                <a:spLocks noGrp="1"/>
+              </p:cNvSpPr>
+              <p:nvPr>
+                <p:ph idx="1"/>
+              </p:nvPr>
+            </p:nvSpPr>
+            <p:spPr/>
+            <p:txBody>
+              <a:bodyPr>
+                <a:normAutofit lnSpcReduction="10000"/>
+              </a:bodyPr>
+              <a:lstStyle/>
+              <a:p>
+                <a:pPr marL="0" indent="0">
+                  <a:buNone/>
+                </a:pPr>
+                <a:r>
+                  <a:rPr lang="en-US" altLang="zh-CN" dirty="0"/>
+                  <a:t>RGB</a:t>
+                </a:r>
+                <a:r>
+                  <a:rPr lang="zh-CN" altLang="en-US" dirty="0"/>
+                  <a:t>算术平均数截图</a:t>
+                </a:r>
+                <a:endParaRPr lang="en-US" altLang="zh-CN" dirty="0"/>
+              </a:p>
+              <a:p>
+                <a:pPr marL="0" indent="0">
+                  <a:buNone/>
+                </a:pPr>
+                <a:endParaRPr lang="en-US" altLang="zh-CN" dirty="0"/>
+              </a:p>
+              <a:p>
+                <a:pPr marL="0" indent="0">
+                  <a:buNone/>
+                </a:pPr>
+                <a:r>
+                  <a:rPr lang="zh-CN" altLang="en-US" dirty="0"/>
+                  <a:t>浓度为</a:t>
+                </a:r>
+                <a:r>
+                  <a:rPr lang="en-US" altLang="zh-CN" dirty="0"/>
+                  <a:t>0</a:t>
+                </a:r>
+                <a:r>
+                  <a:rPr lang="zh-CN" altLang="en-US" dirty="0"/>
+                  <a:t>和浓度为</a:t>
+                </a:r>
+                <a:r>
+                  <a:rPr lang="en-US" altLang="zh-CN" dirty="0"/>
+                  <a:t>0.5ppm</a:t>
+                </a:r>
+                <a:r>
+                  <a:rPr lang="zh-CN" altLang="en-US" dirty="0"/>
+                  <a:t>及以上的差异较大</a:t>
+                </a:r>
+                <a:endParaRPr lang="en-US" altLang="zh-CN" dirty="0"/>
+              </a:p>
+              <a:p>
+                <a:pPr marL="0" indent="0">
+                  <a:buNone/>
+                </a:pPr>
+                <a:r>
+                  <a:rPr lang="zh-CN" altLang="en-US" dirty="0"/>
+                  <a:t>粗略模型</a:t>
+                </a:r>
+                <a:endParaRPr lang="en-US" altLang="zh-CN" i="1" dirty="0"/>
+              </a:p>
+              <a:p>
+                <a:pPr marL="0" indent="0">
+                  <a:buNone/>
+                </a:pPr>
+                <a14:m>
+                  <m:oMathPara xmlns:m="http://schemas.openxmlformats.org/officeDocument/2006/math">
+                    <m:oMathParaPr>
+                      <m:jc m:val="centerGroup"/>
+                    </m:oMathParaPr>
+                    <m:oMath xmlns:m="http://schemas.openxmlformats.org/officeDocument/2006/math">
+                      <m:r>
+                        <a:rPr lang="en-US" altLang="zh-CN" i="1"/>
+                        <m:t>𝑐</m:t>
+                      </m:r>
+                      <m:r>
+                        <a:rPr lang="en-US" altLang="zh-CN" i="1"/>
+                        <m:t>&lt;0.5</m:t>
+                      </m:r>
+                      <m:r>
+                        <a:rPr lang="en-US" altLang="zh-CN"/>
+                        <m:t> </m:t>
+                      </m:r>
+                      <m:r>
+                        <m:rPr>
+                          <m:sty m:val="p"/>
+                        </m:rPr>
+                        <a:rPr lang="en-US" altLang="zh-CN"/>
+                        <m:t>ppm</m:t>
+                      </m:r>
+                      <m:r>
+                        <a:rPr lang="en-US" altLang="zh-CN" i="1"/>
+                        <m:t>,</m:t>
+                      </m:r>
+                      <m:r>
+                        <m:rPr>
+                          <m:sty m:val="p"/>
+                        </m:rPr>
+                        <a:rPr lang="en-US" altLang="zh-CN"/>
+                        <m:t>if</m:t>
+                      </m:r>
+                      <m:r>
+                        <a:rPr lang="en-US" altLang="zh-CN"/>
+                        <m:t> </m:t>
+                      </m:r>
+                      <m:r>
+                        <a:rPr lang="en-US" altLang="zh-CN" i="1"/>
+                        <m:t>𝑎𝑣𝑒𝑟</m:t>
+                      </m:r>
+                      <m:r>
+                        <a:rPr lang="en-US" altLang="zh-CN" i="1"/>
+                        <m:t>(</m:t>
+                      </m:r>
+                      <m:r>
+                        <a:rPr lang="en-US" altLang="zh-CN" i="1"/>
+                        <m:t>𝑅𝐺𝐵</m:t>
+                      </m:r>
+                      <m:r>
+                        <a:rPr lang="en-US" altLang="zh-CN" i="1"/>
+                        <m:t>)&gt;105</m:t>
+                      </m:r>
+                      <m:r>
+                        <a:rPr lang="en-US" altLang="zh-CN"/>
+                        <m:t> </m:t>
+                      </m:r>
+                      <m:r>
+                        <m:rPr>
+                          <m:sty m:val="p"/>
+                        </m:rPr>
+                        <a:rPr lang="en-US" altLang="zh-CN"/>
+                        <m:t>ppm</m:t>
+                      </m:r>
+                    </m:oMath>
+                  </m:oMathPara>
+                </a14:m>
+                <a:endParaRPr lang="zh-CN" altLang="zh-CN" dirty="0"/>
+              </a:p>
+              <a:p>
+                <a:pPr marL="0" indent="0">
+                  <a:buNone/>
+                </a:pPr>
+                <a:endParaRPr lang="en-US" altLang="zh-CN" dirty="0"/>
+              </a:p>
+              <a:p>
+                <a:pPr marL="0" indent="0">
+                  <a:buNone/>
+                </a:pPr>
+                <a:r>
+                  <a:rPr lang="en-US" altLang="zh-CN" dirty="0"/>
+                  <a:t>H,S</a:t>
+                </a:r>
+                <a:r>
+                  <a:rPr lang="zh-CN" altLang="en-US" dirty="0"/>
+                  <a:t>和浓度的图</a:t>
+                </a:r>
+                <a:endParaRPr lang="en-US" altLang="zh-CN" dirty="0"/>
+              </a:p>
+              <a:p>
+                <a:pPr marL="0" indent="0">
+                  <a:buNone/>
+                </a:pPr>
+                <a:endParaRPr lang="en-US" altLang="zh-CN" dirty="0"/>
+              </a:p>
+              <a:p>
+                <a:pPr marL="0" indent="0">
+                  <a:buNone/>
+                </a:pPr>
+                <a:r>
+                  <a:rPr lang="zh-CN" altLang="en-US" dirty="0"/>
+                  <a:t>酶促反应</a:t>
+                </a:r>
+                <a:endParaRPr lang="en-US" altLang="zh-CN" dirty="0"/>
+              </a:p>
+              <a:p>
+                <a:pPr marL="0" indent="0">
+                  <a:buNone/>
+                </a:pPr>
+                <a:endParaRPr lang="en-US" altLang="zh-CN" dirty="0"/>
+              </a:p>
+            </p:txBody>
+          </p:sp>
+        </mc:Choice>
+        <mc:Fallback>
+          <p:sp>
+            <p:nvSpPr>
+              <p:cNvPr id="3" name="内容占位符 2">
+                <a:extLst>
+                  <a:ext uri="{FF2B5EF4-FFF2-40B4-BE49-F238E27FC236}">
+                    <a16:creationId xmlns:a16="http://schemas.microsoft.com/office/drawing/2014/main" id="{EA93D38E-23A9-46AE-914F-797FCF1C6B0B}"/>
+                  </a:ext>
+                </a:extLst>
+              </p:cNvPr>
+              <p:cNvSpPr>
+                <a:spLocks noGrp="1" noRot="1" noChangeAspect="1" noMove="1" noResize="1" noEditPoints="1" noAdjustHandles="1" noChangeArrowheads="1" noChangeShapeType="1" noTextEdit="1"/>
+              </p:cNvSpPr>
+              <p:nvPr>
+                <p:ph idx="1"/>
+              </p:nvPr>
+            </p:nvSpPr>
+            <p:spPr>
+              <a:blipFill>
+                <a:blip r:embed="rId2"/>
+                <a:stretch>
+                  <a:fillRect l="-1217" t="-3221"/>
+                </a:stretch>
+              </a:blipFill>
+            </p:spPr>
+            <p:txBody>
+              <a:bodyPr/>
+              <a:lstStyle/>
+              <a:p>
+                <a:r>
+                  <a:rPr lang="zh-CN" altLang="en-US">
+                    <a:noFill/>
+                  </a:rPr>
+                  <a:t> </a:t>
+                </a:r>
+              </a:p>
+            </p:txBody>
+          </p:sp>
+        </mc:Fallback>
+      </mc:AlternateContent>
+    </p:spTree>
+    <p:extLst>
+      <p:ext uri="{BB962C8B-B14F-4D97-AF65-F5344CB8AC3E}">
+        <p14:creationId xmlns:p14="http://schemas.microsoft.com/office/powerpoint/2010/main" val="3814498487"/>
+      </p:ext>
+    </p:extLst>
+  </p:cSld>
+  <p:clrMapOvr>
+    <a:masterClrMapping/>
+  </p:clrMapOvr>
+</p:sld>
+</file>
+
+<file path=ppt/slides/slide14.xml><?xml version="1.0" encoding="utf-8"?>
+<p:sld xmlns:a="http://schemas.openxmlformats.org/drawingml/2006/main" xmlns:r="http://schemas.openxmlformats.org/officeDocument/2006/relationships" xmlns:p="http://schemas.openxmlformats.org/presentationml/2006/main">
+  <p:cSld>
+    <p:spTree>
+      <p:nvGrpSpPr>
+        <p:cNvPr id="1" name=""/>
+        <p:cNvGrpSpPr/>
+        <p:nvPr/>
+      </p:nvGrpSpPr>
+      <p:grpSpPr>
+        <a:xfrm>
+          <a:off x="0" y="0"/>
+          <a:ext cx="0" cy="0"/>
+          <a:chOff x="0" y="0"/>
+          <a:chExt cx="0" cy="0"/>
+        </a:xfrm>
+      </p:grpSpPr>
+      <p:sp>
+        <p:nvSpPr>
+          <p:cNvPr id="2" name="标题 1">
+            <a:extLst>
+              <a:ext uri="{FF2B5EF4-FFF2-40B4-BE49-F238E27FC236}">
+                <a16:creationId xmlns:a16="http://schemas.microsoft.com/office/drawing/2014/main" id="{32F60FF7-6960-46BD-B211-7DBCB3929EBF}"/>
+              </a:ext>
+            </a:extLst>
+          </p:cNvPr>
+          <p:cNvSpPr>
+            <a:spLocks noGrp="1"/>
+          </p:cNvSpPr>
+          <p:nvPr>
+            <p:ph type="title"/>
+          </p:nvPr>
+        </p:nvSpPr>
+        <p:spPr/>
+        <p:txBody>
+          <a:bodyPr/>
+          <a:lstStyle/>
+          <a:p>
+            <a:r>
+              <a:rPr lang="zh-CN" altLang="en-US" dirty="0"/>
+              <a:t>硫酸铝钾</a:t>
+            </a:r>
+          </a:p>
+        </p:txBody>
+      </p:sp>
+      <mc:AlternateContent xmlns:mc="http://schemas.openxmlformats.org/markup-compatibility/2006">
+        <mc:Choice xmlns:a14="http://schemas.microsoft.com/office/drawing/2010/main" Requires="a14">
+          <p:sp>
+            <p:nvSpPr>
+              <p:cNvPr id="3" name="内容占位符 2">
+                <a:extLst>
+                  <a:ext uri="{FF2B5EF4-FFF2-40B4-BE49-F238E27FC236}">
+                    <a16:creationId xmlns:a16="http://schemas.microsoft.com/office/drawing/2014/main" id="{267DE65F-627B-44F9-ADC7-9BB61EF2EBF4}"/>
+                  </a:ext>
+                </a:extLst>
+              </p:cNvPr>
+              <p:cNvSpPr>
+                <a:spLocks noGrp="1"/>
+              </p:cNvSpPr>
+              <p:nvPr>
+                <p:ph idx="1"/>
+              </p:nvPr>
+            </p:nvSpPr>
+            <p:spPr/>
+            <p:txBody>
+              <a:bodyPr/>
+              <a:lstStyle/>
+              <a:p>
+                <a:pPr marL="0" indent="0">
+                  <a:buNone/>
+                </a:pPr>
+                <a:r>
+                  <a:rPr lang="zh-CN" altLang="en-US" dirty="0"/>
+                  <a:t>指数增长模型</a:t>
+                </a:r>
+                <a14:m>
+                  <m:oMath xmlns:m="http://schemas.openxmlformats.org/officeDocument/2006/math">
+                    <m:r>
+                      <a:rPr lang="en-US" altLang="zh-CN" b="0" i="0" smtClean="0">
+                        <a:latin typeface="Cambria Math" panose="02040503050406030204" pitchFamily="18" charset="0"/>
+                      </a:rPr>
+                      <m:t>          </m:t>
+                    </m:r>
+                    <m:r>
+                      <a:rPr lang="en-US" altLang="zh-CN" i="1"/>
+                      <m:t>𝑦</m:t>
+                    </m:r>
+                    <m:r>
+                      <a:rPr lang="en-US" altLang="zh-CN" i="1"/>
+                      <m:t>=</m:t>
+                    </m:r>
+                    <m:sSub>
+                      <m:sSubPr>
+                        <m:ctrlPr>
+                          <a:rPr lang="zh-CN" altLang="zh-CN" i="1"/>
+                        </m:ctrlPr>
+                      </m:sSubPr>
+                      <m:e>
+                        <m:r>
+                          <a:rPr lang="en-US" altLang="zh-CN" i="1"/>
+                          <m:t>𝛽</m:t>
+                        </m:r>
+                      </m:e>
+                      <m:sub>
+                        <m:r>
+                          <a:rPr lang="en-US" altLang="zh-CN" i="1"/>
+                          <m:t>0</m:t>
+                        </m:r>
+                      </m:sub>
+                    </m:sSub>
+                    <m:d>
+                      <m:dPr>
+                        <m:ctrlPr>
+                          <a:rPr lang="en-US" altLang="zh-CN" i="1">
+                            <a:latin typeface="Cambria Math" panose="02040503050406030204" pitchFamily="18" charset="0"/>
+                          </a:rPr>
+                        </m:ctrlPr>
+                      </m:dPr>
+                      <m:e>
+                        <m:r>
+                          <a:rPr lang="en-US" altLang="zh-CN" i="1"/>
+                          <m:t>1−</m:t>
+                        </m:r>
+                        <m:sSup>
+                          <m:sSupPr>
+                            <m:ctrlPr>
+                              <a:rPr lang="zh-CN" altLang="zh-CN" i="1"/>
+                            </m:ctrlPr>
+                          </m:sSupPr>
+                          <m:e>
+                            <m:r>
+                              <a:rPr lang="en-US" altLang="zh-CN" i="1"/>
+                              <m:t>𝑒</m:t>
+                            </m:r>
+                          </m:e>
+                          <m:sup>
+                            <m:r>
+                              <a:rPr lang="en-US" altLang="zh-CN" i="1"/>
+                              <m:t>−</m:t>
+                            </m:r>
+                            <m:sSub>
+                              <m:sSubPr>
+                                <m:ctrlPr>
+                                  <a:rPr lang="zh-CN" altLang="zh-CN" i="1"/>
+                                </m:ctrlPr>
+                              </m:sSubPr>
+                              <m:e>
+                                <m:r>
+                                  <a:rPr lang="en-US" altLang="zh-CN" i="1"/>
+                                  <m:t>𝛽</m:t>
+                                </m:r>
+                              </m:e>
+                              <m:sub>
+                                <m:r>
+                                  <a:rPr lang="en-US" altLang="zh-CN" i="1"/>
+                                  <m:t>1</m:t>
+                                </m:r>
+                              </m:sub>
+                            </m:sSub>
+                            <m:r>
+                              <a:rPr lang="en-US" altLang="zh-CN" i="1"/>
+                              <m:t>𝑥</m:t>
+                            </m:r>
+                          </m:sup>
+                        </m:sSup>
+                      </m:e>
+                    </m:d>
+                  </m:oMath>
+                </a14:m>
+                <a:endParaRPr lang="en-US" altLang="zh-CN" i="1" dirty="0">
+                  <a:latin typeface="Cambria Math" panose="02040503050406030204" pitchFamily="18" charset="0"/>
+                </a:endParaRPr>
+              </a:p>
+              <a:p>
+                <a:pPr marL="0" indent="0">
+                  <a:buNone/>
+                </a:pPr>
+                <a:r>
+                  <a:rPr lang="en-US" altLang="zh-CN" i="1" dirty="0"/>
+                  <a:t>Michaelis-Menten </a:t>
+                </a:r>
+                <a:r>
+                  <a:rPr lang="zh-CN" altLang="en-US" dirty="0"/>
+                  <a:t>模型</a:t>
+                </a:r>
+                <a:endParaRPr lang="en-US" altLang="zh-CN" dirty="0"/>
+              </a:p>
+              <a:p>
+                <a:pPr marL="0" indent="0">
+                  <a:buNone/>
+                </a:pPr>
+                <a14:m>
+                  <m:oMathPara xmlns:m="http://schemas.openxmlformats.org/officeDocument/2006/math">
+                    <m:oMathParaPr>
+                      <m:jc m:val="centerGroup"/>
+                    </m:oMathParaPr>
+                    <m:oMath xmlns:m="http://schemas.openxmlformats.org/officeDocument/2006/math">
+                      <m:r>
+                        <a:rPr lang="en-US" altLang="zh-CN" i="1"/>
+                        <m:t>𝑦</m:t>
+                      </m:r>
+                      <m:r>
+                        <a:rPr lang="en-US" altLang="zh-CN" i="1"/>
+                        <m:t>=</m:t>
+                      </m:r>
+                      <m:f>
+                        <m:fPr>
+                          <m:ctrlPr>
+                            <a:rPr lang="zh-CN" altLang="zh-CN" i="1"/>
+                          </m:ctrlPr>
+                        </m:fPr>
+                        <m:num>
+                          <m:sSub>
+                            <m:sSubPr>
+                              <m:ctrlPr>
+                                <a:rPr lang="zh-CN" altLang="zh-CN" i="1"/>
+                              </m:ctrlPr>
+                            </m:sSubPr>
+                            <m:e>
+                              <m:r>
+                                <a:rPr lang="en-US" altLang="zh-CN" i="1"/>
+                                <m:t>𝛽</m:t>
+                              </m:r>
+                            </m:e>
+                            <m:sub>
+                              <m:r>
+                                <a:rPr lang="en-US" altLang="zh-CN" i="1"/>
+                                <m:t>0</m:t>
+                              </m:r>
+                            </m:sub>
+                          </m:sSub>
+                          <m:r>
+                            <a:rPr lang="en-US" altLang="zh-CN" i="1"/>
+                            <m:t>𝑥</m:t>
+                          </m:r>
+                        </m:num>
+                        <m:den>
+                          <m:sSub>
+                            <m:sSubPr>
+                              <m:ctrlPr>
+                                <a:rPr lang="zh-CN" altLang="zh-CN" i="1"/>
+                              </m:ctrlPr>
+                            </m:sSubPr>
+                            <m:e>
+                              <m:r>
+                                <a:rPr lang="en-US" altLang="zh-CN" i="1"/>
+                                <m:t>𝛽</m:t>
+                              </m:r>
+                            </m:e>
+                            <m:sub>
+                              <m:r>
+                                <a:rPr lang="en-US" altLang="zh-CN" i="1"/>
+                                <m:t>1</m:t>
+                              </m:r>
+                            </m:sub>
+                          </m:sSub>
+                          <m:r>
+                            <a:rPr lang="en-US" altLang="zh-CN" i="1"/>
+                            <m:t>+</m:t>
+                          </m:r>
+                          <m:r>
+                            <a:rPr lang="en-US" altLang="zh-CN" i="1"/>
+                            <m:t>𝑥</m:t>
+                          </m:r>
+                        </m:den>
+                      </m:f>
+                    </m:oMath>
+                  </m:oMathPara>
+                </a14:m>
+                <a:endParaRPr lang="en-US" altLang="zh-CN" i="1" dirty="0">
+                  <a:latin typeface="Cambria Math" panose="02040503050406030204" pitchFamily="18" charset="0"/>
+                </a:endParaRPr>
+              </a:p>
+              <a:p>
+                <a:pPr marL="0" indent="0">
+                  <a:buNone/>
+                </a:pPr>
+                <a:r>
+                  <a:rPr lang="zh-CN" altLang="en-US" dirty="0"/>
+                  <a:t>指数增长模型</a:t>
+                </a:r>
+                <a:r>
+                  <a:rPr lang="en-US" altLang="zh-CN" dirty="0"/>
+                  <a:t>H</a:t>
+                </a:r>
+                <a:r>
+                  <a:rPr lang="zh-CN" altLang="en-US" dirty="0"/>
+                  <a:t>值和</a:t>
+                </a:r>
+                <a:r>
+                  <a:rPr lang="en-US" altLang="zh-CN" dirty="0"/>
+                  <a:t>S</a:t>
+                </a:r>
+                <a:r>
+                  <a:rPr lang="zh-CN" altLang="en-US" dirty="0"/>
+                  <a:t>值回归结果</a:t>
+                </a:r>
+                <a:endParaRPr lang="en-US" altLang="zh-CN" dirty="0"/>
+              </a:p>
+              <a:p>
+                <a:pPr marL="0" indent="0">
+                  <a:buNone/>
+                </a:pPr>
+                <a:endParaRPr lang="zh-CN" altLang="zh-CN" dirty="0"/>
+              </a:p>
+              <a:p>
+                <a:pPr marL="0" indent="0">
+                  <a:buNone/>
+                </a:pPr>
+                <a:endParaRPr lang="zh-CN" altLang="zh-CN" dirty="0"/>
+              </a:p>
+            </p:txBody>
+          </p:sp>
+        </mc:Choice>
+        <mc:Fallback>
+          <p:sp>
+            <p:nvSpPr>
+              <p:cNvPr id="3" name="内容占位符 2">
+                <a:extLst>
+                  <a:ext uri="{FF2B5EF4-FFF2-40B4-BE49-F238E27FC236}">
+                    <a16:creationId xmlns:a16="http://schemas.microsoft.com/office/drawing/2014/main" id="{267DE65F-627B-44F9-ADC7-9BB61EF2EBF4}"/>
+                  </a:ext>
+                </a:extLst>
+              </p:cNvPr>
+              <p:cNvSpPr>
+                <a:spLocks noGrp="1" noRot="1" noChangeAspect="1" noMove="1" noResize="1" noEditPoints="1" noAdjustHandles="1" noChangeArrowheads="1" noChangeShapeType="1" noTextEdit="1"/>
+              </p:cNvSpPr>
+              <p:nvPr>
+                <p:ph idx="1"/>
+              </p:nvPr>
+            </p:nvSpPr>
+            <p:spPr>
+              <a:blipFill>
+                <a:blip r:embed="rId2"/>
+                <a:stretch>
+                  <a:fillRect l="-1217" t="-1681"/>
+                </a:stretch>
+              </a:blipFill>
+            </p:spPr>
+            <p:txBody>
+              <a:bodyPr/>
+              <a:lstStyle/>
+              <a:p>
+                <a:r>
+                  <a:rPr lang="zh-CN" altLang="en-US">
+                    <a:noFill/>
+                  </a:rPr>
+                  <a:t> </a:t>
+                </a:r>
+              </a:p>
+            </p:txBody>
+          </p:sp>
+        </mc:Fallback>
+      </mc:AlternateContent>
+    </p:spTree>
+    <p:extLst>
+      <p:ext uri="{BB962C8B-B14F-4D97-AF65-F5344CB8AC3E}">
+        <p14:creationId xmlns:p14="http://schemas.microsoft.com/office/powerpoint/2010/main" val="3376181955"/>
+      </p:ext>
+    </p:extLst>
+  </p:cSld>
+  <p:clrMapOvr>
+    <a:masterClrMapping/>
+  </p:clrMapOvr>
+</p:sld>
+</file>
+
+<file path=ppt/slides/slide15.xml><?xml version="1.0" encoding="utf-8"?>
+<p:sld xmlns:a="http://schemas.openxmlformats.org/drawingml/2006/main" xmlns:r="http://schemas.openxmlformats.org/officeDocument/2006/relationships" xmlns:p="http://schemas.openxmlformats.org/presentationml/2006/main">
+  <p:cSld>
+    <p:spTree>
+      <p:nvGrpSpPr>
+        <p:cNvPr id="1" name=""/>
+        <p:cNvGrpSpPr/>
+        <p:nvPr/>
+      </p:nvGrpSpPr>
+      <p:grpSpPr>
+        <a:xfrm>
+          <a:off x="0" y="0"/>
+          <a:ext cx="0" cy="0"/>
+          <a:chOff x="0" y="0"/>
+          <a:chExt cx="0" cy="0"/>
+        </a:xfrm>
+      </p:grpSpPr>
+      <p:sp>
+        <p:nvSpPr>
+          <p:cNvPr id="2" name="标题 1">
+            <a:extLst>
+              <a:ext uri="{FF2B5EF4-FFF2-40B4-BE49-F238E27FC236}">
+                <a16:creationId xmlns:a16="http://schemas.microsoft.com/office/drawing/2014/main" id="{51F706ED-A697-4ED7-9927-DF45D10E3F2D}"/>
+              </a:ext>
+            </a:extLst>
+          </p:cNvPr>
+          <p:cNvSpPr>
+            <a:spLocks noGrp="1"/>
+          </p:cNvSpPr>
+          <p:nvPr>
+            <p:ph type="title"/>
+          </p:nvPr>
+        </p:nvSpPr>
+        <p:spPr/>
+        <p:txBody>
+          <a:bodyPr/>
+          <a:lstStyle/>
+          <a:p>
+            <a:r>
+              <a:rPr lang="zh-CN" altLang="en-US" dirty="0"/>
+              <a:t>硫酸铝钾</a:t>
+            </a:r>
+          </a:p>
+        </p:txBody>
+      </p:sp>
+      <mc:AlternateContent xmlns:mc="http://schemas.openxmlformats.org/markup-compatibility/2006">
+        <mc:Choice xmlns:a14="http://schemas.microsoft.com/office/drawing/2010/main" Requires="a14">
+          <p:sp>
+            <p:nvSpPr>
+              <p:cNvPr id="3" name="内容占位符 2">
+                <a:extLst>
+                  <a:ext uri="{FF2B5EF4-FFF2-40B4-BE49-F238E27FC236}">
+                    <a16:creationId xmlns:a16="http://schemas.microsoft.com/office/drawing/2014/main" id="{3B367392-B5D9-45DD-B84E-86F862D6C8F0}"/>
+                  </a:ext>
+                </a:extLst>
+              </p:cNvPr>
+              <p:cNvSpPr>
+                <a:spLocks noGrp="1"/>
+              </p:cNvSpPr>
+              <p:nvPr>
+                <p:ph idx="1"/>
+              </p:nvPr>
+            </p:nvSpPr>
+            <p:spPr/>
+            <p:txBody>
+              <a:bodyPr/>
+              <a:lstStyle/>
+              <a:p>
+                <a:pPr marL="0" indent="0">
+                  <a:buNone/>
+                </a:pPr>
+                <a:r>
+                  <a:rPr lang="en-US" altLang="zh-CN" i="1" dirty="0"/>
+                  <a:t>Michaelis-Menten </a:t>
+                </a:r>
+                <a:r>
+                  <a:rPr lang="zh-CN" altLang="en-US" dirty="0"/>
+                  <a:t>模型</a:t>
+                </a:r>
+                <a:endParaRPr lang="en-US" altLang="zh-CN" dirty="0"/>
+              </a:p>
+              <a:p>
+                <a:pPr marL="0" indent="0">
+                  <a:buNone/>
+                </a:pPr>
+                <a14:m>
+                  <m:oMathPara xmlns:m="http://schemas.openxmlformats.org/officeDocument/2006/math">
+                    <m:oMathParaPr>
+                      <m:jc m:val="centerGroup"/>
+                    </m:oMathParaPr>
+                    <m:oMath xmlns:m="http://schemas.openxmlformats.org/officeDocument/2006/math">
+                      <m:r>
+                        <a:rPr lang="en-US" altLang="zh-CN" i="1"/>
+                        <m:t>𝑦</m:t>
+                      </m:r>
+                      <m:r>
+                        <a:rPr lang="en-US" altLang="zh-CN" i="1"/>
+                        <m:t>=</m:t>
+                      </m:r>
+                      <m:f>
+                        <m:fPr>
+                          <m:ctrlPr>
+                            <a:rPr lang="zh-CN" altLang="zh-CN" i="1"/>
+                          </m:ctrlPr>
+                        </m:fPr>
+                        <m:num>
+                          <m:sSub>
+                            <m:sSubPr>
+                              <m:ctrlPr>
+                                <a:rPr lang="zh-CN" altLang="zh-CN" i="1"/>
+                              </m:ctrlPr>
+                            </m:sSubPr>
+                            <m:e>
+                              <m:r>
+                                <a:rPr lang="en-US" altLang="zh-CN" i="1"/>
+                                <m:t>𝛽</m:t>
+                              </m:r>
+                            </m:e>
+                            <m:sub>
+                              <m:r>
+                                <a:rPr lang="en-US" altLang="zh-CN" i="1"/>
+                                <m:t>0</m:t>
+                              </m:r>
+                            </m:sub>
+                          </m:sSub>
+                          <m:r>
+                            <a:rPr lang="en-US" altLang="zh-CN" i="1"/>
+                            <m:t>𝑥</m:t>
+                          </m:r>
+                        </m:num>
+                        <m:den>
+                          <m:sSub>
+                            <m:sSubPr>
+                              <m:ctrlPr>
+                                <a:rPr lang="zh-CN" altLang="zh-CN" i="1"/>
+                              </m:ctrlPr>
+                            </m:sSubPr>
+                            <m:e>
+                              <m:r>
+                                <a:rPr lang="en-US" altLang="zh-CN" i="1"/>
+                                <m:t>𝛽</m:t>
+                              </m:r>
+                            </m:e>
+                            <m:sub>
+                              <m:r>
+                                <a:rPr lang="en-US" altLang="zh-CN" i="1"/>
+                                <m:t>1</m:t>
+                              </m:r>
+                            </m:sub>
+                          </m:sSub>
+                          <m:r>
+                            <a:rPr lang="en-US" altLang="zh-CN" i="1"/>
+                            <m:t>+</m:t>
+                          </m:r>
+                          <m:r>
+                            <a:rPr lang="en-US" altLang="zh-CN" i="1"/>
+                            <m:t>𝑥</m:t>
+                          </m:r>
+                        </m:den>
+                      </m:f>
+                      <m:r>
+                        <a:rPr lang="en-US" altLang="zh-CN" i="1"/>
+                        <m:t>+</m:t>
+                      </m:r>
+                      <m:sSub>
+                        <m:sSubPr>
+                          <m:ctrlPr>
+                            <a:rPr lang="zh-CN" altLang="zh-CN" i="1"/>
+                          </m:ctrlPr>
+                        </m:sSubPr>
+                        <m:e>
+                          <m:r>
+                            <a:rPr lang="en-US" altLang="zh-CN" i="1"/>
+                            <m:t>𝛽</m:t>
+                          </m:r>
+                        </m:e>
+                        <m:sub>
+                          <m:r>
+                            <a:rPr lang="en-US" altLang="zh-CN" i="1"/>
+                            <m:t>3</m:t>
+                          </m:r>
+                        </m:sub>
+                      </m:sSub>
+                    </m:oMath>
+                  </m:oMathPara>
+                </a14:m>
+                <a:endParaRPr lang="zh-CN" altLang="zh-CN" dirty="0"/>
+              </a:p>
+              <a:p>
+                <a:pPr marL="0" indent="0">
+                  <a:buNone/>
+                </a:pPr>
+                <a:r>
+                  <a:rPr lang="zh-CN" altLang="en-US" dirty="0"/>
+                  <a:t>结果图</a:t>
+                </a:r>
+              </a:p>
+            </p:txBody>
+          </p:sp>
+        </mc:Choice>
+        <mc:Fallback>
+          <p:sp>
+            <p:nvSpPr>
+              <p:cNvPr id="3" name="内容占位符 2">
+                <a:extLst>
+                  <a:ext uri="{FF2B5EF4-FFF2-40B4-BE49-F238E27FC236}">
+                    <a16:creationId xmlns:a16="http://schemas.microsoft.com/office/drawing/2014/main" id="{3B367392-B5D9-45DD-B84E-86F862D6C8F0}"/>
+                  </a:ext>
+                </a:extLst>
+              </p:cNvPr>
+              <p:cNvSpPr>
+                <a:spLocks noGrp="1" noRot="1" noChangeAspect="1" noMove="1" noResize="1" noEditPoints="1" noAdjustHandles="1" noChangeArrowheads="1" noChangeShapeType="1" noTextEdit="1"/>
+              </p:cNvSpPr>
+              <p:nvPr>
+                <p:ph idx="1"/>
+              </p:nvPr>
+            </p:nvSpPr>
+            <p:spPr>
+              <a:blipFill>
+                <a:blip r:embed="rId2"/>
+                <a:stretch>
+                  <a:fillRect l="-1217" t="-2521"/>
+                </a:stretch>
+              </a:blipFill>
+            </p:spPr>
+            <p:txBody>
+              <a:bodyPr/>
+              <a:lstStyle/>
+              <a:p>
+                <a:r>
+                  <a:rPr lang="zh-CN" altLang="en-US">
+                    <a:noFill/>
+                  </a:rPr>
+                  <a:t> </a:t>
+                </a:r>
+              </a:p>
+            </p:txBody>
+          </p:sp>
+        </mc:Fallback>
+      </mc:AlternateContent>
+    </p:spTree>
+    <p:extLst>
+      <p:ext uri="{BB962C8B-B14F-4D97-AF65-F5344CB8AC3E}">
+        <p14:creationId xmlns:p14="http://schemas.microsoft.com/office/powerpoint/2010/main" val="2854942502"/>
+      </p:ext>
+    </p:extLst>
+  </p:cSld>
+  <p:clrMapOvr>
+    <a:masterClrMapping/>
+  </p:clrMapOvr>
+</p:sld>
+</file>
+
+<file path=ppt/slides/slide16.xml><?xml version="1.0" encoding="utf-8"?>
+<p:sld xmlns:a="http://schemas.openxmlformats.org/drawingml/2006/main" xmlns:r="http://schemas.openxmlformats.org/officeDocument/2006/relationships" xmlns:p="http://schemas.openxmlformats.org/presentationml/2006/main">
+  <p:cSld>
+    <p:spTree>
+      <p:nvGrpSpPr>
+        <p:cNvPr id="1" name=""/>
+        <p:cNvGrpSpPr/>
+        <p:nvPr/>
+      </p:nvGrpSpPr>
+      <p:grpSpPr>
+        <a:xfrm>
+          <a:off x="0" y="0"/>
+          <a:ext cx="0" cy="0"/>
+          <a:chOff x="0" y="0"/>
+          <a:chExt cx="0" cy="0"/>
+        </a:xfrm>
+      </p:grpSpPr>
+      <p:sp>
+        <p:nvSpPr>
+          <p:cNvPr id="2" name="标题 1">
+            <a:extLst>
+              <a:ext uri="{FF2B5EF4-FFF2-40B4-BE49-F238E27FC236}">
+                <a16:creationId xmlns:a16="http://schemas.microsoft.com/office/drawing/2014/main" id="{8F1E552A-C442-4410-B98C-9057F6340271}"/>
+              </a:ext>
+            </a:extLst>
+          </p:cNvPr>
+          <p:cNvSpPr>
+            <a:spLocks noGrp="1"/>
+          </p:cNvSpPr>
+          <p:nvPr>
+            <p:ph type="title"/>
+          </p:nvPr>
+        </p:nvSpPr>
+        <p:spPr/>
+        <p:txBody>
+          <a:bodyPr/>
+          <a:lstStyle/>
+          <a:p>
+            <a:r>
+              <a:rPr lang="zh-CN" altLang="en-US" dirty="0"/>
+              <a:t>奶中尿素</a:t>
+            </a:r>
+          </a:p>
+        </p:txBody>
+      </p:sp>
+      <mc:AlternateContent xmlns:mc="http://schemas.openxmlformats.org/markup-compatibility/2006">
+        <mc:Choice xmlns:a14="http://schemas.microsoft.com/office/drawing/2010/main" Requires="a14">
+          <p:sp>
+            <p:nvSpPr>
+              <p:cNvPr id="3" name="内容占位符 2">
+                <a:extLst>
+                  <a:ext uri="{FF2B5EF4-FFF2-40B4-BE49-F238E27FC236}">
+                    <a16:creationId xmlns:a16="http://schemas.microsoft.com/office/drawing/2014/main" id="{1D44C697-38F3-4423-A766-6E3402FA87D2}"/>
+                  </a:ext>
+                </a:extLst>
+              </p:cNvPr>
+              <p:cNvSpPr>
+                <a:spLocks noGrp="1"/>
+              </p:cNvSpPr>
+              <p:nvPr>
+                <p:ph idx="1"/>
+              </p:nvPr>
+            </p:nvSpPr>
+            <p:spPr/>
+            <p:txBody>
+              <a:bodyPr/>
+              <a:lstStyle/>
+              <a:p>
+                <a:pPr marL="0" indent="0">
+                  <a:buNone/>
+                </a:pPr>
+                <a:r>
+                  <a:rPr lang="zh-CN" altLang="en-US" dirty="0"/>
+                  <a:t>相关性表格截图</a:t>
+                </a:r>
+                <a:endParaRPr lang="en-US" altLang="zh-CN" dirty="0"/>
+              </a:p>
+              <a:p>
+                <a:pPr marL="0" indent="0">
+                  <a:buNone/>
+                </a:pPr>
+                <a:endParaRPr lang="en-US" altLang="zh-CN" dirty="0"/>
+              </a:p>
+              <a:p>
+                <a:pPr marL="0" indent="0">
+                  <a:buNone/>
+                </a:pPr>
+                <a:endParaRPr lang="en-US" altLang="zh-CN" dirty="0"/>
+              </a:p>
+              <a:p>
+                <a:pPr marL="0" indent="0">
+                  <a:buNone/>
+                </a:pPr>
+                <a:r>
+                  <a:rPr lang="en-US" altLang="zh-CN" dirty="0"/>
+                  <a:t>B</a:t>
+                </a:r>
+                <a:r>
+                  <a:rPr lang="zh-CN" altLang="en-US" dirty="0"/>
+                  <a:t>值相关性</a:t>
+                </a:r>
+                <a:r>
+                  <a:rPr lang="en-US" altLang="zh-CN" dirty="0"/>
+                  <a:t>max</a:t>
+                </a:r>
+              </a:p>
+              <a:p>
+                <a:pPr marL="0" indent="0">
+                  <a:buNone/>
+                </a:pPr>
+                <a14:m>
+                  <m:oMathPara xmlns:m="http://schemas.openxmlformats.org/officeDocument/2006/math">
+                    <m:oMathParaPr>
+                      <m:jc m:val="centerGroup"/>
+                    </m:oMathParaPr>
+                    <m:oMath xmlns:m="http://schemas.openxmlformats.org/officeDocument/2006/math">
+                      <m:r>
+                        <a:rPr lang="en-US" altLang="zh-CN" i="1"/>
+                        <m:t>𝑦</m:t>
+                      </m:r>
+                      <m:r>
+                        <a:rPr lang="en-US" altLang="zh-CN" i="1"/>
+                        <m:t>=−129.7</m:t>
+                      </m:r>
+                      <m:r>
+                        <a:rPr lang="en-US" altLang="zh-CN" i="1"/>
+                        <m:t>𝑥</m:t>
+                      </m:r>
+                      <m:r>
+                        <a:rPr lang="en-US" altLang="zh-CN" i="1"/>
+                        <m:t>+1.549</m:t>
+                      </m:r>
+                      <m:r>
+                        <a:rPr lang="en-US" altLang="zh-CN" i="1"/>
+                        <m:t>𝑒</m:t>
+                      </m:r>
+                      <m:r>
+                        <a:rPr lang="en-US" altLang="zh-CN" i="1"/>
+                        <m:t>+04</m:t>
+                      </m:r>
+                    </m:oMath>
+                  </m:oMathPara>
+                </a14:m>
+                <a:endParaRPr lang="zh-CN" altLang="zh-CN" dirty="0"/>
+              </a:p>
+              <a:p>
+                <a:pPr marL="0" indent="0">
+                  <a:buNone/>
+                </a:pPr>
+                <a:endParaRPr lang="zh-CN" altLang="en-US" dirty="0"/>
+              </a:p>
+            </p:txBody>
+          </p:sp>
+        </mc:Choice>
+        <mc:Fallback>
+          <p:sp>
+            <p:nvSpPr>
+              <p:cNvPr id="3" name="内容占位符 2">
+                <a:extLst>
+                  <a:ext uri="{FF2B5EF4-FFF2-40B4-BE49-F238E27FC236}">
+                    <a16:creationId xmlns:a16="http://schemas.microsoft.com/office/drawing/2014/main" id="{1D44C697-38F3-4423-A766-6E3402FA87D2}"/>
+                  </a:ext>
+                </a:extLst>
+              </p:cNvPr>
+              <p:cNvSpPr>
+                <a:spLocks noGrp="1" noRot="1" noChangeAspect="1" noMove="1" noResize="1" noEditPoints="1" noAdjustHandles="1" noChangeArrowheads="1" noChangeShapeType="1" noTextEdit="1"/>
+              </p:cNvSpPr>
+              <p:nvPr>
+                <p:ph idx="1"/>
+              </p:nvPr>
+            </p:nvSpPr>
+            <p:spPr>
+              <a:blipFill>
+                <a:blip r:embed="rId2"/>
+                <a:stretch>
+                  <a:fillRect l="-1217" t="-2521"/>
+                </a:stretch>
+              </a:blipFill>
+            </p:spPr>
+            <p:txBody>
+              <a:bodyPr/>
+              <a:lstStyle/>
+              <a:p>
+                <a:r>
+                  <a:rPr lang="zh-CN" altLang="en-US">
+                    <a:noFill/>
+                  </a:rPr>
+                  <a:t> </a:t>
+                </a:r>
+              </a:p>
+            </p:txBody>
+          </p:sp>
+        </mc:Fallback>
+      </mc:AlternateContent>
+    </p:spTree>
+    <p:extLst>
+      <p:ext uri="{BB962C8B-B14F-4D97-AF65-F5344CB8AC3E}">
+        <p14:creationId xmlns:p14="http://schemas.microsoft.com/office/powerpoint/2010/main" val="1231777131"/>
+      </p:ext>
+    </p:extLst>
+  </p:cSld>
+  <p:clrMapOvr>
+    <a:masterClrMapping/>
+  </p:clrMapOvr>
+</p:sld>
+</file>
+
+<file path=ppt/slides/slide17.xml><?xml version="1.0" encoding="utf-8"?>
+<p:sld xmlns:a="http://schemas.openxmlformats.org/drawingml/2006/main" xmlns:r="http://schemas.openxmlformats.org/officeDocument/2006/relationships" xmlns:p="http://schemas.openxmlformats.org/presentationml/2006/main">
+  <p:cSld>
+    <p:spTree>
+      <p:nvGrpSpPr>
+        <p:cNvPr id="1" name=""/>
+        <p:cNvGrpSpPr/>
+        <p:nvPr/>
+      </p:nvGrpSpPr>
+      <p:grpSpPr>
+        <a:xfrm>
+          <a:off x="0" y="0"/>
+          <a:ext cx="0" cy="0"/>
+          <a:chOff x="0" y="0"/>
+          <a:chExt cx="0" cy="0"/>
+        </a:xfrm>
+      </p:grpSpPr>
+      <p:sp>
+        <p:nvSpPr>
+          <p:cNvPr id="2" name="标题 1">
+            <a:extLst>
+              <a:ext uri="{FF2B5EF4-FFF2-40B4-BE49-F238E27FC236}">
+                <a16:creationId xmlns:a16="http://schemas.microsoft.com/office/drawing/2014/main" id="{F474E57E-6326-4892-BC2D-4A8B6E61962A}"/>
+              </a:ext>
+            </a:extLst>
+          </p:cNvPr>
+          <p:cNvSpPr>
+            <a:spLocks noGrp="1"/>
+          </p:cNvSpPr>
+          <p:nvPr>
+            <p:ph type="title"/>
+          </p:nvPr>
+        </p:nvSpPr>
+        <p:spPr/>
+        <p:txBody>
+          <a:bodyPr/>
+          <a:lstStyle/>
+          <a:p>
+            <a:r>
+              <a:rPr lang="zh-CN" altLang="en-US" dirty="0"/>
+              <a:t>数据质量评价</a:t>
+            </a:r>
+          </a:p>
+        </p:txBody>
+      </p:sp>
+      <mc:AlternateContent xmlns:mc="http://schemas.openxmlformats.org/markup-compatibility/2006">
+        <mc:Choice xmlns:a14="http://schemas.microsoft.com/office/drawing/2010/main" Requires="a14">
+          <p:sp>
+            <p:nvSpPr>
+              <p:cNvPr id="3" name="内容占位符 2">
+                <a:extLst>
+                  <a:ext uri="{FF2B5EF4-FFF2-40B4-BE49-F238E27FC236}">
+                    <a16:creationId xmlns:a16="http://schemas.microsoft.com/office/drawing/2014/main" id="{0DC92CD5-B2F6-44B8-8985-8A1351F1F4A5}"/>
+                  </a:ext>
+                </a:extLst>
+              </p:cNvPr>
+              <p:cNvSpPr>
+                <a:spLocks noGrp="1"/>
+              </p:cNvSpPr>
+              <p:nvPr>
+                <p:ph idx="1"/>
+              </p:nvPr>
+            </p:nvSpPr>
+            <p:spPr/>
+            <p:txBody>
+              <a:bodyPr>
+                <a:normAutofit/>
+              </a:bodyPr>
+              <a:lstStyle/>
+              <a:p>
+                <a:pPr marL="0" indent="0">
+                  <a:buNone/>
+                </a:pPr>
+                <a:r>
+                  <a:rPr lang="zh-CN" altLang="en-US" dirty="0"/>
+                  <a:t>定义数据质量评价模型：</a:t>
+                </a:r>
+                <a:endParaRPr lang="en-US" altLang="zh-CN" dirty="0"/>
+              </a:p>
+              <a:p>
+                <a:pPr marL="0" indent="0">
+                  <a:buNone/>
+                </a:pPr>
+                <a:r>
+                  <a:rPr lang="zh-CN" altLang="en-US" dirty="0"/>
+                  <a:t>数据质量</a:t>
+                </a:r>
+                <a:r>
+                  <a:rPr lang="en-US" altLang="zh-CN" dirty="0"/>
+                  <a:t>=</a:t>
+                </a:r>
+                <a:r>
+                  <a:rPr lang="zh-CN" altLang="en-US" dirty="0"/>
+                  <a:t>系数</a:t>
+                </a:r>
+                <a:r>
+                  <a:rPr lang="en-US" altLang="zh-CN" dirty="0"/>
+                  <a:t>1*</a:t>
+                </a:r>
+                <a:r>
+                  <a:rPr lang="zh-CN" altLang="en-US" dirty="0"/>
+                  <a:t>准确度</a:t>
+                </a:r>
+                <a:r>
+                  <a:rPr lang="en-US" altLang="zh-CN" dirty="0"/>
+                  <a:t>+</a:t>
+                </a:r>
+                <a:r>
+                  <a:rPr lang="zh-CN" altLang="en-US" dirty="0"/>
+                  <a:t>系数</a:t>
+                </a:r>
+                <a:r>
+                  <a:rPr lang="en-US" altLang="zh-CN" dirty="0"/>
+                  <a:t>2*</a:t>
+                </a:r>
+                <a:r>
+                  <a:rPr lang="zh-CN" altLang="en-US" dirty="0"/>
+                  <a:t>稳定度</a:t>
+                </a:r>
+                <a:r>
+                  <a:rPr lang="en-US" altLang="zh-CN" dirty="0"/>
+                  <a:t>+</a:t>
+                </a:r>
+                <a:r>
+                  <a:rPr lang="zh-CN" altLang="en-US" dirty="0"/>
+                  <a:t>系数</a:t>
+                </a:r>
+                <a:r>
+                  <a:rPr lang="en-US" altLang="zh-CN" dirty="0"/>
+                  <a:t>3*</a:t>
+                </a:r>
+                <a:r>
+                  <a:rPr lang="zh-CN" altLang="en-US" dirty="0"/>
+                  <a:t>区分度</a:t>
+                </a:r>
+                <a:r>
+                  <a:rPr lang="en-US" altLang="zh-CN" dirty="0"/>
+                  <a:t>+</a:t>
+                </a:r>
+                <a:r>
+                  <a:rPr lang="zh-CN" altLang="en-US" dirty="0"/>
+                  <a:t>系数</a:t>
+                </a:r>
+                <a:r>
+                  <a:rPr lang="en-US" altLang="zh-CN" dirty="0"/>
+                  <a:t>4*RGB</a:t>
+                </a:r>
+                <a:r>
+                  <a:rPr lang="zh-CN" altLang="en-US" dirty="0"/>
+                  <a:t>到</a:t>
+                </a:r>
+                <a:r>
+                  <a:rPr lang="en-US" altLang="zh-CN" dirty="0"/>
+                  <a:t>HS</a:t>
+                </a:r>
+                <a:r>
+                  <a:rPr lang="zh-CN" altLang="en-US" dirty="0"/>
+                  <a:t>的吻合度 </a:t>
+                </a:r>
+                <a:endParaRPr lang="en-US" altLang="zh-CN" dirty="0"/>
+              </a:p>
+              <a:p>
+                <a:pPr marL="0" indent="0">
+                  <a:buNone/>
+                </a:pPr>
+                <a:endParaRPr lang="zh-CN" altLang="en-US" dirty="0"/>
+              </a:p>
+              <a:p>
+                <a:pPr marL="0" indent="0">
+                  <a:buNone/>
+                </a:pPr>
+                <a14:m>
+                  <m:oMathPara xmlns:m="http://schemas.openxmlformats.org/officeDocument/2006/math">
+                    <m:oMathParaPr>
+                      <m:jc m:val="centerGroup"/>
+                    </m:oMathParaPr>
+                    <m:oMath xmlns:m="http://schemas.openxmlformats.org/officeDocument/2006/math">
+                      <m:r>
+                        <a:rPr lang="en-US" altLang="zh-CN" i="1"/>
+                        <m:t>𝑄</m:t>
+                      </m:r>
+                      <m:r>
+                        <a:rPr lang="en-US" altLang="zh-CN" i="1"/>
+                        <m:t>=</m:t>
+                      </m:r>
+                      <m:sSub>
+                        <m:sSubPr>
+                          <m:ctrlPr>
+                            <a:rPr lang="zh-CN" altLang="zh-CN" i="1"/>
+                          </m:ctrlPr>
+                        </m:sSubPr>
+                        <m:e>
+                          <m:r>
+                            <a:rPr lang="en-US" altLang="zh-CN" i="1"/>
+                            <m:t>𝑊</m:t>
+                          </m:r>
+                        </m:e>
+                        <m:sub>
+                          <m:r>
+                            <a:rPr lang="en-US" altLang="zh-CN" i="1"/>
+                            <m:t>1</m:t>
+                          </m:r>
+                        </m:sub>
+                      </m:sSub>
+                      <m:sSub>
+                        <m:sSubPr>
+                          <m:ctrlPr>
+                            <a:rPr lang="zh-CN" altLang="zh-CN" i="1"/>
+                          </m:ctrlPr>
+                        </m:sSubPr>
+                        <m:e>
+                          <m:r>
+                            <a:rPr lang="en-US" altLang="zh-CN" i="1"/>
+                            <m:t>𝛾</m:t>
+                          </m:r>
+                        </m:e>
+                        <m:sub>
+                          <m:r>
+                            <a:rPr lang="en-US" altLang="zh-CN" i="1"/>
+                            <m:t>1</m:t>
+                          </m:r>
+                        </m:sub>
+                      </m:sSub>
+                      <m:r>
+                        <a:rPr lang="en-US" altLang="zh-CN" i="1"/>
+                        <m:t>+</m:t>
+                      </m:r>
+                      <m:sSub>
+                        <m:sSubPr>
+                          <m:ctrlPr>
+                            <a:rPr lang="zh-CN" altLang="zh-CN" i="1"/>
+                          </m:ctrlPr>
+                        </m:sSubPr>
+                        <m:e>
+                          <m:r>
+                            <a:rPr lang="en-US" altLang="zh-CN" i="1"/>
+                            <m:t>𝑊</m:t>
+                          </m:r>
+                        </m:e>
+                        <m:sub>
+                          <m:r>
+                            <a:rPr lang="en-US" altLang="zh-CN" i="1"/>
+                            <m:t>2</m:t>
+                          </m:r>
+                        </m:sub>
+                      </m:sSub>
+                      <m:sSub>
+                        <m:sSubPr>
+                          <m:ctrlPr>
+                            <a:rPr lang="zh-CN" altLang="zh-CN" i="1"/>
+                          </m:ctrlPr>
+                        </m:sSubPr>
+                        <m:e>
+                          <m:r>
+                            <a:rPr lang="en-US" altLang="zh-CN" i="1"/>
+                            <m:t>𝛾</m:t>
+                          </m:r>
+                        </m:e>
+                        <m:sub>
+                          <m:r>
+                            <a:rPr lang="en-US" altLang="zh-CN" i="1"/>
+                            <m:t>2</m:t>
+                          </m:r>
+                        </m:sub>
+                      </m:sSub>
+                      <m:r>
+                        <a:rPr lang="en-US" altLang="zh-CN" i="1"/>
+                        <m:t>+</m:t>
+                      </m:r>
+                      <m:sSub>
+                        <m:sSubPr>
+                          <m:ctrlPr>
+                            <a:rPr lang="zh-CN" altLang="zh-CN" i="1"/>
+                          </m:ctrlPr>
+                        </m:sSubPr>
+                        <m:e>
+                          <m:r>
+                            <a:rPr lang="en-US" altLang="zh-CN" i="1"/>
+                            <m:t>𝑊</m:t>
+                          </m:r>
+                        </m:e>
+                        <m:sub>
+                          <m:r>
+                            <a:rPr lang="en-US" altLang="zh-CN" i="1"/>
+                            <m:t>3</m:t>
+                          </m:r>
+                        </m:sub>
+                      </m:sSub>
+                      <m:sSub>
+                        <m:sSubPr>
+                          <m:ctrlPr>
+                            <a:rPr lang="zh-CN" altLang="zh-CN" i="1"/>
+                          </m:ctrlPr>
+                        </m:sSubPr>
+                        <m:e>
+                          <m:r>
+                            <a:rPr lang="en-US" altLang="zh-CN" i="1"/>
+                            <m:t>𝛾</m:t>
+                          </m:r>
+                        </m:e>
+                        <m:sub>
+                          <m:r>
+                            <a:rPr lang="en-US" altLang="zh-CN" i="1"/>
+                            <m:t>3</m:t>
+                          </m:r>
+                        </m:sub>
+                      </m:sSub>
+                      <m:r>
+                        <a:rPr lang="en-US" altLang="zh-CN" i="1"/>
+                        <m:t>+</m:t>
+                      </m:r>
+                      <m:sSub>
+                        <m:sSubPr>
+                          <m:ctrlPr>
+                            <a:rPr lang="zh-CN" altLang="zh-CN" i="1"/>
+                          </m:ctrlPr>
+                        </m:sSubPr>
+                        <m:e>
+                          <m:r>
+                            <a:rPr lang="en-US" altLang="zh-CN" i="1"/>
+                            <m:t>𝑊</m:t>
+                          </m:r>
+                        </m:e>
+                        <m:sub>
+                          <m:r>
+                            <a:rPr lang="en-US" altLang="zh-CN" i="1"/>
+                            <m:t>4</m:t>
+                          </m:r>
+                        </m:sub>
+                      </m:sSub>
+                      <m:sSub>
+                        <m:sSubPr>
+                          <m:ctrlPr>
+                            <a:rPr lang="zh-CN" altLang="zh-CN" i="1"/>
+                          </m:ctrlPr>
+                        </m:sSubPr>
+                        <m:e>
+                          <m:r>
+                            <a:rPr lang="en-US" altLang="zh-CN" i="1"/>
+                            <m:t>𝛾</m:t>
+                          </m:r>
+                        </m:e>
+                        <m:sub>
+                          <m:r>
+                            <a:rPr lang="en-US" altLang="zh-CN" i="1"/>
+                            <m:t>4</m:t>
+                          </m:r>
+                        </m:sub>
+                      </m:sSub>
+                    </m:oMath>
+                  </m:oMathPara>
+                </a14:m>
+                <a:endParaRPr lang="zh-CN" altLang="zh-CN" dirty="0"/>
+              </a:p>
+              <a:p>
+                <a:pPr marL="0" indent="0">
+                  <a:buNone/>
+                </a:pPr>
+                <a:endParaRPr lang="en-US" altLang="zh-CN" dirty="0"/>
+              </a:p>
+              <a:p>
+                <a:pPr marL="0" indent="0">
+                  <a:buNone/>
+                </a:pPr>
+                <a:r>
+                  <a:rPr lang="zh-CN" altLang="zh-CN" dirty="0"/>
+                  <a:t>其中</a:t>
+                </a:r>
+                <a14:m>
+                  <m:oMath xmlns:m="http://schemas.openxmlformats.org/officeDocument/2006/math">
+                    <m:r>
+                      <a:rPr lang="en-US" altLang="zh-CN" i="1"/>
+                      <m:t>𝑄</m:t>
+                    </m:r>
+                  </m:oMath>
+                </a14:m>
+                <a:r>
+                  <a:rPr lang="zh-CN" altLang="zh-CN" dirty="0"/>
+                  <a:t>为数据质量，</a:t>
+                </a:r>
+                <a14:m>
+                  <m:oMath xmlns:m="http://schemas.openxmlformats.org/officeDocument/2006/math">
+                    <m:sSub>
+                      <m:sSubPr>
+                        <m:ctrlPr>
+                          <a:rPr lang="zh-CN" altLang="zh-CN" i="1"/>
+                        </m:ctrlPr>
+                      </m:sSubPr>
+                      <m:e>
+                        <m:r>
+                          <a:rPr lang="en-US" altLang="zh-CN" i="1"/>
+                          <m:t>𝑊</m:t>
+                        </m:r>
+                      </m:e>
+                      <m:sub>
+                        <m:r>
+                          <a:rPr lang="en-US" altLang="zh-CN" i="1"/>
+                          <m:t>𝑖</m:t>
+                        </m:r>
+                      </m:sub>
+                    </m:sSub>
+                    <m:r>
+                      <a:rPr lang="en-US" altLang="zh-CN" i="1"/>
+                      <m:t>(</m:t>
+                    </m:r>
+                    <m:r>
+                      <a:rPr lang="en-US" altLang="zh-CN" i="1"/>
+                      <m:t>𝑖</m:t>
+                    </m:r>
+                    <m:r>
+                      <a:rPr lang="en-US" altLang="zh-CN" i="1"/>
+                      <m:t>=1,2,3,4)</m:t>
+                    </m:r>
+                  </m:oMath>
+                </a14:m>
+                <a:r>
+                  <a:rPr lang="zh-CN" altLang="zh-CN" dirty="0"/>
+                  <a:t>为权重</a:t>
+                </a:r>
+                <a:r>
+                  <a:rPr lang="en-US" altLang="zh-CN" dirty="0"/>
+                  <a:t>,</a:t>
+                </a:r>
+                <a14:m>
+                  <m:oMath xmlns:m="http://schemas.openxmlformats.org/officeDocument/2006/math">
+                    <m:sSub>
+                      <m:sSubPr>
+                        <m:ctrlPr>
+                          <a:rPr lang="zh-CN" altLang="zh-CN" i="1"/>
+                        </m:ctrlPr>
+                      </m:sSubPr>
+                      <m:e>
+                        <m:r>
+                          <a:rPr lang="en-US" altLang="zh-CN" i="1"/>
+                          <m:t>𝛾</m:t>
+                        </m:r>
+                      </m:e>
+                      <m:sub>
+                        <m:r>
+                          <a:rPr lang="en-US" altLang="zh-CN" i="1"/>
+                          <m:t>𝑖</m:t>
+                        </m:r>
+                      </m:sub>
+                    </m:sSub>
+                    <m:r>
+                      <a:rPr lang="en-US" altLang="zh-CN" i="1"/>
+                      <m:t>(</m:t>
+                    </m:r>
+                    <m:r>
+                      <a:rPr lang="en-US" altLang="zh-CN" i="1"/>
+                      <m:t>𝑖</m:t>
+                    </m:r>
+                    <m:r>
+                      <a:rPr lang="en-US" altLang="zh-CN" i="1"/>
+                      <m:t>=1,2,3,4)</m:t>
+                    </m:r>
+                  </m:oMath>
+                </a14:m>
+                <a:r>
+                  <a:rPr lang="zh-CN" altLang="zh-CN" dirty="0"/>
+                  <a:t>分别为准确度，稳定度，区分度，吻合度</a:t>
+                </a:r>
+              </a:p>
+              <a:p>
+                <a:pPr marL="0" indent="0">
+                  <a:buNone/>
+                </a:pPr>
+                <a:endParaRPr lang="en-US" altLang="zh-CN" dirty="0"/>
+              </a:p>
+              <a:p>
+                <a:pPr marL="0" indent="0">
+                  <a:buNone/>
+                </a:pPr>
+                <a:endParaRPr lang="en-US" altLang="zh-CN" dirty="0"/>
+              </a:p>
+              <a:p>
+                <a:pPr marL="0" indent="0">
+                  <a:buNone/>
+                </a:pPr>
+                <a:endParaRPr lang="en-US" altLang="zh-CN" dirty="0"/>
+              </a:p>
+            </p:txBody>
+          </p:sp>
+        </mc:Choice>
+        <mc:Fallback>
+          <p:sp>
+            <p:nvSpPr>
+              <p:cNvPr id="3" name="内容占位符 2">
+                <a:extLst>
+                  <a:ext uri="{FF2B5EF4-FFF2-40B4-BE49-F238E27FC236}">
+                    <a16:creationId xmlns:a16="http://schemas.microsoft.com/office/drawing/2014/main" id="{0DC92CD5-B2F6-44B8-8985-8A1351F1F4A5}"/>
+                  </a:ext>
+                </a:extLst>
+              </p:cNvPr>
+              <p:cNvSpPr>
+                <a:spLocks noGrp="1" noRot="1" noChangeAspect="1" noMove="1" noResize="1" noEditPoints="1" noAdjustHandles="1" noChangeArrowheads="1" noChangeShapeType="1" noTextEdit="1"/>
+              </p:cNvSpPr>
+              <p:nvPr>
+                <p:ph idx="1"/>
+              </p:nvPr>
+            </p:nvSpPr>
+            <p:spPr>
+              <a:blipFill>
+                <a:blip r:embed="rId2"/>
+                <a:stretch>
+                  <a:fillRect l="-1217" t="-2521"/>
+                </a:stretch>
+              </a:blipFill>
+            </p:spPr>
+            <p:txBody>
+              <a:bodyPr/>
+              <a:lstStyle/>
+              <a:p>
+                <a:r>
+                  <a:rPr lang="zh-CN" altLang="en-US">
+                    <a:noFill/>
+                  </a:rPr>
+                  <a:t> </a:t>
+                </a:r>
+              </a:p>
+            </p:txBody>
+          </p:sp>
+        </mc:Fallback>
+      </mc:AlternateContent>
+    </p:spTree>
+    <p:extLst>
+      <p:ext uri="{BB962C8B-B14F-4D97-AF65-F5344CB8AC3E}">
+        <p14:creationId xmlns:p14="http://schemas.microsoft.com/office/powerpoint/2010/main" val="1991653996"/>
+      </p:ext>
+    </p:extLst>
+  </p:cSld>
+  <p:clrMapOvr>
+    <a:masterClrMapping/>
+  </p:clrMapOvr>
+</p:sld>
+</file>
+
+<file path=ppt/slides/slide18.xml><?xml version="1.0" encoding="utf-8"?>
+<p:sld xmlns:a="http://schemas.openxmlformats.org/drawingml/2006/main" xmlns:r="http://schemas.openxmlformats.org/officeDocument/2006/relationships" xmlns:p="http://schemas.openxmlformats.org/presentationml/2006/main">
+  <p:cSld>
+    <p:spTree>
+      <p:nvGrpSpPr>
+        <p:cNvPr id="1" name=""/>
+        <p:cNvGrpSpPr/>
+        <p:nvPr/>
+      </p:nvGrpSpPr>
+      <p:grpSpPr>
+        <a:xfrm>
+          <a:off x="0" y="0"/>
+          <a:ext cx="0" cy="0"/>
+          <a:chOff x="0" y="0"/>
+          <a:chExt cx="0" cy="0"/>
+        </a:xfrm>
+      </p:grpSpPr>
+      <p:sp>
+        <p:nvSpPr>
+          <p:cNvPr id="2" name="标题 1">
+            <a:extLst>
+              <a:ext uri="{FF2B5EF4-FFF2-40B4-BE49-F238E27FC236}">
+                <a16:creationId xmlns:a16="http://schemas.microsoft.com/office/drawing/2014/main" id="{A48E0F6E-C31A-45D9-8D0E-7901DF3FCFA6}"/>
+              </a:ext>
+            </a:extLst>
+          </p:cNvPr>
+          <p:cNvSpPr>
+            <a:spLocks noGrp="1"/>
+          </p:cNvSpPr>
+          <p:nvPr>
+            <p:ph type="title"/>
+          </p:nvPr>
+        </p:nvSpPr>
+        <p:spPr/>
+        <p:txBody>
+          <a:bodyPr/>
+          <a:lstStyle/>
+          <a:p>
+            <a:r>
+              <a:rPr lang="zh-CN" altLang="en-US" dirty="0"/>
+              <a:t>准确度</a:t>
+            </a:r>
+          </a:p>
+        </p:txBody>
+      </p:sp>
+      <mc:AlternateContent xmlns:mc="http://schemas.openxmlformats.org/markup-compatibility/2006">
+        <mc:Choice xmlns:a14="http://schemas.microsoft.com/office/drawing/2010/main" Requires="a14">
+          <p:sp>
+            <p:nvSpPr>
+              <p:cNvPr id="3" name="内容占位符 2">
+                <a:extLst>
+                  <a:ext uri="{FF2B5EF4-FFF2-40B4-BE49-F238E27FC236}">
+                    <a16:creationId xmlns:a16="http://schemas.microsoft.com/office/drawing/2014/main" id="{73D3EE3F-797F-4281-A965-CEE055994AA0}"/>
+                  </a:ext>
+                </a:extLst>
+              </p:cNvPr>
+              <p:cNvSpPr>
+                <a:spLocks noGrp="1"/>
+              </p:cNvSpPr>
+              <p:nvPr>
+                <p:ph idx="1"/>
+              </p:nvPr>
+            </p:nvSpPr>
+            <p:spPr/>
+            <p:txBody>
+              <a:bodyPr/>
+              <a:lstStyle/>
+              <a:p>
+                <a:pPr marL="0" indent="0">
+                  <a:buNone/>
+                </a:pPr>
+                <a:r>
+                  <a:rPr lang="zh-CN" altLang="zh-CN" dirty="0"/>
+                  <a:t>实验测定次数越多，数据的准确度就越高， 越有可能接近真实值</a:t>
+                </a:r>
+                <a:r>
+                  <a:rPr lang="zh-CN" altLang="en-US" dirty="0"/>
+                  <a:t>。</a:t>
+                </a:r>
+                <a:endParaRPr lang="en-US" altLang="zh-CN" dirty="0"/>
+              </a:p>
+              <a:p>
+                <a:pPr marL="0" indent="0">
+                  <a:buNone/>
+                </a:pPr>
+                <a:r>
+                  <a:rPr lang="zh-CN" altLang="zh-CN" dirty="0"/>
+                  <a:t>设</a:t>
+                </a:r>
+                <a:r>
+                  <a:rPr lang="zh-CN" altLang="en-US" dirty="0"/>
+                  <a:t>物质的</a:t>
+                </a:r>
+                <a:r>
+                  <a:rPr lang="zh-CN" altLang="zh-CN" dirty="0"/>
+                  <a:t>测量次数为</a:t>
+                </a:r>
+                <a:r>
+                  <a:rPr lang="en-US" altLang="zh-CN" dirty="0"/>
+                  <a:t>n,</a:t>
+                </a:r>
+                <a:r>
+                  <a:rPr lang="zh-CN" altLang="zh-CN" dirty="0"/>
+                  <a:t>定义准确度</a:t>
+                </a:r>
+                <a:r>
+                  <a:rPr lang="zh-CN" altLang="en-US" dirty="0"/>
+                  <a:t>：</a:t>
+                </a:r>
+                <a:endParaRPr lang="en-US" altLang="zh-CN" dirty="0"/>
+              </a:p>
+              <a:p>
+                <a:pPr marL="0" indent="0">
+                  <a:buNone/>
+                </a:pPr>
+                <a14:m>
+                  <m:oMathPara xmlns:m="http://schemas.openxmlformats.org/officeDocument/2006/math">
+                    <m:oMathParaPr>
+                      <m:jc m:val="centerGroup"/>
+                    </m:oMathParaPr>
+                    <m:oMath xmlns:m="http://schemas.openxmlformats.org/officeDocument/2006/math">
+                      <m:sSub>
+                        <m:sSubPr>
+                          <m:ctrlPr>
+                            <a:rPr lang="zh-CN" altLang="zh-CN" i="1"/>
+                          </m:ctrlPr>
+                        </m:sSubPr>
+                        <m:e>
+                          <m:r>
+                            <a:rPr lang="en-US" altLang="zh-CN" i="1"/>
+                            <m:t>𝛾</m:t>
+                          </m:r>
+                        </m:e>
+                        <m:sub>
+                          <m:r>
+                            <a:rPr lang="en-US" altLang="zh-CN" i="1"/>
+                            <m:t>1</m:t>
+                          </m:r>
+                        </m:sub>
+                      </m:sSub>
+                      <m:r>
+                        <a:rPr lang="en-US" altLang="zh-CN" i="1"/>
+                        <m:t>=</m:t>
+                      </m:r>
+                      <m:f>
+                        <m:fPr>
+                          <m:ctrlPr>
+                            <a:rPr lang="zh-CN" altLang="zh-CN" i="1"/>
+                          </m:ctrlPr>
+                        </m:fPr>
+                        <m:num>
+                          <m:sSub>
+                            <m:sSubPr>
+                              <m:ctrlPr>
+                                <a:rPr lang="zh-CN" altLang="zh-CN" i="1"/>
+                              </m:ctrlPr>
+                            </m:sSubPr>
+                            <m:e>
+                              <m:r>
+                                <a:rPr lang="en-US" altLang="zh-CN" i="1"/>
+                                <m:t>𝑛</m:t>
+                              </m:r>
+                            </m:e>
+                            <m:sub>
+                              <m:r>
+                                <a:rPr lang="en-US" altLang="zh-CN" i="1"/>
+                                <m:t>𝑖</m:t>
+                              </m:r>
+                            </m:sub>
+                          </m:sSub>
+                          <m:r>
+                            <a:rPr lang="en-US" altLang="zh-CN" i="1"/>
+                            <m:t>−</m:t>
+                          </m:r>
+                          <m:r>
+                            <m:rPr>
+                              <m:sty m:val="p"/>
+                            </m:rPr>
+                            <a:rPr lang="en-US" altLang="zh-CN"/>
+                            <m:t>min</m:t>
+                          </m:r>
+                          <m:r>
+                            <a:rPr lang="en-US" altLang="zh-CN" i="1"/>
+                            <m:t>𝑛</m:t>
+                          </m:r>
+                        </m:num>
+                        <m:den>
+                          <m:r>
+                            <m:rPr>
+                              <m:sty m:val="p"/>
+                            </m:rPr>
+                            <a:rPr lang="en-US" altLang="zh-CN"/>
+                            <m:t>max</m:t>
+                          </m:r>
+                          <m:r>
+                            <a:rPr lang="en-US" altLang="zh-CN" i="1"/>
+                            <m:t>𝑛</m:t>
+                          </m:r>
+                          <m:r>
+                            <a:rPr lang="en-US" altLang="zh-CN" i="1"/>
+                            <m:t>−</m:t>
+                          </m:r>
+                          <m:r>
+                            <m:rPr>
+                              <m:sty m:val="p"/>
+                            </m:rPr>
+                            <a:rPr lang="en-US" altLang="zh-CN"/>
+                            <m:t>min</m:t>
+                          </m:r>
+                          <m:r>
+                            <a:rPr lang="en-US" altLang="zh-CN" i="1"/>
+                            <m:t>𝑛</m:t>
+                          </m:r>
+                        </m:den>
+                      </m:f>
+                    </m:oMath>
+                  </m:oMathPara>
+                </a14:m>
+                <a:endParaRPr lang="zh-CN" altLang="zh-CN" dirty="0"/>
+              </a:p>
+              <a:p>
+                <a:pPr marL="0" indent="0">
+                  <a:buNone/>
+                </a:pPr>
+                <a:r>
+                  <a:rPr lang="zh-CN" altLang="en-US" dirty="0"/>
+                  <a:t>准确度表格截图</a:t>
+                </a:r>
+              </a:p>
+            </p:txBody>
+          </p:sp>
+        </mc:Choice>
+        <mc:Fallback>
+          <p:sp>
+            <p:nvSpPr>
+              <p:cNvPr id="3" name="内容占位符 2">
+                <a:extLst>
+                  <a:ext uri="{FF2B5EF4-FFF2-40B4-BE49-F238E27FC236}">
+                    <a16:creationId xmlns:a16="http://schemas.microsoft.com/office/drawing/2014/main" id="{73D3EE3F-797F-4281-A965-CEE055994AA0}"/>
+                  </a:ext>
+                </a:extLst>
+              </p:cNvPr>
+              <p:cNvSpPr>
+                <a:spLocks noGrp="1" noRot="1" noChangeAspect="1" noMove="1" noResize="1" noEditPoints="1" noAdjustHandles="1" noChangeArrowheads="1" noChangeShapeType="1" noTextEdit="1"/>
+              </p:cNvSpPr>
+              <p:nvPr>
+                <p:ph idx="1"/>
+              </p:nvPr>
+            </p:nvSpPr>
+            <p:spPr>
+              <a:blipFill>
+                <a:blip r:embed="rId2"/>
+                <a:stretch>
+                  <a:fillRect l="-1217" t="-2521" r="-1913"/>
+                </a:stretch>
+              </a:blipFill>
+            </p:spPr>
+            <p:txBody>
+              <a:bodyPr/>
+              <a:lstStyle/>
+              <a:p>
+                <a:r>
+                  <a:rPr lang="zh-CN" altLang="en-US">
+                    <a:noFill/>
+                  </a:rPr>
+                  <a:t> </a:t>
+                </a:r>
+              </a:p>
+            </p:txBody>
+          </p:sp>
+        </mc:Fallback>
+      </mc:AlternateContent>
+    </p:spTree>
+    <p:extLst>
+      <p:ext uri="{BB962C8B-B14F-4D97-AF65-F5344CB8AC3E}">
+        <p14:creationId xmlns:p14="http://schemas.microsoft.com/office/powerpoint/2010/main" val="42747938"/>
+      </p:ext>
+    </p:extLst>
+  </p:cSld>
+  <p:clrMapOvr>
+    <a:masterClrMapping/>
+  </p:clrMapOvr>
+</p:sld>
+</file>
+
+<file path=ppt/slides/slide19.xml><?xml version="1.0" encoding="utf-8"?>
+<p:sld xmlns:a="http://schemas.openxmlformats.org/drawingml/2006/main" xmlns:r="http://schemas.openxmlformats.org/officeDocument/2006/relationships" xmlns:p="http://schemas.openxmlformats.org/presentationml/2006/main">
+  <p:cSld>
+    <p:spTree>
+      <p:nvGrpSpPr>
+        <p:cNvPr id="1" name=""/>
+        <p:cNvGrpSpPr/>
+        <p:nvPr/>
+      </p:nvGrpSpPr>
+      <p:grpSpPr>
+        <a:xfrm>
+          <a:off x="0" y="0"/>
+          <a:ext cx="0" cy="0"/>
+          <a:chOff x="0" y="0"/>
+          <a:chExt cx="0" cy="0"/>
+        </a:xfrm>
+      </p:grpSpPr>
+      <p:sp>
+        <p:nvSpPr>
+          <p:cNvPr id="2" name="标题 1">
+            <a:extLst>
+              <a:ext uri="{FF2B5EF4-FFF2-40B4-BE49-F238E27FC236}">
+                <a16:creationId xmlns:a16="http://schemas.microsoft.com/office/drawing/2014/main" id="{F3101463-51FB-4671-A1CA-929690B4AC40}"/>
+              </a:ext>
+            </a:extLst>
+          </p:cNvPr>
+          <p:cNvSpPr>
+            <a:spLocks noGrp="1"/>
+          </p:cNvSpPr>
+          <p:nvPr>
+            <p:ph type="title"/>
+          </p:nvPr>
+        </p:nvSpPr>
+        <p:spPr/>
+        <p:txBody>
+          <a:bodyPr/>
+          <a:lstStyle/>
+          <a:p>
+            <a:r>
+              <a:rPr lang="zh-CN" altLang="en-US" dirty="0"/>
+              <a:t>稳定度</a:t>
+            </a:r>
+          </a:p>
+        </p:txBody>
+      </p:sp>
+      <mc:AlternateContent xmlns:mc="http://schemas.openxmlformats.org/markup-compatibility/2006">
+        <mc:Choice xmlns:a14="http://schemas.microsoft.com/office/drawing/2010/main" Requires="a14">
+          <p:sp>
+            <p:nvSpPr>
+              <p:cNvPr id="3" name="内容占位符 2">
+                <a:extLst>
+                  <a:ext uri="{FF2B5EF4-FFF2-40B4-BE49-F238E27FC236}">
+                    <a16:creationId xmlns:a16="http://schemas.microsoft.com/office/drawing/2014/main" id="{C04967B8-6A51-42B2-AAB8-99C228040991}"/>
+                  </a:ext>
+                </a:extLst>
+              </p:cNvPr>
+              <p:cNvSpPr>
+                <a:spLocks noGrp="1"/>
+              </p:cNvSpPr>
+              <p:nvPr>
+                <p:ph idx="1"/>
+              </p:nvPr>
+            </p:nvSpPr>
+            <p:spPr/>
+            <p:txBody>
+              <a:bodyPr/>
+              <a:lstStyle/>
+              <a:p>
+                <a:pPr marL="0" indent="0">
+                  <a:buNone/>
+                </a:pPr>
+                <a:r>
+                  <a:rPr lang="zh-CN" altLang="zh-CN" dirty="0"/>
+                  <a:t>同种物质，在相同浓度下的</a:t>
+                </a:r>
+                <a:r>
+                  <a:rPr lang="en-US" altLang="zh-CN" dirty="0"/>
+                  <a:t>R,G,B</a:t>
+                </a:r>
+                <a:r>
+                  <a:rPr lang="zh-CN" altLang="zh-CN" dirty="0"/>
+                  <a:t>数值应该相对稳定，利用同种物质同一浓度下的变异系数衡量实验数据的稳定度。</a:t>
+                </a:r>
+                <a:endParaRPr lang="en-US" altLang="zh-CN" dirty="0"/>
+              </a:p>
+              <a:p>
+                <a:pPr marL="0" indent="0">
+                  <a:buNone/>
+                </a:pPr>
+                <a:r>
+                  <a:rPr lang="zh-CN" altLang="en-US" dirty="0"/>
+                  <a:t>工业碱各个浓度下数据只有一组，稳定度</a:t>
+                </a:r>
+                <a:r>
+                  <a:rPr lang="en-US" altLang="zh-CN" dirty="0"/>
+                  <a:t>值取中为0.5。</a:t>
+                </a:r>
+              </a:p>
+              <a:p>
+                <a:pPr marL="0" indent="0">
+                  <a:buNone/>
+                </a:pPr>
+                <a:r>
+                  <a:rPr lang="en-US" altLang="zh-CN" dirty="0" err="1"/>
+                  <a:t>定义稳定度公式</a:t>
+                </a:r>
+                <a:r>
+                  <a:rPr lang="zh-CN" altLang="en-US" dirty="0"/>
+                  <a:t>：</a:t>
+                </a:r>
+                <a:endParaRPr lang="en-US" altLang="zh-CN" dirty="0"/>
+              </a:p>
+              <a:p>
+                <a:pPr marL="0" indent="0">
+                  <a:buNone/>
+                </a:pPr>
+                <a14:m>
+                  <m:oMathPara xmlns:m="http://schemas.openxmlformats.org/officeDocument/2006/math">
+                    <m:oMathParaPr>
+                      <m:jc m:val="centerGroup"/>
+                    </m:oMathParaPr>
+                    <m:oMath xmlns:m="http://schemas.openxmlformats.org/officeDocument/2006/math">
+                      <m:sSub>
+                        <m:sSubPr>
+                          <m:ctrlPr>
+                            <a:rPr lang="zh-CN" altLang="zh-CN" i="1"/>
+                          </m:ctrlPr>
+                        </m:sSubPr>
+                        <m:e>
+                          <m:r>
+                            <a:rPr lang="en-US" altLang="zh-CN" i="1"/>
+                            <m:t>𝛾</m:t>
+                          </m:r>
+                        </m:e>
+                        <m:sub>
+                          <m:r>
+                            <a:rPr lang="en-US" altLang="zh-CN" i="1"/>
+                            <m:t>2</m:t>
+                          </m:r>
+                        </m:sub>
+                      </m:sSub>
+                      <m:r>
+                        <a:rPr lang="en-US" altLang="zh-CN" i="1"/>
+                        <m:t>=1−</m:t>
+                      </m:r>
+                      <m:r>
+                        <a:rPr lang="en-US" altLang="zh-CN" i="1"/>
+                        <m:t>𝐶</m:t>
+                      </m:r>
+                      <m:r>
+                        <a:rPr lang="en-US" altLang="zh-CN" i="1"/>
+                        <m:t>.</m:t>
+                      </m:r>
+                      <m:r>
+                        <a:rPr lang="en-US" altLang="zh-CN" i="1"/>
+                        <m:t>𝑣</m:t>
+                      </m:r>
+                    </m:oMath>
+                  </m:oMathPara>
+                </a14:m>
+                <a:endParaRPr lang="en-US" altLang="zh-CN" dirty="0"/>
+              </a:p>
+              <a:p>
+                <a:pPr marL="0" indent="0">
+                  <a:buNone/>
+                </a:pPr>
+                <a:endParaRPr lang="zh-CN" altLang="zh-CN" dirty="0"/>
+              </a:p>
+              <a:p>
+                <a:pPr marL="0" indent="0">
+                  <a:buNone/>
+                </a:pPr>
+                <a14:m>
+                  <m:oMathPara xmlns:m="http://schemas.openxmlformats.org/officeDocument/2006/math">
+                    <m:oMathParaPr>
+                      <m:jc m:val="centerGroup"/>
+                    </m:oMathParaPr>
+                    <m:oMath xmlns:m="http://schemas.openxmlformats.org/officeDocument/2006/math">
+                      <m:r>
+                        <a:rPr lang="en-US" altLang="zh-CN" i="1"/>
+                        <m:t>𝐶</m:t>
+                      </m:r>
+                      <m:r>
+                        <a:rPr lang="en-US" altLang="zh-CN" i="1"/>
+                        <m:t>.</m:t>
+                      </m:r>
+                      <m:r>
+                        <a:rPr lang="en-US" altLang="zh-CN" i="1"/>
+                        <m:t>𝑣</m:t>
+                      </m:r>
+                      <m:r>
+                        <a:rPr lang="en-US" altLang="zh-CN" i="1"/>
+                        <m:t>=</m:t>
+                      </m:r>
+                      <m:f>
+                        <m:fPr>
+                          <m:ctrlPr>
+                            <a:rPr lang="zh-CN" altLang="zh-CN" i="1"/>
+                          </m:ctrlPr>
+                        </m:fPr>
+                        <m:num>
+                          <m:r>
+                            <a:rPr lang="en-US" altLang="zh-CN" i="1"/>
+                            <m:t>𝑆𝐷</m:t>
+                          </m:r>
+                        </m:num>
+                        <m:den>
+                          <m:r>
+                            <a:rPr lang="en-US" altLang="zh-CN" i="1"/>
+                            <m:t>𝑀𝑒</m:t>
+                          </m:r>
+                        </m:den>
+                      </m:f>
+                      <m:r>
+                        <a:rPr lang="en-US" altLang="zh-CN" i="1"/>
+                        <m:t>×100%=</m:t>
+                      </m:r>
+                      <m:f>
+                        <m:fPr>
+                          <m:ctrlPr>
+                            <a:rPr lang="zh-CN" altLang="zh-CN" i="1"/>
+                          </m:ctrlPr>
+                        </m:fPr>
+                        <m:num>
+                          <m:rad>
+                            <m:radPr>
+                              <m:degHide m:val="on"/>
+                              <m:ctrlPr>
+                                <a:rPr lang="zh-CN" altLang="zh-CN" i="1"/>
+                              </m:ctrlPr>
+                            </m:radPr>
+                            <m:deg/>
+                            <m:e>
+                              <m:f>
+                                <m:fPr>
+                                  <m:ctrlPr>
+                                    <a:rPr lang="zh-CN" altLang="zh-CN" i="1"/>
+                                  </m:ctrlPr>
+                                </m:fPr>
+                                <m:num>
+                                  <m:r>
+                                    <a:rPr lang="en-US" altLang="zh-CN" i="1"/>
+                                    <m:t>1</m:t>
+                                  </m:r>
+                                </m:num>
+                                <m:den>
+                                  <m:r>
+                                    <a:rPr lang="en-US" altLang="zh-CN" i="1"/>
+                                    <m:t>𝑁</m:t>
+                                  </m:r>
+                                  <m:r>
+                                    <a:rPr lang="en-US" altLang="zh-CN" i="1"/>
+                                    <m:t>−1</m:t>
+                                  </m:r>
+                                </m:den>
+                              </m:f>
+                              <m:nary>
+                                <m:naryPr>
+                                  <m:chr m:val="∑"/>
+                                  <m:limLoc m:val="undOvr"/>
+                                  <m:ctrlPr>
+                                    <a:rPr lang="zh-CN" altLang="zh-CN" i="1"/>
+                                  </m:ctrlPr>
+                                </m:naryPr>
+                                <m:sub>
+                                  <m:r>
+                                    <a:rPr lang="en-US" altLang="zh-CN" i="1"/>
+                                    <m:t>𝑖</m:t>
+                                  </m:r>
+                                  <m:r>
+                                    <a:rPr lang="en-US" altLang="zh-CN" i="1"/>
+                                    <m:t>=1</m:t>
+                                  </m:r>
+                                </m:sub>
+                                <m:sup>
+                                  <m:r>
+                                    <a:rPr lang="en-US" altLang="zh-CN" i="1"/>
+                                    <m:t>𝑁</m:t>
+                                  </m:r>
+                                </m:sup>
+                                <m:e>
+                                  <m:r>
+                                    <a:rPr lang="en-US" altLang="zh-CN" i="1"/>
+                                    <m:t>(</m:t>
+                                  </m:r>
+                                </m:e>
+                              </m:nary>
+                              <m:sSub>
+                                <m:sSubPr>
+                                  <m:ctrlPr>
+                                    <a:rPr lang="zh-CN" altLang="zh-CN" i="1"/>
+                                  </m:ctrlPr>
+                                </m:sSubPr>
+                                <m:e>
+                                  <m:r>
+                                    <a:rPr lang="en-US" altLang="zh-CN" i="1"/>
+                                    <m:t>𝑋</m:t>
+                                  </m:r>
+                                </m:e>
+                                <m:sub>
+                                  <m:r>
+                                    <a:rPr lang="en-US" altLang="zh-CN" i="1"/>
+                                    <m:t>𝑖</m:t>
+                                  </m:r>
+                                </m:sub>
+                              </m:sSub>
+                              <m:r>
+                                <a:rPr lang="en-US" altLang="zh-CN" i="1"/>
+                                <m:t>−</m:t>
+                              </m:r>
+                              <m:bar>
+                                <m:barPr>
+                                  <m:pos m:val="top"/>
+                                  <m:ctrlPr>
+                                    <a:rPr lang="zh-CN" altLang="zh-CN" i="1"/>
+                                  </m:ctrlPr>
+                                </m:barPr>
+                                <m:e>
+                                  <m:r>
+                                    <a:rPr lang="en-US" altLang="zh-CN" i="1"/>
+                                    <m:t>𝑋</m:t>
+                                  </m:r>
+                                </m:e>
+                              </m:bar>
+                              <m:sSup>
+                                <m:sSupPr>
+                                  <m:ctrlPr>
+                                    <a:rPr lang="zh-CN" altLang="zh-CN" i="1"/>
+                                  </m:ctrlPr>
+                                </m:sSupPr>
+                                <m:e>
+                                  <m:r>
+                                    <a:rPr lang="en-US" altLang="zh-CN" i="1"/>
+                                    <m:t>)</m:t>
+                                  </m:r>
+                                </m:e>
+                                <m:sup>
+                                  <m:r>
+                                    <a:rPr lang="en-US" altLang="zh-CN" i="1"/>
+                                    <m:t>2</m:t>
+                                  </m:r>
+                                </m:sup>
+                              </m:sSup>
+                            </m:e>
+                          </m:rad>
+                        </m:num>
+                        <m:den>
+                          <m:r>
+                            <a:rPr lang="en-US" altLang="zh-CN" i="1"/>
+                            <m:t>𝑀𝑒</m:t>
+                          </m:r>
+                        </m:den>
+                      </m:f>
+                      <m:r>
+                        <a:rPr lang="en-US" altLang="zh-CN" i="1"/>
+                        <m:t>×100%</m:t>
+                      </m:r>
+                    </m:oMath>
+                  </m:oMathPara>
+                </a14:m>
+                <a:endParaRPr lang="zh-CN" altLang="zh-CN" dirty="0"/>
+              </a:p>
+              <a:p>
+                <a:pPr marL="0" indent="0">
+                  <a:buNone/>
+                </a:pPr>
+                <a:endParaRPr lang="zh-CN" altLang="zh-CN" dirty="0"/>
+              </a:p>
+              <a:p>
+                <a:pPr marL="0" indent="0">
+                  <a:buNone/>
+                </a:pPr>
+                <a:endParaRPr lang="zh-CN" altLang="en-US" dirty="0"/>
+              </a:p>
+            </p:txBody>
+          </p:sp>
+        </mc:Choice>
+        <mc:Fallback>
+          <p:sp>
+            <p:nvSpPr>
+              <p:cNvPr id="3" name="内容占位符 2">
+                <a:extLst>
+                  <a:ext uri="{FF2B5EF4-FFF2-40B4-BE49-F238E27FC236}">
+                    <a16:creationId xmlns:a16="http://schemas.microsoft.com/office/drawing/2014/main" id="{C04967B8-6A51-42B2-AAB8-99C228040991}"/>
+                  </a:ext>
+                </a:extLst>
+              </p:cNvPr>
+              <p:cNvSpPr>
+                <a:spLocks noGrp="1" noRot="1" noChangeAspect="1" noMove="1" noResize="1" noEditPoints="1" noAdjustHandles="1" noChangeArrowheads="1" noChangeShapeType="1" noTextEdit="1"/>
+              </p:cNvSpPr>
+              <p:nvPr>
+                <p:ph idx="1"/>
+              </p:nvPr>
+            </p:nvSpPr>
+            <p:spPr>
+              <a:blipFill>
+                <a:blip r:embed="rId2"/>
+                <a:stretch>
+                  <a:fillRect l="-1217" t="-2521"/>
+                </a:stretch>
+              </a:blipFill>
+            </p:spPr>
+            <p:txBody>
+              <a:bodyPr/>
+              <a:lstStyle/>
+              <a:p>
+                <a:r>
+                  <a:rPr lang="zh-CN" altLang="en-US">
+                    <a:noFill/>
+                  </a:rPr>
+                  <a:t> </a:t>
+                </a:r>
+              </a:p>
+            </p:txBody>
+          </p:sp>
+        </mc:Fallback>
+      </mc:AlternateContent>
+    </p:spTree>
+    <p:extLst>
+      <p:ext uri="{BB962C8B-B14F-4D97-AF65-F5344CB8AC3E}">
+        <p14:creationId xmlns:p14="http://schemas.microsoft.com/office/powerpoint/2010/main" val="1940940295"/>
       </p:ext>
     </p:extLst>
   </p:cSld>
@@ -3486,7 +6577,70 @@
           <a:bodyPr/>
           <a:lstStyle/>
           <a:p>
-            <a:endParaRPr lang="zh-CN" altLang="en-US" dirty="0"/>
+            <a:pPr marL="0" indent="0">
+              <a:buNone/>
+            </a:pPr>
+            <a:r>
+              <a:rPr lang="zh-CN" altLang="en-US" dirty="0"/>
+              <a:t>比色法</a:t>
+            </a:r>
+            <a:r>
+              <a:rPr lang="en-US" altLang="zh-CN" dirty="0"/>
+              <a:t>          </a:t>
+            </a:r>
+            <a:r>
+              <a:rPr lang="zh-CN" altLang="en-US" dirty="0"/>
+              <a:t>检测物质浓度</a:t>
+            </a:r>
+            <a:endParaRPr lang="en-US" altLang="zh-CN" dirty="0"/>
+          </a:p>
+          <a:p>
+            <a:pPr marL="0" indent="0">
+              <a:buNone/>
+            </a:pPr>
+            <a:r>
+              <a:rPr lang="zh-CN" altLang="en-US" dirty="0"/>
+              <a:t>待测物质</a:t>
+            </a:r>
+            <a:r>
+              <a:rPr lang="en-US" altLang="zh-CN" dirty="0" err="1"/>
+              <a:t>制备成溶液</a:t>
+            </a:r>
+            <a:endParaRPr lang="en-US" altLang="zh-CN" dirty="0"/>
+          </a:p>
+          <a:p>
+            <a:pPr marL="0" indent="0">
+              <a:buNone/>
+            </a:pPr>
+            <a:r>
+              <a:rPr lang="en-US" altLang="zh-CN" dirty="0" err="1"/>
+              <a:t>白色试纸</a:t>
+            </a:r>
+            <a:endParaRPr lang="en-US" altLang="zh-CN" dirty="0"/>
+          </a:p>
+          <a:p>
+            <a:pPr marL="0" indent="0">
+              <a:buNone/>
+            </a:pPr>
+            <a:r>
+              <a:rPr lang="en-US" altLang="zh-CN" dirty="0" err="1"/>
+              <a:t>标准比色卡</a:t>
+            </a:r>
+            <a:endParaRPr lang="en-US" altLang="zh-CN" dirty="0"/>
+          </a:p>
+          <a:p>
+            <a:pPr marL="0" indent="0">
+              <a:buNone/>
+            </a:pPr>
+            <a:r>
+              <a:rPr lang="zh-CN" altLang="en-US" dirty="0"/>
+              <a:t>确定</a:t>
+            </a:r>
+            <a:r>
+              <a:rPr lang="en-US" altLang="zh-CN" dirty="0" err="1"/>
+              <a:t>浓度档位</a:t>
+            </a:r>
+            <a:endParaRPr lang="en-US" altLang="zh-CN" b="1" dirty="0"/>
           </a:p>
         </p:txBody>
       </p:sp>
@@ -3494,6 +6648,999 @@
     <p:extLst>
       <p:ext uri="{BB962C8B-B14F-4D97-AF65-F5344CB8AC3E}">
         <p14:creationId xmlns:p14="http://schemas.microsoft.com/office/powerpoint/2010/main" val="2083225421"/>
+      </p:ext>
+    </p:extLst>
+  </p:cSld>
+  <p:clrMapOvr>
+    <a:masterClrMapping/>
+  </p:clrMapOvr>
+</p:sld>
+</file>
+
+<file path=ppt/slides/slide20.xml><?xml version="1.0" encoding="utf-8"?>
+<p:sld xmlns:a="http://schemas.openxmlformats.org/drawingml/2006/main" xmlns:r="http://schemas.openxmlformats.org/officeDocument/2006/relationships" xmlns:p="http://schemas.openxmlformats.org/presentationml/2006/main">
+  <p:cSld>
+    <p:spTree>
+      <p:nvGrpSpPr>
+        <p:cNvPr id="1" name=""/>
+        <p:cNvGrpSpPr/>
+        <p:nvPr/>
+      </p:nvGrpSpPr>
+      <p:grpSpPr>
+        <a:xfrm>
+          <a:off x="0" y="0"/>
+          <a:ext cx="0" cy="0"/>
+          <a:chOff x="0" y="0"/>
+          <a:chExt cx="0" cy="0"/>
+        </a:xfrm>
+      </p:grpSpPr>
+      <p:sp>
+        <p:nvSpPr>
+          <p:cNvPr id="2" name="标题 1">
+            <a:extLst>
+              <a:ext uri="{FF2B5EF4-FFF2-40B4-BE49-F238E27FC236}">
+                <a16:creationId xmlns:a16="http://schemas.microsoft.com/office/drawing/2014/main" id="{3AA57CB8-AC9F-4E49-8DB3-EBF7392EBFE6}"/>
+              </a:ext>
+            </a:extLst>
+          </p:cNvPr>
+          <p:cNvSpPr>
+            <a:spLocks noGrp="1"/>
+          </p:cNvSpPr>
+          <p:nvPr>
+            <p:ph type="title"/>
+          </p:nvPr>
+        </p:nvSpPr>
+        <p:spPr/>
+        <p:txBody>
+          <a:bodyPr/>
+          <a:lstStyle/>
+          <a:p>
+            <a:r>
+              <a:rPr lang="zh-CN" altLang="en-US" dirty="0"/>
+              <a:t>稳定度</a:t>
+            </a:r>
+          </a:p>
+        </p:txBody>
+      </p:sp>
+      <p:sp>
+        <p:nvSpPr>
+          <p:cNvPr id="3" name="内容占位符 2">
+            <a:extLst>
+              <a:ext uri="{FF2B5EF4-FFF2-40B4-BE49-F238E27FC236}">
+                <a16:creationId xmlns:a16="http://schemas.microsoft.com/office/drawing/2014/main" id="{504365F2-5729-4B97-A45B-E9B82451125F}"/>
+              </a:ext>
+            </a:extLst>
+          </p:cNvPr>
+          <p:cNvSpPr>
+            <a:spLocks noGrp="1"/>
+          </p:cNvSpPr>
+          <p:nvPr>
+            <p:ph idx="1"/>
+          </p:nvPr>
+        </p:nvSpPr>
+        <p:spPr/>
+        <p:txBody>
+          <a:bodyPr/>
+          <a:lstStyle/>
+          <a:p>
+            <a:pPr marL="0" indent="0">
+              <a:buNone/>
+            </a:pPr>
+            <a:r>
+              <a:rPr lang="zh-CN" altLang="en-US" dirty="0"/>
+              <a:t>图</a:t>
+            </a:r>
+          </a:p>
+        </p:txBody>
+      </p:sp>
+    </p:spTree>
+    <p:extLst>
+      <p:ext uri="{BB962C8B-B14F-4D97-AF65-F5344CB8AC3E}">
+        <p14:creationId xmlns:p14="http://schemas.microsoft.com/office/powerpoint/2010/main" val="3571215630"/>
+      </p:ext>
+    </p:extLst>
+  </p:cSld>
+  <p:clrMapOvr>
+    <a:masterClrMapping/>
+  </p:clrMapOvr>
+</p:sld>
+</file>
+
+<file path=ppt/slides/slide21.xml><?xml version="1.0" encoding="utf-8"?>
+<p:sld xmlns:a="http://schemas.openxmlformats.org/drawingml/2006/main" xmlns:r="http://schemas.openxmlformats.org/officeDocument/2006/relationships" xmlns:p="http://schemas.openxmlformats.org/presentationml/2006/main">
+  <p:cSld>
+    <p:spTree>
+      <p:nvGrpSpPr>
+        <p:cNvPr id="1" name=""/>
+        <p:cNvGrpSpPr/>
+        <p:nvPr/>
+      </p:nvGrpSpPr>
+      <p:grpSpPr>
+        <a:xfrm>
+          <a:off x="0" y="0"/>
+          <a:ext cx="0" cy="0"/>
+          <a:chOff x="0" y="0"/>
+          <a:chExt cx="0" cy="0"/>
+        </a:xfrm>
+      </p:grpSpPr>
+      <p:sp>
+        <p:nvSpPr>
+          <p:cNvPr id="2" name="标题 1">
+            <a:extLst>
+              <a:ext uri="{FF2B5EF4-FFF2-40B4-BE49-F238E27FC236}">
+                <a16:creationId xmlns:a16="http://schemas.microsoft.com/office/drawing/2014/main" id="{22DA0AB7-FEB9-4819-8458-627498466BAD}"/>
+              </a:ext>
+            </a:extLst>
+          </p:cNvPr>
+          <p:cNvSpPr>
+            <a:spLocks noGrp="1"/>
+          </p:cNvSpPr>
+          <p:nvPr>
+            <p:ph type="title"/>
+          </p:nvPr>
+        </p:nvSpPr>
+        <p:spPr/>
+        <p:txBody>
+          <a:bodyPr/>
+          <a:lstStyle/>
+          <a:p>
+            <a:r>
+              <a:rPr lang="zh-CN" altLang="en-US" dirty="0"/>
+              <a:t>区分度</a:t>
+            </a:r>
+          </a:p>
+        </p:txBody>
+      </p:sp>
+      <mc:AlternateContent xmlns:mc="http://schemas.openxmlformats.org/markup-compatibility/2006">
+        <mc:Choice xmlns:a14="http://schemas.microsoft.com/office/drawing/2010/main" Requires="a14">
+          <p:sp>
+            <p:nvSpPr>
+              <p:cNvPr id="3" name="内容占位符 2">
+                <a:extLst>
+                  <a:ext uri="{FF2B5EF4-FFF2-40B4-BE49-F238E27FC236}">
+                    <a16:creationId xmlns:a16="http://schemas.microsoft.com/office/drawing/2014/main" id="{7F16EE50-EC06-488B-8EAD-6CD144EF25AA}"/>
+                  </a:ext>
+                </a:extLst>
+              </p:cNvPr>
+              <p:cNvSpPr>
+                <a:spLocks noGrp="1"/>
+              </p:cNvSpPr>
+              <p:nvPr>
+                <p:ph idx="1"/>
+              </p:nvPr>
+            </p:nvSpPr>
+            <p:spPr/>
+            <p:txBody>
+              <a:bodyPr>
+                <a:normAutofit fontScale="92500"/>
+              </a:bodyPr>
+              <a:lstStyle/>
+              <a:p>
+                <a:pPr marL="0" indent="0">
+                  <a:buNone/>
+                </a:pPr>
+                <a:r>
+                  <a:rPr lang="zh-CN" altLang="zh-CN" dirty="0"/>
+                  <a:t>对同一种物质不同浓度</a:t>
+                </a:r>
+                <a:r>
+                  <a:rPr lang="zh-CN" altLang="en-US" dirty="0"/>
+                  <a:t>采用</a:t>
+                </a:r>
+                <a:r>
+                  <a:rPr lang="zh-CN" altLang="zh-CN" dirty="0"/>
+                  <a:t>用比色法</a:t>
+                </a:r>
+                <a:r>
+                  <a:rPr lang="zh-CN" altLang="en-US" dirty="0"/>
+                  <a:t>，</a:t>
+                </a:r>
+                <a:r>
+                  <a:rPr lang="zh-CN" altLang="zh-CN" dirty="0"/>
+                  <a:t>读数差异相对较大， 易于观察，用同种物质不同浓度下的变异系数离散度衡量数据的区分度。</a:t>
+                </a:r>
+                <a:endParaRPr lang="en-US" altLang="zh-CN" dirty="0"/>
+              </a:p>
+              <a:p>
+                <a:pPr marL="0" indent="0">
+                  <a:buNone/>
+                </a:pPr>
+                <a:r>
+                  <a:rPr lang="zh-CN" altLang="en-US" dirty="0"/>
+                  <a:t>定义区分度公式：</a:t>
+                </a:r>
+                <a:endParaRPr lang="en-US" altLang="zh-CN" dirty="0"/>
+              </a:p>
+              <a:p>
+                <a:pPr marL="0" indent="0">
+                  <a:buNone/>
+                </a:pPr>
+                <a14:m>
+                  <m:oMathPara xmlns:m="http://schemas.openxmlformats.org/officeDocument/2006/math">
+                    <m:oMathParaPr>
+                      <m:jc m:val="centerGroup"/>
+                    </m:oMathParaPr>
+                    <m:oMath xmlns:m="http://schemas.openxmlformats.org/officeDocument/2006/math">
+                      <m:sSub>
+                        <m:sSubPr>
+                          <m:ctrlPr>
+                            <a:rPr lang="zh-CN" altLang="zh-CN" i="1"/>
+                          </m:ctrlPr>
+                        </m:sSubPr>
+                        <m:e>
+                          <m:r>
+                            <a:rPr lang="en-US" altLang="zh-CN" i="1"/>
+                            <m:t>𝛾</m:t>
+                          </m:r>
+                        </m:e>
+                        <m:sub>
+                          <m:r>
+                            <a:rPr lang="en-US" altLang="zh-CN" i="1"/>
+                            <m:t>3</m:t>
+                          </m:r>
+                        </m:sub>
+                      </m:sSub>
+                      <m:r>
+                        <a:rPr lang="en-US" altLang="zh-CN" i="1"/>
+                        <m:t>=</m:t>
+                      </m:r>
+                      <m:r>
+                        <a:rPr lang="en-US" altLang="zh-CN" i="1"/>
+                        <m:t>𝐶</m:t>
+                      </m:r>
+                      <m:r>
+                        <a:rPr lang="en-US" altLang="zh-CN" i="1"/>
+                        <m:t>.</m:t>
+                      </m:r>
+                      <m:r>
+                        <a:rPr lang="en-US" altLang="zh-CN" i="1"/>
+                        <m:t>𝑣</m:t>
+                      </m:r>
+                    </m:oMath>
+                  </m:oMathPara>
+                </a14:m>
+                <a:endParaRPr lang="zh-CN" altLang="zh-CN" dirty="0"/>
+              </a:p>
+              <a:p>
+                <a:pPr marL="0" indent="0">
+                  <a:buNone/>
+                </a:pPr>
+                <a:r>
+                  <a:rPr lang="zh-CN" altLang="en-US" dirty="0"/>
+                  <a:t>图</a:t>
+                </a:r>
+              </a:p>
+            </p:txBody>
+          </p:sp>
+        </mc:Choice>
+        <mc:Fallback>
+          <p:sp>
+            <p:nvSpPr>
+              <p:cNvPr id="3" name="内容占位符 2">
+                <a:extLst>
+                  <a:ext uri="{FF2B5EF4-FFF2-40B4-BE49-F238E27FC236}">
+                    <a16:creationId xmlns:a16="http://schemas.microsoft.com/office/drawing/2014/main" id="{7F16EE50-EC06-488B-8EAD-6CD144EF25AA}"/>
+                  </a:ext>
+                </a:extLst>
+              </p:cNvPr>
+              <p:cNvSpPr>
+                <a:spLocks noGrp="1" noRot="1" noChangeAspect="1" noMove="1" noResize="1" noEditPoints="1" noAdjustHandles="1" noChangeArrowheads="1" noChangeShapeType="1" noTextEdit="1"/>
+              </p:cNvSpPr>
+              <p:nvPr>
+                <p:ph idx="1"/>
+              </p:nvPr>
+            </p:nvSpPr>
+            <p:spPr>
+              <a:blipFill>
+                <a:blip r:embed="rId2"/>
+                <a:stretch>
+                  <a:fillRect l="-1043" t="-2101" r="-870"/>
+                </a:stretch>
+              </a:blipFill>
+            </p:spPr>
+            <p:txBody>
+              <a:bodyPr/>
+              <a:lstStyle/>
+              <a:p>
+                <a:r>
+                  <a:rPr lang="zh-CN" altLang="en-US">
+                    <a:noFill/>
+                  </a:rPr>
+                  <a:t> </a:t>
+                </a:r>
+              </a:p>
+            </p:txBody>
+          </p:sp>
+        </mc:Fallback>
+      </mc:AlternateContent>
+    </p:spTree>
+    <p:extLst>
+      <p:ext uri="{BB962C8B-B14F-4D97-AF65-F5344CB8AC3E}">
+        <p14:creationId xmlns:p14="http://schemas.microsoft.com/office/powerpoint/2010/main" val="3338702044"/>
+      </p:ext>
+    </p:extLst>
+  </p:cSld>
+  <p:clrMapOvr>
+    <a:masterClrMapping/>
+  </p:clrMapOvr>
+</p:sld>
+</file>
+
+<file path=ppt/slides/slide22.xml><?xml version="1.0" encoding="utf-8"?>
+<p:sld xmlns:a="http://schemas.openxmlformats.org/drawingml/2006/main" xmlns:r="http://schemas.openxmlformats.org/officeDocument/2006/relationships" xmlns:p="http://schemas.openxmlformats.org/presentationml/2006/main">
+  <p:cSld>
+    <p:spTree>
+      <p:nvGrpSpPr>
+        <p:cNvPr id="1" name=""/>
+        <p:cNvGrpSpPr/>
+        <p:nvPr/>
+      </p:nvGrpSpPr>
+      <p:grpSpPr>
+        <a:xfrm>
+          <a:off x="0" y="0"/>
+          <a:ext cx="0" cy="0"/>
+          <a:chOff x="0" y="0"/>
+          <a:chExt cx="0" cy="0"/>
+        </a:xfrm>
+      </p:grpSpPr>
+      <p:sp>
+        <p:nvSpPr>
+          <p:cNvPr id="2" name="标题 1">
+            <a:extLst>
+              <a:ext uri="{FF2B5EF4-FFF2-40B4-BE49-F238E27FC236}">
+                <a16:creationId xmlns:a16="http://schemas.microsoft.com/office/drawing/2014/main" id="{1054680B-7751-4044-A3D5-164864882AC3}"/>
+              </a:ext>
+            </a:extLst>
+          </p:cNvPr>
+          <p:cNvSpPr>
+            <a:spLocks noGrp="1"/>
+          </p:cNvSpPr>
+          <p:nvPr>
+            <p:ph type="title"/>
+          </p:nvPr>
+        </p:nvSpPr>
+        <p:spPr/>
+        <p:txBody>
+          <a:bodyPr/>
+          <a:lstStyle/>
+          <a:p>
+            <a:r>
+              <a:rPr lang="zh-CN" altLang="en-US" dirty="0"/>
+              <a:t>吻合度</a:t>
+            </a:r>
+          </a:p>
+        </p:txBody>
+      </p:sp>
+      <mc:AlternateContent xmlns:mc="http://schemas.openxmlformats.org/markup-compatibility/2006">
+        <mc:Choice xmlns:a14="http://schemas.microsoft.com/office/drawing/2010/main" Requires="a14">
+          <p:sp>
+            <p:nvSpPr>
+              <p:cNvPr id="3" name="内容占位符 2">
+                <a:extLst>
+                  <a:ext uri="{FF2B5EF4-FFF2-40B4-BE49-F238E27FC236}">
+                    <a16:creationId xmlns:a16="http://schemas.microsoft.com/office/drawing/2014/main" id="{E74D38D0-2FC8-425F-ABE8-30C21EB61AE5}"/>
+                  </a:ext>
+                </a:extLst>
+              </p:cNvPr>
+              <p:cNvSpPr>
+                <a:spLocks noGrp="1"/>
+              </p:cNvSpPr>
+              <p:nvPr>
+                <p:ph idx="1"/>
+              </p:nvPr>
+            </p:nvSpPr>
+            <p:spPr/>
+            <p:txBody>
+              <a:bodyPr/>
+              <a:lstStyle/>
+              <a:p>
+                <a:pPr marL="0" indent="0">
+                  <a:buNone/>
+                </a:pPr>
+                <a:r>
+                  <a:rPr lang="en-US" altLang="zh-CN" dirty="0"/>
+                  <a:t>RGB</a:t>
+                </a:r>
+                <a:r>
+                  <a:rPr lang="zh-CN" altLang="en-US" dirty="0"/>
+                  <a:t>和</a:t>
+                </a:r>
+                <a:r>
+                  <a:rPr lang="en-US" altLang="zh-CN" dirty="0"/>
+                  <a:t>HSV   </a:t>
+                </a:r>
+                <a:r>
+                  <a:rPr lang="zh-CN" altLang="en-US" dirty="0"/>
+                  <a:t>两种颜色体系   可相互转化</a:t>
+                </a:r>
+                <a:r>
+                  <a:rPr lang="en-US" altLang="zh-CN" dirty="0"/>
+                  <a:t> </a:t>
+                </a:r>
+                <a:r>
+                  <a:rPr lang="zh-CN" altLang="en-US" dirty="0"/>
+                  <a:t>定义吻合度公式：</a:t>
+                </a:r>
+                <a:endParaRPr lang="en-US" altLang="zh-CN" dirty="0"/>
+              </a:p>
+              <a:p>
+                <a:pPr marL="0" indent="0">
+                  <a:buNone/>
+                </a:pPr>
+                <a14:m>
+                  <m:oMathPara xmlns:m="http://schemas.openxmlformats.org/officeDocument/2006/math">
+                    <m:oMathParaPr>
+                      <m:jc m:val="centerGroup"/>
+                    </m:oMathParaPr>
+                    <m:oMath xmlns:m="http://schemas.openxmlformats.org/officeDocument/2006/math">
+                      <m:sSub>
+                        <m:sSubPr>
+                          <m:ctrlPr>
+                            <a:rPr lang="zh-CN" altLang="zh-CN" i="1"/>
+                          </m:ctrlPr>
+                        </m:sSubPr>
+                        <m:e>
+                          <m:r>
+                            <a:rPr lang="en-US" altLang="zh-CN" i="1"/>
+                            <m:t>𝛾</m:t>
+                          </m:r>
+                        </m:e>
+                        <m:sub>
+                          <m:r>
+                            <a:rPr lang="en-US" altLang="zh-CN" i="1"/>
+                            <m:t>4</m:t>
+                          </m:r>
+                        </m:sub>
+                      </m:sSub>
+                      <m:r>
+                        <a:rPr lang="en-US" altLang="zh-CN" i="1"/>
+                        <m:t>=(1−</m:t>
+                      </m:r>
+                      <m:f>
+                        <m:fPr>
+                          <m:ctrlPr>
+                            <a:rPr lang="zh-CN" altLang="zh-CN" i="1"/>
+                          </m:ctrlPr>
+                        </m:fPr>
+                        <m:num>
+                          <m:r>
+                            <a:rPr lang="en-US" altLang="zh-CN" i="1"/>
+                            <m:t>∑</m:t>
+                          </m:r>
+                          <m:f>
+                            <m:fPr>
+                              <m:ctrlPr>
+                                <a:rPr lang="zh-CN" altLang="zh-CN" i="1"/>
+                              </m:ctrlPr>
+                            </m:fPr>
+                            <m:num>
+                              <m:r>
+                                <a:rPr lang="en-US" altLang="zh-CN" i="1"/>
+                                <m:t>|</m:t>
+                              </m:r>
+                              <m:r>
+                                <a:rPr lang="en-US" altLang="zh-CN" i="1"/>
+                                <m:t>𝑆</m:t>
+                              </m:r>
+                              <m:r>
+                                <a:rPr lang="en-US" altLang="zh-CN" i="1"/>
+                                <m:t>−</m:t>
+                              </m:r>
+                              <m:sSup>
+                                <m:sSupPr>
+                                  <m:ctrlPr>
+                                    <a:rPr lang="zh-CN" altLang="zh-CN" i="1"/>
+                                  </m:ctrlPr>
+                                </m:sSupPr>
+                                <m:e>
+                                  <m:r>
+                                    <a:rPr lang="en-US" altLang="zh-CN" i="1"/>
+                                    <m:t>𝑆</m:t>
+                                  </m:r>
+                                </m:e>
+                                <m:sup>
+                                  <m:r>
+                                    <a:rPr lang="en-US" altLang="zh-CN" i="1"/>
+                                    <m:t>′</m:t>
+                                  </m:r>
+                                </m:sup>
+                              </m:sSup>
+                              <m:r>
+                                <a:rPr lang="en-US" altLang="zh-CN" i="1"/>
+                                <m:t>|</m:t>
+                              </m:r>
+                            </m:num>
+                            <m:den>
+                              <m:r>
+                                <a:rPr lang="en-US" altLang="zh-CN" i="1"/>
+                                <m:t>𝑆</m:t>
+                              </m:r>
+                            </m:den>
+                          </m:f>
+                        </m:num>
+                        <m:den>
+                          <m:r>
+                            <a:rPr lang="en-US" altLang="zh-CN" i="1"/>
+                            <m:t>𝑛</m:t>
+                          </m:r>
+                        </m:den>
+                      </m:f>
+                      <m:r>
+                        <a:rPr lang="en-US" altLang="zh-CN" i="1"/>
+                        <m:t>)∗100%</m:t>
+                      </m:r>
+                    </m:oMath>
+                  </m:oMathPara>
+                </a14:m>
+                <a:endParaRPr lang="zh-CN" altLang="zh-CN" dirty="0"/>
+              </a:p>
+              <a:p>
+                <a:pPr marL="0" indent="0">
+                  <a:buNone/>
+                </a:pPr>
+                <a:r>
+                  <a:rPr lang="zh-CN" altLang="en-US" dirty="0"/>
+                  <a:t>结果</a:t>
+                </a:r>
+                <a:endParaRPr lang="zh-CN" altLang="zh-CN" dirty="0"/>
+              </a:p>
+              <a:p>
+                <a:pPr marL="0" indent="0">
+                  <a:buNone/>
+                </a:pPr>
+                <a:endParaRPr lang="en-US" altLang="zh-CN" dirty="0"/>
+              </a:p>
+            </p:txBody>
+          </p:sp>
+        </mc:Choice>
+        <mc:Fallback>
+          <p:sp>
+            <p:nvSpPr>
+              <p:cNvPr id="3" name="内容占位符 2">
+                <a:extLst>
+                  <a:ext uri="{FF2B5EF4-FFF2-40B4-BE49-F238E27FC236}">
+                    <a16:creationId xmlns:a16="http://schemas.microsoft.com/office/drawing/2014/main" id="{E74D38D0-2FC8-425F-ABE8-30C21EB61AE5}"/>
+                  </a:ext>
+                </a:extLst>
+              </p:cNvPr>
+              <p:cNvSpPr>
+                <a:spLocks noGrp="1" noRot="1" noChangeAspect="1" noMove="1" noResize="1" noEditPoints="1" noAdjustHandles="1" noChangeArrowheads="1" noChangeShapeType="1" noTextEdit="1"/>
+              </p:cNvSpPr>
+              <p:nvPr>
+                <p:ph idx="1"/>
+              </p:nvPr>
+            </p:nvSpPr>
+            <p:spPr>
+              <a:blipFill>
+                <a:blip r:embed="rId2"/>
+                <a:stretch>
+                  <a:fillRect l="-1217" t="-2521"/>
+                </a:stretch>
+              </a:blipFill>
+            </p:spPr>
+            <p:txBody>
+              <a:bodyPr/>
+              <a:lstStyle/>
+              <a:p>
+                <a:r>
+                  <a:rPr lang="zh-CN" altLang="en-US">
+                    <a:noFill/>
+                  </a:rPr>
+                  <a:t> </a:t>
+                </a:r>
+              </a:p>
+            </p:txBody>
+          </p:sp>
+        </mc:Fallback>
+      </mc:AlternateContent>
+    </p:spTree>
+    <p:extLst>
+      <p:ext uri="{BB962C8B-B14F-4D97-AF65-F5344CB8AC3E}">
+        <p14:creationId xmlns:p14="http://schemas.microsoft.com/office/powerpoint/2010/main" val="1033819235"/>
+      </p:ext>
+    </p:extLst>
+  </p:cSld>
+  <p:clrMapOvr>
+    <a:masterClrMapping/>
+  </p:clrMapOvr>
+</p:sld>
+</file>
+
+<file path=ppt/slides/slide23.xml><?xml version="1.0" encoding="utf-8"?>
+<p:sld xmlns:a="http://schemas.openxmlformats.org/drawingml/2006/main" xmlns:r="http://schemas.openxmlformats.org/officeDocument/2006/relationships" xmlns:p="http://schemas.openxmlformats.org/presentationml/2006/main">
+  <p:cSld>
+    <p:spTree>
+      <p:nvGrpSpPr>
+        <p:cNvPr id="1" name=""/>
+        <p:cNvGrpSpPr/>
+        <p:nvPr/>
+      </p:nvGrpSpPr>
+      <p:grpSpPr>
+        <a:xfrm>
+          <a:off x="0" y="0"/>
+          <a:ext cx="0" cy="0"/>
+          <a:chOff x="0" y="0"/>
+          <a:chExt cx="0" cy="0"/>
+        </a:xfrm>
+      </p:grpSpPr>
+      <p:sp>
+        <p:nvSpPr>
+          <p:cNvPr id="2" name="标题 1">
+            <a:extLst>
+              <a:ext uri="{FF2B5EF4-FFF2-40B4-BE49-F238E27FC236}">
+                <a16:creationId xmlns:a16="http://schemas.microsoft.com/office/drawing/2014/main" id="{61D5649A-05BA-4D70-9DAB-FB2AF51BC887}"/>
+              </a:ext>
+            </a:extLst>
+          </p:cNvPr>
+          <p:cNvSpPr>
+            <a:spLocks noGrp="1"/>
+          </p:cNvSpPr>
+          <p:nvPr>
+            <p:ph type="title"/>
+          </p:nvPr>
+        </p:nvSpPr>
+        <p:spPr/>
+        <p:txBody>
+          <a:bodyPr/>
+          <a:lstStyle/>
+          <a:p>
+            <a:r>
+              <a:rPr lang="zh-CN" altLang="en-US" dirty="0"/>
+              <a:t>数据质量评价</a:t>
+            </a:r>
+          </a:p>
+        </p:txBody>
+      </p:sp>
+      <mc:AlternateContent xmlns:mc="http://schemas.openxmlformats.org/markup-compatibility/2006">
+        <mc:Choice xmlns:a14="http://schemas.microsoft.com/office/drawing/2010/main" Requires="a14">
+          <p:sp>
+            <p:nvSpPr>
+              <p:cNvPr id="3" name="内容占位符 2">
+                <a:extLst>
+                  <a:ext uri="{FF2B5EF4-FFF2-40B4-BE49-F238E27FC236}">
+                    <a16:creationId xmlns:a16="http://schemas.microsoft.com/office/drawing/2014/main" id="{7CB8D2AE-D2E1-4975-B6F2-A31785E764C4}"/>
+                  </a:ext>
+                </a:extLst>
+              </p:cNvPr>
+              <p:cNvSpPr>
+                <a:spLocks noGrp="1"/>
+              </p:cNvSpPr>
+              <p:nvPr>
+                <p:ph idx="1"/>
+              </p:nvPr>
+            </p:nvSpPr>
+            <p:spPr/>
+            <p:txBody>
+              <a:bodyPr/>
+              <a:lstStyle/>
+              <a:p>
+                <a:pPr marL="0" indent="0">
+                  <a:buNone/>
+                </a:pPr>
+                <a:r>
+                  <a:rPr lang="zh-CN" altLang="en-US" dirty="0"/>
+                  <a:t>简化公式</a:t>
+                </a:r>
+                <a:endParaRPr lang="en-US" altLang="zh-CN" dirty="0"/>
+              </a:p>
+              <a:p>
+                <a:pPr marL="0" indent="0">
+                  <a:buNone/>
+                </a:pPr>
+                <a14:m>
+                  <m:oMathPara xmlns:m="http://schemas.openxmlformats.org/officeDocument/2006/math">
+                    <m:oMathParaPr>
+                      <m:jc m:val="centerGroup"/>
+                    </m:oMathParaPr>
+                    <m:oMath xmlns:m="http://schemas.openxmlformats.org/officeDocument/2006/math">
+                      <m:r>
+                        <a:rPr lang="en-US" altLang="zh-CN" i="1"/>
+                        <m:t>𝑄</m:t>
+                      </m:r>
+                      <m:r>
+                        <a:rPr lang="en-US" altLang="zh-CN" i="1"/>
+                        <m:t>=</m:t>
+                      </m:r>
+                      <m:sSub>
+                        <m:sSubPr>
+                          <m:ctrlPr>
+                            <a:rPr lang="zh-CN" altLang="zh-CN" i="1"/>
+                          </m:ctrlPr>
+                        </m:sSubPr>
+                        <m:e>
+                          <m:r>
+                            <a:rPr lang="en-US" altLang="zh-CN" i="1"/>
+                            <m:t>𝑊</m:t>
+                          </m:r>
+                        </m:e>
+                        <m:sub>
+                          <m:r>
+                            <a:rPr lang="en-US" altLang="zh-CN" i="1"/>
+                            <m:t>1</m:t>
+                          </m:r>
+                        </m:sub>
+                      </m:sSub>
+                      <m:sSub>
+                        <m:sSubPr>
+                          <m:ctrlPr>
+                            <a:rPr lang="zh-CN" altLang="zh-CN" i="1"/>
+                          </m:ctrlPr>
+                        </m:sSubPr>
+                        <m:e>
+                          <m:r>
+                            <a:rPr lang="en-US" altLang="zh-CN" i="1"/>
+                            <m:t>𝛾</m:t>
+                          </m:r>
+                        </m:e>
+                        <m:sub>
+                          <m:r>
+                            <a:rPr lang="en-US" altLang="zh-CN" i="1"/>
+                            <m:t>1</m:t>
+                          </m:r>
+                        </m:sub>
+                      </m:sSub>
+                      <m:r>
+                        <a:rPr lang="en-US" altLang="zh-CN" i="1"/>
+                        <m:t>+</m:t>
+                      </m:r>
+                      <m:sSub>
+                        <m:sSubPr>
+                          <m:ctrlPr>
+                            <a:rPr lang="zh-CN" altLang="zh-CN" i="1"/>
+                          </m:ctrlPr>
+                        </m:sSubPr>
+                        <m:e>
+                          <m:r>
+                            <a:rPr lang="en-US" altLang="zh-CN" i="1"/>
+                            <m:t>𝑊</m:t>
+                          </m:r>
+                        </m:e>
+                        <m:sub>
+                          <m:r>
+                            <a:rPr lang="en-US" altLang="zh-CN" i="1"/>
+                            <m:t>2</m:t>
+                          </m:r>
+                        </m:sub>
+                      </m:sSub>
+                      <m:sSub>
+                        <m:sSubPr>
+                          <m:ctrlPr>
+                            <a:rPr lang="zh-CN" altLang="zh-CN" i="1"/>
+                          </m:ctrlPr>
+                        </m:sSubPr>
+                        <m:e>
+                          <m:r>
+                            <a:rPr lang="en-US" altLang="zh-CN" i="1"/>
+                            <m:t>𝛾</m:t>
+                          </m:r>
+                        </m:e>
+                        <m:sub>
+                          <m:r>
+                            <a:rPr lang="en-US" altLang="zh-CN" i="1"/>
+                            <m:t>2</m:t>
+                          </m:r>
+                        </m:sub>
+                      </m:sSub>
+                      <m:r>
+                        <a:rPr lang="en-US" altLang="zh-CN" i="1"/>
+                        <m:t>+</m:t>
+                      </m:r>
+                      <m:sSub>
+                        <m:sSubPr>
+                          <m:ctrlPr>
+                            <a:rPr lang="zh-CN" altLang="zh-CN" i="1"/>
+                          </m:ctrlPr>
+                        </m:sSubPr>
+                        <m:e>
+                          <m:r>
+                            <a:rPr lang="en-US" altLang="zh-CN" i="1"/>
+                            <m:t>𝑊</m:t>
+                          </m:r>
+                        </m:e>
+                        <m:sub>
+                          <m:r>
+                            <a:rPr lang="en-US" altLang="zh-CN" i="1"/>
+                            <m:t>3</m:t>
+                          </m:r>
+                        </m:sub>
+                      </m:sSub>
+                      <m:sSub>
+                        <m:sSubPr>
+                          <m:ctrlPr>
+                            <a:rPr lang="zh-CN" altLang="zh-CN" i="1"/>
+                          </m:ctrlPr>
+                        </m:sSubPr>
+                        <m:e>
+                          <m:r>
+                            <a:rPr lang="en-US" altLang="zh-CN" i="1"/>
+                            <m:t>𝛾</m:t>
+                          </m:r>
+                        </m:e>
+                        <m:sub>
+                          <m:r>
+                            <a:rPr lang="en-US" altLang="zh-CN" i="1"/>
+                            <m:t>3</m:t>
+                          </m:r>
+                        </m:sub>
+                      </m:sSub>
+                    </m:oMath>
+                  </m:oMathPara>
+                </a14:m>
+                <a:endParaRPr lang="zh-CN" altLang="zh-CN" dirty="0"/>
+              </a:p>
+              <a:p>
+                <a:pPr marL="0" indent="0">
+                  <a:buNone/>
+                </a:pPr>
+                <a:endParaRPr lang="en-US" altLang="zh-CN" dirty="0"/>
+              </a:p>
+              <a:p>
+                <a:pPr marL="0" indent="0">
+                  <a:buNone/>
+                </a:pPr>
+                <a:r>
+                  <a:rPr lang="zh-CN" altLang="en-US" dirty="0"/>
+                  <a:t>结果截图</a:t>
+                </a:r>
+                <a:endParaRPr lang="en-US" altLang="zh-CN" dirty="0"/>
+              </a:p>
+              <a:p>
+                <a:pPr marL="0" indent="0">
+                  <a:buNone/>
+                </a:pPr>
+                <a:endParaRPr lang="en-US" altLang="zh-CN" dirty="0"/>
+              </a:p>
+              <a:p>
+                <a:pPr marL="0" indent="0">
+                  <a:buNone/>
+                </a:pPr>
+                <a:endParaRPr lang="en-US" altLang="zh-CN" dirty="0"/>
+              </a:p>
+              <a:p>
+                <a:pPr marL="0" indent="0">
+                  <a:buNone/>
+                </a:pPr>
+                <a:endParaRPr lang="en-US" altLang="zh-CN" dirty="0"/>
+              </a:p>
+              <a:p>
+                <a:pPr marL="0" indent="0">
+                  <a:buNone/>
+                </a:pPr>
+                <a:r>
+                  <a:rPr lang="zh-CN" altLang="en-US" dirty="0"/>
+                  <a:t>奶中尿素的数据质量较差，其他尚可。</a:t>
+                </a:r>
+              </a:p>
+            </p:txBody>
+          </p:sp>
+        </mc:Choice>
+        <mc:Fallback>
+          <p:sp>
+            <p:nvSpPr>
+              <p:cNvPr id="3" name="内容占位符 2">
+                <a:extLst>
+                  <a:ext uri="{FF2B5EF4-FFF2-40B4-BE49-F238E27FC236}">
+                    <a16:creationId xmlns:a16="http://schemas.microsoft.com/office/drawing/2014/main" id="{7CB8D2AE-D2E1-4975-B6F2-A31785E764C4}"/>
+                  </a:ext>
+                </a:extLst>
+              </p:cNvPr>
+              <p:cNvSpPr>
+                <a:spLocks noGrp="1" noRot="1" noChangeAspect="1" noMove="1" noResize="1" noEditPoints="1" noAdjustHandles="1" noChangeArrowheads="1" noChangeShapeType="1" noTextEdit="1"/>
+              </p:cNvSpPr>
+              <p:nvPr>
+                <p:ph idx="1"/>
+              </p:nvPr>
+            </p:nvSpPr>
+            <p:spPr>
+              <a:blipFill>
+                <a:blip r:embed="rId2"/>
+                <a:stretch>
+                  <a:fillRect l="-1217" t="-2521"/>
+                </a:stretch>
+              </a:blipFill>
+            </p:spPr>
+            <p:txBody>
+              <a:bodyPr/>
+              <a:lstStyle/>
+              <a:p>
+                <a:r>
+                  <a:rPr lang="zh-CN" altLang="en-US">
+                    <a:noFill/>
+                  </a:rPr>
+                  <a:t> </a:t>
+                </a:r>
+              </a:p>
+            </p:txBody>
+          </p:sp>
+        </mc:Fallback>
+      </mc:AlternateContent>
+    </p:spTree>
+    <p:extLst>
+      <p:ext uri="{BB962C8B-B14F-4D97-AF65-F5344CB8AC3E}">
+        <p14:creationId xmlns:p14="http://schemas.microsoft.com/office/powerpoint/2010/main" val="4140737051"/>
+      </p:ext>
+    </p:extLst>
+  </p:cSld>
+  <p:clrMapOvr>
+    <a:masterClrMapping/>
+  </p:clrMapOvr>
+</p:sld>
+</file>
+
+<file path=ppt/slides/slide24.xml><?xml version="1.0" encoding="utf-8"?>
+<p:sld xmlns:a="http://schemas.openxmlformats.org/drawingml/2006/main" xmlns:r="http://schemas.openxmlformats.org/officeDocument/2006/relationships" xmlns:p="http://schemas.openxmlformats.org/presentationml/2006/main">
+  <p:cSld>
+    <p:spTree>
+      <p:nvGrpSpPr>
+        <p:cNvPr id="1" name=""/>
+        <p:cNvGrpSpPr/>
+        <p:nvPr/>
+      </p:nvGrpSpPr>
+      <p:grpSpPr>
+        <a:xfrm>
+          <a:off x="0" y="0"/>
+          <a:ext cx="0" cy="0"/>
+          <a:chOff x="0" y="0"/>
+          <a:chExt cx="0" cy="0"/>
+        </a:xfrm>
+      </p:grpSpPr>
+      <p:sp>
+        <p:nvSpPr>
+          <p:cNvPr id="2" name="标题 1">
+            <a:extLst>
+              <a:ext uri="{FF2B5EF4-FFF2-40B4-BE49-F238E27FC236}">
+                <a16:creationId xmlns:a16="http://schemas.microsoft.com/office/drawing/2014/main" id="{4F371EE8-DEAC-420E-A148-33EF5139C96C}"/>
+              </a:ext>
+            </a:extLst>
+          </p:cNvPr>
+          <p:cNvSpPr>
+            <a:spLocks noGrp="1"/>
+          </p:cNvSpPr>
+          <p:nvPr>
+            <p:ph type="title"/>
+          </p:nvPr>
+        </p:nvSpPr>
+        <p:spPr/>
+        <p:txBody>
+          <a:bodyPr/>
+          <a:lstStyle/>
+          <a:p>
+            <a:r>
+              <a:rPr lang="zh-CN" altLang="en-US" dirty="0"/>
+              <a:t>问题二</a:t>
+            </a:r>
+          </a:p>
+        </p:txBody>
+      </p:sp>
+      <p:sp>
+        <p:nvSpPr>
+          <p:cNvPr id="3" name="内容占位符 2">
+            <a:extLst>
+              <a:ext uri="{FF2B5EF4-FFF2-40B4-BE49-F238E27FC236}">
+                <a16:creationId xmlns:a16="http://schemas.microsoft.com/office/drawing/2014/main" id="{8CFF65A4-0900-4158-A60E-9F1994EED472}"/>
+              </a:ext>
+            </a:extLst>
+          </p:cNvPr>
+          <p:cNvSpPr>
+            <a:spLocks noGrp="1"/>
+          </p:cNvSpPr>
+          <p:nvPr>
+            <p:ph idx="1"/>
+          </p:nvPr>
+        </p:nvSpPr>
+        <p:spPr/>
+        <p:txBody>
+          <a:bodyPr/>
+          <a:lstStyle/>
+          <a:p>
+            <a:endParaRPr lang="zh-CN" altLang="en-US"/>
+          </a:p>
+        </p:txBody>
+      </p:sp>
+    </p:spTree>
+    <p:extLst>
+      <p:ext uri="{BB962C8B-B14F-4D97-AF65-F5344CB8AC3E}">
+        <p14:creationId xmlns:p14="http://schemas.microsoft.com/office/powerpoint/2010/main" val="34864512"/>
       </p:ext>
     </p:extLst>
   </p:cSld>
@@ -3569,7 +7716,106 @@
           <a:bodyPr/>
           <a:lstStyle/>
           <a:p>
-            <a:endParaRPr lang="zh-CN" altLang="en-US"/>
+            <a:pPr marL="0" indent="0">
+              <a:buNone/>
+            </a:pPr>
+            <a:r>
+              <a:rPr lang="zh-CN" altLang="en-US" dirty="0"/>
+              <a:t>附件</a:t>
+            </a:r>
+            <a:r>
+              <a:rPr lang="en-US" altLang="zh-CN" dirty="0"/>
+              <a:t>1</a:t>
+            </a:r>
+            <a:r>
+              <a:rPr lang="zh-CN" altLang="en-US" dirty="0"/>
+              <a:t>，五组物质颜色读数</a:t>
+            </a:r>
+            <a:endParaRPr lang="en-US" altLang="zh-CN" dirty="0"/>
+          </a:p>
+          <a:p>
+            <a:pPr marL="0" indent="0">
+              <a:buNone/>
+            </a:pPr>
+            <a:r>
+              <a:rPr lang="zh-CN" altLang="en-US" dirty="0"/>
+              <a:t>颜色读物和物质浓度之间的关系</a:t>
+            </a:r>
+            <a:endParaRPr lang="en-US" altLang="zh-CN" dirty="0"/>
+          </a:p>
+          <a:p>
+            <a:pPr marL="0" indent="0">
+              <a:buNone/>
+            </a:pPr>
+            <a:r>
+              <a:rPr lang="zh-CN" altLang="en-US" dirty="0"/>
+              <a:t>评价数据质量</a:t>
+            </a:r>
+            <a:endParaRPr lang="en-US" altLang="zh-CN" dirty="0"/>
+          </a:p>
+          <a:p>
+            <a:pPr marL="0" indent="0">
+              <a:buNone/>
+            </a:pPr>
+            <a:endParaRPr lang="en-US" altLang="zh-CN" dirty="0"/>
+          </a:p>
+          <a:p>
+            <a:pPr marL="0" indent="0">
+              <a:buNone/>
+            </a:pPr>
+            <a:r>
+              <a:rPr lang="zh-CN" altLang="en-US" dirty="0"/>
+              <a:t>附件</a:t>
+            </a:r>
+            <a:r>
+              <a:rPr lang="en-US" altLang="zh-CN" dirty="0"/>
+              <a:t>2</a:t>
+            </a:r>
+            <a:r>
+              <a:rPr lang="zh-CN" altLang="en-US" dirty="0"/>
+              <a:t>，颜色读数和浓度模型</a:t>
+            </a:r>
+            <a:endParaRPr lang="en-US" altLang="zh-CN" dirty="0"/>
+          </a:p>
+          <a:p>
+            <a:pPr marL="0" indent="0">
+              <a:buNone/>
+            </a:pPr>
+            <a:r>
+              <a:rPr lang="zh-CN" altLang="en-US" dirty="0"/>
+              <a:t>对问题</a:t>
+            </a:r>
+            <a:r>
+              <a:rPr lang="en-US" altLang="zh-CN" dirty="0"/>
+              <a:t>1</a:t>
+            </a:r>
+            <a:r>
+              <a:rPr lang="zh-CN" altLang="en-US" dirty="0"/>
+              <a:t>误差分析</a:t>
+            </a:r>
+            <a:endParaRPr lang="en-US" altLang="zh-CN" dirty="0"/>
+          </a:p>
+          <a:p>
+            <a:pPr marL="0" indent="0">
+              <a:buNone/>
+            </a:pPr>
+            <a:endParaRPr lang="en-US" altLang="zh-CN" dirty="0"/>
+          </a:p>
+          <a:p>
+            <a:pPr marL="0" indent="0">
+              <a:buNone/>
+            </a:pPr>
+            <a:r>
+              <a:rPr lang="zh-CN" altLang="en-US" dirty="0"/>
+              <a:t>数据量和颜色维度对模型的影响</a:t>
+            </a:r>
+            <a:endParaRPr lang="en-US" altLang="zh-CN" dirty="0"/>
+          </a:p>
+          <a:p>
+            <a:pPr marL="0" indent="0">
+              <a:buNone/>
+            </a:pPr>
+            <a:endParaRPr lang="zh-CN" altLang="en-US" dirty="0"/>
           </a:p>
         </p:txBody>
       </p:sp>
@@ -3633,10 +7879,10 @@
       </p:sp>
       <p:sp>
         <p:nvSpPr>
-          <p:cNvPr id="3" name="内容占位符 2">
-            <a:extLst>
-              <a:ext uri="{FF2B5EF4-FFF2-40B4-BE49-F238E27FC236}">
-                <a16:creationId xmlns:a16="http://schemas.microsoft.com/office/drawing/2014/main" id="{F44C5D1C-BD9F-46B8-9177-F02EE17F184B}"/>
+          <p:cNvPr id="10" name="内容占位符 9">
+            <a:extLst>
+              <a:ext uri="{FF2B5EF4-FFF2-40B4-BE49-F238E27FC236}">
+                <a16:creationId xmlns:a16="http://schemas.microsoft.com/office/drawing/2014/main" id="{CFFB4541-622C-4C7E-AB7A-D41AF5A7E19B}"/>
               </a:ext>
             </a:extLst>
           </p:cNvPr>
@@ -3735,7 +7981,59 @@
           <a:bodyPr/>
           <a:lstStyle/>
           <a:p>
-            <a:endParaRPr lang="zh-CN" altLang="en-US"/>
+            <a:pPr marL="0" indent="0">
+              <a:buNone/>
+            </a:pPr>
+            <a:r>
+              <a:rPr lang="en-US" altLang="zh-CN" dirty="0"/>
+              <a:t>R</a:t>
+            </a:r>
+            <a:r>
+              <a:rPr lang="zh-CN" altLang="en-US" dirty="0"/>
+              <a:t>，</a:t>
+            </a:r>
+            <a:r>
+              <a:rPr lang="en-US" altLang="zh-CN" dirty="0"/>
+              <a:t>G</a:t>
+            </a:r>
+            <a:r>
+              <a:rPr lang="zh-CN" altLang="en-US" dirty="0"/>
+              <a:t>，</a:t>
+            </a:r>
+            <a:r>
+              <a:rPr lang="en-US" altLang="zh-CN" dirty="0"/>
+              <a:t>B</a:t>
+            </a:r>
+            <a:r>
+              <a:rPr lang="zh-CN" altLang="en-US" dirty="0"/>
+              <a:t>，</a:t>
+            </a:r>
+            <a:r>
+              <a:rPr lang="en-US" altLang="zh-CN" dirty="0"/>
+              <a:t>H</a:t>
+            </a:r>
+            <a:r>
+              <a:rPr lang="zh-CN" altLang="en-US" dirty="0"/>
+              <a:t>，</a:t>
+            </a:r>
+            <a:r>
+              <a:rPr lang="en-US" altLang="zh-CN" dirty="0"/>
+              <a:t>S</a:t>
+            </a:r>
+            <a:r>
+              <a:rPr lang="zh-CN" altLang="en-US" dirty="0"/>
+              <a:t>数据真实，记录客观</a:t>
+            </a:r>
+            <a:endParaRPr lang="en-US" altLang="zh-CN" dirty="0"/>
+          </a:p>
+          <a:p>
+            <a:pPr marL="0" indent="0">
+              <a:buNone/>
+            </a:pPr>
+            <a:r>
+              <a:rPr lang="zh-CN" altLang="en-US" dirty="0"/>
+              <a:t>溶液中其他成分对颜色无影响</a:t>
+            </a:r>
           </a:p>
         </p:txBody>
       </p:sp>
@@ -3912,7 +8210,7 @@
           <p:cNvPr id="2" name="标题 1">
             <a:extLst>
               <a:ext uri="{FF2B5EF4-FFF2-40B4-BE49-F238E27FC236}">
-                <a16:creationId xmlns:a16="http://schemas.microsoft.com/office/drawing/2014/main" id="{63E8A403-538D-421A-866F-2C9F1984A612}"/>
+                <a16:creationId xmlns:a16="http://schemas.microsoft.com/office/drawing/2014/main" id="{84D74FC0-FE62-4235-BD34-A174752F7F05}"/>
               </a:ext>
             </a:extLst>
           </p:cNvPr>
@@ -3930,25 +8228,227 @@
           <a:p>
             <a:r>
               <a:rPr lang="zh-CN" altLang="en-US" dirty="0"/>
-              <a:t>对组胺的分析</a:t>
-            </a:r>
-          </a:p>
-        </p:txBody>
-      </p:sp>
-      <p:sp>
-        <p:nvSpPr>
-          <p:cNvPr id="3" name="内容占位符 2">
-            <a:extLst>
-              <a:ext uri="{FF2B5EF4-FFF2-40B4-BE49-F238E27FC236}">
-                <a16:creationId xmlns:a16="http://schemas.microsoft.com/office/drawing/2014/main" id="{B4AAAFB2-A6C0-4808-A720-C4280CC68E3E}"/>
-              </a:ext>
-            </a:extLst>
-          </p:cNvPr>
-          <p:cNvSpPr>
-            <a:spLocks noGrp="1"/>
-          </p:cNvSpPr>
-          <p:nvPr>
-            <p:ph idx="1"/>
+              <a:t>数据处理</a:t>
+            </a:r>
+          </a:p>
+        </p:txBody>
+      </p:sp>
+      <mc:AlternateContent xmlns:mc="http://schemas.openxmlformats.org/markup-compatibility/2006">
+        <mc:Choice xmlns:a14="http://schemas.microsoft.com/office/drawing/2010/main" Requires="a14">
+          <p:sp>
+            <p:nvSpPr>
+              <p:cNvPr id="3" name="内容占位符 2">
+                <a:extLst>
+                  <a:ext uri="{FF2B5EF4-FFF2-40B4-BE49-F238E27FC236}">
+                    <a16:creationId xmlns:a16="http://schemas.microsoft.com/office/drawing/2014/main" id="{21567F0C-3AAE-4FD5-A713-E143DD4E0E8C}"/>
+                  </a:ext>
+                </a:extLst>
+              </p:cNvPr>
+              <p:cNvSpPr>
+                <a:spLocks noGrp="1"/>
+              </p:cNvSpPr>
+              <p:nvPr>
+                <p:ph idx="1"/>
+              </p:nvPr>
+            </p:nvSpPr>
+            <p:spPr/>
+            <p:txBody>
+              <a:bodyPr/>
+              <a:lstStyle/>
+              <a:p>
+                <a:pPr marL="0" indent="0">
+                  <a:buNone/>
+                </a:pPr>
+                <a:r>
+                  <a:rPr lang="en-US" altLang="zh-CN" dirty="0"/>
+                  <a:t>RGB</a:t>
+                </a:r>
+                <a:r>
+                  <a:rPr lang="zh-CN" altLang="en-US" dirty="0"/>
+                  <a:t>自相关性 降维</a:t>
+                </a:r>
+                <a:endParaRPr lang="en-US" altLang="zh-CN" dirty="0"/>
+              </a:p>
+              <a:p>
+                <a:pPr marL="0" indent="0">
+                  <a:buNone/>
+                </a:pPr>
+                <a:r>
+                  <a:rPr lang="zh-CN" altLang="en-US" dirty="0"/>
+                  <a:t>灰度      </a:t>
+                </a:r>
+                <a:endParaRPr lang="en-US" altLang="zh-CN" dirty="0"/>
+              </a:p>
+              <a:p>
+                <a:pPr marL="0" indent="0">
+                  <a:buNone/>
+                </a:pPr>
+                <a:endParaRPr lang="en-US" altLang="zh-CN" i="1" dirty="0"/>
+              </a:p>
+              <a:p>
+                <a:pPr marL="0" indent="0">
+                  <a:buNone/>
+                </a:pPr>
+                <a14:m>
+                  <m:oMathPara xmlns:m="http://schemas.openxmlformats.org/officeDocument/2006/math">
+                    <m:oMathParaPr>
+                      <m:jc m:val="centerGroup"/>
+                    </m:oMathParaPr>
+                    <m:oMath xmlns:m="http://schemas.openxmlformats.org/officeDocument/2006/math">
+                      <m:r>
+                        <a:rPr lang="en-US" altLang="zh-CN" i="1"/>
+                        <m:t>𝐺𝑟</m:t>
+                      </m:r>
+                      <m:r>
+                        <a:rPr lang="en-US" altLang="zh-CN" i="1"/>
+                        <m:t>=0.2989</m:t>
+                      </m:r>
+                      <m:r>
+                        <a:rPr lang="en-US" altLang="zh-CN" i="1"/>
+                        <m:t>𝑅</m:t>
+                      </m:r>
+                      <m:r>
+                        <a:rPr lang="en-US" altLang="zh-CN" i="1"/>
+                        <m:t>+0.587</m:t>
+                      </m:r>
+                      <m:r>
+                        <a:rPr lang="en-US" altLang="zh-CN" i="1"/>
+                        <m:t>𝐺</m:t>
+                      </m:r>
+                      <m:r>
+                        <a:rPr lang="en-US" altLang="zh-CN" i="1"/>
+                        <m:t>+0.114</m:t>
+                      </m:r>
+                      <m:r>
+                        <a:rPr lang="en-US" altLang="zh-CN" i="1"/>
+                        <m:t>𝐵</m:t>
+                      </m:r>
+                    </m:oMath>
+                  </m:oMathPara>
+                </a14:m>
+                <a:endParaRPr lang="en-US" altLang="zh-CN" dirty="0"/>
+              </a:p>
+              <a:p>
+                <a:pPr marL="0" indent="0">
+                  <a:buNone/>
+                </a:pPr>
+                <a:r>
+                  <a:rPr lang="en-US" altLang="zh-CN" dirty="0"/>
+                  <a:t>RGB</a:t>
+                </a:r>
+                <a:r>
+                  <a:rPr lang="zh-CN" altLang="en-US" dirty="0"/>
+                  <a:t>算术平均数</a:t>
+                </a:r>
+                <a:endParaRPr lang="en-US" altLang="zh-CN" dirty="0"/>
+              </a:p>
+              <a:p>
+                <a:pPr marL="0" indent="0">
+                  <a:buNone/>
+                </a:pPr>
+                <a:r>
+                  <a:rPr lang="en-US" altLang="zh-CN" dirty="0"/>
+                  <a:t>RGB</a:t>
+                </a:r>
+                <a:r>
+                  <a:rPr lang="zh-CN" altLang="en-US" dirty="0"/>
+                  <a:t>几何平均数</a:t>
+                </a:r>
+                <a:endParaRPr lang="en-US" altLang="zh-CN" dirty="0"/>
+              </a:p>
+              <a:p>
+                <a:pPr marL="0" indent="0">
+                  <a:buNone/>
+                </a:pPr>
+                <a:endParaRPr lang="zh-CN" altLang="zh-CN" dirty="0"/>
+              </a:p>
+            </p:txBody>
+          </p:sp>
+        </mc:Choice>
+        <mc:Fallback>
+          <p:sp>
+            <p:nvSpPr>
+              <p:cNvPr id="3" name="内容占位符 2">
+                <a:extLst>
+                  <a:ext uri="{FF2B5EF4-FFF2-40B4-BE49-F238E27FC236}">
+                    <a16:creationId xmlns:a16="http://schemas.microsoft.com/office/drawing/2014/main" id="{21567F0C-3AAE-4FD5-A713-E143DD4E0E8C}"/>
+                  </a:ext>
+                </a:extLst>
+              </p:cNvPr>
+              <p:cNvSpPr>
+                <a:spLocks noGrp="1" noRot="1" noChangeAspect="1" noMove="1" noResize="1" noEditPoints="1" noAdjustHandles="1" noChangeArrowheads="1" noChangeShapeType="1" noTextEdit="1"/>
+              </p:cNvSpPr>
+              <p:nvPr>
+                <p:ph idx="1"/>
+              </p:nvPr>
+            </p:nvSpPr>
+            <p:spPr>
+              <a:blipFill>
+                <a:blip r:embed="rId2"/>
+                <a:stretch>
+                  <a:fillRect l="-1217" t="-2521"/>
+                </a:stretch>
+              </a:blipFill>
+            </p:spPr>
+            <p:txBody>
+              <a:bodyPr/>
+              <a:lstStyle/>
+              <a:p>
+                <a:r>
+                  <a:rPr lang="zh-CN" altLang="en-US">
+                    <a:noFill/>
+                  </a:rPr>
+                  <a:t> </a:t>
+                </a:r>
+              </a:p>
+            </p:txBody>
+          </p:sp>
+        </mc:Fallback>
+      </mc:AlternateContent>
+    </p:spTree>
+    <p:extLst>
+      <p:ext uri="{BB962C8B-B14F-4D97-AF65-F5344CB8AC3E}">
+        <p14:creationId xmlns:p14="http://schemas.microsoft.com/office/powerpoint/2010/main" val="3406270387"/>
+      </p:ext>
+    </p:extLst>
+  </p:cSld>
+  <p:clrMapOvr>
+    <a:masterClrMapping/>
+  </p:clrMapOvr>
+</p:sld>
+</file>
+
+<file path=ppt/slides/slide8.xml><?xml version="1.0" encoding="utf-8"?>
+<p:sld xmlns:a="http://schemas.openxmlformats.org/drawingml/2006/main" xmlns:r="http://schemas.openxmlformats.org/officeDocument/2006/relationships" xmlns:p="http://schemas.openxmlformats.org/presentationml/2006/main">
+  <p:cSld>
+    <p:spTree>
+      <p:nvGrpSpPr>
+        <p:cNvPr id="1" name=""/>
+        <p:cNvGrpSpPr/>
+        <p:nvPr/>
+      </p:nvGrpSpPr>
+      <p:grpSpPr>
+        <a:xfrm>
+          <a:off x="0" y="0"/>
+          <a:ext cx="0" cy="0"/>
+          <a:chOff x="0" y="0"/>
+          <a:chExt cx="0" cy="0"/>
+        </a:xfrm>
+      </p:grpSpPr>
+      <p:sp>
+        <p:nvSpPr>
+          <p:cNvPr id="2" name="标题 1">
+            <a:extLst>
+              <a:ext uri="{FF2B5EF4-FFF2-40B4-BE49-F238E27FC236}">
+                <a16:creationId xmlns:a16="http://schemas.microsoft.com/office/drawing/2014/main" id="{63E8A403-538D-421A-866F-2C9F1984A612}"/>
+              </a:ext>
+            </a:extLst>
+          </p:cNvPr>
+          <p:cNvSpPr>
+            <a:spLocks noGrp="1"/>
+          </p:cNvSpPr>
+          <p:nvPr>
+            <p:ph type="title"/>
           </p:nvPr>
         </p:nvSpPr>
         <p:spPr/>
@@ -3956,31 +8456,605 @@
           <a:bodyPr/>
           <a:lstStyle/>
           <a:p>
-            <a:pPr marL="0" indent="0">
-              <a:buNone/>
-            </a:pPr>
-            <a:endParaRPr lang="en-US" altLang="zh-CN" sz="2800" b="0" i="0" kern="1200" dirty="0">
-              <a:solidFill>
-                <a:schemeClr val="tx1"/>
-              </a:solidFill>
-              <a:effectLst/>
-              <a:latin typeface="+mn-lt"/>
-              <a:ea typeface="+mn-ea"/>
-              <a:cs typeface="+mn-cs"/>
-            </a:endParaRPr>
-          </a:p>
-          <a:p>
-            <a:pPr marL="0" indent="0">
-              <a:buNone/>
-            </a:pPr>
-            <a:endParaRPr lang="zh-CN" altLang="en-US" dirty="0"/>
-          </a:p>
-        </p:txBody>
-      </p:sp>
+            <a:r>
+              <a:rPr lang="zh-CN" altLang="en-US" dirty="0"/>
+              <a:t>对组胺的分析</a:t>
+            </a:r>
+          </a:p>
+        </p:txBody>
+      </p:sp>
+      <mc:AlternateContent xmlns:mc="http://schemas.openxmlformats.org/markup-compatibility/2006">
+        <mc:Choice xmlns:a14="http://schemas.microsoft.com/office/drawing/2010/main" Requires="a14">
+          <p:sp>
+            <p:nvSpPr>
+              <p:cNvPr id="3" name="内容占位符 2">
+                <a:extLst>
+                  <a:ext uri="{FF2B5EF4-FFF2-40B4-BE49-F238E27FC236}">
+                    <a16:creationId xmlns:a16="http://schemas.microsoft.com/office/drawing/2014/main" id="{B4AAAFB2-A6C0-4808-A720-C4280CC68E3E}"/>
+                  </a:ext>
+                </a:extLst>
+              </p:cNvPr>
+              <p:cNvSpPr>
+                <a:spLocks noGrp="1"/>
+              </p:cNvSpPr>
+              <p:nvPr>
+                <p:ph idx="1"/>
+              </p:nvPr>
+            </p:nvSpPr>
+            <p:spPr/>
+            <p:txBody>
+              <a:bodyPr/>
+              <a:lstStyle/>
+              <a:p>
+                <a:pPr marL="0" indent="0">
+                  <a:buNone/>
+                </a:pPr>
+                <a:r>
+                  <a:rPr lang="en-US" altLang="zh-CN" sz="2800" b="0" i="0" kern="1200" dirty="0">
+                    <a:solidFill>
+                      <a:schemeClr val="tx1"/>
+                    </a:solidFill>
+                    <a:effectLst/>
+                    <a:latin typeface="+mn-lt"/>
+                    <a:ea typeface="+mn-ea"/>
+                    <a:cs typeface="+mn-cs"/>
+                  </a:rPr>
+                  <a:t>RGB</a:t>
+                </a:r>
+                <a:r>
+                  <a:rPr lang="zh-CN" altLang="en-US" sz="2800" b="0" i="0" kern="1200" dirty="0">
+                    <a:solidFill>
+                      <a:schemeClr val="tx1"/>
+                    </a:solidFill>
+                    <a:effectLst/>
+                    <a:latin typeface="+mn-lt"/>
+                    <a:ea typeface="+mn-ea"/>
+                    <a:cs typeface="+mn-cs"/>
+                  </a:rPr>
+                  <a:t>与浓度相关性明显</a:t>
+                </a:r>
+                <a:endParaRPr lang="en-US" altLang="zh-CN" dirty="0"/>
+              </a:p>
+              <a:p>
+                <a:pPr marL="0" indent="0">
+                  <a:buNone/>
+                </a:pPr>
+                <a:r>
+                  <a:rPr lang="zh-CN" altLang="en-US" sz="2800" b="0" i="0" kern="1200" dirty="0">
+                    <a:solidFill>
+                      <a:schemeClr val="tx1"/>
+                    </a:solidFill>
+                    <a:effectLst/>
+                    <a:latin typeface="+mn-lt"/>
+                    <a:ea typeface="+mn-ea"/>
+                    <a:cs typeface="+mn-cs"/>
+                  </a:rPr>
+                  <a:t>表格，多个变量和组胺浓度的相关系数</a:t>
+                </a:r>
+                <a:endParaRPr lang="en-US" altLang="zh-CN" sz="2800" b="0" i="0" kern="1200" dirty="0">
+                  <a:solidFill>
+                    <a:schemeClr val="tx1"/>
+                  </a:solidFill>
+                  <a:effectLst/>
+                  <a:latin typeface="+mn-lt"/>
+                  <a:ea typeface="+mn-ea"/>
+                  <a:cs typeface="+mn-cs"/>
+                </a:endParaRPr>
+              </a:p>
+              <a:p>
+                <a:pPr marL="0" indent="0">
+                  <a:buNone/>
+                </a:pPr>
+                <a:endParaRPr lang="en-US" altLang="zh-CN" dirty="0"/>
+              </a:p>
+              <a:p>
+                <a:pPr marL="0" indent="0">
+                  <a:buNone/>
+                </a:pPr>
+                <a:endParaRPr lang="en-US" altLang="zh-CN" sz="2800" b="0" i="0" kern="1200" dirty="0">
+                  <a:solidFill>
+                    <a:schemeClr val="tx1"/>
+                  </a:solidFill>
+                  <a:effectLst/>
+                  <a:latin typeface="+mn-lt"/>
+                  <a:ea typeface="+mn-ea"/>
+                  <a:cs typeface="+mn-cs"/>
+                </a:endParaRPr>
+              </a:p>
+              <a:p>
+                <a:pPr marL="0" indent="0">
+                  <a:buNone/>
+                </a:pPr>
+                <a:r>
+                  <a:rPr lang="zh-CN" altLang="en-US" sz="2800" b="0" i="0" kern="1200" dirty="0">
+                    <a:solidFill>
+                      <a:schemeClr val="tx1"/>
+                    </a:solidFill>
+                    <a:effectLst/>
+                    <a:latin typeface="+mn-lt"/>
+                    <a:ea typeface="+mn-ea"/>
+                    <a:cs typeface="+mn-cs"/>
+                  </a:rPr>
+                  <a:t>用灰度一元线性回归</a:t>
+                </a:r>
+                <a:endParaRPr lang="en-US" altLang="zh-CN" sz="2800" b="0" i="0" kern="1200" dirty="0">
+                  <a:solidFill>
+                    <a:schemeClr val="tx1"/>
+                  </a:solidFill>
+                  <a:effectLst/>
+                  <a:latin typeface="+mn-lt"/>
+                  <a:ea typeface="+mn-ea"/>
+                  <a:cs typeface="+mn-cs"/>
+                </a:endParaRPr>
+              </a:p>
+              <a:p>
+                <a:pPr marL="0" indent="0">
+                  <a:buNone/>
+                </a:pPr>
+                <a14:m>
+                  <m:oMathPara xmlns:m="http://schemas.openxmlformats.org/officeDocument/2006/math">
+                    <m:oMathParaPr>
+                      <m:jc m:val="centerGroup"/>
+                    </m:oMathParaPr>
+                    <m:oMath xmlns:m="http://schemas.openxmlformats.org/officeDocument/2006/math">
+                      <m:r>
+                        <a:rPr lang="en-US" altLang="zh-CN" i="1"/>
+                        <m:t>𝑦</m:t>
+                      </m:r>
+                      <m:r>
+                        <a:rPr lang="en-US" altLang="zh-CN" i="1"/>
+                        <m:t>=</m:t>
+                      </m:r>
+                      <m:sSub>
+                        <m:sSubPr>
+                          <m:ctrlPr>
+                            <a:rPr lang="zh-CN" altLang="zh-CN" i="1"/>
+                          </m:ctrlPr>
+                        </m:sSubPr>
+                        <m:e>
+                          <m:r>
+                            <a:rPr lang="en-US" altLang="zh-CN" i="1"/>
+                            <m:t>𝑝</m:t>
+                          </m:r>
+                        </m:e>
+                        <m:sub>
+                          <m:r>
+                            <a:rPr lang="en-US" altLang="zh-CN" i="1"/>
+                            <m:t>1</m:t>
+                          </m:r>
+                        </m:sub>
+                      </m:sSub>
+                      <m:r>
+                        <a:rPr lang="en-US" altLang="zh-CN" i="1"/>
+                        <m:t>𝑥</m:t>
+                      </m:r>
+                      <m:r>
+                        <a:rPr lang="en-US" altLang="zh-CN" i="1"/>
+                        <m:t>+</m:t>
+                      </m:r>
+                      <m:sSub>
+                        <m:sSubPr>
+                          <m:ctrlPr>
+                            <a:rPr lang="zh-CN" altLang="zh-CN" i="1"/>
+                          </m:ctrlPr>
+                        </m:sSubPr>
+                        <m:e>
+                          <m:r>
+                            <a:rPr lang="en-US" altLang="zh-CN" i="1"/>
+                            <m:t>𝑝</m:t>
+                          </m:r>
+                        </m:e>
+                        <m:sub>
+                          <m:r>
+                            <a:rPr lang="en-US" altLang="zh-CN" i="1"/>
+                            <m:t>2</m:t>
+                          </m:r>
+                        </m:sub>
+                      </m:sSub>
+                    </m:oMath>
+                  </m:oMathPara>
+                </a14:m>
+                <a:endParaRPr lang="en-US" altLang="zh-CN" sz="2800" b="0" i="0" kern="1200" dirty="0">
+                  <a:solidFill>
+                    <a:schemeClr val="tx1"/>
+                  </a:solidFill>
+                  <a:effectLst/>
+                  <a:latin typeface="+mn-lt"/>
+                  <a:ea typeface="+mn-ea"/>
+                  <a:cs typeface="+mn-cs"/>
+                </a:endParaRPr>
+              </a:p>
+              <a:p>
+                <a:pPr marL="0" indent="0">
+                  <a:buNone/>
+                </a:pPr>
+                <a:r>
+                  <a:rPr lang="zh-CN" altLang="en-US" sz="2800" b="0" i="0" kern="1200" dirty="0">
+                    <a:solidFill>
+                      <a:schemeClr val="tx1"/>
+                    </a:solidFill>
+                    <a:effectLst/>
+                    <a:latin typeface="+mn-lt"/>
+                    <a:ea typeface="+mn-ea"/>
+                    <a:cs typeface="+mn-cs"/>
+                  </a:rPr>
+                  <a:t>得到    </a:t>
+                </a:r>
+                <a14:m>
+                  <m:oMath xmlns:m="http://schemas.openxmlformats.org/officeDocument/2006/math">
+                    <m:r>
+                      <a:rPr lang="en-US" altLang="zh-CN" i="1"/>
+                      <m:t>𝑦</m:t>
+                    </m:r>
+                    <m:r>
+                      <a:rPr lang="en-US" altLang="zh-CN" i="1"/>
+                      <m:t>=−3.034</m:t>
+                    </m:r>
+                    <m:r>
+                      <a:rPr lang="en-US" altLang="zh-CN" i="1"/>
+                      <m:t>𝑥</m:t>
+                    </m:r>
+                    <m:r>
+                      <a:rPr lang="en-US" altLang="zh-CN" i="1"/>
+                      <m:t>+327.4</m:t>
+                    </m:r>
+                  </m:oMath>
+                </a14:m>
+                <a:endParaRPr lang="zh-CN" altLang="zh-CN" dirty="0"/>
+              </a:p>
+              <a:p>
+                <a:pPr marL="0" indent="0">
+                  <a:buNone/>
+                </a:pPr>
+                <a:r>
+                  <a:rPr lang="zh-CN" altLang="en-US" sz="2800" b="0" i="0" kern="1200" dirty="0">
+                    <a:solidFill>
+                      <a:schemeClr val="tx1"/>
+                    </a:solidFill>
+                    <a:effectLst/>
+                    <a:latin typeface="+mn-lt"/>
+                    <a:ea typeface="+mn-ea"/>
+                    <a:cs typeface="+mn-cs"/>
+                  </a:rPr>
+                  <a:t>拟合结果表格</a:t>
+                </a:r>
+                <a:endParaRPr lang="en-US" altLang="zh-CN" sz="2800" b="0" i="0" kern="1200" dirty="0">
+                  <a:solidFill>
+                    <a:schemeClr val="tx1"/>
+                  </a:solidFill>
+                  <a:effectLst/>
+                  <a:latin typeface="+mn-lt"/>
+                  <a:ea typeface="+mn-ea"/>
+                  <a:cs typeface="+mn-cs"/>
+                </a:endParaRPr>
+              </a:p>
+            </p:txBody>
+          </p:sp>
+        </mc:Choice>
+        <mc:Fallback>
+          <p:sp>
+            <p:nvSpPr>
+              <p:cNvPr id="3" name="内容占位符 2">
+                <a:extLst>
+                  <a:ext uri="{FF2B5EF4-FFF2-40B4-BE49-F238E27FC236}">
+                    <a16:creationId xmlns:a16="http://schemas.microsoft.com/office/drawing/2014/main" id="{B4AAAFB2-A6C0-4808-A720-C4280CC68E3E}"/>
+                  </a:ext>
+                </a:extLst>
+              </p:cNvPr>
+              <p:cNvSpPr>
+                <a:spLocks noGrp="1" noRot="1" noChangeAspect="1" noMove="1" noResize="1" noEditPoints="1" noAdjustHandles="1" noChangeArrowheads="1" noChangeShapeType="1" noTextEdit="1"/>
+              </p:cNvSpPr>
+              <p:nvPr>
+                <p:ph idx="1"/>
+              </p:nvPr>
+            </p:nvSpPr>
+            <p:spPr>
+              <a:blipFill>
+                <a:blip r:embed="rId2"/>
+                <a:stretch>
+                  <a:fillRect l="-1217" t="-2521"/>
+                </a:stretch>
+              </a:blipFill>
+            </p:spPr>
+            <p:txBody>
+              <a:bodyPr/>
+              <a:lstStyle/>
+              <a:p>
+                <a:r>
+                  <a:rPr lang="zh-CN" altLang="en-US">
+                    <a:noFill/>
+                  </a:rPr>
+                  <a:t> </a:t>
+                </a:r>
+              </a:p>
+            </p:txBody>
+          </p:sp>
+        </mc:Fallback>
+      </mc:AlternateContent>
     </p:spTree>
     <p:extLst>
       <p:ext uri="{BB962C8B-B14F-4D97-AF65-F5344CB8AC3E}">
         <p14:creationId xmlns:p14="http://schemas.microsoft.com/office/powerpoint/2010/main" val="3774012489"/>
+      </p:ext>
+    </p:extLst>
+  </p:cSld>
+  <p:clrMapOvr>
+    <a:masterClrMapping/>
+  </p:clrMapOvr>
+</p:sld>
+</file>
+
+<file path=ppt/slides/slide9.xml><?xml version="1.0" encoding="utf-8"?>
+<p:sld xmlns:a="http://schemas.openxmlformats.org/drawingml/2006/main" xmlns:r="http://schemas.openxmlformats.org/officeDocument/2006/relationships" xmlns:p="http://schemas.openxmlformats.org/presentationml/2006/main">
+  <p:cSld>
+    <p:spTree>
+      <p:nvGrpSpPr>
+        <p:cNvPr id="1" name=""/>
+        <p:cNvGrpSpPr/>
+        <p:nvPr/>
+      </p:nvGrpSpPr>
+      <p:grpSpPr>
+        <a:xfrm>
+          <a:off x="0" y="0"/>
+          <a:ext cx="0" cy="0"/>
+          <a:chOff x="0" y="0"/>
+          <a:chExt cx="0" cy="0"/>
+        </a:xfrm>
+      </p:grpSpPr>
+      <p:sp>
+        <p:nvSpPr>
+          <p:cNvPr id="2" name="标题 1">
+            <a:extLst>
+              <a:ext uri="{FF2B5EF4-FFF2-40B4-BE49-F238E27FC236}">
+                <a16:creationId xmlns:a16="http://schemas.microsoft.com/office/drawing/2014/main" id="{D8A4A81B-847F-4041-96A1-29F120BB93EE}"/>
+              </a:ext>
+            </a:extLst>
+          </p:cNvPr>
+          <p:cNvSpPr>
+            <a:spLocks noGrp="1"/>
+          </p:cNvSpPr>
+          <p:nvPr>
+            <p:ph type="title"/>
+          </p:nvPr>
+        </p:nvSpPr>
+        <p:spPr/>
+        <p:txBody>
+          <a:bodyPr/>
+          <a:lstStyle/>
+          <a:p>
+            <a:r>
+              <a:rPr lang="zh-CN" altLang="en-US" dirty="0"/>
+              <a:t>对组胺的分析</a:t>
+            </a:r>
+          </a:p>
+        </p:txBody>
+      </p:sp>
+      <mc:AlternateContent xmlns:mc="http://schemas.openxmlformats.org/markup-compatibility/2006">
+        <mc:Choice xmlns:a14="http://schemas.microsoft.com/office/drawing/2010/main" Requires="a14">
+          <p:sp>
+            <p:nvSpPr>
+              <p:cNvPr id="3" name="内容占位符 2">
+                <a:extLst>
+                  <a:ext uri="{FF2B5EF4-FFF2-40B4-BE49-F238E27FC236}">
+                    <a16:creationId xmlns:a16="http://schemas.microsoft.com/office/drawing/2014/main" id="{71121471-B69B-4655-9905-84A647464C06}"/>
+                  </a:ext>
+                </a:extLst>
+              </p:cNvPr>
+              <p:cNvSpPr>
+                <a:spLocks noGrp="1"/>
+              </p:cNvSpPr>
+              <p:nvPr>
+                <p:ph idx="1"/>
+              </p:nvPr>
+            </p:nvSpPr>
+            <p:spPr/>
+            <p:txBody>
+              <a:bodyPr/>
+              <a:lstStyle/>
+              <a:p>
+                <a:pPr marL="0" indent="0">
+                  <a:buNone/>
+                </a:pPr>
+                <a:r>
+                  <a:rPr lang="en-US" altLang="zh-CN" dirty="0"/>
+                  <a:t>H</a:t>
+                </a:r>
+                <a:r>
+                  <a:rPr lang="zh-CN" altLang="en-US" dirty="0"/>
+                  <a:t>和</a:t>
+                </a:r>
+                <a:r>
+                  <a:rPr lang="en-US" altLang="zh-CN" dirty="0"/>
+                  <a:t>S</a:t>
+                </a:r>
+                <a:r>
+                  <a:rPr lang="zh-CN" altLang="en-US" dirty="0"/>
+                  <a:t>二元回归</a:t>
+                </a:r>
+              </a:p>
+              <a:p>
+                <a:pPr marL="0" indent="0">
+                  <a:buNone/>
+                </a:pPr>
+                <a:endParaRPr lang="en-US" altLang="zh-CN" i="1" dirty="0"/>
+              </a:p>
+              <a:p>
+                <a:pPr marL="0" indent="0">
+                  <a:buNone/>
+                </a:pPr>
+                <a14:m>
+                  <m:oMathPara xmlns:m="http://schemas.openxmlformats.org/officeDocument/2006/math">
+                    <m:oMathParaPr>
+                      <m:jc m:val="centerGroup"/>
+                    </m:oMathParaPr>
+                    <m:oMath xmlns:m="http://schemas.openxmlformats.org/officeDocument/2006/math">
+                      <m:r>
+                        <a:rPr lang="en-US" altLang="zh-CN" i="1"/>
+                        <m:t>𝑧</m:t>
+                      </m:r>
+                      <m:r>
+                        <a:rPr lang="en-US" altLang="zh-CN" i="1"/>
+                        <m:t>=</m:t>
+                      </m:r>
+                      <m:sSub>
+                        <m:sSubPr>
+                          <m:ctrlPr>
+                            <a:rPr lang="zh-CN" altLang="zh-CN" i="1"/>
+                          </m:ctrlPr>
+                        </m:sSubPr>
+                        <m:e>
+                          <m:r>
+                            <a:rPr lang="en-US" altLang="zh-CN" i="1"/>
+                            <m:t>𝑝</m:t>
+                          </m:r>
+                        </m:e>
+                        <m:sub>
+                          <m:r>
+                            <a:rPr lang="en-US" altLang="zh-CN" i="1"/>
+                            <m:t>00</m:t>
+                          </m:r>
+                        </m:sub>
+                      </m:sSub>
+                      <m:r>
+                        <a:rPr lang="en-US" altLang="zh-CN" i="1"/>
+                        <m:t>+</m:t>
+                      </m:r>
+                      <m:sSub>
+                        <m:sSubPr>
+                          <m:ctrlPr>
+                            <a:rPr lang="zh-CN" altLang="zh-CN" i="1"/>
+                          </m:ctrlPr>
+                        </m:sSubPr>
+                        <m:e>
+                          <m:r>
+                            <a:rPr lang="en-US" altLang="zh-CN" i="1"/>
+                            <m:t>𝑝</m:t>
+                          </m:r>
+                        </m:e>
+                        <m:sub>
+                          <m:r>
+                            <a:rPr lang="en-US" altLang="zh-CN" i="1"/>
+                            <m:t>10</m:t>
+                          </m:r>
+                        </m:sub>
+                      </m:sSub>
+                      <m:r>
+                        <a:rPr lang="en-US" altLang="zh-CN" i="1"/>
+                        <m:t>×</m:t>
+                      </m:r>
+                      <m:r>
+                        <a:rPr lang="en-US" altLang="zh-CN" i="1"/>
+                        <m:t>𝑥</m:t>
+                      </m:r>
+                      <m:r>
+                        <a:rPr lang="en-US" altLang="zh-CN" i="1"/>
+                        <m:t>+</m:t>
+                      </m:r>
+                      <m:sSub>
+                        <m:sSubPr>
+                          <m:ctrlPr>
+                            <a:rPr lang="zh-CN" altLang="zh-CN" i="1"/>
+                          </m:ctrlPr>
+                        </m:sSubPr>
+                        <m:e>
+                          <m:r>
+                            <a:rPr lang="en-US" altLang="zh-CN" i="1"/>
+                            <m:t>𝑝</m:t>
+                          </m:r>
+                        </m:e>
+                        <m:sub>
+                          <m:r>
+                            <a:rPr lang="en-US" altLang="zh-CN" i="1"/>
+                            <m:t>01</m:t>
+                          </m:r>
+                        </m:sub>
+                      </m:sSub>
+                      <m:r>
+                        <a:rPr lang="en-US" altLang="zh-CN" i="1"/>
+                        <m:t>×</m:t>
+                      </m:r>
+                      <m:r>
+                        <a:rPr lang="en-US" altLang="zh-CN" i="1"/>
+                        <m:t>𝑦</m:t>
+                      </m:r>
+                    </m:oMath>
+                  </m:oMathPara>
+                </a14:m>
+                <a:endParaRPr lang="en-US" altLang="zh-CN" dirty="0"/>
+              </a:p>
+              <a:p>
+                <a:pPr marL="0" indent="0">
+                  <a:buNone/>
+                </a:pPr>
+                <a:endParaRPr lang="en-US" altLang="zh-CN" dirty="0"/>
+              </a:p>
+              <a:p>
+                <a:pPr marL="0" indent="0">
+                  <a:buNone/>
+                </a:pPr>
+                <a:r>
+                  <a:rPr lang="zh-CN" altLang="en-US" dirty="0"/>
+                  <a:t>结果</a:t>
+                </a:r>
+                <a:endParaRPr lang="en-US" altLang="zh-CN" dirty="0"/>
+              </a:p>
+              <a:p>
+                <a:pPr marL="0" indent="0">
+                  <a:buNone/>
+                </a:pPr>
+                <a:r>
+                  <a:rPr lang="zh-CN" altLang="en-US" dirty="0"/>
+                  <a:t>不适用</a:t>
+                </a:r>
+                <a:endParaRPr lang="zh-CN" altLang="zh-CN" dirty="0"/>
+              </a:p>
+            </p:txBody>
+          </p:sp>
+        </mc:Choice>
+        <mc:Fallback>
+          <p:sp>
+            <p:nvSpPr>
+              <p:cNvPr id="3" name="内容占位符 2">
+                <a:extLst>
+                  <a:ext uri="{FF2B5EF4-FFF2-40B4-BE49-F238E27FC236}">
+                    <a16:creationId xmlns:a16="http://schemas.microsoft.com/office/drawing/2014/main" id="{71121471-B69B-4655-9905-84A647464C06}"/>
+                  </a:ext>
+                </a:extLst>
+              </p:cNvPr>
+              <p:cNvSpPr>
+                <a:spLocks noGrp="1" noRot="1" noChangeAspect="1" noMove="1" noResize="1" noEditPoints="1" noAdjustHandles="1" noChangeArrowheads="1" noChangeShapeType="1" noTextEdit="1"/>
+              </p:cNvSpPr>
+              <p:nvPr>
+                <p:ph idx="1"/>
+              </p:nvPr>
+            </p:nvSpPr>
+            <p:spPr>
+              <a:blipFill>
+                <a:blip r:embed="rId2"/>
+                <a:stretch>
+                  <a:fillRect l="-1217" t="-2521"/>
+                </a:stretch>
+              </a:blipFill>
+            </p:spPr>
+            <p:txBody>
+              <a:bodyPr/>
+              <a:lstStyle/>
+              <a:p>
+                <a:r>
+                  <a:rPr lang="zh-CN" altLang="en-US">
+                    <a:noFill/>
+                  </a:rPr>
+                  <a:t> </a:t>
+                </a:r>
+              </a:p>
+            </p:txBody>
+          </p:sp>
+        </mc:Fallback>
+      </mc:AlternateContent>
+    </p:spTree>
+    <p:extLst>
+      <p:ext uri="{BB962C8B-B14F-4D97-AF65-F5344CB8AC3E}">
+        <p14:creationId xmlns:p14="http://schemas.microsoft.com/office/powerpoint/2010/main" val="2928693455"/>
       </p:ext>
     </p:extLst>
   </p:cSld>

--- a/PreG21.pptx
+++ b/PreG21.pptx
@@ -13,22 +13,24 @@
     <p:sldId id="261" r:id="rId7"/>
     <p:sldId id="274" r:id="rId8"/>
     <p:sldId id="262" r:id="rId9"/>
-    <p:sldId id="275" r:id="rId10"/>
-    <p:sldId id="263" r:id="rId11"/>
-    <p:sldId id="276" r:id="rId12"/>
-    <p:sldId id="264" r:id="rId13"/>
-    <p:sldId id="265" r:id="rId14"/>
-    <p:sldId id="277" r:id="rId15"/>
-    <p:sldId id="278" r:id="rId16"/>
-    <p:sldId id="266" r:id="rId17"/>
-    <p:sldId id="267" r:id="rId18"/>
-    <p:sldId id="268" r:id="rId19"/>
-    <p:sldId id="269" r:id="rId20"/>
-    <p:sldId id="279" r:id="rId21"/>
-    <p:sldId id="270" r:id="rId22"/>
-    <p:sldId id="271" r:id="rId23"/>
-    <p:sldId id="272" r:id="rId24"/>
-    <p:sldId id="273" r:id="rId25"/>
+    <p:sldId id="281" r:id="rId10"/>
+    <p:sldId id="275" r:id="rId11"/>
+    <p:sldId id="263" r:id="rId12"/>
+    <p:sldId id="276" r:id="rId13"/>
+    <p:sldId id="264" r:id="rId14"/>
+    <p:sldId id="265" r:id="rId15"/>
+    <p:sldId id="277" r:id="rId16"/>
+    <p:sldId id="278" r:id="rId17"/>
+    <p:sldId id="266" r:id="rId18"/>
+    <p:sldId id="267" r:id="rId19"/>
+    <p:sldId id="268" r:id="rId20"/>
+    <p:sldId id="269" r:id="rId21"/>
+    <p:sldId id="279" r:id="rId22"/>
+    <p:sldId id="270" r:id="rId23"/>
+    <p:sldId id="271" r:id="rId24"/>
+    <p:sldId id="272" r:id="rId25"/>
+    <p:sldId id="273" r:id="rId26"/>
+    <p:sldId id="280" r:id="rId27"/>
   </p:sldIdLst>
   <p:sldSz cx="12192000" cy="6858000"/>
   <p:notesSz cx="6858000" cy="9144000"/>
@@ -3401,8 +3403,12 @@
           <a:lstStyle/>
           <a:p>
             <a:r>
+              <a:rPr lang="en-US" altLang="zh-CN" dirty="0"/>
+              <a:t>21</a:t>
+            </a:r>
+            <a:r>
               <a:rPr lang="zh-CN" altLang="en-US" dirty="0"/>
-              <a:t>组、名字、日期</a:t>
+              <a:t>严宋扬袁靖松汪紫薇</a:t>
             </a:r>
             <a:endParaRPr lang="en-US" altLang="zh-CN" dirty="0"/>
           </a:p>
@@ -3442,6 +3448,286 @@
 </file>
 
 <file path=ppt/slides/slide10.xml><?xml version="1.0" encoding="utf-8"?>
+<p:sld xmlns:a="http://schemas.openxmlformats.org/drawingml/2006/main" xmlns:r="http://schemas.openxmlformats.org/officeDocument/2006/relationships" xmlns:p="http://schemas.openxmlformats.org/presentationml/2006/main">
+  <p:cSld>
+    <p:spTree>
+      <p:nvGrpSpPr>
+        <p:cNvPr id="1" name=""/>
+        <p:cNvGrpSpPr/>
+        <p:nvPr/>
+      </p:nvGrpSpPr>
+      <p:grpSpPr>
+        <a:xfrm>
+          <a:off x="0" y="0"/>
+          <a:ext cx="0" cy="0"/>
+          <a:chOff x="0" y="0"/>
+          <a:chExt cx="0" cy="0"/>
+        </a:xfrm>
+      </p:grpSpPr>
+      <p:sp>
+        <p:nvSpPr>
+          <p:cNvPr id="2" name="标题 1">
+            <a:extLst>
+              <a:ext uri="{FF2B5EF4-FFF2-40B4-BE49-F238E27FC236}">
+                <a16:creationId xmlns:a16="http://schemas.microsoft.com/office/drawing/2014/main" id="{D8A4A81B-847F-4041-96A1-29F120BB93EE}"/>
+              </a:ext>
+            </a:extLst>
+          </p:cNvPr>
+          <p:cNvSpPr>
+            <a:spLocks noGrp="1"/>
+          </p:cNvSpPr>
+          <p:nvPr>
+            <p:ph type="title"/>
+          </p:nvPr>
+        </p:nvSpPr>
+        <p:spPr/>
+        <p:txBody>
+          <a:bodyPr/>
+          <a:lstStyle/>
+          <a:p>
+            <a:r>
+              <a:rPr lang="zh-CN" altLang="en-US" dirty="0"/>
+              <a:t>对组胺的分析</a:t>
+            </a:r>
+          </a:p>
+        </p:txBody>
+      </p:sp>
+      <mc:AlternateContent xmlns:mc="http://schemas.openxmlformats.org/markup-compatibility/2006">
+        <mc:Choice xmlns:a14="http://schemas.microsoft.com/office/drawing/2010/main" Requires="a14">
+          <p:sp>
+            <p:nvSpPr>
+              <p:cNvPr id="3" name="内容占位符 2">
+                <a:extLst>
+                  <a:ext uri="{FF2B5EF4-FFF2-40B4-BE49-F238E27FC236}">
+                    <a16:creationId xmlns:a16="http://schemas.microsoft.com/office/drawing/2014/main" id="{71121471-B69B-4655-9905-84A647464C06}"/>
+                  </a:ext>
+                </a:extLst>
+              </p:cNvPr>
+              <p:cNvSpPr>
+                <a:spLocks noGrp="1"/>
+              </p:cNvSpPr>
+              <p:nvPr>
+                <p:ph idx="1"/>
+              </p:nvPr>
+            </p:nvSpPr>
+            <p:spPr/>
+            <p:txBody>
+              <a:bodyPr/>
+              <a:lstStyle/>
+              <a:p>
+                <a:pPr marL="0" indent="0">
+                  <a:buNone/>
+                </a:pPr>
+                <a:r>
+                  <a:rPr lang="en-US" altLang="zh-CN" dirty="0"/>
+                  <a:t>H</a:t>
+                </a:r>
+                <a:r>
+                  <a:rPr lang="zh-CN" altLang="en-US" dirty="0"/>
+                  <a:t>和</a:t>
+                </a:r>
+                <a:r>
+                  <a:rPr lang="en-US" altLang="zh-CN" dirty="0"/>
+                  <a:t>S</a:t>
+                </a:r>
+                <a:r>
+                  <a:rPr lang="zh-CN" altLang="en-US" dirty="0"/>
+                  <a:t>二元回归</a:t>
+                </a:r>
+              </a:p>
+              <a:p>
+                <a:pPr marL="0" indent="0">
+                  <a:buNone/>
+                </a:pPr>
+                <a:endParaRPr lang="en-US" altLang="zh-CN" i="1" dirty="0"/>
+              </a:p>
+              <a:p>
+                <a:pPr marL="0" indent="0">
+                  <a:buNone/>
+                </a:pPr>
+                <a14:m>
+                  <m:oMathPara xmlns:m="http://schemas.openxmlformats.org/officeDocument/2006/math">
+                    <m:oMathParaPr>
+                      <m:jc m:val="centerGroup"/>
+                    </m:oMathParaPr>
+                    <m:oMath xmlns:m="http://schemas.openxmlformats.org/officeDocument/2006/math">
+                      <m:r>
+                        <a:rPr lang="en-US" altLang="zh-CN" i="1"/>
+                        <m:t>𝑧</m:t>
+                      </m:r>
+                      <m:r>
+                        <a:rPr lang="en-US" altLang="zh-CN" i="1"/>
+                        <m:t>=</m:t>
+                      </m:r>
+                      <m:sSub>
+                        <m:sSubPr>
+                          <m:ctrlPr>
+                            <a:rPr lang="zh-CN" altLang="zh-CN" i="1"/>
+                          </m:ctrlPr>
+                        </m:sSubPr>
+                        <m:e>
+                          <m:r>
+                            <a:rPr lang="en-US" altLang="zh-CN" i="1"/>
+                            <m:t>𝑝</m:t>
+                          </m:r>
+                        </m:e>
+                        <m:sub>
+                          <m:r>
+                            <a:rPr lang="en-US" altLang="zh-CN" i="1"/>
+                            <m:t>00</m:t>
+                          </m:r>
+                        </m:sub>
+                      </m:sSub>
+                      <m:r>
+                        <a:rPr lang="en-US" altLang="zh-CN" i="1"/>
+                        <m:t>+</m:t>
+                      </m:r>
+                      <m:sSub>
+                        <m:sSubPr>
+                          <m:ctrlPr>
+                            <a:rPr lang="zh-CN" altLang="zh-CN" i="1"/>
+                          </m:ctrlPr>
+                        </m:sSubPr>
+                        <m:e>
+                          <m:r>
+                            <a:rPr lang="en-US" altLang="zh-CN" i="1"/>
+                            <m:t>𝑝</m:t>
+                          </m:r>
+                        </m:e>
+                        <m:sub>
+                          <m:r>
+                            <a:rPr lang="en-US" altLang="zh-CN" i="1"/>
+                            <m:t>10</m:t>
+                          </m:r>
+                        </m:sub>
+                      </m:sSub>
+                      <m:r>
+                        <a:rPr lang="en-US" altLang="zh-CN" i="1"/>
+                        <m:t>×</m:t>
+                      </m:r>
+                      <m:r>
+                        <a:rPr lang="en-US" altLang="zh-CN" i="1"/>
+                        <m:t>𝑥</m:t>
+                      </m:r>
+                      <m:r>
+                        <a:rPr lang="en-US" altLang="zh-CN" i="1"/>
+                        <m:t>+</m:t>
+                      </m:r>
+                      <m:sSub>
+                        <m:sSubPr>
+                          <m:ctrlPr>
+                            <a:rPr lang="zh-CN" altLang="zh-CN" i="1"/>
+                          </m:ctrlPr>
+                        </m:sSubPr>
+                        <m:e>
+                          <m:r>
+                            <a:rPr lang="en-US" altLang="zh-CN" i="1"/>
+                            <m:t>𝑝</m:t>
+                          </m:r>
+                        </m:e>
+                        <m:sub>
+                          <m:r>
+                            <a:rPr lang="en-US" altLang="zh-CN" i="1"/>
+                            <m:t>01</m:t>
+                          </m:r>
+                        </m:sub>
+                      </m:sSub>
+                      <m:r>
+                        <a:rPr lang="en-US" altLang="zh-CN" i="1"/>
+                        <m:t>×</m:t>
+                      </m:r>
+                      <m:r>
+                        <a:rPr lang="en-US" altLang="zh-CN" i="1"/>
+                        <m:t>𝑦</m:t>
+                      </m:r>
+                    </m:oMath>
+                  </m:oMathPara>
+                </a14:m>
+                <a:endParaRPr lang="en-US" altLang="zh-CN" dirty="0"/>
+              </a:p>
+              <a:p>
+                <a:pPr marL="0" indent="0">
+                  <a:buNone/>
+                </a:pPr>
+                <a:endParaRPr lang="en-US" altLang="zh-CN" dirty="0"/>
+              </a:p>
+              <a:p>
+                <a:pPr marL="0" indent="0">
+                  <a:buNone/>
+                </a:pPr>
+                <a:r>
+                  <a:rPr lang="zh-CN" altLang="en-US" dirty="0"/>
+                  <a:t>结果</a:t>
+                </a:r>
+                <a:endParaRPr lang="en-US" altLang="zh-CN" dirty="0"/>
+              </a:p>
+              <a:p>
+                <a:pPr marL="0" indent="0">
+                  <a:buNone/>
+                </a:pPr>
+                <a:r>
+                  <a:rPr lang="zh-CN" altLang="en-US" dirty="0"/>
+                  <a:t>不适用</a:t>
+                </a:r>
+                <a:endParaRPr lang="zh-CN" altLang="zh-CN" dirty="0"/>
+              </a:p>
+            </p:txBody>
+          </p:sp>
+        </mc:Choice>
+        <mc:Fallback>
+          <p:sp>
+            <p:nvSpPr>
+              <p:cNvPr id="3" name="内容占位符 2">
+                <a:extLst>
+                  <a:ext uri="{FF2B5EF4-FFF2-40B4-BE49-F238E27FC236}">
+                    <a16:creationId xmlns:a16="http://schemas.microsoft.com/office/drawing/2014/main" id="{71121471-B69B-4655-9905-84A647464C06}"/>
+                  </a:ext>
+                </a:extLst>
+              </p:cNvPr>
+              <p:cNvSpPr>
+                <a:spLocks noGrp="1" noRot="1" noChangeAspect="1" noMove="1" noResize="1" noEditPoints="1" noAdjustHandles="1" noChangeArrowheads="1" noChangeShapeType="1" noTextEdit="1"/>
+              </p:cNvSpPr>
+              <p:nvPr>
+                <p:ph idx="1"/>
+              </p:nvPr>
+            </p:nvSpPr>
+            <p:spPr>
+              <a:blipFill>
+                <a:blip r:embed="rId2"/>
+                <a:stretch>
+                  <a:fillRect l="-1217" t="-2521"/>
+                </a:stretch>
+              </a:blipFill>
+            </p:spPr>
+            <p:txBody>
+              <a:bodyPr/>
+              <a:lstStyle/>
+              <a:p>
+                <a:r>
+                  <a:rPr lang="zh-CN" altLang="en-US">
+                    <a:noFill/>
+                  </a:rPr>
+                  <a:t> </a:t>
+                </a:r>
+              </a:p>
+            </p:txBody>
+          </p:sp>
+        </mc:Fallback>
+      </mc:AlternateContent>
+    </p:spTree>
+    <p:extLst>
+      <p:ext uri="{BB962C8B-B14F-4D97-AF65-F5344CB8AC3E}">
+        <p14:creationId xmlns:p14="http://schemas.microsoft.com/office/powerpoint/2010/main" val="2928693455"/>
+      </p:ext>
+    </p:extLst>
+  </p:cSld>
+  <p:clrMapOvr>
+    <a:masterClrMapping/>
+  </p:clrMapOvr>
+</p:sld>
+</file>
+
+<file path=ppt/slides/slide11.xml><?xml version="1.0" encoding="utf-8"?>
 <p:sld xmlns:a="http://schemas.openxmlformats.org/drawingml/2006/main" xmlns:r="http://schemas.openxmlformats.org/officeDocument/2006/relationships" xmlns:p="http://schemas.openxmlformats.org/presentationml/2006/main">
   <p:cSld>
     <p:spTree>
@@ -3647,7 +3933,7 @@
 </p:sld>
 </file>
 
-<file path=ppt/slides/slide11.xml><?xml version="1.0" encoding="utf-8"?>
+<file path=ppt/slides/slide12.xml><?xml version="1.0" encoding="utf-8"?>
 <p:sld xmlns:a="http://schemas.openxmlformats.org/drawingml/2006/main" xmlns:r="http://schemas.openxmlformats.org/officeDocument/2006/relationships" xmlns:p="http://schemas.openxmlformats.org/presentationml/2006/main">
   <p:cSld>
     <p:spTree>
@@ -3894,7 +4180,7 @@
 </p:sld>
 </file>
 
-<file path=ppt/slides/slide12.xml><?xml version="1.0" encoding="utf-8"?>
+<file path=ppt/slides/slide13.xml><?xml version="1.0" encoding="utf-8"?>
 <p:sld xmlns:a="http://schemas.openxmlformats.org/drawingml/2006/main" xmlns:r="http://schemas.openxmlformats.org/officeDocument/2006/relationships" xmlns:p="http://schemas.openxmlformats.org/presentationml/2006/main">
   <p:cSld>
     <p:spTree>
@@ -4133,7 +4419,7 @@
 </p:sld>
 </file>
 
-<file path=ppt/slides/slide13.xml><?xml version="1.0" encoding="utf-8"?>
+<file path=ppt/slides/slide14.xml><?xml version="1.0" encoding="utf-8"?>
 <p:sld xmlns:a="http://schemas.openxmlformats.org/drawingml/2006/main" xmlns:r="http://schemas.openxmlformats.org/officeDocument/2006/relationships" xmlns:p="http://schemas.openxmlformats.org/presentationml/2006/main">
   <p:cSld>
     <p:spTree>
@@ -4199,29 +4485,9 @@
             <p:spPr/>
             <p:txBody>
               <a:bodyPr>
-                <a:normAutofit lnSpcReduction="10000"/>
+                <a:normAutofit/>
               </a:bodyPr>
               <a:lstStyle/>
-              <a:p>
-                <a:pPr marL="0" indent="0">
-                  <a:buNone/>
-                </a:pPr>
-                <a:r>
-                  <a:rPr lang="en-US" altLang="zh-CN" dirty="0"/>
-                  <a:t>RGB</a:t>
-                </a:r>
-                <a:r>
-                  <a:rPr lang="zh-CN" altLang="en-US" dirty="0"/>
-                  <a:t>算术平均数截图</a:t>
-                </a:r>
-                <a:endParaRPr lang="en-US" altLang="zh-CN" dirty="0"/>
-              </a:p>
-              <a:p>
-                <a:pPr marL="0" indent="0">
-                  <a:buNone/>
-                </a:pPr>
-                <a:endParaRPr lang="en-US" altLang="zh-CN" dirty="0"/>
-              </a:p>
               <a:p>
                 <a:pPr marL="0" indent="0">
                   <a:buNone/>
@@ -4322,13 +4588,6 @@
                         <a:rPr lang="en-US" altLang="zh-CN"/>
                         <m:t> </m:t>
                       </m:r>
-                      <m:r>
-                        <m:rPr>
-                          <m:sty m:val="p"/>
-                        </m:rPr>
-                        <a:rPr lang="en-US" altLang="zh-CN"/>
-                        <m:t>ppm</m:t>
-                      </m:r>
                     </m:oMath>
                   </m:oMathPara>
                 </a14:m>
@@ -4338,6 +4597,20 @@
                 <a:pPr marL="0" indent="0">
                   <a:buNone/>
                 </a:pPr>
+                <a:r>
+                  <a:rPr lang="zh-CN" altLang="en-US" dirty="0"/>
+                  <a:t>灰度</a:t>
+                </a:r>
+                <a:endParaRPr lang="en-US" altLang="zh-CN" dirty="0"/>
+              </a:p>
+              <a:p>
+                <a:pPr marL="0" indent="0">
+                  <a:buNone/>
+                </a:pPr>
+                <a:r>
+                  <a:rPr lang="zh-CN" altLang="en-US" dirty="0"/>
+                  <a:t>不行</a:t>
+                </a:r>
                 <a:endParaRPr lang="en-US" altLang="zh-CN" dirty="0"/>
               </a:p>
               <a:p>
@@ -4400,7 +4673,7 @@
               <a:blipFill>
                 <a:blip r:embed="rId2"/>
                 <a:stretch>
-                  <a:fillRect l="-1217" t="-3221"/>
+                  <a:fillRect l="-1217" t="-2521"/>
                 </a:stretch>
               </a:blipFill>
             </p:spPr>
@@ -4432,7 +4705,7 @@
 </p:sld>
 </file>
 
-<file path=ppt/slides/slide14.xml><?xml version="1.0" encoding="utf-8"?>
+<file path=ppt/slides/slide15.xml><?xml version="1.0" encoding="utf-8"?>
 <p:sld xmlns:a="http://schemas.openxmlformats.org/drawingml/2006/main" xmlns:r="http://schemas.openxmlformats.org/officeDocument/2006/relationships" xmlns:p="http://schemas.openxmlformats.org/presentationml/2006/main">
   <p:cSld>
     <p:spTree>
@@ -4799,7 +5072,7 @@
 </p:sld>
 </file>
 
-<file path=ppt/slides/slide15.xml><?xml version="1.0" encoding="utf-8"?>
+<file path=ppt/slides/slide16.xml><?xml version="1.0" encoding="utf-8"?>
 <p:sld xmlns:a="http://schemas.openxmlformats.org/drawingml/2006/main" xmlns:r="http://schemas.openxmlformats.org/officeDocument/2006/relationships" xmlns:p="http://schemas.openxmlformats.org/presentationml/2006/main">
   <p:cSld>
     <p:spTree>
@@ -5052,7 +5325,7 @@
 </p:sld>
 </file>
 
-<file path=ppt/slides/slide16.xml><?xml version="1.0" encoding="utf-8"?>
+<file path=ppt/slides/slide17.xml><?xml version="1.0" encoding="utf-8"?>
 <p:sld xmlns:a="http://schemas.openxmlformats.org/drawingml/2006/main" xmlns:r="http://schemas.openxmlformats.org/officeDocument/2006/relationships" xmlns:p="http://schemas.openxmlformats.org/presentationml/2006/main">
   <p:cSld>
     <p:spTree>
@@ -5259,7 +5532,7 @@
 </p:sld>
 </file>
 
-<file path=ppt/slides/slide17.xml><?xml version="1.0" encoding="utf-8"?>
+<file path=ppt/slides/slide18.xml><?xml version="1.0" encoding="utf-8"?>
 <p:sld xmlns:a="http://schemas.openxmlformats.org/drawingml/2006/main" xmlns:r="http://schemas.openxmlformats.org/officeDocument/2006/relationships" xmlns:p="http://schemas.openxmlformats.org/presentationml/2006/main">
   <p:cSld>
     <p:spTree>
@@ -5796,7 +6069,7 @@
 </p:sld>
 </file>
 
-<file path=ppt/slides/slide18.xml><?xml version="1.0" encoding="utf-8"?>
+<file path=ppt/slides/slide19.xml><?xml version="1.0" encoding="utf-8"?>
 <p:sld xmlns:a="http://schemas.openxmlformats.org/drawingml/2006/main" xmlns:r="http://schemas.openxmlformats.org/officeDocument/2006/relationships" xmlns:p="http://schemas.openxmlformats.org/presentationml/2006/main">
   <p:cSld>
     <p:spTree>
@@ -6081,7 +6354,153 @@
 </p:sld>
 </file>
 
-<file path=ppt/slides/slide19.xml><?xml version="1.0" encoding="utf-8"?>
+<file path=ppt/slides/slide2.xml><?xml version="1.0" encoding="utf-8"?>
+<p:sld xmlns:a="http://schemas.openxmlformats.org/drawingml/2006/main" xmlns:r="http://schemas.openxmlformats.org/officeDocument/2006/relationships" xmlns:p="http://schemas.openxmlformats.org/presentationml/2006/main">
+  <p:cSld>
+    <p:spTree>
+      <p:nvGrpSpPr>
+        <p:cNvPr id="1" name=""/>
+        <p:cNvGrpSpPr/>
+        <p:nvPr/>
+      </p:nvGrpSpPr>
+      <p:grpSpPr>
+        <a:xfrm>
+          <a:off x="0" y="0"/>
+          <a:ext cx="0" cy="0"/>
+          <a:chOff x="0" y="0"/>
+          <a:chExt cx="0" cy="0"/>
+        </a:xfrm>
+      </p:grpSpPr>
+      <p:sp>
+        <p:nvSpPr>
+          <p:cNvPr id="2" name="标题 1">
+            <a:extLst>
+              <a:ext uri="{FF2B5EF4-FFF2-40B4-BE49-F238E27FC236}">
+                <a16:creationId xmlns:a16="http://schemas.microsoft.com/office/drawing/2014/main" id="{E1FE0901-5291-46F3-B8F8-53079717098F}"/>
+              </a:ext>
+            </a:extLst>
+          </p:cNvPr>
+          <p:cNvSpPr>
+            <a:spLocks noGrp="1"/>
+          </p:cNvSpPr>
+          <p:nvPr>
+            <p:ph type="title"/>
+          </p:nvPr>
+        </p:nvSpPr>
+        <p:spPr/>
+        <p:txBody>
+          <a:bodyPr/>
+          <a:lstStyle/>
+          <a:p>
+            <a:r>
+              <a:rPr lang="zh-CN" altLang="en-US" dirty="0"/>
+              <a:t>问题描述</a:t>
+            </a:r>
+          </a:p>
+        </p:txBody>
+      </p:sp>
+      <p:sp>
+        <p:nvSpPr>
+          <p:cNvPr id="3" name="内容占位符 2">
+            <a:extLst>
+              <a:ext uri="{FF2B5EF4-FFF2-40B4-BE49-F238E27FC236}">
+                <a16:creationId xmlns:a16="http://schemas.microsoft.com/office/drawing/2014/main" id="{81FA5210-A44C-4ACF-8956-FD94E7262521}"/>
+              </a:ext>
+            </a:extLst>
+          </p:cNvPr>
+          <p:cNvSpPr>
+            <a:spLocks noGrp="1"/>
+          </p:cNvSpPr>
+          <p:nvPr>
+            <p:ph idx="1"/>
+          </p:nvPr>
+        </p:nvSpPr>
+        <p:spPr/>
+        <p:txBody>
+          <a:bodyPr/>
+          <a:lstStyle/>
+          <a:p>
+            <a:pPr marL="0" indent="0">
+              <a:buNone/>
+            </a:pPr>
+            <a:r>
+              <a:rPr lang="zh-CN" altLang="en-US" dirty="0"/>
+              <a:t>比色法</a:t>
+            </a:r>
+            <a:r>
+              <a:rPr lang="en-US" altLang="zh-CN" dirty="0"/>
+              <a:t>          </a:t>
+            </a:r>
+            <a:r>
+              <a:rPr lang="zh-CN" altLang="en-US" dirty="0"/>
+              <a:t>检测物质浓度</a:t>
+            </a:r>
+            <a:endParaRPr lang="en-US" altLang="zh-CN" dirty="0"/>
+          </a:p>
+          <a:p>
+            <a:pPr marL="0" indent="0">
+              <a:buNone/>
+            </a:pPr>
+            <a:r>
+              <a:rPr lang="zh-CN" altLang="en-US" dirty="0"/>
+              <a:t>待测物质</a:t>
+            </a:r>
+            <a:r>
+              <a:rPr lang="en-US" altLang="zh-CN" dirty="0" err="1"/>
+              <a:t>制备成溶液</a:t>
+            </a:r>
+            <a:endParaRPr lang="en-US" altLang="zh-CN" dirty="0"/>
+          </a:p>
+          <a:p>
+            <a:pPr marL="0" indent="0">
+              <a:buNone/>
+            </a:pPr>
+            <a:r>
+              <a:rPr lang="en-US" altLang="zh-CN" dirty="0" err="1"/>
+              <a:t>白色试纸</a:t>
+            </a:r>
+            <a:endParaRPr lang="en-US" altLang="zh-CN" dirty="0"/>
+          </a:p>
+          <a:p>
+            <a:pPr marL="0" indent="0">
+              <a:buNone/>
+            </a:pPr>
+            <a:r>
+              <a:rPr lang="en-US" altLang="zh-CN" dirty="0" err="1"/>
+              <a:t>标准比色卡</a:t>
+            </a:r>
+            <a:endParaRPr lang="en-US" altLang="zh-CN" dirty="0"/>
+          </a:p>
+          <a:p>
+            <a:pPr marL="0" indent="0">
+              <a:buNone/>
+            </a:pPr>
+            <a:r>
+              <a:rPr lang="zh-CN" altLang="en-US" dirty="0"/>
+              <a:t>确定</a:t>
+            </a:r>
+            <a:r>
+              <a:rPr lang="en-US" altLang="zh-CN" dirty="0" err="1"/>
+              <a:t>浓度档位</a:t>
+            </a:r>
+            <a:endParaRPr lang="en-US" altLang="zh-CN" b="1" dirty="0"/>
+          </a:p>
+        </p:txBody>
+      </p:sp>
+    </p:spTree>
+    <p:extLst>
+      <p:ext uri="{BB962C8B-B14F-4D97-AF65-F5344CB8AC3E}">
+        <p14:creationId xmlns:p14="http://schemas.microsoft.com/office/powerpoint/2010/main" val="2083225421"/>
+      </p:ext>
+    </p:extLst>
+  </p:cSld>
+  <p:clrMapOvr>
+    <a:masterClrMapping/>
+  </p:clrMapOvr>
+</p:sld>
+</file>
+
+<file path=ppt/slides/slide20.xml><?xml version="1.0" encoding="utf-8"?>
 <p:sld xmlns:a="http://schemas.openxmlformats.org/drawingml/2006/main" xmlns:r="http://schemas.openxmlformats.org/officeDocument/2006/relationships" xmlns:p="http://schemas.openxmlformats.org/presentationml/2006/main">
   <p:cSld>
     <p:spTree>
@@ -6511,7 +6930,7 @@
 </p:sld>
 </file>
 
-<file path=ppt/slides/slide2.xml><?xml version="1.0" encoding="utf-8"?>
+<file path=ppt/slides/slide21.xml><?xml version="1.0" encoding="utf-8"?>
 <p:sld xmlns:a="http://schemas.openxmlformats.org/drawingml/2006/main" xmlns:r="http://schemas.openxmlformats.org/officeDocument/2006/relationships" xmlns:p="http://schemas.openxmlformats.org/presentationml/2006/main">
   <p:cSld>
     <p:spTree>
@@ -6533,152 +6952,6 @@
           <p:cNvPr id="2" name="标题 1">
             <a:extLst>
               <a:ext uri="{FF2B5EF4-FFF2-40B4-BE49-F238E27FC236}">
-                <a16:creationId xmlns:a16="http://schemas.microsoft.com/office/drawing/2014/main" id="{E1FE0901-5291-46F3-B8F8-53079717098F}"/>
-              </a:ext>
-            </a:extLst>
-          </p:cNvPr>
-          <p:cNvSpPr>
-            <a:spLocks noGrp="1"/>
-          </p:cNvSpPr>
-          <p:nvPr>
-            <p:ph type="title"/>
-          </p:nvPr>
-        </p:nvSpPr>
-        <p:spPr/>
-        <p:txBody>
-          <a:bodyPr/>
-          <a:lstStyle/>
-          <a:p>
-            <a:r>
-              <a:rPr lang="zh-CN" altLang="en-US" dirty="0"/>
-              <a:t>问题描述</a:t>
-            </a:r>
-          </a:p>
-        </p:txBody>
-      </p:sp>
-      <p:sp>
-        <p:nvSpPr>
-          <p:cNvPr id="3" name="内容占位符 2">
-            <a:extLst>
-              <a:ext uri="{FF2B5EF4-FFF2-40B4-BE49-F238E27FC236}">
-                <a16:creationId xmlns:a16="http://schemas.microsoft.com/office/drawing/2014/main" id="{81FA5210-A44C-4ACF-8956-FD94E7262521}"/>
-              </a:ext>
-            </a:extLst>
-          </p:cNvPr>
-          <p:cNvSpPr>
-            <a:spLocks noGrp="1"/>
-          </p:cNvSpPr>
-          <p:nvPr>
-            <p:ph idx="1"/>
-          </p:nvPr>
-        </p:nvSpPr>
-        <p:spPr/>
-        <p:txBody>
-          <a:bodyPr/>
-          <a:lstStyle/>
-          <a:p>
-            <a:pPr marL="0" indent="0">
-              <a:buNone/>
-            </a:pPr>
-            <a:r>
-              <a:rPr lang="zh-CN" altLang="en-US" dirty="0"/>
-              <a:t>比色法</a:t>
-            </a:r>
-            <a:r>
-              <a:rPr lang="en-US" altLang="zh-CN" dirty="0"/>
-              <a:t>          </a:t>
-            </a:r>
-            <a:r>
-              <a:rPr lang="zh-CN" altLang="en-US" dirty="0"/>
-              <a:t>检测物质浓度</a:t>
-            </a:r>
-            <a:endParaRPr lang="en-US" altLang="zh-CN" dirty="0"/>
-          </a:p>
-          <a:p>
-            <a:pPr marL="0" indent="0">
-              <a:buNone/>
-            </a:pPr>
-            <a:r>
-              <a:rPr lang="zh-CN" altLang="en-US" dirty="0"/>
-              <a:t>待测物质</a:t>
-            </a:r>
-            <a:r>
-              <a:rPr lang="en-US" altLang="zh-CN" dirty="0" err="1"/>
-              <a:t>制备成溶液</a:t>
-            </a:r>
-            <a:endParaRPr lang="en-US" altLang="zh-CN" dirty="0"/>
-          </a:p>
-          <a:p>
-            <a:pPr marL="0" indent="0">
-              <a:buNone/>
-            </a:pPr>
-            <a:r>
-              <a:rPr lang="en-US" altLang="zh-CN" dirty="0" err="1"/>
-              <a:t>白色试纸</a:t>
-            </a:r>
-            <a:endParaRPr lang="en-US" altLang="zh-CN" dirty="0"/>
-          </a:p>
-          <a:p>
-            <a:pPr marL="0" indent="0">
-              <a:buNone/>
-            </a:pPr>
-            <a:r>
-              <a:rPr lang="en-US" altLang="zh-CN" dirty="0" err="1"/>
-              <a:t>标准比色卡</a:t>
-            </a:r>
-            <a:endParaRPr lang="en-US" altLang="zh-CN" dirty="0"/>
-          </a:p>
-          <a:p>
-            <a:pPr marL="0" indent="0">
-              <a:buNone/>
-            </a:pPr>
-            <a:r>
-              <a:rPr lang="zh-CN" altLang="en-US" dirty="0"/>
-              <a:t>确定</a:t>
-            </a:r>
-            <a:r>
-              <a:rPr lang="en-US" altLang="zh-CN" dirty="0" err="1"/>
-              <a:t>浓度档位</a:t>
-            </a:r>
-            <a:endParaRPr lang="en-US" altLang="zh-CN" b="1" dirty="0"/>
-          </a:p>
-        </p:txBody>
-      </p:sp>
-    </p:spTree>
-    <p:extLst>
-      <p:ext uri="{BB962C8B-B14F-4D97-AF65-F5344CB8AC3E}">
-        <p14:creationId xmlns:p14="http://schemas.microsoft.com/office/powerpoint/2010/main" val="2083225421"/>
-      </p:ext>
-    </p:extLst>
-  </p:cSld>
-  <p:clrMapOvr>
-    <a:masterClrMapping/>
-  </p:clrMapOvr>
-</p:sld>
-</file>
-
-<file path=ppt/slides/slide20.xml><?xml version="1.0" encoding="utf-8"?>
-<p:sld xmlns:a="http://schemas.openxmlformats.org/drawingml/2006/main" xmlns:r="http://schemas.openxmlformats.org/officeDocument/2006/relationships" xmlns:p="http://schemas.openxmlformats.org/presentationml/2006/main">
-  <p:cSld>
-    <p:spTree>
-      <p:nvGrpSpPr>
-        <p:cNvPr id="1" name=""/>
-        <p:cNvGrpSpPr/>
-        <p:nvPr/>
-      </p:nvGrpSpPr>
-      <p:grpSpPr>
-        <a:xfrm>
-          <a:off x="0" y="0"/>
-          <a:ext cx="0" cy="0"/>
-          <a:chOff x="0" y="0"/>
-          <a:chExt cx="0" cy="0"/>
-        </a:xfrm>
-      </p:grpSpPr>
-      <p:sp>
-        <p:nvSpPr>
-          <p:cNvPr id="2" name="标题 1">
-            <a:extLst>
-              <a:ext uri="{FF2B5EF4-FFF2-40B4-BE49-F238E27FC236}">
                 <a16:creationId xmlns:a16="http://schemas.microsoft.com/office/drawing/2014/main" id="{3AA57CB8-AC9F-4E49-8DB3-EBF7392EBFE6}"/>
               </a:ext>
             </a:extLst>
@@ -6746,7 +7019,7 @@
 </p:sld>
 </file>
 
-<file path=ppt/slides/slide21.xml><?xml version="1.0" encoding="utf-8"?>
+<file path=ppt/slides/slide22.xml><?xml version="1.0" encoding="utf-8"?>
 <p:sld xmlns:a="http://schemas.openxmlformats.org/drawingml/2006/main" xmlns:r="http://schemas.openxmlformats.org/officeDocument/2006/relationships" xmlns:p="http://schemas.openxmlformats.org/presentationml/2006/main">
   <p:cSld>
     <p:spTree>
@@ -6966,7 +7239,7 @@
 </p:sld>
 </file>
 
-<file path=ppt/slides/slide22.xml><?xml version="1.0" encoding="utf-8"?>
+<file path=ppt/slides/slide23.xml><?xml version="1.0" encoding="utf-8"?>
 <p:sld xmlns:a="http://schemas.openxmlformats.org/drawingml/2006/main" xmlns:r="http://schemas.openxmlformats.org/officeDocument/2006/relationships" xmlns:p="http://schemas.openxmlformats.org/presentationml/2006/main">
   <p:cSld>
     <p:spTree>
@@ -7246,7 +7519,7 @@
 </p:sld>
 </file>
 
-<file path=ppt/slides/slide23.xml><?xml version="1.0" encoding="utf-8"?>
+<file path=ppt/slides/slide24.xml><?xml version="1.0" encoding="utf-8"?>
 <p:sld xmlns:a="http://schemas.openxmlformats.org/drawingml/2006/main" xmlns:r="http://schemas.openxmlformats.org/officeDocument/2006/relationships" xmlns:p="http://schemas.openxmlformats.org/presentationml/2006/main">
   <p:cSld>
     <p:spTree>
@@ -7567,7 +7840,7 @@
 </p:sld>
 </file>
 
-<file path=ppt/slides/slide24.xml><?xml version="1.0" encoding="utf-8"?>
+<file path=ppt/slides/slide25.xml><?xml version="1.0" encoding="utf-8"?>
 <p:sld xmlns:a="http://schemas.openxmlformats.org/drawingml/2006/main" xmlns:r="http://schemas.openxmlformats.org/officeDocument/2006/relationships" xmlns:p="http://schemas.openxmlformats.org/presentationml/2006/main">
   <p:cSld>
     <p:spTree>
@@ -7641,6 +7914,192 @@
     <p:extLst>
       <p:ext uri="{BB962C8B-B14F-4D97-AF65-F5344CB8AC3E}">
         <p14:creationId xmlns:p14="http://schemas.microsoft.com/office/powerpoint/2010/main" val="34864512"/>
+      </p:ext>
+    </p:extLst>
+  </p:cSld>
+  <p:clrMapOvr>
+    <a:masterClrMapping/>
+  </p:clrMapOvr>
+</p:sld>
+</file>
+
+<file path=ppt/slides/slide26.xml><?xml version="1.0" encoding="utf-8"?>
+<p:sld xmlns:a="http://schemas.openxmlformats.org/drawingml/2006/main" xmlns:r="http://schemas.openxmlformats.org/officeDocument/2006/relationships" xmlns:p="http://schemas.openxmlformats.org/presentationml/2006/main">
+  <p:cSld>
+    <p:spTree>
+      <p:nvGrpSpPr>
+        <p:cNvPr id="1" name=""/>
+        <p:cNvGrpSpPr/>
+        <p:nvPr/>
+      </p:nvGrpSpPr>
+      <p:grpSpPr>
+        <a:xfrm>
+          <a:off x="0" y="0"/>
+          <a:ext cx="0" cy="0"/>
+          <a:chOff x="0" y="0"/>
+          <a:chExt cx="0" cy="0"/>
+        </a:xfrm>
+      </p:grpSpPr>
+      <p:sp>
+        <p:nvSpPr>
+          <p:cNvPr id="2" name="标题 1">
+            <a:extLst>
+              <a:ext uri="{FF2B5EF4-FFF2-40B4-BE49-F238E27FC236}">
+                <a16:creationId xmlns:a16="http://schemas.microsoft.com/office/drawing/2014/main" id="{198C9893-A9A0-4813-B1A1-6A83E7901B0F}"/>
+              </a:ext>
+            </a:extLst>
+          </p:cNvPr>
+          <p:cNvSpPr>
+            <a:spLocks noGrp="1"/>
+          </p:cNvSpPr>
+          <p:nvPr>
+            <p:ph type="title"/>
+          </p:nvPr>
+        </p:nvSpPr>
+        <p:spPr/>
+        <p:txBody>
+          <a:bodyPr/>
+          <a:lstStyle/>
+          <a:p>
+            <a:r>
+              <a:rPr lang="zh-CN" altLang="en-US" dirty="0"/>
+              <a:t>问题三</a:t>
+            </a:r>
+          </a:p>
+        </p:txBody>
+      </p:sp>
+      <p:sp>
+        <p:nvSpPr>
+          <p:cNvPr id="3" name="内容占位符 2">
+            <a:extLst>
+              <a:ext uri="{FF2B5EF4-FFF2-40B4-BE49-F238E27FC236}">
+                <a16:creationId xmlns:a16="http://schemas.microsoft.com/office/drawing/2014/main" id="{8BAE6BD2-FA08-4273-AA6B-38969F62CCE3}"/>
+              </a:ext>
+            </a:extLst>
+          </p:cNvPr>
+          <p:cNvSpPr>
+            <a:spLocks noGrp="1"/>
+          </p:cNvSpPr>
+          <p:nvPr>
+            <p:ph idx="1"/>
+          </p:nvPr>
+        </p:nvSpPr>
+        <p:spPr/>
+        <p:txBody>
+          <a:bodyPr/>
+          <a:lstStyle/>
+          <a:p>
+            <a:pPr marL="0" indent="0">
+              <a:buNone/>
+            </a:pPr>
+            <a:r>
+              <a:rPr lang="zh-CN" altLang="en-US" dirty="0"/>
+              <a:t>数据量对模型的影响</a:t>
+            </a:r>
+            <a:endParaRPr lang="en-US" altLang="zh-CN" dirty="0"/>
+          </a:p>
+          <a:p>
+            <a:pPr marL="0" indent="0">
+              <a:buNone/>
+            </a:pPr>
+            <a:r>
+              <a:rPr lang="zh-CN" altLang="en-US" dirty="0"/>
+              <a:t>样本容量小：拟合偏差，难保证参数精确度（溴酸钾，硫酸铝钾）</a:t>
+            </a:r>
+            <a:endParaRPr lang="en-US" altLang="zh-CN" dirty="0"/>
+          </a:p>
+          <a:p>
+            <a:pPr marL="0" indent="0">
+              <a:buNone/>
+            </a:pPr>
+            <a:r>
+              <a:rPr lang="zh-CN" altLang="en-US" dirty="0"/>
+              <a:t>统一浓度下数据量（工业碱）</a:t>
+            </a:r>
+            <a:endParaRPr lang="en-US" altLang="zh-CN" dirty="0"/>
+          </a:p>
+          <a:p>
+            <a:pPr marL="0" indent="0">
+              <a:buNone/>
+            </a:pPr>
+            <a:r>
+              <a:rPr lang="zh-CN" altLang="en-US" dirty="0"/>
+              <a:t>数据量过大：数据处理困难，要有代表性</a:t>
+            </a:r>
+            <a:endParaRPr lang="en-US" altLang="zh-CN" dirty="0"/>
+          </a:p>
+          <a:p>
+            <a:pPr marL="0" indent="0">
+              <a:buNone/>
+            </a:pPr>
+            <a:r>
+              <a:rPr lang="zh-CN" altLang="en-US" dirty="0"/>
+              <a:t>颜色维度对模型的影响</a:t>
+            </a:r>
+            <a:endParaRPr lang="en-US" altLang="zh-CN" dirty="0"/>
+          </a:p>
+          <a:p>
+            <a:pPr marL="0" indent="0">
+              <a:buNone/>
+            </a:pPr>
+            <a:r>
+              <a:rPr lang="en-US" altLang="zh-CN" dirty="0"/>
+              <a:t>RGB</a:t>
+            </a:r>
+            <a:r>
+              <a:rPr lang="zh-CN" altLang="en-US" dirty="0"/>
+              <a:t>和</a:t>
+            </a:r>
+            <a:r>
+              <a:rPr lang="en-US" altLang="zh-CN" dirty="0"/>
+              <a:t>HSL</a:t>
+            </a:r>
+            <a:r>
+              <a:rPr lang="zh-CN" altLang="en-US" dirty="0"/>
+              <a:t>等价，降维</a:t>
+            </a:r>
+            <a:endParaRPr lang="en-US" altLang="zh-CN" dirty="0"/>
+          </a:p>
+          <a:p>
+            <a:pPr marL="0" indent="0">
+              <a:buNone/>
+            </a:pPr>
+            <a:r>
+              <a:rPr lang="zh-CN" altLang="en-US" dirty="0"/>
+              <a:t>一组</a:t>
+            </a:r>
+            <a:r>
+              <a:rPr lang="en-US" altLang="zh-CN" dirty="0"/>
+              <a:t>RGB</a:t>
+            </a:r>
+            <a:r>
+              <a:rPr lang="zh-CN" altLang="en-US" dirty="0"/>
+              <a:t>值对应唯一一个灰度</a:t>
+            </a:r>
+            <a:endParaRPr lang="en-US" altLang="zh-CN" dirty="0"/>
+          </a:p>
+          <a:p>
+            <a:pPr marL="0" indent="0">
+              <a:buNone/>
+            </a:pPr>
+            <a:r>
+              <a:rPr lang="zh-CN" altLang="en-US" dirty="0"/>
+              <a:t>？？？论文里我觉得有点小问题</a:t>
+            </a:r>
+            <a:endParaRPr lang="en-US" altLang="zh-CN" dirty="0"/>
+          </a:p>
+          <a:p>
+            <a:pPr marL="0" indent="0">
+              <a:buNone/>
+            </a:pPr>
+            <a:endParaRPr lang="zh-CN" altLang="en-US" dirty="0"/>
+          </a:p>
+        </p:txBody>
+      </p:sp>
+    </p:spTree>
+    <p:extLst>
+      <p:ext uri="{BB962C8B-B14F-4D97-AF65-F5344CB8AC3E}">
+        <p14:creationId xmlns:p14="http://schemas.microsoft.com/office/powerpoint/2010/main" val="2977485603"/>
       </p:ext>
     </p:extLst>
   </p:cSld>
@@ -8463,314 +8922,104 @@
           </a:p>
         </p:txBody>
       </p:sp>
-      <mc:AlternateContent xmlns:mc="http://schemas.openxmlformats.org/markup-compatibility/2006">
-        <mc:Choice xmlns:a14="http://schemas.microsoft.com/office/drawing/2010/main" Requires="a14">
-          <p:sp>
-            <p:nvSpPr>
-              <p:cNvPr id="3" name="内容占位符 2">
-                <a:extLst>
-                  <a:ext uri="{FF2B5EF4-FFF2-40B4-BE49-F238E27FC236}">
-                    <a16:creationId xmlns:a16="http://schemas.microsoft.com/office/drawing/2014/main" id="{B4AAAFB2-A6C0-4808-A720-C4280CC68E3E}"/>
-                  </a:ext>
-                </a:extLst>
-              </p:cNvPr>
-              <p:cNvSpPr>
-                <a:spLocks noGrp="1"/>
-              </p:cNvSpPr>
-              <p:nvPr>
-                <p:ph idx="1"/>
-              </p:nvPr>
-            </p:nvSpPr>
-            <p:spPr/>
-            <p:txBody>
-              <a:bodyPr/>
-              <a:lstStyle/>
-              <a:p>
-                <a:pPr marL="0" indent="0">
-                  <a:buNone/>
-                </a:pPr>
-                <a:r>
-                  <a:rPr lang="en-US" altLang="zh-CN" sz="2800" b="0" i="0" kern="1200" dirty="0">
-                    <a:solidFill>
-                      <a:schemeClr val="tx1"/>
-                    </a:solidFill>
-                    <a:effectLst/>
-                    <a:latin typeface="+mn-lt"/>
-                    <a:ea typeface="+mn-ea"/>
-                    <a:cs typeface="+mn-cs"/>
-                  </a:rPr>
-                  <a:t>RGB</a:t>
-                </a:r>
-                <a:r>
-                  <a:rPr lang="zh-CN" altLang="en-US" sz="2800" b="0" i="0" kern="1200" dirty="0">
-                    <a:solidFill>
-                      <a:schemeClr val="tx1"/>
-                    </a:solidFill>
-                    <a:effectLst/>
-                    <a:latin typeface="+mn-lt"/>
-                    <a:ea typeface="+mn-ea"/>
-                    <a:cs typeface="+mn-cs"/>
-                  </a:rPr>
-                  <a:t>与浓度相关性明显</a:t>
-                </a:r>
-                <a:endParaRPr lang="en-US" altLang="zh-CN" dirty="0"/>
-              </a:p>
-              <a:p>
-                <a:pPr marL="0" indent="0">
-                  <a:buNone/>
-                </a:pPr>
-                <a:r>
-                  <a:rPr lang="zh-CN" altLang="en-US" sz="2800" b="0" i="0" kern="1200" dirty="0">
-                    <a:solidFill>
-                      <a:schemeClr val="tx1"/>
-                    </a:solidFill>
-                    <a:effectLst/>
-                    <a:latin typeface="+mn-lt"/>
-                    <a:ea typeface="+mn-ea"/>
-                    <a:cs typeface="+mn-cs"/>
-                  </a:rPr>
-                  <a:t>表格，多个变量和组胺浓度的相关系数</a:t>
-                </a:r>
-                <a:endParaRPr lang="en-US" altLang="zh-CN" sz="2800" b="0" i="0" kern="1200" dirty="0">
-                  <a:solidFill>
-                    <a:schemeClr val="tx1"/>
-                  </a:solidFill>
-                  <a:effectLst/>
-                  <a:latin typeface="+mn-lt"/>
-                  <a:ea typeface="+mn-ea"/>
-                  <a:cs typeface="+mn-cs"/>
-                </a:endParaRPr>
-              </a:p>
-              <a:p>
-                <a:pPr marL="0" indent="0">
-                  <a:buNone/>
-                </a:pPr>
-                <a:endParaRPr lang="en-US" altLang="zh-CN" dirty="0"/>
-              </a:p>
-              <a:p>
-                <a:pPr marL="0" indent="0">
-                  <a:buNone/>
-                </a:pPr>
-                <a:endParaRPr lang="en-US" altLang="zh-CN" sz="2800" b="0" i="0" kern="1200" dirty="0">
-                  <a:solidFill>
-                    <a:schemeClr val="tx1"/>
-                  </a:solidFill>
-                  <a:effectLst/>
-                  <a:latin typeface="+mn-lt"/>
-                  <a:ea typeface="+mn-ea"/>
-                  <a:cs typeface="+mn-cs"/>
-                </a:endParaRPr>
-              </a:p>
-              <a:p>
-                <a:pPr marL="0" indent="0">
-                  <a:buNone/>
-                </a:pPr>
-                <a:r>
-                  <a:rPr lang="zh-CN" altLang="en-US" sz="2800" b="0" i="0" kern="1200" dirty="0">
-                    <a:solidFill>
-                      <a:schemeClr val="tx1"/>
-                    </a:solidFill>
-                    <a:effectLst/>
-                    <a:latin typeface="+mn-lt"/>
-                    <a:ea typeface="+mn-ea"/>
-                    <a:cs typeface="+mn-cs"/>
-                  </a:rPr>
-                  <a:t>用灰度一元线性回归</a:t>
-                </a:r>
-                <a:endParaRPr lang="en-US" altLang="zh-CN" sz="2800" b="0" i="0" kern="1200" dirty="0">
-                  <a:solidFill>
-                    <a:schemeClr val="tx1"/>
-                  </a:solidFill>
-                  <a:effectLst/>
-                  <a:latin typeface="+mn-lt"/>
-                  <a:ea typeface="+mn-ea"/>
-                  <a:cs typeface="+mn-cs"/>
-                </a:endParaRPr>
-              </a:p>
-              <a:p>
-                <a:pPr marL="0" indent="0">
-                  <a:buNone/>
-                </a:pPr>
-                <a14:m>
-                  <m:oMathPara xmlns:m="http://schemas.openxmlformats.org/officeDocument/2006/math">
-                    <m:oMathParaPr>
-                      <m:jc m:val="centerGroup"/>
-                    </m:oMathParaPr>
-                    <m:oMath xmlns:m="http://schemas.openxmlformats.org/officeDocument/2006/math">
-                      <m:r>
-                        <a:rPr lang="en-US" altLang="zh-CN" i="1"/>
-                        <m:t>𝑦</m:t>
-                      </m:r>
-                      <m:r>
-                        <a:rPr lang="en-US" altLang="zh-CN" i="1"/>
-                        <m:t>=</m:t>
-                      </m:r>
-                      <m:sSub>
-                        <m:sSubPr>
-                          <m:ctrlPr>
-                            <a:rPr lang="zh-CN" altLang="zh-CN" i="1"/>
-                          </m:ctrlPr>
-                        </m:sSubPr>
-                        <m:e>
-                          <m:r>
-                            <a:rPr lang="en-US" altLang="zh-CN" i="1"/>
-                            <m:t>𝑝</m:t>
-                          </m:r>
-                        </m:e>
-                        <m:sub>
-                          <m:r>
-                            <a:rPr lang="en-US" altLang="zh-CN" i="1"/>
-                            <m:t>1</m:t>
-                          </m:r>
-                        </m:sub>
-                      </m:sSub>
-                      <m:r>
-                        <a:rPr lang="en-US" altLang="zh-CN" i="1"/>
-                        <m:t>𝑥</m:t>
-                      </m:r>
-                      <m:r>
-                        <a:rPr lang="en-US" altLang="zh-CN" i="1"/>
-                        <m:t>+</m:t>
-                      </m:r>
-                      <m:sSub>
-                        <m:sSubPr>
-                          <m:ctrlPr>
-                            <a:rPr lang="zh-CN" altLang="zh-CN" i="1"/>
-                          </m:ctrlPr>
-                        </m:sSubPr>
-                        <m:e>
-                          <m:r>
-                            <a:rPr lang="en-US" altLang="zh-CN" i="1"/>
-                            <m:t>𝑝</m:t>
-                          </m:r>
-                        </m:e>
-                        <m:sub>
-                          <m:r>
-                            <a:rPr lang="en-US" altLang="zh-CN" i="1"/>
-                            <m:t>2</m:t>
-                          </m:r>
-                        </m:sub>
-                      </m:sSub>
-                    </m:oMath>
-                  </m:oMathPara>
-                </a14:m>
-                <a:endParaRPr lang="en-US" altLang="zh-CN" sz="2800" b="0" i="0" kern="1200" dirty="0">
-                  <a:solidFill>
-                    <a:schemeClr val="tx1"/>
-                  </a:solidFill>
-                  <a:effectLst/>
-                  <a:latin typeface="+mn-lt"/>
-                  <a:ea typeface="+mn-ea"/>
-                  <a:cs typeface="+mn-cs"/>
-                </a:endParaRPr>
-              </a:p>
-              <a:p>
-                <a:pPr marL="0" indent="0">
-                  <a:buNone/>
-                </a:pPr>
-                <a:r>
-                  <a:rPr lang="zh-CN" altLang="en-US" sz="2800" b="0" i="0" kern="1200" dirty="0">
-                    <a:solidFill>
-                      <a:schemeClr val="tx1"/>
-                    </a:solidFill>
-                    <a:effectLst/>
-                    <a:latin typeface="+mn-lt"/>
-                    <a:ea typeface="+mn-ea"/>
-                    <a:cs typeface="+mn-cs"/>
-                  </a:rPr>
-                  <a:t>得到    </a:t>
-                </a:r>
-                <a14:m>
-                  <m:oMath xmlns:m="http://schemas.openxmlformats.org/officeDocument/2006/math">
-                    <m:r>
-                      <a:rPr lang="en-US" altLang="zh-CN" i="1"/>
-                      <m:t>𝑦</m:t>
-                    </m:r>
-                    <m:r>
-                      <a:rPr lang="en-US" altLang="zh-CN" i="1"/>
-                      <m:t>=−3.034</m:t>
-                    </m:r>
-                    <m:r>
-                      <a:rPr lang="en-US" altLang="zh-CN" i="1"/>
-                      <m:t>𝑥</m:t>
-                    </m:r>
-                    <m:r>
-                      <a:rPr lang="en-US" altLang="zh-CN" i="1"/>
-                      <m:t>+327.4</m:t>
-                    </m:r>
-                  </m:oMath>
-                </a14:m>
-                <a:endParaRPr lang="zh-CN" altLang="zh-CN" dirty="0"/>
-              </a:p>
-              <a:p>
-                <a:pPr marL="0" indent="0">
-                  <a:buNone/>
-                </a:pPr>
-                <a:r>
-                  <a:rPr lang="zh-CN" altLang="en-US" sz="2800" b="0" i="0" kern="1200" dirty="0">
-                    <a:solidFill>
-                      <a:schemeClr val="tx1"/>
-                    </a:solidFill>
-                    <a:effectLst/>
-                    <a:latin typeface="+mn-lt"/>
-                    <a:ea typeface="+mn-ea"/>
-                    <a:cs typeface="+mn-cs"/>
-                  </a:rPr>
-                  <a:t>拟合结果表格</a:t>
-                </a:r>
-                <a:endParaRPr lang="en-US" altLang="zh-CN" sz="2800" b="0" i="0" kern="1200" dirty="0">
-                  <a:solidFill>
-                    <a:schemeClr val="tx1"/>
-                  </a:solidFill>
-                  <a:effectLst/>
-                  <a:latin typeface="+mn-lt"/>
-                  <a:ea typeface="+mn-ea"/>
-                  <a:cs typeface="+mn-cs"/>
-                </a:endParaRPr>
-              </a:p>
-            </p:txBody>
-          </p:sp>
-        </mc:Choice>
-        <mc:Fallback>
-          <p:sp>
-            <p:nvSpPr>
-              <p:cNvPr id="3" name="内容占位符 2">
-                <a:extLst>
-                  <a:ext uri="{FF2B5EF4-FFF2-40B4-BE49-F238E27FC236}">
-                    <a16:creationId xmlns:a16="http://schemas.microsoft.com/office/drawing/2014/main" id="{B4AAAFB2-A6C0-4808-A720-C4280CC68E3E}"/>
-                  </a:ext>
-                </a:extLst>
-              </p:cNvPr>
-              <p:cNvSpPr>
-                <a:spLocks noGrp="1" noRot="1" noChangeAspect="1" noMove="1" noResize="1" noEditPoints="1" noAdjustHandles="1" noChangeArrowheads="1" noChangeShapeType="1" noTextEdit="1"/>
-              </p:cNvSpPr>
-              <p:nvPr>
-                <p:ph idx="1"/>
-              </p:nvPr>
-            </p:nvSpPr>
-            <p:spPr>
-              <a:blipFill>
-                <a:blip r:embed="rId2"/>
-                <a:stretch>
-                  <a:fillRect l="-1217" t="-2521"/>
-                </a:stretch>
-              </a:blipFill>
-            </p:spPr>
-            <p:txBody>
-              <a:bodyPr/>
-              <a:lstStyle/>
-              <a:p>
-                <a:r>
-                  <a:rPr lang="zh-CN" altLang="en-US">
-                    <a:noFill/>
-                  </a:rPr>
-                  <a:t> </a:t>
-                </a:r>
-              </a:p>
-            </p:txBody>
-          </p:sp>
-        </mc:Fallback>
-      </mc:AlternateContent>
+      <p:sp>
+        <p:nvSpPr>
+          <p:cNvPr id="3" name="内容占位符 2">
+            <a:extLst>
+              <a:ext uri="{FF2B5EF4-FFF2-40B4-BE49-F238E27FC236}">
+                <a16:creationId xmlns:a16="http://schemas.microsoft.com/office/drawing/2014/main" id="{B4AAAFB2-A6C0-4808-A720-C4280CC68E3E}"/>
+              </a:ext>
+            </a:extLst>
+          </p:cNvPr>
+          <p:cNvSpPr>
+            <a:spLocks noGrp="1"/>
+          </p:cNvSpPr>
+          <p:nvPr>
+            <p:ph idx="1"/>
+          </p:nvPr>
+        </p:nvSpPr>
+        <p:spPr/>
+        <p:txBody>
+          <a:bodyPr>
+            <a:normAutofit/>
+          </a:bodyPr>
+          <a:lstStyle/>
+          <a:p>
+            <a:pPr marL="0" indent="0">
+              <a:buNone/>
+            </a:pPr>
+            <a:r>
+              <a:rPr lang="zh-CN" altLang="en-US" sz="2800" b="0" i="0" kern="1200" dirty="0">
+                <a:solidFill>
+                  <a:schemeClr val="tx1"/>
+                </a:solidFill>
+                <a:effectLst/>
+                <a:latin typeface="+mn-lt"/>
+                <a:ea typeface="+mn-ea"/>
+                <a:cs typeface="+mn-cs"/>
+              </a:rPr>
+              <a:t>多个变量和组胺浓度的相关系数</a:t>
+            </a:r>
+            <a:endParaRPr lang="en-US" altLang="zh-CN" sz="2800" b="0" i="0" kern="1200" dirty="0">
+              <a:solidFill>
+                <a:schemeClr val="tx1"/>
+              </a:solidFill>
+              <a:effectLst/>
+              <a:latin typeface="+mn-lt"/>
+              <a:ea typeface="+mn-ea"/>
+              <a:cs typeface="+mn-cs"/>
+            </a:endParaRPr>
+          </a:p>
+          <a:p>
+            <a:pPr marL="0" indent="0">
+              <a:buNone/>
+            </a:pPr>
+            <a:endParaRPr lang="en-US" altLang="zh-CN" dirty="0"/>
+          </a:p>
+          <a:p>
+            <a:pPr marL="0" indent="0">
+              <a:buNone/>
+            </a:pPr>
+            <a:endParaRPr lang="en-US" altLang="zh-CN" sz="2800" b="0" i="0" kern="1200" dirty="0">
+              <a:solidFill>
+                <a:schemeClr val="tx1"/>
+              </a:solidFill>
+              <a:effectLst/>
+              <a:latin typeface="+mn-lt"/>
+              <a:ea typeface="+mn-ea"/>
+              <a:cs typeface="+mn-cs"/>
+            </a:endParaRPr>
+          </a:p>
+          <a:p>
+            <a:pPr marL="0" indent="0">
+              <a:buNone/>
+            </a:pPr>
+            <a:r>
+              <a:rPr lang="en-US" altLang="zh-CN" dirty="0"/>
+              <a:t>RGB</a:t>
+            </a:r>
+            <a:r>
+              <a:rPr lang="zh-CN" altLang="en-US" dirty="0"/>
+              <a:t>与浓度相关性明显</a:t>
+            </a:r>
+            <a:endParaRPr lang="en-US" altLang="zh-CN" dirty="0"/>
+          </a:p>
+          <a:p>
+            <a:pPr marL="0" indent="0">
+              <a:buNone/>
+            </a:pPr>
+            <a:endParaRPr lang="en-US" altLang="zh-CN" sz="2800" b="0" i="0" kern="1200" dirty="0">
+              <a:solidFill>
+                <a:schemeClr val="tx1"/>
+              </a:solidFill>
+              <a:effectLst/>
+              <a:latin typeface="+mn-lt"/>
+              <a:ea typeface="+mn-ea"/>
+              <a:cs typeface="+mn-cs"/>
+            </a:endParaRPr>
+          </a:p>
+        </p:txBody>
+      </p:sp>
     </p:spTree>
     <p:extLst>
       <p:ext uri="{BB962C8B-B14F-4D97-AF65-F5344CB8AC3E}">
@@ -8806,7 +9055,7 @@
           <p:cNvPr id="2" name="标题 1">
             <a:extLst>
               <a:ext uri="{FF2B5EF4-FFF2-40B4-BE49-F238E27FC236}">
-                <a16:creationId xmlns:a16="http://schemas.microsoft.com/office/drawing/2014/main" id="{D8A4A81B-847F-4041-96A1-29F120BB93EE}"/>
+                <a16:creationId xmlns:a16="http://schemas.microsoft.com/office/drawing/2014/main" id="{4C24CC38-41E8-4CEF-B9BA-452B7D432B70}"/>
               </a:ext>
             </a:extLst>
           </p:cNvPr>
@@ -8824,7 +9073,7 @@
           <a:p>
             <a:r>
               <a:rPr lang="zh-CN" altLang="en-US" dirty="0"/>
-              <a:t>对组胺的分析</a:t>
+              <a:t>组胺</a:t>
             </a:r>
           </a:p>
         </p:txBody>
@@ -8836,7 +9085,7 @@
               <p:cNvPr id="3" name="内容占位符 2">
                 <a:extLst>
                   <a:ext uri="{FF2B5EF4-FFF2-40B4-BE49-F238E27FC236}">
-                    <a16:creationId xmlns:a16="http://schemas.microsoft.com/office/drawing/2014/main" id="{71121471-B69B-4655-9905-84A647464C06}"/>
+                    <a16:creationId xmlns:a16="http://schemas.microsoft.com/office/drawing/2014/main" id="{3D2458DF-5230-4767-AD68-35AC262B7FB5}"/>
                   </a:ext>
                 </a:extLst>
               </p:cNvPr>
@@ -8856,27 +9105,10 @@
                   <a:buNone/>
                 </a:pPr>
                 <a:r>
-                  <a:rPr lang="en-US" altLang="zh-CN" dirty="0"/>
-                  <a:t>H</a:t>
-                </a:r>
-                <a:r>
                   <a:rPr lang="zh-CN" altLang="en-US" dirty="0"/>
-                  <a:t>和</a:t>
-                </a:r>
-                <a:r>
-                  <a:rPr lang="en-US" altLang="zh-CN" dirty="0"/>
-                  <a:t>S</a:t>
-                </a:r>
-                <a:r>
-                  <a:rPr lang="zh-CN" altLang="en-US" dirty="0"/>
-                  <a:t>二元回归</a:t>
-                </a:r>
-              </a:p>
-              <a:p>
-                <a:pPr marL="0" indent="0">
-                  <a:buNone/>
-                </a:pPr>
-                <a:endParaRPr lang="en-US" altLang="zh-CN" i="1" dirty="0"/>
+                  <a:t>用灰度一元线性回归</a:t>
+                </a:r>
+                <a:endParaRPr lang="en-US" altLang="zh-CN" dirty="0"/>
               </a:p>
               <a:p>
                 <a:pPr marL="0" indent="0">
@@ -8889,94 +9121,79 @@
                     </m:oMathParaPr>
                     <m:oMath xmlns:m="http://schemas.openxmlformats.org/officeDocument/2006/math">
                       <m:r>
-                        <a:rPr lang="en-US" altLang="zh-CN" i="1"/>
-                        <m:t>𝑧</m:t>
+                        <a:rPr lang="en-US" altLang="zh-CN" i="1">
+                          <a:latin typeface="Cambria Math" panose="02040503050406030204" pitchFamily="18" charset="0"/>
+                        </a:rPr>
+                        <m:t>𝑦</m:t>
                       </m:r>
                       <m:r>
-                        <a:rPr lang="en-US" altLang="zh-CN" i="1"/>
+                        <a:rPr lang="en-US" altLang="zh-CN" i="1">
+                          <a:latin typeface="Cambria Math" panose="02040503050406030204" pitchFamily="18" charset="0"/>
+                        </a:rPr>
                         <m:t>=</m:t>
                       </m:r>
                       <m:sSub>
                         <m:sSubPr>
                           <m:ctrlPr>
-                            <a:rPr lang="zh-CN" altLang="zh-CN" i="1"/>
+                            <a:rPr lang="zh-CN" altLang="zh-CN" i="1">
+                              <a:latin typeface="Cambria Math" panose="02040503050406030204" pitchFamily="18" charset="0"/>
+                            </a:rPr>
                           </m:ctrlPr>
                         </m:sSubPr>
                         <m:e>
                           <m:r>
-                            <a:rPr lang="en-US" altLang="zh-CN" i="1"/>
+                            <a:rPr lang="en-US" altLang="zh-CN" i="1">
+                              <a:latin typeface="Cambria Math" panose="02040503050406030204" pitchFamily="18" charset="0"/>
+                            </a:rPr>
                             <m:t>𝑝</m:t>
                           </m:r>
                         </m:e>
                         <m:sub>
                           <m:r>
-                            <a:rPr lang="en-US" altLang="zh-CN" i="1"/>
-                            <m:t>00</m:t>
+                            <a:rPr lang="en-US" altLang="zh-CN" i="1">
+                              <a:latin typeface="Cambria Math" panose="02040503050406030204" pitchFamily="18" charset="0"/>
+                            </a:rPr>
+                            <m:t>1</m:t>
                           </m:r>
                         </m:sub>
                       </m:sSub>
                       <m:r>
-                        <a:rPr lang="en-US" altLang="zh-CN" i="1"/>
+                        <a:rPr lang="en-US" altLang="zh-CN" i="1">
+                          <a:latin typeface="Cambria Math" panose="02040503050406030204" pitchFamily="18" charset="0"/>
+                        </a:rPr>
+                        <m:t>𝑥</m:t>
+                      </m:r>
+                      <m:r>
+                        <a:rPr lang="en-US" altLang="zh-CN" i="1">
+                          <a:latin typeface="Cambria Math" panose="02040503050406030204" pitchFamily="18" charset="0"/>
+                        </a:rPr>
                         <m:t>+</m:t>
                       </m:r>
                       <m:sSub>
                         <m:sSubPr>
                           <m:ctrlPr>
-                            <a:rPr lang="zh-CN" altLang="zh-CN" i="1"/>
+                            <a:rPr lang="zh-CN" altLang="zh-CN" i="1">
+                              <a:latin typeface="Cambria Math" panose="02040503050406030204" pitchFamily="18" charset="0"/>
+                            </a:rPr>
                           </m:ctrlPr>
                         </m:sSubPr>
                         <m:e>
                           <m:r>
-                            <a:rPr lang="en-US" altLang="zh-CN" i="1"/>
+                            <a:rPr lang="en-US" altLang="zh-CN" i="1">
+                              <a:latin typeface="Cambria Math" panose="02040503050406030204" pitchFamily="18" charset="0"/>
+                            </a:rPr>
                             <m:t>𝑝</m:t>
                           </m:r>
                         </m:e>
                         <m:sub>
                           <m:r>
-                            <a:rPr lang="en-US" altLang="zh-CN" i="1"/>
-                            <m:t>10</m:t>
+                            <a:rPr lang="en-US" altLang="zh-CN" i="1">
+                              <a:latin typeface="Cambria Math" panose="02040503050406030204" pitchFamily="18" charset="0"/>
+                            </a:rPr>
+                            <m:t>2</m:t>
                           </m:r>
                         </m:sub>
                       </m:sSub>
-                      <m:r>
-                        <a:rPr lang="en-US" altLang="zh-CN" i="1"/>
-                        <m:t>×</m:t>
-                      </m:r>
-                      <m:r>
-                        <a:rPr lang="en-US" altLang="zh-CN" i="1"/>
-                        <m:t>𝑥</m:t>
-                      </m:r>
-                      <m:r>
-                        <a:rPr lang="en-US" altLang="zh-CN" i="1"/>
-                        <m:t>+</m:t>
-                      </m:r>
-                      <m:sSub>
-                        <m:sSubPr>
-                          <m:ctrlPr>
-                            <a:rPr lang="zh-CN" altLang="zh-CN" i="1"/>
-                          </m:ctrlPr>
-                        </m:sSubPr>
-                        <m:e>
-                          <m:r>
-                            <a:rPr lang="en-US" altLang="zh-CN" i="1"/>
-                            <m:t>𝑝</m:t>
-                          </m:r>
-                        </m:e>
-                        <m:sub>
-                          <m:r>
-                            <a:rPr lang="en-US" altLang="zh-CN" i="1"/>
-                            <m:t>01</m:t>
-                          </m:r>
-                        </m:sub>
-                      </m:sSub>
-                      <m:r>
-                        <a:rPr lang="en-US" altLang="zh-CN" i="1"/>
-                        <m:t>×</m:t>
-                      </m:r>
-                      <m:r>
-                        <a:rPr lang="en-US" altLang="zh-CN" i="1"/>
-                        <m:t>𝑦</m:t>
-                      </m:r>
                     </m:oMath>
                   </m:oMathPara>
                 </a14:m>
@@ -8986,27 +9203,55 @@
                 <a:pPr marL="0" indent="0">
                   <a:buNone/>
                 </a:pPr>
+                <a:r>
+                  <a:rPr lang="zh-CN" altLang="en-US" dirty="0"/>
+                  <a:t>得到    </a:t>
+                </a:r>
+                <a14:m>
+                  <m:oMath xmlns:m="http://schemas.openxmlformats.org/officeDocument/2006/math">
+                    <m:r>
+                      <a:rPr lang="en-US" altLang="zh-CN" i="1">
+                        <a:latin typeface="Cambria Math" panose="02040503050406030204" pitchFamily="18" charset="0"/>
+                      </a:rPr>
+                      <m:t>𝑦</m:t>
+                    </m:r>
+                    <m:r>
+                      <a:rPr lang="en-US" altLang="zh-CN" i="1">
+                        <a:latin typeface="Cambria Math" panose="02040503050406030204" pitchFamily="18" charset="0"/>
+                      </a:rPr>
+                      <m:t>=−3.034</m:t>
+                    </m:r>
+                    <m:r>
+                      <a:rPr lang="en-US" altLang="zh-CN" i="1">
+                        <a:latin typeface="Cambria Math" panose="02040503050406030204" pitchFamily="18" charset="0"/>
+                      </a:rPr>
+                      <m:t>𝑥</m:t>
+                    </m:r>
+                    <m:r>
+                      <a:rPr lang="en-US" altLang="zh-CN" i="1">
+                        <a:latin typeface="Cambria Math" panose="02040503050406030204" pitchFamily="18" charset="0"/>
+                      </a:rPr>
+                      <m:t>+327.4</m:t>
+                    </m:r>
+                  </m:oMath>
+                </a14:m>
+                <a:endParaRPr lang="zh-CN" altLang="zh-CN" dirty="0"/>
+              </a:p>
+              <a:p>
+                <a:pPr marL="0" indent="0">
+                  <a:buNone/>
+                </a:pPr>
+                <a:r>
+                  <a:rPr lang="zh-CN" altLang="en-US" dirty="0"/>
+                  <a:t>拟合结果表格</a:t>
+                </a:r>
                 <a:endParaRPr lang="en-US" altLang="zh-CN" dirty="0"/>
               </a:p>
               <a:p>
                 <a:pPr marL="0" indent="0">
                   <a:buNone/>
                 </a:pPr>
-                <a:r>
-                  <a:rPr lang="zh-CN" altLang="en-US" dirty="0"/>
-                  <a:t>结果</a:t>
-                </a:r>
-                <a:endParaRPr lang="en-US" altLang="zh-CN" dirty="0"/>
-              </a:p>
-              <a:p>
-                <a:pPr marL="0" indent="0">
-                  <a:buNone/>
-                </a:pPr>
-                <a:r>
-                  <a:rPr lang="zh-CN" altLang="en-US" dirty="0"/>
-                  <a:t>不适用</a:t>
-                </a:r>
-                <a:endParaRPr lang="zh-CN" altLang="zh-CN" dirty="0"/>
+                <a:endParaRPr lang="zh-CN" altLang="en-US" dirty="0"/>
               </a:p>
             </p:txBody>
           </p:sp>
@@ -9017,7 +9262,7 @@
               <p:cNvPr id="3" name="内容占位符 2">
                 <a:extLst>
                   <a:ext uri="{FF2B5EF4-FFF2-40B4-BE49-F238E27FC236}">
-                    <a16:creationId xmlns:a16="http://schemas.microsoft.com/office/drawing/2014/main" id="{71121471-B69B-4655-9905-84A647464C06}"/>
+                    <a16:creationId xmlns:a16="http://schemas.microsoft.com/office/drawing/2014/main" id="{3D2458DF-5230-4767-AD68-35AC262B7FB5}"/>
                   </a:ext>
                 </a:extLst>
               </p:cNvPr>
@@ -9054,7 +9299,7 @@
     </p:spTree>
     <p:extLst>
       <p:ext uri="{BB962C8B-B14F-4D97-AF65-F5344CB8AC3E}">
-        <p14:creationId xmlns:p14="http://schemas.microsoft.com/office/powerpoint/2010/main" val="2928693455"/>
+        <p14:creationId xmlns:p14="http://schemas.microsoft.com/office/powerpoint/2010/main" val="3386097477"/>
       </p:ext>
     </p:extLst>
   </p:cSld>

--- a/PreG21.pptx
+++ b/PreG21.pptx
@@ -30,7 +30,17 @@
     <p:sldId id="271" r:id="rId24"/>
     <p:sldId id="272" r:id="rId25"/>
     <p:sldId id="273" r:id="rId26"/>
-    <p:sldId id="280" r:id="rId27"/>
+    <p:sldId id="282" r:id="rId27"/>
+    <p:sldId id="283" r:id="rId28"/>
+    <p:sldId id="284" r:id="rId29"/>
+    <p:sldId id="285" r:id="rId30"/>
+    <p:sldId id="286" r:id="rId31"/>
+    <p:sldId id="287" r:id="rId32"/>
+    <p:sldId id="288" r:id="rId33"/>
+    <p:sldId id="289" r:id="rId34"/>
+    <p:sldId id="291" r:id="rId35"/>
+    <p:sldId id="290" r:id="rId36"/>
+    <p:sldId id="280" r:id="rId37"/>
   </p:sldIdLst>
   <p:sldSz cx="12192000" cy="6858000"/>
   <p:notesSz cx="6858000" cy="9144000"/>
@@ -284,7 +294,7 @@
           <a:p>
             <a:fld id="{8A4EF01C-7AEF-4827-980D-06B11AA6138E}" type="datetimeFigureOut">
               <a:rPr lang="zh-CN" altLang="en-US" smtClean="0"/>
-              <a:t>2018/4/24</a:t>
+              <a:t>2018/4/25</a:t>
             </a:fld>
             <a:endParaRPr lang="zh-CN" altLang="en-US"/>
           </a:p>
@@ -482,7 +492,7 @@
           <a:p>
             <a:fld id="{8A4EF01C-7AEF-4827-980D-06B11AA6138E}" type="datetimeFigureOut">
               <a:rPr lang="zh-CN" altLang="en-US" smtClean="0"/>
-              <a:t>2018/4/24</a:t>
+              <a:t>2018/4/25</a:t>
             </a:fld>
             <a:endParaRPr lang="zh-CN" altLang="en-US"/>
           </a:p>
@@ -690,7 +700,7 @@
           <a:p>
             <a:fld id="{8A4EF01C-7AEF-4827-980D-06B11AA6138E}" type="datetimeFigureOut">
               <a:rPr lang="zh-CN" altLang="en-US" smtClean="0"/>
-              <a:t>2018/4/24</a:t>
+              <a:t>2018/4/25</a:t>
             </a:fld>
             <a:endParaRPr lang="zh-CN" altLang="en-US"/>
           </a:p>
@@ -888,7 +898,7 @@
           <a:p>
             <a:fld id="{8A4EF01C-7AEF-4827-980D-06B11AA6138E}" type="datetimeFigureOut">
               <a:rPr lang="zh-CN" altLang="en-US" smtClean="0"/>
-              <a:t>2018/4/24</a:t>
+              <a:t>2018/4/25</a:t>
             </a:fld>
             <a:endParaRPr lang="zh-CN" altLang="en-US"/>
           </a:p>
@@ -1163,7 +1173,7 @@
           <a:p>
             <a:fld id="{8A4EF01C-7AEF-4827-980D-06B11AA6138E}" type="datetimeFigureOut">
               <a:rPr lang="zh-CN" altLang="en-US" smtClean="0"/>
-              <a:t>2018/4/24</a:t>
+              <a:t>2018/4/25</a:t>
             </a:fld>
             <a:endParaRPr lang="zh-CN" altLang="en-US"/>
           </a:p>
@@ -1428,7 +1438,7 @@
           <a:p>
             <a:fld id="{8A4EF01C-7AEF-4827-980D-06B11AA6138E}" type="datetimeFigureOut">
               <a:rPr lang="zh-CN" altLang="en-US" smtClean="0"/>
-              <a:t>2018/4/24</a:t>
+              <a:t>2018/4/25</a:t>
             </a:fld>
             <a:endParaRPr lang="zh-CN" altLang="en-US"/>
           </a:p>
@@ -1840,7 +1850,7 @@
           <a:p>
             <a:fld id="{8A4EF01C-7AEF-4827-980D-06B11AA6138E}" type="datetimeFigureOut">
               <a:rPr lang="zh-CN" altLang="en-US" smtClean="0"/>
-              <a:t>2018/4/24</a:t>
+              <a:t>2018/4/25</a:t>
             </a:fld>
             <a:endParaRPr lang="zh-CN" altLang="en-US"/>
           </a:p>
@@ -1981,7 +1991,7 @@
           <a:p>
             <a:fld id="{8A4EF01C-7AEF-4827-980D-06B11AA6138E}" type="datetimeFigureOut">
               <a:rPr lang="zh-CN" altLang="en-US" smtClean="0"/>
-              <a:t>2018/4/24</a:t>
+              <a:t>2018/4/25</a:t>
             </a:fld>
             <a:endParaRPr lang="zh-CN" altLang="en-US"/>
           </a:p>
@@ -2094,7 +2104,7 @@
           <a:p>
             <a:fld id="{8A4EF01C-7AEF-4827-980D-06B11AA6138E}" type="datetimeFigureOut">
               <a:rPr lang="zh-CN" altLang="en-US" smtClean="0"/>
-              <a:t>2018/4/24</a:t>
+              <a:t>2018/4/25</a:t>
             </a:fld>
             <a:endParaRPr lang="zh-CN" altLang="en-US"/>
           </a:p>
@@ -2405,7 +2415,7 @@
           <a:p>
             <a:fld id="{8A4EF01C-7AEF-4827-980D-06B11AA6138E}" type="datetimeFigureOut">
               <a:rPr lang="zh-CN" altLang="en-US" smtClean="0"/>
-              <a:t>2018/4/24</a:t>
+              <a:t>2018/4/25</a:t>
             </a:fld>
             <a:endParaRPr lang="zh-CN" altLang="en-US"/>
           </a:p>
@@ -2693,7 +2703,7 @@
           <a:p>
             <a:fld id="{8A4EF01C-7AEF-4827-980D-06B11AA6138E}" type="datetimeFigureOut">
               <a:rPr lang="zh-CN" altLang="en-US" smtClean="0"/>
-              <a:t>2018/4/24</a:t>
+              <a:t>2018/4/25</a:t>
             </a:fld>
             <a:endParaRPr lang="zh-CN" altLang="en-US"/>
           </a:p>
@@ -2934,7 +2944,7 @@
           <a:p>
             <a:fld id="{8A4EF01C-7AEF-4827-980D-06B11AA6138E}" type="datetimeFigureOut">
               <a:rPr lang="zh-CN" altLang="en-US" smtClean="0"/>
-              <a:t>2018/4/24</a:t>
+              <a:t>2018/4/25</a:t>
             </a:fld>
             <a:endParaRPr lang="zh-CN" altLang="en-US"/>
           </a:p>
@@ -3492,8 +3502,8 @@
           </a:p>
         </p:txBody>
       </p:sp>
-      <mc:AlternateContent xmlns:mc="http://schemas.openxmlformats.org/markup-compatibility/2006">
-        <mc:Choice xmlns:a14="http://schemas.microsoft.com/office/drawing/2010/main" Requires="a14">
+      <mc:AlternateContent xmlns:mc="http://schemas.openxmlformats.org/markup-compatibility/2006" xmlns:a14="http://schemas.microsoft.com/office/drawing/2010/main">
+        <mc:Choice Requires="a14">
           <p:sp>
             <p:nvSpPr>
               <p:cNvPr id="3" name="内容占位符 2">
@@ -3552,92 +3562,126 @@
                     </m:oMathParaPr>
                     <m:oMath xmlns:m="http://schemas.openxmlformats.org/officeDocument/2006/math">
                       <m:r>
-                        <a:rPr lang="en-US" altLang="zh-CN" i="1"/>
+                        <a:rPr lang="en-US" altLang="zh-CN" i="1">
+                          <a:latin typeface="Cambria Math" panose="02040503050406030204" pitchFamily="18" charset="0"/>
+                        </a:rPr>
                         <m:t>𝑧</m:t>
                       </m:r>
                       <m:r>
-                        <a:rPr lang="en-US" altLang="zh-CN" i="1"/>
+                        <a:rPr lang="en-US" altLang="zh-CN" i="1">
+                          <a:latin typeface="Cambria Math" panose="02040503050406030204" pitchFamily="18" charset="0"/>
+                        </a:rPr>
                         <m:t>=</m:t>
                       </m:r>
                       <m:sSub>
                         <m:sSubPr>
                           <m:ctrlPr>
-                            <a:rPr lang="zh-CN" altLang="zh-CN" i="1"/>
+                            <a:rPr lang="zh-CN" altLang="zh-CN" i="1">
+                              <a:latin typeface="Cambria Math" panose="02040503050406030204" pitchFamily="18" charset="0"/>
+                            </a:rPr>
                           </m:ctrlPr>
                         </m:sSubPr>
                         <m:e>
                           <m:r>
-                            <a:rPr lang="en-US" altLang="zh-CN" i="1"/>
+                            <a:rPr lang="en-US" altLang="zh-CN" i="1">
+                              <a:latin typeface="Cambria Math" panose="02040503050406030204" pitchFamily="18" charset="0"/>
+                            </a:rPr>
                             <m:t>𝑝</m:t>
                           </m:r>
                         </m:e>
                         <m:sub>
                           <m:r>
-                            <a:rPr lang="en-US" altLang="zh-CN" i="1"/>
+                            <a:rPr lang="en-US" altLang="zh-CN" i="1">
+                              <a:latin typeface="Cambria Math" panose="02040503050406030204" pitchFamily="18" charset="0"/>
+                            </a:rPr>
                             <m:t>00</m:t>
                           </m:r>
                         </m:sub>
                       </m:sSub>
                       <m:r>
-                        <a:rPr lang="en-US" altLang="zh-CN" i="1"/>
+                        <a:rPr lang="en-US" altLang="zh-CN" i="1">
+                          <a:latin typeface="Cambria Math" panose="02040503050406030204" pitchFamily="18" charset="0"/>
+                        </a:rPr>
                         <m:t>+</m:t>
                       </m:r>
                       <m:sSub>
                         <m:sSubPr>
                           <m:ctrlPr>
-                            <a:rPr lang="zh-CN" altLang="zh-CN" i="1"/>
+                            <a:rPr lang="zh-CN" altLang="zh-CN" i="1">
+                              <a:latin typeface="Cambria Math" panose="02040503050406030204" pitchFamily="18" charset="0"/>
+                            </a:rPr>
                           </m:ctrlPr>
                         </m:sSubPr>
                         <m:e>
                           <m:r>
-                            <a:rPr lang="en-US" altLang="zh-CN" i="1"/>
+                            <a:rPr lang="en-US" altLang="zh-CN" i="1">
+                              <a:latin typeface="Cambria Math" panose="02040503050406030204" pitchFamily="18" charset="0"/>
+                            </a:rPr>
                             <m:t>𝑝</m:t>
                           </m:r>
                         </m:e>
                         <m:sub>
                           <m:r>
-                            <a:rPr lang="en-US" altLang="zh-CN" i="1"/>
+                            <a:rPr lang="en-US" altLang="zh-CN" i="1">
+                              <a:latin typeface="Cambria Math" panose="02040503050406030204" pitchFamily="18" charset="0"/>
+                            </a:rPr>
                             <m:t>10</m:t>
                           </m:r>
                         </m:sub>
                       </m:sSub>
                       <m:r>
-                        <a:rPr lang="en-US" altLang="zh-CN" i="1"/>
+                        <a:rPr lang="en-US" altLang="zh-CN" i="1">
+                          <a:latin typeface="Cambria Math" panose="02040503050406030204" pitchFamily="18" charset="0"/>
+                        </a:rPr>
                         <m:t>×</m:t>
                       </m:r>
                       <m:r>
-                        <a:rPr lang="en-US" altLang="zh-CN" i="1"/>
+                        <a:rPr lang="en-US" altLang="zh-CN" i="1">
+                          <a:latin typeface="Cambria Math" panose="02040503050406030204" pitchFamily="18" charset="0"/>
+                        </a:rPr>
                         <m:t>𝑥</m:t>
                       </m:r>
                       <m:r>
-                        <a:rPr lang="en-US" altLang="zh-CN" i="1"/>
+                        <a:rPr lang="en-US" altLang="zh-CN" i="1">
+                          <a:latin typeface="Cambria Math" panose="02040503050406030204" pitchFamily="18" charset="0"/>
+                        </a:rPr>
                         <m:t>+</m:t>
                       </m:r>
                       <m:sSub>
                         <m:sSubPr>
                           <m:ctrlPr>
-                            <a:rPr lang="zh-CN" altLang="zh-CN" i="1"/>
+                            <a:rPr lang="zh-CN" altLang="zh-CN" i="1">
+                              <a:latin typeface="Cambria Math" panose="02040503050406030204" pitchFamily="18" charset="0"/>
+                            </a:rPr>
                           </m:ctrlPr>
                         </m:sSubPr>
                         <m:e>
                           <m:r>
-                            <a:rPr lang="en-US" altLang="zh-CN" i="1"/>
+                            <a:rPr lang="en-US" altLang="zh-CN" i="1">
+                              <a:latin typeface="Cambria Math" panose="02040503050406030204" pitchFamily="18" charset="0"/>
+                            </a:rPr>
                             <m:t>𝑝</m:t>
                           </m:r>
                         </m:e>
                         <m:sub>
                           <m:r>
-                            <a:rPr lang="en-US" altLang="zh-CN" i="1"/>
+                            <a:rPr lang="en-US" altLang="zh-CN" i="1">
+                              <a:latin typeface="Cambria Math" panose="02040503050406030204" pitchFamily="18" charset="0"/>
+                            </a:rPr>
                             <m:t>01</m:t>
                           </m:r>
                         </m:sub>
                       </m:sSub>
                       <m:r>
-                        <a:rPr lang="en-US" altLang="zh-CN" i="1"/>
+                        <a:rPr lang="en-US" altLang="zh-CN" i="1">
+                          <a:latin typeface="Cambria Math" panose="02040503050406030204" pitchFamily="18" charset="0"/>
+                        </a:rPr>
                         <m:t>×</m:t>
                       </m:r>
                       <m:r>
-                        <a:rPr lang="en-US" altLang="zh-CN" i="1"/>
+                        <a:rPr lang="en-US" altLang="zh-CN" i="1">
+                          <a:latin typeface="Cambria Math" panose="02040503050406030204" pitchFamily="18" charset="0"/>
+                        </a:rPr>
                         <m:t>𝑦</m:t>
                       </m:r>
                     </m:oMath>
@@ -3674,7 +3718,7 @@
             </p:txBody>
           </p:sp>
         </mc:Choice>
-        <mc:Fallback>
+        <mc:Fallback xmlns="">
           <p:sp>
             <p:nvSpPr>
               <p:cNvPr id="3" name="内容占位符 2">
@@ -3772,8 +3816,8 @@
           </a:p>
         </p:txBody>
       </p:sp>
-      <mc:AlternateContent xmlns:mc="http://schemas.openxmlformats.org/markup-compatibility/2006">
-        <mc:Choice xmlns:a14="http://schemas.microsoft.com/office/drawing/2010/main" Requires="a14">
+      <mc:AlternateContent xmlns:mc="http://schemas.openxmlformats.org/markup-compatibility/2006" xmlns:a14="http://schemas.microsoft.com/office/drawing/2010/main">
+        <mc:Choice Requires="a14">
           <p:sp>
             <p:nvSpPr>
               <p:cNvPr id="3" name="内容占位符 2">
@@ -3841,19 +3885,27 @@
                     </m:oMathParaPr>
                     <m:oMath xmlns:m="http://schemas.openxmlformats.org/officeDocument/2006/math">
                       <m:r>
-                        <a:rPr lang="en-US" altLang="zh-CN" i="1"/>
+                        <a:rPr lang="en-US" altLang="zh-CN" i="1">
+                          <a:latin typeface="Cambria Math" panose="02040503050406030204" pitchFamily="18" charset="0"/>
+                        </a:rPr>
                         <m:t>𝑦</m:t>
                       </m:r>
                       <m:r>
-                        <a:rPr lang="en-US" altLang="zh-CN" i="1"/>
+                        <a:rPr lang="en-US" altLang="zh-CN" i="1">
+                          <a:latin typeface="Cambria Math" panose="02040503050406030204" pitchFamily="18" charset="0"/>
+                        </a:rPr>
                         <m:t>=−5.291</m:t>
                       </m:r>
                       <m:r>
-                        <a:rPr lang="en-US" altLang="zh-CN" i="1"/>
+                        <a:rPr lang="en-US" altLang="zh-CN" i="1">
+                          <a:latin typeface="Cambria Math" panose="02040503050406030204" pitchFamily="18" charset="0"/>
+                        </a:rPr>
                         <m:t>𝑥</m:t>
                       </m:r>
                       <m:r>
-                        <a:rPr lang="en-US" altLang="zh-CN" i="1"/>
+                        <a:rPr lang="en-US" altLang="zh-CN" i="1">
+                          <a:latin typeface="Cambria Math" panose="02040503050406030204" pitchFamily="18" charset="0"/>
+                        </a:rPr>
                         <m:t>+731.6</m:t>
                       </m:r>
                     </m:oMath>
@@ -3880,7 +3932,7 @@
             </p:txBody>
           </p:sp>
         </mc:Choice>
-        <mc:Fallback>
+        <mc:Fallback xmlns="">
           <p:sp>
             <p:nvSpPr>
               <p:cNvPr id="3" name="内容占位符 2">
@@ -3978,8 +4030,8 @@
           </a:p>
         </p:txBody>
       </p:sp>
-      <mc:AlternateContent xmlns:mc="http://schemas.openxmlformats.org/markup-compatibility/2006">
-        <mc:Choice xmlns:a14="http://schemas.microsoft.com/office/drawing/2010/main" Requires="a14">
+      <mc:AlternateContent xmlns:mc="http://schemas.openxmlformats.org/markup-compatibility/2006" xmlns:a14="http://schemas.microsoft.com/office/drawing/2010/main">
+        <mc:Choice Requires="a14">
           <p:sp>
             <p:nvSpPr>
               <p:cNvPr id="3" name="内容占位符 2">
@@ -4051,19 +4103,27 @@
                     </m:oMathParaPr>
                     <m:oMath xmlns:m="http://schemas.openxmlformats.org/officeDocument/2006/math">
                       <m:r>
-                        <a:rPr lang="en-US" altLang="zh-CN" i="1"/>
+                        <a:rPr lang="en-US" altLang="zh-CN" i="1">
+                          <a:latin typeface="Cambria Math" panose="02040503050406030204" pitchFamily="18" charset="0"/>
+                        </a:rPr>
                         <m:t>𝑦</m:t>
                       </m:r>
                       <m:r>
-                        <a:rPr lang="en-US" altLang="zh-CN" i="1"/>
+                        <a:rPr lang="en-US" altLang="zh-CN" i="1">
+                          <a:latin typeface="Cambria Math" panose="02040503050406030204" pitchFamily="18" charset="0"/>
+                        </a:rPr>
                         <m:t>=−1.197</m:t>
                       </m:r>
                       <m:r>
-                        <a:rPr lang="en-US" altLang="zh-CN" i="1"/>
+                        <a:rPr lang="en-US" altLang="zh-CN" i="1">
+                          <a:latin typeface="Cambria Math" panose="02040503050406030204" pitchFamily="18" charset="0"/>
+                        </a:rPr>
                         <m:t>𝑥</m:t>
                       </m:r>
                       <m:r>
-                        <a:rPr lang="en-US" altLang="zh-CN" i="1"/>
+                        <a:rPr lang="en-US" altLang="zh-CN" i="1">
+                          <a:latin typeface="Cambria Math" panose="02040503050406030204" pitchFamily="18" charset="0"/>
+                        </a:rPr>
                         <m:t>+162.9</m:t>
                       </m:r>
                     </m:oMath>
@@ -4127,7 +4187,7 @@
             </p:txBody>
           </p:sp>
         </mc:Choice>
-        <mc:Fallback>
+        <mc:Fallback xmlns="">
           <p:sp>
             <p:nvSpPr>
               <p:cNvPr id="3" name="内容占位符 2">
@@ -4225,8 +4285,8 @@
           </a:p>
         </p:txBody>
       </p:sp>
-      <mc:AlternateContent xmlns:mc="http://schemas.openxmlformats.org/markup-compatibility/2006">
-        <mc:Choice xmlns:a14="http://schemas.microsoft.com/office/drawing/2010/main" Requires="a14">
+      <mc:AlternateContent xmlns:mc="http://schemas.openxmlformats.org/markup-compatibility/2006" xmlns:a14="http://schemas.microsoft.com/office/drawing/2010/main">
+        <mc:Choice Requires="a14">
           <p:sp>
             <p:nvSpPr>
               <p:cNvPr id="3" name="内容占位符 2">
@@ -4293,19 +4353,27 @@
                     </m:oMathParaPr>
                     <m:oMath xmlns:m="http://schemas.openxmlformats.org/officeDocument/2006/math">
                       <m:r>
-                        <a:rPr lang="en-US" altLang="zh-CN" i="1"/>
+                        <a:rPr lang="en-US" altLang="zh-CN" i="1">
+                          <a:latin typeface="Cambria Math" panose="02040503050406030204" pitchFamily="18" charset="0"/>
+                        </a:rPr>
                         <m:t>𝑦</m:t>
                       </m:r>
                       <m:r>
-                        <a:rPr lang="en-US" altLang="zh-CN" i="1"/>
+                        <a:rPr lang="en-US" altLang="zh-CN" i="1">
+                          <a:latin typeface="Cambria Math" panose="02040503050406030204" pitchFamily="18" charset="0"/>
+                        </a:rPr>
                         <m:t>=−0.03599</m:t>
                       </m:r>
                       <m:r>
-                        <a:rPr lang="en-US" altLang="zh-CN" i="1"/>
+                        <a:rPr lang="en-US" altLang="zh-CN" i="1">
+                          <a:latin typeface="Cambria Math" panose="02040503050406030204" pitchFamily="18" charset="0"/>
+                        </a:rPr>
                         <m:t>𝑥</m:t>
                       </m:r>
                       <m:r>
-                        <a:rPr lang="en-US" altLang="zh-CN" i="1"/>
+                        <a:rPr lang="en-US" altLang="zh-CN" i="1">
+                          <a:latin typeface="Cambria Math" panose="02040503050406030204" pitchFamily="18" charset="0"/>
+                        </a:rPr>
                         <m:t>+12.93</m:t>
                       </m:r>
                     </m:oMath>
@@ -4366,7 +4434,7 @@
             </p:txBody>
           </p:sp>
         </mc:Choice>
-        <mc:Fallback>
+        <mc:Fallback xmlns="">
           <p:sp>
             <p:nvSpPr>
               <p:cNvPr id="3" name="内容占位符 2">
@@ -4464,8 +4532,8 @@
           </a:p>
         </p:txBody>
       </p:sp>
-      <mc:AlternateContent xmlns:mc="http://schemas.openxmlformats.org/markup-compatibility/2006">
-        <mc:Choice xmlns:a14="http://schemas.microsoft.com/office/drawing/2010/main" Requires="a14">
+      <mc:AlternateContent xmlns:mc="http://schemas.openxmlformats.org/markup-compatibility/2006" xmlns:a14="http://schemas.microsoft.com/office/drawing/2010/main">
+        <mc:Choice Requires="a14">
           <p:sp>
             <p:nvSpPr>
               <p:cNvPr id="3" name="内容占位符 2">
@@ -4535,57 +4603,81 @@
                     </m:oMathParaPr>
                     <m:oMath xmlns:m="http://schemas.openxmlformats.org/officeDocument/2006/math">
                       <m:r>
-                        <a:rPr lang="en-US" altLang="zh-CN" i="1"/>
+                        <a:rPr lang="en-US" altLang="zh-CN" i="1">
+                          <a:latin typeface="Cambria Math" panose="02040503050406030204" pitchFamily="18" charset="0"/>
+                        </a:rPr>
                         <m:t>𝑐</m:t>
                       </m:r>
                       <m:r>
-                        <a:rPr lang="en-US" altLang="zh-CN" i="1"/>
+                        <a:rPr lang="en-US" altLang="zh-CN" i="1">
+                          <a:latin typeface="Cambria Math" panose="02040503050406030204" pitchFamily="18" charset="0"/>
+                        </a:rPr>
                         <m:t>&lt;0.5</m:t>
                       </m:r>
                       <m:r>
-                        <a:rPr lang="en-US" altLang="zh-CN"/>
+                        <a:rPr lang="en-US" altLang="zh-CN">
+                          <a:latin typeface="Cambria Math" panose="02040503050406030204" pitchFamily="18" charset="0"/>
+                        </a:rPr>
                         <m:t> </m:t>
                       </m:r>
                       <m:r>
                         <m:rPr>
                           <m:sty m:val="p"/>
                         </m:rPr>
-                        <a:rPr lang="en-US" altLang="zh-CN"/>
+                        <a:rPr lang="en-US" altLang="zh-CN">
+                          <a:latin typeface="Cambria Math" panose="02040503050406030204" pitchFamily="18" charset="0"/>
+                        </a:rPr>
                         <m:t>ppm</m:t>
                       </m:r>
                       <m:r>
-                        <a:rPr lang="en-US" altLang="zh-CN" i="1"/>
+                        <a:rPr lang="en-US" altLang="zh-CN" i="1">
+                          <a:latin typeface="Cambria Math" panose="02040503050406030204" pitchFamily="18" charset="0"/>
+                        </a:rPr>
                         <m:t>,</m:t>
                       </m:r>
                       <m:r>
                         <m:rPr>
                           <m:sty m:val="p"/>
                         </m:rPr>
-                        <a:rPr lang="en-US" altLang="zh-CN"/>
+                        <a:rPr lang="en-US" altLang="zh-CN">
+                          <a:latin typeface="Cambria Math" panose="02040503050406030204" pitchFamily="18" charset="0"/>
+                        </a:rPr>
                         <m:t>if</m:t>
                       </m:r>
                       <m:r>
-                        <a:rPr lang="en-US" altLang="zh-CN"/>
+                        <a:rPr lang="en-US" altLang="zh-CN">
+                          <a:latin typeface="Cambria Math" panose="02040503050406030204" pitchFamily="18" charset="0"/>
+                        </a:rPr>
                         <m:t> </m:t>
                       </m:r>
                       <m:r>
-                        <a:rPr lang="en-US" altLang="zh-CN" i="1"/>
+                        <a:rPr lang="en-US" altLang="zh-CN" i="1">
+                          <a:latin typeface="Cambria Math" panose="02040503050406030204" pitchFamily="18" charset="0"/>
+                        </a:rPr>
                         <m:t>𝑎𝑣𝑒𝑟</m:t>
                       </m:r>
                       <m:r>
-                        <a:rPr lang="en-US" altLang="zh-CN" i="1"/>
+                        <a:rPr lang="en-US" altLang="zh-CN" i="1">
+                          <a:latin typeface="Cambria Math" panose="02040503050406030204" pitchFamily="18" charset="0"/>
+                        </a:rPr>
                         <m:t>(</m:t>
                       </m:r>
                       <m:r>
-                        <a:rPr lang="en-US" altLang="zh-CN" i="1"/>
+                        <a:rPr lang="en-US" altLang="zh-CN" i="1">
+                          <a:latin typeface="Cambria Math" panose="02040503050406030204" pitchFamily="18" charset="0"/>
+                        </a:rPr>
                         <m:t>𝑅𝐺𝐵</m:t>
                       </m:r>
                       <m:r>
-                        <a:rPr lang="en-US" altLang="zh-CN" i="1"/>
+                        <a:rPr lang="en-US" altLang="zh-CN" i="1">
+                          <a:latin typeface="Cambria Math" panose="02040503050406030204" pitchFamily="18" charset="0"/>
+                        </a:rPr>
                         <m:t>)&gt;105</m:t>
                       </m:r>
                       <m:r>
-                        <a:rPr lang="en-US" altLang="zh-CN"/>
+                        <a:rPr lang="en-US" altLang="zh-CN">
+                          <a:latin typeface="Cambria Math" panose="02040503050406030204" pitchFamily="18" charset="0"/>
+                        </a:rPr>
                         <m:t> </m:t>
                       </m:r>
                     </m:oMath>
@@ -4652,7 +4744,7 @@
             </p:txBody>
           </p:sp>
         </mc:Choice>
-        <mc:Fallback>
+        <mc:Fallback xmlns="">
           <p:sp>
             <p:nvSpPr>
               <p:cNvPr id="3" name="内容占位符 2">
@@ -4750,8 +4842,8 @@
           </a:p>
         </p:txBody>
       </p:sp>
-      <mc:AlternateContent xmlns:mc="http://schemas.openxmlformats.org/markup-compatibility/2006">
-        <mc:Choice xmlns:a14="http://schemas.microsoft.com/office/drawing/2010/main" Requires="a14">
+      <mc:AlternateContent xmlns:mc="http://schemas.openxmlformats.org/markup-compatibility/2006" xmlns:a14="http://schemas.microsoft.com/office/drawing/2010/main">
+        <mc:Choice Requires="a14">
           <p:sp>
             <p:nvSpPr>
               <p:cNvPr id="3" name="内容占位符 2">
@@ -4789,28 +4881,38 @@
                       <m:t>          </m:t>
                     </m:r>
                     <m:r>
-                      <a:rPr lang="en-US" altLang="zh-CN" i="1"/>
+                      <a:rPr lang="en-US" altLang="zh-CN" i="1">
+                        <a:latin typeface="Cambria Math" panose="02040503050406030204" pitchFamily="18" charset="0"/>
+                      </a:rPr>
                       <m:t>𝑦</m:t>
                     </m:r>
                     <m:r>
-                      <a:rPr lang="en-US" altLang="zh-CN" i="1"/>
+                      <a:rPr lang="en-US" altLang="zh-CN" i="1">
+                        <a:latin typeface="Cambria Math" panose="02040503050406030204" pitchFamily="18" charset="0"/>
+                      </a:rPr>
                       <m:t>=</m:t>
                     </m:r>
                     <m:sSub>
                       <m:sSubPr>
                         <m:ctrlPr>
-                          <a:rPr lang="zh-CN" altLang="zh-CN" i="1"/>
+                          <a:rPr lang="zh-CN" altLang="zh-CN" i="1">
+                            <a:latin typeface="Cambria Math" panose="02040503050406030204" pitchFamily="18" charset="0"/>
+                          </a:rPr>
                         </m:ctrlPr>
                       </m:sSubPr>
                       <m:e>
                         <m:r>
-                          <a:rPr lang="en-US" altLang="zh-CN" i="1"/>
+                          <a:rPr lang="en-US" altLang="zh-CN" i="1">
+                            <a:latin typeface="Cambria Math" panose="02040503050406030204" pitchFamily="18" charset="0"/>
+                          </a:rPr>
                           <m:t>𝛽</m:t>
                         </m:r>
                       </m:e>
                       <m:sub>
                         <m:r>
-                          <a:rPr lang="en-US" altLang="zh-CN" i="1"/>
+                          <a:rPr lang="en-US" altLang="zh-CN" i="1">
+                            <a:latin typeface="Cambria Math" panose="02040503050406030204" pitchFamily="18" charset="0"/>
+                          </a:rPr>
                           <m:t>0</m:t>
                         </m:r>
                       </m:sub>
@@ -4825,47 +4927,63 @@
                       </m:dPr>
                       <m:e>
                         <m:r>
-                          <a:rPr lang="en-US" altLang="zh-CN" i="1"/>
+                          <a:rPr lang="en-US" altLang="zh-CN" i="1">
+                            <a:latin typeface="Cambria Math" panose="02040503050406030204" pitchFamily="18" charset="0"/>
+                          </a:rPr>
                           <m:t>1−</m:t>
                         </m:r>
                         <m:sSup>
                           <m:sSupPr>
                             <m:ctrlPr>
-                              <a:rPr lang="zh-CN" altLang="zh-CN" i="1"/>
+                              <a:rPr lang="zh-CN" altLang="zh-CN" i="1">
+                                <a:latin typeface="Cambria Math" panose="02040503050406030204" pitchFamily="18" charset="0"/>
+                              </a:rPr>
                             </m:ctrlPr>
                           </m:sSupPr>
                           <m:e>
                             <m:r>
-                              <a:rPr lang="en-US" altLang="zh-CN" i="1"/>
+                              <a:rPr lang="en-US" altLang="zh-CN" i="1">
+                                <a:latin typeface="Cambria Math" panose="02040503050406030204" pitchFamily="18" charset="0"/>
+                              </a:rPr>
                               <m:t>𝑒</m:t>
                             </m:r>
                           </m:e>
                           <m:sup>
                             <m:r>
-                              <a:rPr lang="en-US" altLang="zh-CN" i="1"/>
+                              <a:rPr lang="en-US" altLang="zh-CN" i="1">
+                                <a:latin typeface="Cambria Math" panose="02040503050406030204" pitchFamily="18" charset="0"/>
+                              </a:rPr>
                               <m:t>−</m:t>
                             </m:r>
                             <m:sSub>
                               <m:sSubPr>
                                 <m:ctrlPr>
-                                  <a:rPr lang="zh-CN" altLang="zh-CN" i="1"/>
+                                  <a:rPr lang="zh-CN" altLang="zh-CN" i="1">
+                                    <a:latin typeface="Cambria Math" panose="02040503050406030204" pitchFamily="18" charset="0"/>
+                                  </a:rPr>
                                 </m:ctrlPr>
                               </m:sSubPr>
                               <m:e>
                                 <m:r>
-                                  <a:rPr lang="en-US" altLang="zh-CN" i="1"/>
+                                  <a:rPr lang="en-US" altLang="zh-CN" i="1">
+                                    <a:latin typeface="Cambria Math" panose="02040503050406030204" pitchFamily="18" charset="0"/>
+                                  </a:rPr>
                                   <m:t>𝛽</m:t>
                                 </m:r>
                               </m:e>
                               <m:sub>
                                 <m:r>
-                                  <a:rPr lang="en-US" altLang="zh-CN" i="1"/>
+                                  <a:rPr lang="en-US" altLang="zh-CN" i="1">
+                                    <a:latin typeface="Cambria Math" panose="02040503050406030204" pitchFamily="18" charset="0"/>
+                                  </a:rPr>
                                   <m:t>1</m:t>
                                 </m:r>
                               </m:sub>
                             </m:sSub>
                             <m:r>
-                              <a:rPr lang="en-US" altLang="zh-CN" i="1"/>
+                              <a:rPr lang="en-US" altLang="zh-CN" i="1">
+                                <a:latin typeface="Cambria Math" panose="02040503050406030204" pitchFamily="18" charset="0"/>
+                              </a:rPr>
                               <m:t>𝑥</m:t>
                             </m:r>
                           </m:sup>
@@ -4903,41 +5021,55 @@
                     </m:oMathParaPr>
                     <m:oMath xmlns:m="http://schemas.openxmlformats.org/officeDocument/2006/math">
                       <m:r>
-                        <a:rPr lang="en-US" altLang="zh-CN" i="1"/>
+                        <a:rPr lang="en-US" altLang="zh-CN" i="1">
+                          <a:latin typeface="Cambria Math" panose="02040503050406030204" pitchFamily="18" charset="0"/>
+                        </a:rPr>
                         <m:t>𝑦</m:t>
                       </m:r>
                       <m:r>
-                        <a:rPr lang="en-US" altLang="zh-CN" i="1"/>
+                        <a:rPr lang="en-US" altLang="zh-CN" i="1">
+                          <a:latin typeface="Cambria Math" panose="02040503050406030204" pitchFamily="18" charset="0"/>
+                        </a:rPr>
                         <m:t>=</m:t>
                       </m:r>
                       <m:f>
                         <m:fPr>
                           <m:ctrlPr>
-                            <a:rPr lang="zh-CN" altLang="zh-CN" i="1"/>
+                            <a:rPr lang="zh-CN" altLang="zh-CN" i="1">
+                              <a:latin typeface="Cambria Math" panose="02040503050406030204" pitchFamily="18" charset="0"/>
+                            </a:rPr>
                           </m:ctrlPr>
                         </m:fPr>
                         <m:num>
                           <m:sSub>
                             <m:sSubPr>
                               <m:ctrlPr>
-                                <a:rPr lang="zh-CN" altLang="zh-CN" i="1"/>
+                                <a:rPr lang="zh-CN" altLang="zh-CN" i="1">
+                                  <a:latin typeface="Cambria Math" panose="02040503050406030204" pitchFamily="18" charset="0"/>
+                                </a:rPr>
                               </m:ctrlPr>
                             </m:sSubPr>
                             <m:e>
                               <m:r>
-                                <a:rPr lang="en-US" altLang="zh-CN" i="1"/>
+                                <a:rPr lang="en-US" altLang="zh-CN" i="1">
+                                  <a:latin typeface="Cambria Math" panose="02040503050406030204" pitchFamily="18" charset="0"/>
+                                </a:rPr>
                                 <m:t>𝛽</m:t>
                               </m:r>
                             </m:e>
                             <m:sub>
                               <m:r>
-                                <a:rPr lang="en-US" altLang="zh-CN" i="1"/>
+                                <a:rPr lang="en-US" altLang="zh-CN" i="1">
+                                  <a:latin typeface="Cambria Math" panose="02040503050406030204" pitchFamily="18" charset="0"/>
+                                </a:rPr>
                                 <m:t>0</m:t>
                               </m:r>
                             </m:sub>
                           </m:sSub>
                           <m:r>
-                            <a:rPr lang="en-US" altLang="zh-CN" i="1"/>
+                            <a:rPr lang="en-US" altLang="zh-CN" i="1">
+                              <a:latin typeface="Cambria Math" panose="02040503050406030204" pitchFamily="18" charset="0"/>
+                            </a:rPr>
                             <m:t>𝑥</m:t>
                           </m:r>
                         </m:num>
@@ -4945,28 +5077,38 @@
                           <m:sSub>
                             <m:sSubPr>
                               <m:ctrlPr>
-                                <a:rPr lang="zh-CN" altLang="zh-CN" i="1"/>
+                                <a:rPr lang="zh-CN" altLang="zh-CN" i="1">
+                                  <a:latin typeface="Cambria Math" panose="02040503050406030204" pitchFamily="18" charset="0"/>
+                                </a:rPr>
                               </m:ctrlPr>
                             </m:sSubPr>
                             <m:e>
                               <m:r>
-                                <a:rPr lang="en-US" altLang="zh-CN" i="1"/>
+                                <a:rPr lang="en-US" altLang="zh-CN" i="1">
+                                  <a:latin typeface="Cambria Math" panose="02040503050406030204" pitchFamily="18" charset="0"/>
+                                </a:rPr>
                                 <m:t>𝛽</m:t>
                               </m:r>
                             </m:e>
                             <m:sub>
                               <m:r>
-                                <a:rPr lang="en-US" altLang="zh-CN" i="1"/>
+                                <a:rPr lang="en-US" altLang="zh-CN" i="1">
+                                  <a:latin typeface="Cambria Math" panose="02040503050406030204" pitchFamily="18" charset="0"/>
+                                </a:rPr>
                                 <m:t>1</m:t>
                               </m:r>
                             </m:sub>
                           </m:sSub>
                           <m:r>
-                            <a:rPr lang="en-US" altLang="zh-CN" i="1"/>
+                            <a:rPr lang="en-US" altLang="zh-CN" i="1">
+                              <a:latin typeface="Cambria Math" panose="02040503050406030204" pitchFamily="18" charset="0"/>
+                            </a:rPr>
                             <m:t>+</m:t>
                           </m:r>
                           <m:r>
-                            <a:rPr lang="en-US" altLang="zh-CN" i="1"/>
+                            <a:rPr lang="en-US" altLang="zh-CN" i="1">
+                              <a:latin typeface="Cambria Math" panose="02040503050406030204" pitchFamily="18" charset="0"/>
+                            </a:rPr>
                             <m:t>𝑥</m:t>
                           </m:r>
                         </m:den>
@@ -5019,7 +5161,7 @@
             </p:txBody>
           </p:sp>
         </mc:Choice>
-        <mc:Fallback>
+        <mc:Fallback xmlns="">
           <p:sp>
             <p:nvSpPr>
               <p:cNvPr id="3" name="内容占位符 2">
@@ -5117,8 +5259,8 @@
           </a:p>
         </p:txBody>
       </p:sp>
-      <mc:AlternateContent xmlns:mc="http://schemas.openxmlformats.org/markup-compatibility/2006">
-        <mc:Choice xmlns:a14="http://schemas.microsoft.com/office/drawing/2010/main" Requires="a14">
+      <mc:AlternateContent xmlns:mc="http://schemas.openxmlformats.org/markup-compatibility/2006" xmlns:a14="http://schemas.microsoft.com/office/drawing/2010/main">
+        <mc:Choice Requires="a14">
           <p:sp>
             <p:nvSpPr>
               <p:cNvPr id="3" name="内容占位符 2">
@@ -5164,41 +5306,55 @@
                     </m:oMathParaPr>
                     <m:oMath xmlns:m="http://schemas.openxmlformats.org/officeDocument/2006/math">
                       <m:r>
-                        <a:rPr lang="en-US" altLang="zh-CN" i="1"/>
+                        <a:rPr lang="en-US" altLang="zh-CN" i="1">
+                          <a:latin typeface="Cambria Math" panose="02040503050406030204" pitchFamily="18" charset="0"/>
+                        </a:rPr>
                         <m:t>𝑦</m:t>
                       </m:r>
                       <m:r>
-                        <a:rPr lang="en-US" altLang="zh-CN" i="1"/>
+                        <a:rPr lang="en-US" altLang="zh-CN" i="1">
+                          <a:latin typeface="Cambria Math" panose="02040503050406030204" pitchFamily="18" charset="0"/>
+                        </a:rPr>
                         <m:t>=</m:t>
                       </m:r>
                       <m:f>
                         <m:fPr>
                           <m:ctrlPr>
-                            <a:rPr lang="zh-CN" altLang="zh-CN" i="1"/>
+                            <a:rPr lang="zh-CN" altLang="zh-CN" i="1">
+                              <a:latin typeface="Cambria Math" panose="02040503050406030204" pitchFamily="18" charset="0"/>
+                            </a:rPr>
                           </m:ctrlPr>
                         </m:fPr>
                         <m:num>
                           <m:sSub>
                             <m:sSubPr>
                               <m:ctrlPr>
-                                <a:rPr lang="zh-CN" altLang="zh-CN" i="1"/>
+                                <a:rPr lang="zh-CN" altLang="zh-CN" i="1">
+                                  <a:latin typeface="Cambria Math" panose="02040503050406030204" pitchFamily="18" charset="0"/>
+                                </a:rPr>
                               </m:ctrlPr>
                             </m:sSubPr>
                             <m:e>
                               <m:r>
-                                <a:rPr lang="en-US" altLang="zh-CN" i="1"/>
+                                <a:rPr lang="en-US" altLang="zh-CN" i="1">
+                                  <a:latin typeface="Cambria Math" panose="02040503050406030204" pitchFamily="18" charset="0"/>
+                                </a:rPr>
                                 <m:t>𝛽</m:t>
                               </m:r>
                             </m:e>
                             <m:sub>
                               <m:r>
-                                <a:rPr lang="en-US" altLang="zh-CN" i="1"/>
+                                <a:rPr lang="en-US" altLang="zh-CN" i="1">
+                                  <a:latin typeface="Cambria Math" panose="02040503050406030204" pitchFamily="18" charset="0"/>
+                                </a:rPr>
                                 <m:t>0</m:t>
                               </m:r>
                             </m:sub>
                           </m:sSub>
                           <m:r>
-                            <a:rPr lang="en-US" altLang="zh-CN" i="1"/>
+                            <a:rPr lang="en-US" altLang="zh-CN" i="1">
+                              <a:latin typeface="Cambria Math" panose="02040503050406030204" pitchFamily="18" charset="0"/>
+                            </a:rPr>
                             <m:t>𝑥</m:t>
                           </m:r>
                         </m:num>
@@ -5206,51 +5362,69 @@
                           <m:sSub>
                             <m:sSubPr>
                               <m:ctrlPr>
-                                <a:rPr lang="zh-CN" altLang="zh-CN" i="1"/>
+                                <a:rPr lang="zh-CN" altLang="zh-CN" i="1">
+                                  <a:latin typeface="Cambria Math" panose="02040503050406030204" pitchFamily="18" charset="0"/>
+                                </a:rPr>
                               </m:ctrlPr>
                             </m:sSubPr>
                             <m:e>
                               <m:r>
-                                <a:rPr lang="en-US" altLang="zh-CN" i="1"/>
+                                <a:rPr lang="en-US" altLang="zh-CN" i="1">
+                                  <a:latin typeface="Cambria Math" panose="02040503050406030204" pitchFamily="18" charset="0"/>
+                                </a:rPr>
                                 <m:t>𝛽</m:t>
                               </m:r>
                             </m:e>
                             <m:sub>
                               <m:r>
-                                <a:rPr lang="en-US" altLang="zh-CN" i="1"/>
+                                <a:rPr lang="en-US" altLang="zh-CN" i="1">
+                                  <a:latin typeface="Cambria Math" panose="02040503050406030204" pitchFamily="18" charset="0"/>
+                                </a:rPr>
                                 <m:t>1</m:t>
                               </m:r>
                             </m:sub>
                           </m:sSub>
                           <m:r>
-                            <a:rPr lang="en-US" altLang="zh-CN" i="1"/>
+                            <a:rPr lang="en-US" altLang="zh-CN" i="1">
+                              <a:latin typeface="Cambria Math" panose="02040503050406030204" pitchFamily="18" charset="0"/>
+                            </a:rPr>
                             <m:t>+</m:t>
                           </m:r>
                           <m:r>
-                            <a:rPr lang="en-US" altLang="zh-CN" i="1"/>
+                            <a:rPr lang="en-US" altLang="zh-CN" i="1">
+                              <a:latin typeface="Cambria Math" panose="02040503050406030204" pitchFamily="18" charset="0"/>
+                            </a:rPr>
                             <m:t>𝑥</m:t>
                           </m:r>
                         </m:den>
                       </m:f>
                       <m:r>
-                        <a:rPr lang="en-US" altLang="zh-CN" i="1"/>
+                        <a:rPr lang="en-US" altLang="zh-CN" i="1">
+                          <a:latin typeface="Cambria Math" panose="02040503050406030204" pitchFamily="18" charset="0"/>
+                        </a:rPr>
                         <m:t>+</m:t>
                       </m:r>
                       <m:sSub>
                         <m:sSubPr>
                           <m:ctrlPr>
-                            <a:rPr lang="zh-CN" altLang="zh-CN" i="1"/>
+                            <a:rPr lang="zh-CN" altLang="zh-CN" i="1">
+                              <a:latin typeface="Cambria Math" panose="02040503050406030204" pitchFamily="18" charset="0"/>
+                            </a:rPr>
                           </m:ctrlPr>
                         </m:sSubPr>
                         <m:e>
                           <m:r>
-                            <a:rPr lang="en-US" altLang="zh-CN" i="1"/>
+                            <a:rPr lang="en-US" altLang="zh-CN" i="1">
+                              <a:latin typeface="Cambria Math" panose="02040503050406030204" pitchFamily="18" charset="0"/>
+                            </a:rPr>
                             <m:t>𝛽</m:t>
                           </m:r>
                         </m:e>
                         <m:sub>
                           <m:r>
-                            <a:rPr lang="en-US" altLang="zh-CN" i="1"/>
+                            <a:rPr lang="en-US" altLang="zh-CN" i="1">
+                              <a:latin typeface="Cambria Math" panose="02040503050406030204" pitchFamily="18" charset="0"/>
+                            </a:rPr>
                             <m:t>3</m:t>
                           </m:r>
                         </m:sub>
@@ -5272,7 +5446,7 @@
             </p:txBody>
           </p:sp>
         </mc:Choice>
-        <mc:Fallback>
+        <mc:Fallback xmlns="">
           <p:sp>
             <p:nvSpPr>
               <p:cNvPr id="3" name="内容占位符 2">
@@ -5370,8 +5544,8 @@
           </a:p>
         </p:txBody>
       </p:sp>
-      <mc:AlternateContent xmlns:mc="http://schemas.openxmlformats.org/markup-compatibility/2006">
-        <mc:Choice xmlns:a14="http://schemas.microsoft.com/office/drawing/2010/main" Requires="a14">
+      <mc:AlternateContent xmlns:mc="http://schemas.openxmlformats.org/markup-compatibility/2006" xmlns:a14="http://schemas.microsoft.com/office/drawing/2010/main">
+        <mc:Choice Requires="a14">
           <p:sp>
             <p:nvSpPr>
               <p:cNvPr id="3" name="内容占位符 2">
@@ -5442,27 +5616,39 @@
                     </m:oMathParaPr>
                     <m:oMath xmlns:m="http://schemas.openxmlformats.org/officeDocument/2006/math">
                       <m:r>
-                        <a:rPr lang="en-US" altLang="zh-CN" i="1"/>
+                        <a:rPr lang="en-US" altLang="zh-CN" i="1">
+                          <a:latin typeface="Cambria Math" panose="02040503050406030204" pitchFamily="18" charset="0"/>
+                        </a:rPr>
                         <m:t>𝑦</m:t>
                       </m:r>
                       <m:r>
-                        <a:rPr lang="en-US" altLang="zh-CN" i="1"/>
+                        <a:rPr lang="en-US" altLang="zh-CN" i="1">
+                          <a:latin typeface="Cambria Math" panose="02040503050406030204" pitchFamily="18" charset="0"/>
+                        </a:rPr>
                         <m:t>=−129.7</m:t>
                       </m:r>
                       <m:r>
-                        <a:rPr lang="en-US" altLang="zh-CN" i="1"/>
+                        <a:rPr lang="en-US" altLang="zh-CN" i="1">
+                          <a:latin typeface="Cambria Math" panose="02040503050406030204" pitchFamily="18" charset="0"/>
+                        </a:rPr>
                         <m:t>𝑥</m:t>
                       </m:r>
                       <m:r>
-                        <a:rPr lang="en-US" altLang="zh-CN" i="1"/>
+                        <a:rPr lang="en-US" altLang="zh-CN" i="1">
+                          <a:latin typeface="Cambria Math" panose="02040503050406030204" pitchFamily="18" charset="0"/>
+                        </a:rPr>
                         <m:t>+1.549</m:t>
                       </m:r>
                       <m:r>
-                        <a:rPr lang="en-US" altLang="zh-CN" i="1"/>
+                        <a:rPr lang="en-US" altLang="zh-CN" i="1">
+                          <a:latin typeface="Cambria Math" panose="02040503050406030204" pitchFamily="18" charset="0"/>
+                        </a:rPr>
                         <m:t>𝑒</m:t>
                       </m:r>
                       <m:r>
-                        <a:rPr lang="en-US" altLang="zh-CN" i="1"/>
+                        <a:rPr lang="en-US" altLang="zh-CN" i="1">
+                          <a:latin typeface="Cambria Math" panose="02040503050406030204" pitchFamily="18" charset="0"/>
+                        </a:rPr>
                         <m:t>+04</m:t>
                       </m:r>
                     </m:oMath>
@@ -5479,7 +5665,7 @@
             </p:txBody>
           </p:sp>
         </mc:Choice>
-        <mc:Fallback>
+        <mc:Fallback xmlns="">
           <p:sp>
             <p:nvSpPr>
               <p:cNvPr id="3" name="内容占位符 2">
@@ -5577,8 +5763,8 @@
           </a:p>
         </p:txBody>
       </p:sp>
-      <mc:AlternateContent xmlns:mc="http://schemas.openxmlformats.org/markup-compatibility/2006">
-        <mc:Choice xmlns:a14="http://schemas.microsoft.com/office/drawing/2010/main" Requires="a14">
+      <mc:AlternateContent xmlns:mc="http://schemas.openxmlformats.org/markup-compatibility/2006" xmlns:a14="http://schemas.microsoft.com/office/drawing/2010/main">
+        <mc:Choice Requires="a14">
           <p:sp>
             <p:nvSpPr>
               <p:cNvPr id="3" name="内容占位符 2">
@@ -5710,28 +5896,38 @@
                     </m:oMathParaPr>
                     <m:oMath xmlns:m="http://schemas.openxmlformats.org/officeDocument/2006/math">
                       <m:r>
-                        <a:rPr lang="en-US" altLang="zh-CN" i="1"/>
+                        <a:rPr lang="en-US" altLang="zh-CN" i="1">
+                          <a:latin typeface="Cambria Math" panose="02040503050406030204" pitchFamily="18" charset="0"/>
+                        </a:rPr>
                         <m:t>𝑄</m:t>
                       </m:r>
                       <m:r>
-                        <a:rPr lang="en-US" altLang="zh-CN" i="1"/>
+                        <a:rPr lang="en-US" altLang="zh-CN" i="1">
+                          <a:latin typeface="Cambria Math" panose="02040503050406030204" pitchFamily="18" charset="0"/>
+                        </a:rPr>
                         <m:t>=</m:t>
                       </m:r>
                       <m:sSub>
                         <m:sSubPr>
                           <m:ctrlPr>
-                            <a:rPr lang="zh-CN" altLang="zh-CN" i="1"/>
+                            <a:rPr lang="zh-CN" altLang="zh-CN" i="1">
+                              <a:latin typeface="Cambria Math" panose="02040503050406030204" pitchFamily="18" charset="0"/>
+                            </a:rPr>
                           </m:ctrlPr>
                         </m:sSubPr>
                         <m:e>
                           <m:r>
-                            <a:rPr lang="en-US" altLang="zh-CN" i="1"/>
+                            <a:rPr lang="en-US" altLang="zh-CN" i="1">
+                              <a:latin typeface="Cambria Math" panose="02040503050406030204" pitchFamily="18" charset="0"/>
+                            </a:rPr>
                             <m:t>𝑊</m:t>
                           </m:r>
                         </m:e>
                         <m:sub>
                           <m:r>
-                            <a:rPr lang="en-US" altLang="zh-CN" i="1"/>
+                            <a:rPr lang="en-US" altLang="zh-CN" i="1">
+                              <a:latin typeface="Cambria Math" panose="02040503050406030204" pitchFamily="18" charset="0"/>
+                            </a:rPr>
                             <m:t>1</m:t>
                           </m:r>
                         </m:sub>
@@ -5739,41 +5935,55 @@
                       <m:sSub>
                         <m:sSubPr>
                           <m:ctrlPr>
-                            <a:rPr lang="zh-CN" altLang="zh-CN" i="1"/>
+                            <a:rPr lang="zh-CN" altLang="zh-CN" i="1">
+                              <a:latin typeface="Cambria Math" panose="02040503050406030204" pitchFamily="18" charset="0"/>
+                            </a:rPr>
                           </m:ctrlPr>
                         </m:sSubPr>
                         <m:e>
                           <m:r>
-                            <a:rPr lang="en-US" altLang="zh-CN" i="1"/>
+                            <a:rPr lang="en-US" altLang="zh-CN" i="1">
+                              <a:latin typeface="Cambria Math" panose="02040503050406030204" pitchFamily="18" charset="0"/>
+                            </a:rPr>
                             <m:t>𝛾</m:t>
                           </m:r>
                         </m:e>
                         <m:sub>
                           <m:r>
-                            <a:rPr lang="en-US" altLang="zh-CN" i="1"/>
+                            <a:rPr lang="en-US" altLang="zh-CN" i="1">
+                              <a:latin typeface="Cambria Math" panose="02040503050406030204" pitchFamily="18" charset="0"/>
+                            </a:rPr>
                             <m:t>1</m:t>
                           </m:r>
                         </m:sub>
                       </m:sSub>
                       <m:r>
-                        <a:rPr lang="en-US" altLang="zh-CN" i="1"/>
+                        <a:rPr lang="en-US" altLang="zh-CN" i="1">
+                          <a:latin typeface="Cambria Math" panose="02040503050406030204" pitchFamily="18" charset="0"/>
+                        </a:rPr>
                         <m:t>+</m:t>
                       </m:r>
                       <m:sSub>
                         <m:sSubPr>
                           <m:ctrlPr>
-                            <a:rPr lang="zh-CN" altLang="zh-CN" i="1"/>
+                            <a:rPr lang="zh-CN" altLang="zh-CN" i="1">
+                              <a:latin typeface="Cambria Math" panose="02040503050406030204" pitchFamily="18" charset="0"/>
+                            </a:rPr>
                           </m:ctrlPr>
                         </m:sSubPr>
                         <m:e>
                           <m:r>
-                            <a:rPr lang="en-US" altLang="zh-CN" i="1"/>
+                            <a:rPr lang="en-US" altLang="zh-CN" i="1">
+                              <a:latin typeface="Cambria Math" panose="02040503050406030204" pitchFamily="18" charset="0"/>
+                            </a:rPr>
                             <m:t>𝑊</m:t>
                           </m:r>
                         </m:e>
                         <m:sub>
                           <m:r>
-                            <a:rPr lang="en-US" altLang="zh-CN" i="1"/>
+                            <a:rPr lang="en-US" altLang="zh-CN" i="1">
+                              <a:latin typeface="Cambria Math" panose="02040503050406030204" pitchFamily="18" charset="0"/>
+                            </a:rPr>
                             <m:t>2</m:t>
                           </m:r>
                         </m:sub>
@@ -5781,41 +5991,55 @@
                       <m:sSub>
                         <m:sSubPr>
                           <m:ctrlPr>
-                            <a:rPr lang="zh-CN" altLang="zh-CN" i="1"/>
+                            <a:rPr lang="zh-CN" altLang="zh-CN" i="1">
+                              <a:latin typeface="Cambria Math" panose="02040503050406030204" pitchFamily="18" charset="0"/>
+                            </a:rPr>
                           </m:ctrlPr>
                         </m:sSubPr>
                         <m:e>
                           <m:r>
-                            <a:rPr lang="en-US" altLang="zh-CN" i="1"/>
+                            <a:rPr lang="en-US" altLang="zh-CN" i="1">
+                              <a:latin typeface="Cambria Math" panose="02040503050406030204" pitchFamily="18" charset="0"/>
+                            </a:rPr>
                             <m:t>𝛾</m:t>
                           </m:r>
                         </m:e>
                         <m:sub>
                           <m:r>
-                            <a:rPr lang="en-US" altLang="zh-CN" i="1"/>
+                            <a:rPr lang="en-US" altLang="zh-CN" i="1">
+                              <a:latin typeface="Cambria Math" panose="02040503050406030204" pitchFamily="18" charset="0"/>
+                            </a:rPr>
                             <m:t>2</m:t>
                           </m:r>
                         </m:sub>
                       </m:sSub>
                       <m:r>
-                        <a:rPr lang="en-US" altLang="zh-CN" i="1"/>
+                        <a:rPr lang="en-US" altLang="zh-CN" i="1">
+                          <a:latin typeface="Cambria Math" panose="02040503050406030204" pitchFamily="18" charset="0"/>
+                        </a:rPr>
                         <m:t>+</m:t>
                       </m:r>
                       <m:sSub>
                         <m:sSubPr>
                           <m:ctrlPr>
-                            <a:rPr lang="zh-CN" altLang="zh-CN" i="1"/>
+                            <a:rPr lang="zh-CN" altLang="zh-CN" i="1">
+                              <a:latin typeface="Cambria Math" panose="02040503050406030204" pitchFamily="18" charset="0"/>
+                            </a:rPr>
                           </m:ctrlPr>
                         </m:sSubPr>
                         <m:e>
                           <m:r>
-                            <a:rPr lang="en-US" altLang="zh-CN" i="1"/>
+                            <a:rPr lang="en-US" altLang="zh-CN" i="1">
+                              <a:latin typeface="Cambria Math" panose="02040503050406030204" pitchFamily="18" charset="0"/>
+                            </a:rPr>
                             <m:t>𝑊</m:t>
                           </m:r>
                         </m:e>
                         <m:sub>
                           <m:r>
-                            <a:rPr lang="en-US" altLang="zh-CN" i="1"/>
+                            <a:rPr lang="en-US" altLang="zh-CN" i="1">
+                              <a:latin typeface="Cambria Math" panose="02040503050406030204" pitchFamily="18" charset="0"/>
+                            </a:rPr>
                             <m:t>3</m:t>
                           </m:r>
                         </m:sub>
@@ -5823,41 +6047,55 @@
                       <m:sSub>
                         <m:sSubPr>
                           <m:ctrlPr>
-                            <a:rPr lang="zh-CN" altLang="zh-CN" i="1"/>
+                            <a:rPr lang="zh-CN" altLang="zh-CN" i="1">
+                              <a:latin typeface="Cambria Math" panose="02040503050406030204" pitchFamily="18" charset="0"/>
+                            </a:rPr>
                           </m:ctrlPr>
                         </m:sSubPr>
                         <m:e>
                           <m:r>
-                            <a:rPr lang="en-US" altLang="zh-CN" i="1"/>
+                            <a:rPr lang="en-US" altLang="zh-CN" i="1">
+                              <a:latin typeface="Cambria Math" panose="02040503050406030204" pitchFamily="18" charset="0"/>
+                            </a:rPr>
                             <m:t>𝛾</m:t>
                           </m:r>
                         </m:e>
                         <m:sub>
                           <m:r>
-                            <a:rPr lang="en-US" altLang="zh-CN" i="1"/>
+                            <a:rPr lang="en-US" altLang="zh-CN" i="1">
+                              <a:latin typeface="Cambria Math" panose="02040503050406030204" pitchFamily="18" charset="0"/>
+                            </a:rPr>
                             <m:t>3</m:t>
                           </m:r>
                         </m:sub>
                       </m:sSub>
                       <m:r>
-                        <a:rPr lang="en-US" altLang="zh-CN" i="1"/>
+                        <a:rPr lang="en-US" altLang="zh-CN" i="1">
+                          <a:latin typeface="Cambria Math" panose="02040503050406030204" pitchFamily="18" charset="0"/>
+                        </a:rPr>
                         <m:t>+</m:t>
                       </m:r>
                       <m:sSub>
                         <m:sSubPr>
                           <m:ctrlPr>
-                            <a:rPr lang="zh-CN" altLang="zh-CN" i="1"/>
+                            <a:rPr lang="zh-CN" altLang="zh-CN" i="1">
+                              <a:latin typeface="Cambria Math" panose="02040503050406030204" pitchFamily="18" charset="0"/>
+                            </a:rPr>
                           </m:ctrlPr>
                         </m:sSubPr>
                         <m:e>
                           <m:r>
-                            <a:rPr lang="en-US" altLang="zh-CN" i="1"/>
+                            <a:rPr lang="en-US" altLang="zh-CN" i="1">
+                              <a:latin typeface="Cambria Math" panose="02040503050406030204" pitchFamily="18" charset="0"/>
+                            </a:rPr>
                             <m:t>𝑊</m:t>
                           </m:r>
                         </m:e>
                         <m:sub>
                           <m:r>
-                            <a:rPr lang="en-US" altLang="zh-CN" i="1"/>
+                            <a:rPr lang="en-US" altLang="zh-CN" i="1">
+                              <a:latin typeface="Cambria Math" panose="02040503050406030204" pitchFamily="18" charset="0"/>
+                            </a:rPr>
                             <m:t>4</m:t>
                           </m:r>
                         </m:sub>
@@ -5865,18 +6103,24 @@
                       <m:sSub>
                         <m:sSubPr>
                           <m:ctrlPr>
-                            <a:rPr lang="zh-CN" altLang="zh-CN" i="1"/>
+                            <a:rPr lang="zh-CN" altLang="zh-CN" i="1">
+                              <a:latin typeface="Cambria Math" panose="02040503050406030204" pitchFamily="18" charset="0"/>
+                            </a:rPr>
                           </m:ctrlPr>
                         </m:sSubPr>
                         <m:e>
                           <m:r>
-                            <a:rPr lang="en-US" altLang="zh-CN" i="1"/>
+                            <a:rPr lang="en-US" altLang="zh-CN" i="1">
+                              <a:latin typeface="Cambria Math" panose="02040503050406030204" pitchFamily="18" charset="0"/>
+                            </a:rPr>
                             <m:t>𝛾</m:t>
                           </m:r>
                         </m:e>
                         <m:sub>
                           <m:r>
-                            <a:rPr lang="en-US" altLang="zh-CN" i="1"/>
+                            <a:rPr lang="en-US" altLang="zh-CN" i="1">
+                              <a:latin typeface="Cambria Math" panose="02040503050406030204" pitchFamily="18" charset="0"/>
+                            </a:rPr>
                             <m:t>4</m:t>
                           </m:r>
                         </m:sub>
@@ -5903,7 +6147,9 @@
                 <a14:m>
                   <m:oMath xmlns:m="http://schemas.openxmlformats.org/officeDocument/2006/math">
                     <m:r>
-                      <a:rPr lang="en-US" altLang="zh-CN" i="1"/>
+                      <a:rPr lang="en-US" altLang="zh-CN" i="1">
+                        <a:latin typeface="Cambria Math" panose="02040503050406030204" pitchFamily="18" charset="0"/>
+                      </a:rPr>
                       <m:t>𝑄</m:t>
                     </m:r>
                   </m:oMath>
@@ -5917,32 +6163,44 @@
                     <m:sSub>
                       <m:sSubPr>
                         <m:ctrlPr>
-                          <a:rPr lang="zh-CN" altLang="zh-CN" i="1"/>
+                          <a:rPr lang="zh-CN" altLang="zh-CN" i="1">
+                            <a:latin typeface="Cambria Math" panose="02040503050406030204" pitchFamily="18" charset="0"/>
+                          </a:rPr>
                         </m:ctrlPr>
                       </m:sSubPr>
                       <m:e>
                         <m:r>
-                          <a:rPr lang="en-US" altLang="zh-CN" i="1"/>
+                          <a:rPr lang="en-US" altLang="zh-CN" i="1">
+                            <a:latin typeface="Cambria Math" panose="02040503050406030204" pitchFamily="18" charset="0"/>
+                          </a:rPr>
                           <m:t>𝑊</m:t>
                         </m:r>
                       </m:e>
                       <m:sub>
                         <m:r>
-                          <a:rPr lang="en-US" altLang="zh-CN" i="1"/>
+                          <a:rPr lang="en-US" altLang="zh-CN" i="1">
+                            <a:latin typeface="Cambria Math" panose="02040503050406030204" pitchFamily="18" charset="0"/>
+                          </a:rPr>
                           <m:t>𝑖</m:t>
                         </m:r>
                       </m:sub>
                     </m:sSub>
                     <m:r>
-                      <a:rPr lang="en-US" altLang="zh-CN" i="1"/>
+                      <a:rPr lang="en-US" altLang="zh-CN" i="1">
+                        <a:latin typeface="Cambria Math" panose="02040503050406030204" pitchFamily="18" charset="0"/>
+                      </a:rPr>
                       <m:t>(</m:t>
                     </m:r>
                     <m:r>
-                      <a:rPr lang="en-US" altLang="zh-CN" i="1"/>
+                      <a:rPr lang="en-US" altLang="zh-CN" i="1">
+                        <a:latin typeface="Cambria Math" panose="02040503050406030204" pitchFamily="18" charset="0"/>
+                      </a:rPr>
                       <m:t>𝑖</m:t>
                     </m:r>
                     <m:r>
-                      <a:rPr lang="en-US" altLang="zh-CN" i="1"/>
+                      <a:rPr lang="en-US" altLang="zh-CN" i="1">
+                        <a:latin typeface="Cambria Math" panose="02040503050406030204" pitchFamily="18" charset="0"/>
+                      </a:rPr>
                       <m:t>=1,2,3,4)</m:t>
                     </m:r>
                   </m:oMath>
@@ -5960,32 +6218,44 @@
                     <m:sSub>
                       <m:sSubPr>
                         <m:ctrlPr>
-                          <a:rPr lang="zh-CN" altLang="zh-CN" i="1"/>
+                          <a:rPr lang="zh-CN" altLang="zh-CN" i="1">
+                            <a:latin typeface="Cambria Math" panose="02040503050406030204" pitchFamily="18" charset="0"/>
+                          </a:rPr>
                         </m:ctrlPr>
                       </m:sSubPr>
                       <m:e>
                         <m:r>
-                          <a:rPr lang="en-US" altLang="zh-CN" i="1"/>
+                          <a:rPr lang="en-US" altLang="zh-CN" i="1">
+                            <a:latin typeface="Cambria Math" panose="02040503050406030204" pitchFamily="18" charset="0"/>
+                          </a:rPr>
                           <m:t>𝛾</m:t>
                         </m:r>
                       </m:e>
                       <m:sub>
                         <m:r>
-                          <a:rPr lang="en-US" altLang="zh-CN" i="1"/>
+                          <a:rPr lang="en-US" altLang="zh-CN" i="1">
+                            <a:latin typeface="Cambria Math" panose="02040503050406030204" pitchFamily="18" charset="0"/>
+                          </a:rPr>
                           <m:t>𝑖</m:t>
                         </m:r>
                       </m:sub>
                     </m:sSub>
                     <m:r>
-                      <a:rPr lang="en-US" altLang="zh-CN" i="1"/>
+                      <a:rPr lang="en-US" altLang="zh-CN" i="1">
+                        <a:latin typeface="Cambria Math" panose="02040503050406030204" pitchFamily="18" charset="0"/>
+                      </a:rPr>
                       <m:t>(</m:t>
                     </m:r>
                     <m:r>
-                      <a:rPr lang="en-US" altLang="zh-CN" i="1"/>
+                      <a:rPr lang="en-US" altLang="zh-CN" i="1">
+                        <a:latin typeface="Cambria Math" panose="02040503050406030204" pitchFamily="18" charset="0"/>
+                      </a:rPr>
                       <m:t>𝑖</m:t>
                     </m:r>
                     <m:r>
-                      <a:rPr lang="en-US" altLang="zh-CN" i="1"/>
+                      <a:rPr lang="en-US" altLang="zh-CN" i="1">
+                        <a:latin typeface="Cambria Math" panose="02040503050406030204" pitchFamily="18" charset="0"/>
+                      </a:rPr>
                       <m:t>=1,2,3,4)</m:t>
                     </m:r>
                   </m:oMath>
@@ -6016,7 +6286,7 @@
             </p:txBody>
           </p:sp>
         </mc:Choice>
-        <mc:Fallback>
+        <mc:Fallback xmlns="">
           <p:sp>
             <p:nvSpPr>
               <p:cNvPr id="3" name="内容占位符 2">
@@ -6114,8 +6384,8 @@
           </a:p>
         </p:txBody>
       </p:sp>
-      <mc:AlternateContent xmlns:mc="http://schemas.openxmlformats.org/markup-compatibility/2006">
-        <mc:Choice xmlns:a14="http://schemas.microsoft.com/office/drawing/2010/main" Requires="a14">
+      <mc:AlternateContent xmlns:mc="http://schemas.openxmlformats.org/markup-compatibility/2006" xmlns:a14="http://schemas.microsoft.com/office/drawing/2010/main">
+        <mc:Choice Requires="a14">
           <p:sp>
             <p:nvSpPr>
               <p:cNvPr id="3" name="内容占位符 2">
@@ -6193,65 +6463,87 @@
                       <m:sSub>
                         <m:sSubPr>
                           <m:ctrlPr>
-                            <a:rPr lang="zh-CN" altLang="zh-CN" i="1"/>
+                            <a:rPr lang="zh-CN" altLang="zh-CN" i="1">
+                              <a:latin typeface="Cambria Math" panose="02040503050406030204" pitchFamily="18" charset="0"/>
+                            </a:rPr>
                           </m:ctrlPr>
                         </m:sSubPr>
                         <m:e>
                           <m:r>
-                            <a:rPr lang="en-US" altLang="zh-CN" i="1"/>
+                            <a:rPr lang="en-US" altLang="zh-CN" i="1">
+                              <a:latin typeface="Cambria Math" panose="02040503050406030204" pitchFamily="18" charset="0"/>
+                            </a:rPr>
                             <m:t>𝛾</m:t>
                           </m:r>
                         </m:e>
                         <m:sub>
                           <m:r>
-                            <a:rPr lang="en-US" altLang="zh-CN" i="1"/>
+                            <a:rPr lang="en-US" altLang="zh-CN" i="1">
+                              <a:latin typeface="Cambria Math" panose="02040503050406030204" pitchFamily="18" charset="0"/>
+                            </a:rPr>
                             <m:t>1</m:t>
                           </m:r>
                         </m:sub>
                       </m:sSub>
                       <m:r>
-                        <a:rPr lang="en-US" altLang="zh-CN" i="1"/>
+                        <a:rPr lang="en-US" altLang="zh-CN" i="1">
+                          <a:latin typeface="Cambria Math" panose="02040503050406030204" pitchFamily="18" charset="0"/>
+                        </a:rPr>
                         <m:t>=</m:t>
                       </m:r>
                       <m:f>
                         <m:fPr>
                           <m:ctrlPr>
-                            <a:rPr lang="zh-CN" altLang="zh-CN" i="1"/>
+                            <a:rPr lang="zh-CN" altLang="zh-CN" i="1">
+                              <a:latin typeface="Cambria Math" panose="02040503050406030204" pitchFamily="18" charset="0"/>
+                            </a:rPr>
                           </m:ctrlPr>
                         </m:fPr>
                         <m:num>
                           <m:sSub>
                             <m:sSubPr>
                               <m:ctrlPr>
-                                <a:rPr lang="zh-CN" altLang="zh-CN" i="1"/>
+                                <a:rPr lang="zh-CN" altLang="zh-CN" i="1">
+                                  <a:latin typeface="Cambria Math" panose="02040503050406030204" pitchFamily="18" charset="0"/>
+                                </a:rPr>
                               </m:ctrlPr>
                             </m:sSubPr>
                             <m:e>
                               <m:r>
-                                <a:rPr lang="en-US" altLang="zh-CN" i="1"/>
+                                <a:rPr lang="en-US" altLang="zh-CN" i="1">
+                                  <a:latin typeface="Cambria Math" panose="02040503050406030204" pitchFamily="18" charset="0"/>
+                                </a:rPr>
                                 <m:t>𝑛</m:t>
                               </m:r>
                             </m:e>
                             <m:sub>
                               <m:r>
-                                <a:rPr lang="en-US" altLang="zh-CN" i="1"/>
+                                <a:rPr lang="en-US" altLang="zh-CN" i="1">
+                                  <a:latin typeface="Cambria Math" panose="02040503050406030204" pitchFamily="18" charset="0"/>
+                                </a:rPr>
                                 <m:t>𝑖</m:t>
                               </m:r>
                             </m:sub>
                           </m:sSub>
                           <m:r>
-                            <a:rPr lang="en-US" altLang="zh-CN" i="1"/>
+                            <a:rPr lang="en-US" altLang="zh-CN" i="1">
+                              <a:latin typeface="Cambria Math" panose="02040503050406030204" pitchFamily="18" charset="0"/>
+                            </a:rPr>
                             <m:t>−</m:t>
                           </m:r>
                           <m:r>
                             <m:rPr>
                               <m:sty m:val="p"/>
                             </m:rPr>
-                            <a:rPr lang="en-US" altLang="zh-CN"/>
+                            <a:rPr lang="en-US" altLang="zh-CN">
+                              <a:latin typeface="Cambria Math" panose="02040503050406030204" pitchFamily="18" charset="0"/>
+                            </a:rPr>
                             <m:t>min</m:t>
                           </m:r>
                           <m:r>
-                            <a:rPr lang="en-US" altLang="zh-CN" i="1"/>
+                            <a:rPr lang="en-US" altLang="zh-CN" i="1">
+                              <a:latin typeface="Cambria Math" panose="02040503050406030204" pitchFamily="18" charset="0"/>
+                            </a:rPr>
                             <m:t>𝑛</m:t>
                           </m:r>
                         </m:num>
@@ -6260,26 +6552,36 @@
                             <m:rPr>
                               <m:sty m:val="p"/>
                             </m:rPr>
-                            <a:rPr lang="en-US" altLang="zh-CN"/>
+                            <a:rPr lang="en-US" altLang="zh-CN">
+                              <a:latin typeface="Cambria Math" panose="02040503050406030204" pitchFamily="18" charset="0"/>
+                            </a:rPr>
                             <m:t>max</m:t>
                           </m:r>
                           <m:r>
-                            <a:rPr lang="en-US" altLang="zh-CN" i="1"/>
+                            <a:rPr lang="en-US" altLang="zh-CN" i="1">
+                              <a:latin typeface="Cambria Math" panose="02040503050406030204" pitchFamily="18" charset="0"/>
+                            </a:rPr>
                             <m:t>𝑛</m:t>
                           </m:r>
                           <m:r>
-                            <a:rPr lang="en-US" altLang="zh-CN" i="1"/>
+                            <a:rPr lang="en-US" altLang="zh-CN" i="1">
+                              <a:latin typeface="Cambria Math" panose="02040503050406030204" pitchFamily="18" charset="0"/>
+                            </a:rPr>
                             <m:t>−</m:t>
                           </m:r>
                           <m:r>
                             <m:rPr>
                               <m:sty m:val="p"/>
                             </m:rPr>
-                            <a:rPr lang="en-US" altLang="zh-CN"/>
+                            <a:rPr lang="en-US" altLang="zh-CN">
+                              <a:latin typeface="Cambria Math" panose="02040503050406030204" pitchFamily="18" charset="0"/>
+                            </a:rPr>
                             <m:t>min</m:t>
                           </m:r>
                           <m:r>
-                            <a:rPr lang="en-US" altLang="zh-CN" i="1"/>
+                            <a:rPr lang="en-US" altLang="zh-CN" i="1">
+                              <a:latin typeface="Cambria Math" panose="02040503050406030204" pitchFamily="18" charset="0"/>
+                            </a:rPr>
                             <m:t>𝑛</m:t>
                           </m:r>
                         </m:den>
@@ -6301,7 +6603,7 @@
             </p:txBody>
           </p:sp>
         </mc:Choice>
-        <mc:Fallback>
+        <mc:Fallback xmlns="">
           <p:sp>
             <p:nvSpPr>
               <p:cNvPr id="3" name="内容占位符 2">
@@ -6545,8 +6847,8 @@
           </a:p>
         </p:txBody>
       </p:sp>
-      <mc:AlternateContent xmlns:mc="http://schemas.openxmlformats.org/markup-compatibility/2006">
-        <mc:Choice xmlns:a14="http://schemas.microsoft.com/office/drawing/2010/main" Requires="a14">
+      <mc:AlternateContent xmlns:mc="http://schemas.openxmlformats.org/markup-compatibility/2006" xmlns:a14="http://schemas.microsoft.com/office/drawing/2010/main">
+        <mc:Choice Requires="a14">
           <p:sp>
             <p:nvSpPr>
               <p:cNvPr id="3" name="内容占位符 2">
@@ -6625,36 +6927,50 @@
                       <m:sSub>
                         <m:sSubPr>
                           <m:ctrlPr>
-                            <a:rPr lang="zh-CN" altLang="zh-CN" i="1"/>
+                            <a:rPr lang="zh-CN" altLang="zh-CN" i="1">
+                              <a:latin typeface="Cambria Math" panose="02040503050406030204" pitchFamily="18" charset="0"/>
+                            </a:rPr>
                           </m:ctrlPr>
                         </m:sSubPr>
                         <m:e>
                           <m:r>
-                            <a:rPr lang="en-US" altLang="zh-CN" i="1"/>
+                            <a:rPr lang="en-US" altLang="zh-CN" i="1">
+                              <a:latin typeface="Cambria Math" panose="02040503050406030204" pitchFamily="18" charset="0"/>
+                            </a:rPr>
                             <m:t>𝛾</m:t>
                           </m:r>
                         </m:e>
                         <m:sub>
                           <m:r>
-                            <a:rPr lang="en-US" altLang="zh-CN" i="1"/>
+                            <a:rPr lang="en-US" altLang="zh-CN" i="1">
+                              <a:latin typeface="Cambria Math" panose="02040503050406030204" pitchFamily="18" charset="0"/>
+                            </a:rPr>
                             <m:t>2</m:t>
                           </m:r>
                         </m:sub>
                       </m:sSub>
                       <m:r>
-                        <a:rPr lang="en-US" altLang="zh-CN" i="1"/>
+                        <a:rPr lang="en-US" altLang="zh-CN" i="1">
+                          <a:latin typeface="Cambria Math" panose="02040503050406030204" pitchFamily="18" charset="0"/>
+                        </a:rPr>
                         <m:t>=1−</m:t>
                       </m:r>
                       <m:r>
-                        <a:rPr lang="en-US" altLang="zh-CN" i="1"/>
+                        <a:rPr lang="en-US" altLang="zh-CN" i="1">
+                          <a:latin typeface="Cambria Math" panose="02040503050406030204" pitchFamily="18" charset="0"/>
+                        </a:rPr>
                         <m:t>𝐶</m:t>
                       </m:r>
                       <m:r>
-                        <a:rPr lang="en-US" altLang="zh-CN" i="1"/>
+                        <a:rPr lang="en-US" altLang="zh-CN" i="1">
+                          <a:latin typeface="Cambria Math" panose="02040503050406030204" pitchFamily="18" charset="0"/>
+                        </a:rPr>
                         <m:t>.</m:t>
                       </m:r>
                       <m:r>
-                        <a:rPr lang="en-US" altLang="zh-CN" i="1"/>
+                        <a:rPr lang="en-US" altLang="zh-CN" i="1">
+                          <a:latin typeface="Cambria Math" panose="02040503050406030204" pitchFamily="18" charset="0"/>
+                        </a:rPr>
                         <m:t>𝑣</m:t>
                       </m:r>
                     </m:oMath>
@@ -6679,48 +6995,66 @@
                     </m:oMathParaPr>
                     <m:oMath xmlns:m="http://schemas.openxmlformats.org/officeDocument/2006/math">
                       <m:r>
-                        <a:rPr lang="en-US" altLang="zh-CN" i="1"/>
+                        <a:rPr lang="en-US" altLang="zh-CN" i="1">
+                          <a:latin typeface="Cambria Math" panose="02040503050406030204" pitchFamily="18" charset="0"/>
+                        </a:rPr>
                         <m:t>𝐶</m:t>
                       </m:r>
                       <m:r>
-                        <a:rPr lang="en-US" altLang="zh-CN" i="1"/>
+                        <a:rPr lang="en-US" altLang="zh-CN" i="1">
+                          <a:latin typeface="Cambria Math" panose="02040503050406030204" pitchFamily="18" charset="0"/>
+                        </a:rPr>
                         <m:t>.</m:t>
                       </m:r>
                       <m:r>
-                        <a:rPr lang="en-US" altLang="zh-CN" i="1"/>
+                        <a:rPr lang="en-US" altLang="zh-CN" i="1">
+                          <a:latin typeface="Cambria Math" panose="02040503050406030204" pitchFamily="18" charset="0"/>
+                        </a:rPr>
                         <m:t>𝑣</m:t>
                       </m:r>
                       <m:r>
-                        <a:rPr lang="en-US" altLang="zh-CN" i="1"/>
+                        <a:rPr lang="en-US" altLang="zh-CN" i="1">
+                          <a:latin typeface="Cambria Math" panose="02040503050406030204" pitchFamily="18" charset="0"/>
+                        </a:rPr>
                         <m:t>=</m:t>
                       </m:r>
                       <m:f>
                         <m:fPr>
                           <m:ctrlPr>
-                            <a:rPr lang="zh-CN" altLang="zh-CN" i="1"/>
+                            <a:rPr lang="zh-CN" altLang="zh-CN" i="1">
+                              <a:latin typeface="Cambria Math" panose="02040503050406030204" pitchFamily="18" charset="0"/>
+                            </a:rPr>
                           </m:ctrlPr>
                         </m:fPr>
                         <m:num>
                           <m:r>
-                            <a:rPr lang="en-US" altLang="zh-CN" i="1"/>
+                            <a:rPr lang="en-US" altLang="zh-CN" i="1">
+                              <a:latin typeface="Cambria Math" panose="02040503050406030204" pitchFamily="18" charset="0"/>
+                            </a:rPr>
                             <m:t>𝑆𝐷</m:t>
                           </m:r>
                         </m:num>
                         <m:den>
                           <m:r>
-                            <a:rPr lang="en-US" altLang="zh-CN" i="1"/>
+                            <a:rPr lang="en-US" altLang="zh-CN" i="1">
+                              <a:latin typeface="Cambria Math" panose="02040503050406030204" pitchFamily="18" charset="0"/>
+                            </a:rPr>
                             <m:t>𝑀𝑒</m:t>
                           </m:r>
                         </m:den>
                       </m:f>
                       <m:r>
-                        <a:rPr lang="en-US" altLang="zh-CN" i="1"/>
+                        <a:rPr lang="en-US" altLang="zh-CN" i="1">
+                          <a:latin typeface="Cambria Math" panose="02040503050406030204" pitchFamily="18" charset="0"/>
+                        </a:rPr>
                         <m:t>×100%=</m:t>
                       </m:r>
                       <m:f>
                         <m:fPr>
                           <m:ctrlPr>
-                            <a:rPr lang="zh-CN" altLang="zh-CN" i="1"/>
+                            <a:rPr lang="zh-CN" altLang="zh-CN" i="1">
+                              <a:latin typeface="Cambria Math" panose="02040503050406030204" pitchFamily="18" charset="0"/>
+                            </a:rPr>
                           </m:ctrlPr>
                         </m:fPr>
                         <m:num>
@@ -6728,7 +7062,9 @@
                             <m:radPr>
                               <m:degHide m:val="on"/>
                               <m:ctrlPr>
-                                <a:rPr lang="zh-CN" altLang="zh-CN" i="1"/>
+                                <a:rPr lang="zh-CN" altLang="zh-CN" i="1">
+                                  <a:latin typeface="Cambria Math" panose="02040503050406030204" pitchFamily="18" charset="0"/>
+                                </a:rPr>
                               </m:ctrlPr>
                             </m:radPr>
                             <m:deg/>
@@ -6736,22 +7072,30 @@
                               <m:f>
                                 <m:fPr>
                                   <m:ctrlPr>
-                                    <a:rPr lang="zh-CN" altLang="zh-CN" i="1"/>
+                                    <a:rPr lang="zh-CN" altLang="zh-CN" i="1">
+                                      <a:latin typeface="Cambria Math" panose="02040503050406030204" pitchFamily="18" charset="0"/>
+                                    </a:rPr>
                                   </m:ctrlPr>
                                 </m:fPr>
                                 <m:num>
                                   <m:r>
-                                    <a:rPr lang="en-US" altLang="zh-CN" i="1"/>
+                                    <a:rPr lang="en-US" altLang="zh-CN" i="1">
+                                      <a:latin typeface="Cambria Math" panose="02040503050406030204" pitchFamily="18" charset="0"/>
+                                    </a:rPr>
                                     <m:t>1</m:t>
                                   </m:r>
                                 </m:num>
                                 <m:den>
                                   <m:r>
-                                    <a:rPr lang="en-US" altLang="zh-CN" i="1"/>
+                                    <a:rPr lang="en-US" altLang="zh-CN" i="1">
+                                      <a:latin typeface="Cambria Math" panose="02040503050406030204" pitchFamily="18" charset="0"/>
+                                    </a:rPr>
                                     <m:t>𝑁</m:t>
                                   </m:r>
                                   <m:r>
-                                    <a:rPr lang="en-US" altLang="zh-CN" i="1"/>
+                                    <a:rPr lang="en-US" altLang="zh-CN" i="1">
+                                      <a:latin typeface="Cambria Math" panose="02040503050406030204" pitchFamily="18" charset="0"/>
+                                    </a:rPr>
                                     <m:t>−1</m:t>
                                   </m:r>
                                 </m:den>
@@ -6761,28 +7105,38 @@
                                   <m:chr m:val="∑"/>
                                   <m:limLoc m:val="undOvr"/>
                                   <m:ctrlPr>
-                                    <a:rPr lang="zh-CN" altLang="zh-CN" i="1"/>
+                                    <a:rPr lang="zh-CN" altLang="zh-CN" i="1">
+                                      <a:latin typeface="Cambria Math" panose="02040503050406030204" pitchFamily="18" charset="0"/>
+                                    </a:rPr>
                                   </m:ctrlPr>
                                 </m:naryPr>
                                 <m:sub>
                                   <m:r>
-                                    <a:rPr lang="en-US" altLang="zh-CN" i="1"/>
+                                    <a:rPr lang="en-US" altLang="zh-CN" i="1">
+                                      <a:latin typeface="Cambria Math" panose="02040503050406030204" pitchFamily="18" charset="0"/>
+                                    </a:rPr>
                                     <m:t>𝑖</m:t>
                                   </m:r>
                                   <m:r>
-                                    <a:rPr lang="en-US" altLang="zh-CN" i="1"/>
+                                    <a:rPr lang="en-US" altLang="zh-CN" i="1">
+                                      <a:latin typeface="Cambria Math" panose="02040503050406030204" pitchFamily="18" charset="0"/>
+                                    </a:rPr>
                                     <m:t>=1</m:t>
                                   </m:r>
                                 </m:sub>
                                 <m:sup>
                                   <m:r>
-                                    <a:rPr lang="en-US" altLang="zh-CN" i="1"/>
+                                    <a:rPr lang="en-US" altLang="zh-CN" i="1">
+                                      <a:latin typeface="Cambria Math" panose="02040503050406030204" pitchFamily="18" charset="0"/>
+                                    </a:rPr>
                                     <m:t>𝑁</m:t>
                                   </m:r>
                                 </m:sup>
                                 <m:e>
                                   <m:r>
-                                    <a:rPr lang="en-US" altLang="zh-CN" i="1"/>
+                                    <a:rPr lang="en-US" altLang="zh-CN" i="1">
+                                      <a:latin typeface="Cambria Math" panose="02040503050406030204" pitchFamily="18" charset="0"/>
+                                    </a:rPr>
                                     <m:t>(</m:t>
                                   </m:r>
                                 </m:e>
@@ -6790,36 +7144,48 @@
                               <m:sSub>
                                 <m:sSubPr>
                                   <m:ctrlPr>
-                                    <a:rPr lang="zh-CN" altLang="zh-CN" i="1"/>
+                                    <a:rPr lang="zh-CN" altLang="zh-CN" i="1">
+                                      <a:latin typeface="Cambria Math" panose="02040503050406030204" pitchFamily="18" charset="0"/>
+                                    </a:rPr>
                                   </m:ctrlPr>
                                 </m:sSubPr>
                                 <m:e>
                                   <m:r>
-                                    <a:rPr lang="en-US" altLang="zh-CN" i="1"/>
+                                    <a:rPr lang="en-US" altLang="zh-CN" i="1">
+                                      <a:latin typeface="Cambria Math" panose="02040503050406030204" pitchFamily="18" charset="0"/>
+                                    </a:rPr>
                                     <m:t>𝑋</m:t>
                                   </m:r>
                                 </m:e>
                                 <m:sub>
                                   <m:r>
-                                    <a:rPr lang="en-US" altLang="zh-CN" i="1"/>
+                                    <a:rPr lang="en-US" altLang="zh-CN" i="1">
+                                      <a:latin typeface="Cambria Math" panose="02040503050406030204" pitchFamily="18" charset="0"/>
+                                    </a:rPr>
                                     <m:t>𝑖</m:t>
                                   </m:r>
                                 </m:sub>
                               </m:sSub>
                               <m:r>
-                                <a:rPr lang="en-US" altLang="zh-CN" i="1"/>
+                                <a:rPr lang="en-US" altLang="zh-CN" i="1">
+                                  <a:latin typeface="Cambria Math" panose="02040503050406030204" pitchFamily="18" charset="0"/>
+                                </a:rPr>
                                 <m:t>−</m:t>
                               </m:r>
                               <m:bar>
                                 <m:barPr>
                                   <m:pos m:val="top"/>
                                   <m:ctrlPr>
-                                    <a:rPr lang="zh-CN" altLang="zh-CN" i="1"/>
+                                    <a:rPr lang="zh-CN" altLang="zh-CN" i="1">
+                                      <a:latin typeface="Cambria Math" panose="02040503050406030204" pitchFamily="18" charset="0"/>
+                                    </a:rPr>
                                   </m:ctrlPr>
                                 </m:barPr>
                                 <m:e>
                                   <m:r>
-                                    <a:rPr lang="en-US" altLang="zh-CN" i="1"/>
+                                    <a:rPr lang="en-US" altLang="zh-CN" i="1">
+                                      <a:latin typeface="Cambria Math" panose="02040503050406030204" pitchFamily="18" charset="0"/>
+                                    </a:rPr>
                                     <m:t>𝑋</m:t>
                                   </m:r>
                                 </m:e>
@@ -6827,18 +7193,24 @@
                               <m:sSup>
                                 <m:sSupPr>
                                   <m:ctrlPr>
-                                    <a:rPr lang="zh-CN" altLang="zh-CN" i="1"/>
+                                    <a:rPr lang="zh-CN" altLang="zh-CN" i="1">
+                                      <a:latin typeface="Cambria Math" panose="02040503050406030204" pitchFamily="18" charset="0"/>
+                                    </a:rPr>
                                   </m:ctrlPr>
                                 </m:sSupPr>
                                 <m:e>
                                   <m:r>
-                                    <a:rPr lang="en-US" altLang="zh-CN" i="1"/>
+                                    <a:rPr lang="en-US" altLang="zh-CN" i="1">
+                                      <a:latin typeface="Cambria Math" panose="02040503050406030204" pitchFamily="18" charset="0"/>
+                                    </a:rPr>
                                     <m:t>)</m:t>
                                   </m:r>
                                 </m:e>
                                 <m:sup>
                                   <m:r>
-                                    <a:rPr lang="en-US" altLang="zh-CN" i="1"/>
+                                    <a:rPr lang="en-US" altLang="zh-CN" i="1">
+                                      <a:latin typeface="Cambria Math" panose="02040503050406030204" pitchFamily="18" charset="0"/>
+                                    </a:rPr>
                                     <m:t>2</m:t>
                                   </m:r>
                                 </m:sup>
@@ -6848,13 +7220,17 @@
                         </m:num>
                         <m:den>
                           <m:r>
-                            <a:rPr lang="en-US" altLang="zh-CN" i="1"/>
+                            <a:rPr lang="en-US" altLang="zh-CN" i="1">
+                              <a:latin typeface="Cambria Math" panose="02040503050406030204" pitchFamily="18" charset="0"/>
+                            </a:rPr>
                             <m:t>𝑀𝑒</m:t>
                           </m:r>
                         </m:den>
                       </m:f>
                       <m:r>
-                        <a:rPr lang="en-US" altLang="zh-CN" i="1"/>
+                        <a:rPr lang="en-US" altLang="zh-CN" i="1">
+                          <a:latin typeface="Cambria Math" panose="02040503050406030204" pitchFamily="18" charset="0"/>
+                        </a:rPr>
                         <m:t>×100%</m:t>
                       </m:r>
                     </m:oMath>
@@ -6877,7 +7253,7 @@
             </p:txBody>
           </p:sp>
         </mc:Choice>
-        <mc:Fallback>
+        <mc:Fallback xmlns="">
           <p:sp>
             <p:nvSpPr>
               <p:cNvPr id="3" name="内容占位符 2">
@@ -7064,8 +7440,8 @@
           </a:p>
         </p:txBody>
       </p:sp>
-      <mc:AlternateContent xmlns:mc="http://schemas.openxmlformats.org/markup-compatibility/2006">
-        <mc:Choice xmlns:a14="http://schemas.microsoft.com/office/drawing/2010/main" Requires="a14">
+      <mc:AlternateContent xmlns:mc="http://schemas.openxmlformats.org/markup-compatibility/2006" xmlns:a14="http://schemas.microsoft.com/office/drawing/2010/main">
+        <mc:Choice Requires="a14">
           <p:sp>
             <p:nvSpPr>
               <p:cNvPr id="3" name="内容占位符 2">
@@ -7137,36 +7513,50 @@
                       <m:sSub>
                         <m:sSubPr>
                           <m:ctrlPr>
-                            <a:rPr lang="zh-CN" altLang="zh-CN" i="1"/>
+                            <a:rPr lang="zh-CN" altLang="zh-CN" i="1">
+                              <a:latin typeface="Cambria Math" panose="02040503050406030204" pitchFamily="18" charset="0"/>
+                            </a:rPr>
                           </m:ctrlPr>
                         </m:sSubPr>
                         <m:e>
                           <m:r>
-                            <a:rPr lang="en-US" altLang="zh-CN" i="1"/>
+                            <a:rPr lang="en-US" altLang="zh-CN" i="1">
+                              <a:latin typeface="Cambria Math" panose="02040503050406030204" pitchFamily="18" charset="0"/>
+                            </a:rPr>
                             <m:t>𝛾</m:t>
                           </m:r>
                         </m:e>
                         <m:sub>
                           <m:r>
-                            <a:rPr lang="en-US" altLang="zh-CN" i="1"/>
+                            <a:rPr lang="en-US" altLang="zh-CN" i="1">
+                              <a:latin typeface="Cambria Math" panose="02040503050406030204" pitchFamily="18" charset="0"/>
+                            </a:rPr>
                             <m:t>3</m:t>
                           </m:r>
                         </m:sub>
                       </m:sSub>
                       <m:r>
-                        <a:rPr lang="en-US" altLang="zh-CN" i="1"/>
+                        <a:rPr lang="en-US" altLang="zh-CN" i="1">
+                          <a:latin typeface="Cambria Math" panose="02040503050406030204" pitchFamily="18" charset="0"/>
+                        </a:rPr>
                         <m:t>=</m:t>
                       </m:r>
                       <m:r>
-                        <a:rPr lang="en-US" altLang="zh-CN" i="1"/>
+                        <a:rPr lang="en-US" altLang="zh-CN" i="1">
+                          <a:latin typeface="Cambria Math" panose="02040503050406030204" pitchFamily="18" charset="0"/>
+                        </a:rPr>
                         <m:t>𝐶</m:t>
                       </m:r>
                       <m:r>
-                        <a:rPr lang="en-US" altLang="zh-CN" i="1"/>
+                        <a:rPr lang="en-US" altLang="zh-CN" i="1">
+                          <a:latin typeface="Cambria Math" panose="02040503050406030204" pitchFamily="18" charset="0"/>
+                        </a:rPr>
                         <m:t>.</m:t>
                       </m:r>
                       <m:r>
-                        <a:rPr lang="en-US" altLang="zh-CN" i="1"/>
+                        <a:rPr lang="en-US" altLang="zh-CN" i="1">
+                          <a:latin typeface="Cambria Math" panose="02040503050406030204" pitchFamily="18" charset="0"/>
+                        </a:rPr>
                         <m:t>𝑣</m:t>
                       </m:r>
                     </m:oMath>
@@ -7186,7 +7576,7 @@
             </p:txBody>
           </p:sp>
         </mc:Choice>
-        <mc:Fallback>
+        <mc:Fallback xmlns="">
           <p:sp>
             <p:nvSpPr>
               <p:cNvPr id="3" name="内容占位符 2">
@@ -7284,8 +7674,8 @@
           </a:p>
         </p:txBody>
       </p:sp>
-      <mc:AlternateContent xmlns:mc="http://schemas.openxmlformats.org/markup-compatibility/2006">
-        <mc:Choice xmlns:a14="http://schemas.microsoft.com/office/drawing/2010/main" Requires="a14">
+      <mc:AlternateContent xmlns:mc="http://schemas.openxmlformats.org/markup-compatibility/2006" xmlns:a14="http://schemas.microsoft.com/office/drawing/2010/main">
+        <mc:Choice Requires="a14">
           <p:sp>
             <p:nvSpPr>
               <p:cNvPr id="3" name="内容占位符 2">
@@ -7349,83 +7739,113 @@
                       <m:sSub>
                         <m:sSubPr>
                           <m:ctrlPr>
-                            <a:rPr lang="zh-CN" altLang="zh-CN" i="1"/>
+                            <a:rPr lang="zh-CN" altLang="zh-CN" i="1">
+                              <a:latin typeface="Cambria Math" panose="02040503050406030204" pitchFamily="18" charset="0"/>
+                            </a:rPr>
                           </m:ctrlPr>
                         </m:sSubPr>
                         <m:e>
                           <m:r>
-                            <a:rPr lang="en-US" altLang="zh-CN" i="1"/>
+                            <a:rPr lang="en-US" altLang="zh-CN" i="1">
+                              <a:latin typeface="Cambria Math" panose="02040503050406030204" pitchFamily="18" charset="0"/>
+                            </a:rPr>
                             <m:t>𝛾</m:t>
                           </m:r>
                         </m:e>
                         <m:sub>
                           <m:r>
-                            <a:rPr lang="en-US" altLang="zh-CN" i="1"/>
+                            <a:rPr lang="en-US" altLang="zh-CN" i="1">
+                              <a:latin typeface="Cambria Math" panose="02040503050406030204" pitchFamily="18" charset="0"/>
+                            </a:rPr>
                             <m:t>4</m:t>
                           </m:r>
                         </m:sub>
                       </m:sSub>
                       <m:r>
-                        <a:rPr lang="en-US" altLang="zh-CN" i="1"/>
+                        <a:rPr lang="en-US" altLang="zh-CN" i="1">
+                          <a:latin typeface="Cambria Math" panose="02040503050406030204" pitchFamily="18" charset="0"/>
+                        </a:rPr>
                         <m:t>=(1−</m:t>
                       </m:r>
                       <m:f>
                         <m:fPr>
                           <m:ctrlPr>
-                            <a:rPr lang="zh-CN" altLang="zh-CN" i="1"/>
+                            <a:rPr lang="zh-CN" altLang="zh-CN" i="1">
+                              <a:latin typeface="Cambria Math" panose="02040503050406030204" pitchFamily="18" charset="0"/>
+                            </a:rPr>
                           </m:ctrlPr>
                         </m:fPr>
                         <m:num>
                           <m:r>
-                            <a:rPr lang="en-US" altLang="zh-CN" i="1"/>
+                            <a:rPr lang="en-US" altLang="zh-CN" i="1">
+                              <a:latin typeface="Cambria Math" panose="02040503050406030204" pitchFamily="18" charset="0"/>
+                            </a:rPr>
                             <m:t>∑</m:t>
                           </m:r>
                           <m:f>
                             <m:fPr>
                               <m:ctrlPr>
-                                <a:rPr lang="zh-CN" altLang="zh-CN" i="1"/>
+                                <a:rPr lang="zh-CN" altLang="zh-CN" i="1">
+                                  <a:latin typeface="Cambria Math" panose="02040503050406030204" pitchFamily="18" charset="0"/>
+                                </a:rPr>
                               </m:ctrlPr>
                             </m:fPr>
                             <m:num>
                               <m:r>
-                                <a:rPr lang="en-US" altLang="zh-CN" i="1"/>
+                                <a:rPr lang="en-US" altLang="zh-CN" i="1">
+                                  <a:latin typeface="Cambria Math" panose="02040503050406030204" pitchFamily="18" charset="0"/>
+                                </a:rPr>
                                 <m:t>|</m:t>
                               </m:r>
                               <m:r>
-                                <a:rPr lang="en-US" altLang="zh-CN" i="1"/>
+                                <a:rPr lang="en-US" altLang="zh-CN" i="1">
+                                  <a:latin typeface="Cambria Math" panose="02040503050406030204" pitchFamily="18" charset="0"/>
+                                </a:rPr>
                                 <m:t>𝑆</m:t>
                               </m:r>
                               <m:r>
-                                <a:rPr lang="en-US" altLang="zh-CN" i="1"/>
+                                <a:rPr lang="en-US" altLang="zh-CN" i="1">
+                                  <a:latin typeface="Cambria Math" panose="02040503050406030204" pitchFamily="18" charset="0"/>
+                                </a:rPr>
                                 <m:t>−</m:t>
                               </m:r>
                               <m:sSup>
                                 <m:sSupPr>
                                   <m:ctrlPr>
-                                    <a:rPr lang="zh-CN" altLang="zh-CN" i="1"/>
+                                    <a:rPr lang="zh-CN" altLang="zh-CN" i="1">
+                                      <a:latin typeface="Cambria Math" panose="02040503050406030204" pitchFamily="18" charset="0"/>
+                                    </a:rPr>
                                   </m:ctrlPr>
                                 </m:sSupPr>
                                 <m:e>
                                   <m:r>
-                                    <a:rPr lang="en-US" altLang="zh-CN" i="1"/>
+                                    <a:rPr lang="en-US" altLang="zh-CN" i="1">
+                                      <a:latin typeface="Cambria Math" panose="02040503050406030204" pitchFamily="18" charset="0"/>
+                                    </a:rPr>
                                     <m:t>𝑆</m:t>
                                   </m:r>
                                 </m:e>
                                 <m:sup>
                                   <m:r>
-                                    <a:rPr lang="en-US" altLang="zh-CN" i="1"/>
+                                    <a:rPr lang="en-US" altLang="zh-CN" i="1">
+                                      <a:latin typeface="Cambria Math" panose="02040503050406030204" pitchFamily="18" charset="0"/>
+                                    </a:rPr>
                                     <m:t>′</m:t>
                                   </m:r>
                                 </m:sup>
                               </m:sSup>
                               <m:r>
-                                <a:rPr lang="en-US" altLang="zh-CN" i="1"/>
+                                <a:rPr lang="en-US" altLang="zh-CN" i="1">
+                                  <a:latin typeface="Cambria Math" panose="02040503050406030204" pitchFamily="18" charset="0"/>
+                                </a:rPr>
                                 <m:t>|</m:t>
                               </m:r>
                             </m:num>
                             <m:den>
                               <m:r>
-                                <a:rPr lang="en-US" altLang="zh-CN" i="1"/>
+                                <a:rPr lang="en-US" altLang="zh-CN" i="1">
+                                  <a:latin typeface="Cambria Math" panose="02040503050406030204" pitchFamily="18" charset="0"/>
+                                </a:rPr>
                                 <m:t>𝑆</m:t>
                               </m:r>
                             </m:den>
@@ -7433,13 +7853,17 @@
                         </m:num>
                         <m:den>
                           <m:r>
-                            <a:rPr lang="en-US" altLang="zh-CN" i="1"/>
+                            <a:rPr lang="en-US" altLang="zh-CN" i="1">
+                              <a:latin typeface="Cambria Math" panose="02040503050406030204" pitchFamily="18" charset="0"/>
+                            </a:rPr>
                             <m:t>𝑛</m:t>
                           </m:r>
                         </m:den>
                       </m:f>
                       <m:r>
-                        <a:rPr lang="en-US" altLang="zh-CN" i="1"/>
+                        <a:rPr lang="en-US" altLang="zh-CN" i="1">
+                          <a:latin typeface="Cambria Math" panose="02040503050406030204" pitchFamily="18" charset="0"/>
+                        </a:rPr>
                         <m:t>)∗100%</m:t>
                       </m:r>
                     </m:oMath>
@@ -7466,7 +7890,7 @@
             </p:txBody>
           </p:sp>
         </mc:Choice>
-        <mc:Fallback>
+        <mc:Fallback xmlns="">
           <p:sp>
             <p:nvSpPr>
               <p:cNvPr id="3" name="内容占位符 2">
@@ -7564,8 +7988,8 @@
           </a:p>
         </p:txBody>
       </p:sp>
-      <mc:AlternateContent xmlns:mc="http://schemas.openxmlformats.org/markup-compatibility/2006">
-        <mc:Choice xmlns:a14="http://schemas.microsoft.com/office/drawing/2010/main" Requires="a14">
+      <mc:AlternateContent xmlns:mc="http://schemas.openxmlformats.org/markup-compatibility/2006" xmlns:a14="http://schemas.microsoft.com/office/drawing/2010/main">
+        <mc:Choice Requires="a14">
           <p:sp>
             <p:nvSpPr>
               <p:cNvPr id="3" name="内容占位符 2">
@@ -7607,28 +8031,38 @@
                     </m:oMathParaPr>
                     <m:oMath xmlns:m="http://schemas.openxmlformats.org/officeDocument/2006/math">
                       <m:r>
-                        <a:rPr lang="en-US" altLang="zh-CN" i="1"/>
+                        <a:rPr lang="en-US" altLang="zh-CN" i="1">
+                          <a:latin typeface="Cambria Math" panose="02040503050406030204" pitchFamily="18" charset="0"/>
+                        </a:rPr>
                         <m:t>𝑄</m:t>
                       </m:r>
                       <m:r>
-                        <a:rPr lang="en-US" altLang="zh-CN" i="1"/>
+                        <a:rPr lang="en-US" altLang="zh-CN" i="1">
+                          <a:latin typeface="Cambria Math" panose="02040503050406030204" pitchFamily="18" charset="0"/>
+                        </a:rPr>
                         <m:t>=</m:t>
                       </m:r>
                       <m:sSub>
                         <m:sSubPr>
                           <m:ctrlPr>
-                            <a:rPr lang="zh-CN" altLang="zh-CN" i="1"/>
+                            <a:rPr lang="zh-CN" altLang="zh-CN" i="1">
+                              <a:latin typeface="Cambria Math" panose="02040503050406030204" pitchFamily="18" charset="0"/>
+                            </a:rPr>
                           </m:ctrlPr>
                         </m:sSubPr>
                         <m:e>
                           <m:r>
-                            <a:rPr lang="en-US" altLang="zh-CN" i="1"/>
+                            <a:rPr lang="en-US" altLang="zh-CN" i="1">
+                              <a:latin typeface="Cambria Math" panose="02040503050406030204" pitchFamily="18" charset="0"/>
+                            </a:rPr>
                             <m:t>𝑊</m:t>
                           </m:r>
                         </m:e>
                         <m:sub>
                           <m:r>
-                            <a:rPr lang="en-US" altLang="zh-CN" i="1"/>
+                            <a:rPr lang="en-US" altLang="zh-CN" i="1">
+                              <a:latin typeface="Cambria Math" panose="02040503050406030204" pitchFamily="18" charset="0"/>
+                            </a:rPr>
                             <m:t>1</m:t>
                           </m:r>
                         </m:sub>
@@ -7636,41 +8070,55 @@
                       <m:sSub>
                         <m:sSubPr>
                           <m:ctrlPr>
-                            <a:rPr lang="zh-CN" altLang="zh-CN" i="1"/>
+                            <a:rPr lang="zh-CN" altLang="zh-CN" i="1">
+                              <a:latin typeface="Cambria Math" panose="02040503050406030204" pitchFamily="18" charset="0"/>
+                            </a:rPr>
                           </m:ctrlPr>
                         </m:sSubPr>
                         <m:e>
                           <m:r>
-                            <a:rPr lang="en-US" altLang="zh-CN" i="1"/>
+                            <a:rPr lang="en-US" altLang="zh-CN" i="1">
+                              <a:latin typeface="Cambria Math" panose="02040503050406030204" pitchFamily="18" charset="0"/>
+                            </a:rPr>
                             <m:t>𝛾</m:t>
                           </m:r>
                         </m:e>
                         <m:sub>
                           <m:r>
-                            <a:rPr lang="en-US" altLang="zh-CN" i="1"/>
+                            <a:rPr lang="en-US" altLang="zh-CN" i="1">
+                              <a:latin typeface="Cambria Math" panose="02040503050406030204" pitchFamily="18" charset="0"/>
+                            </a:rPr>
                             <m:t>1</m:t>
                           </m:r>
                         </m:sub>
                       </m:sSub>
                       <m:r>
-                        <a:rPr lang="en-US" altLang="zh-CN" i="1"/>
+                        <a:rPr lang="en-US" altLang="zh-CN" i="1">
+                          <a:latin typeface="Cambria Math" panose="02040503050406030204" pitchFamily="18" charset="0"/>
+                        </a:rPr>
                         <m:t>+</m:t>
                       </m:r>
                       <m:sSub>
                         <m:sSubPr>
                           <m:ctrlPr>
-                            <a:rPr lang="zh-CN" altLang="zh-CN" i="1"/>
+                            <a:rPr lang="zh-CN" altLang="zh-CN" i="1">
+                              <a:latin typeface="Cambria Math" panose="02040503050406030204" pitchFamily="18" charset="0"/>
+                            </a:rPr>
                           </m:ctrlPr>
                         </m:sSubPr>
                         <m:e>
                           <m:r>
-                            <a:rPr lang="en-US" altLang="zh-CN" i="1"/>
+                            <a:rPr lang="en-US" altLang="zh-CN" i="1">
+                              <a:latin typeface="Cambria Math" panose="02040503050406030204" pitchFamily="18" charset="0"/>
+                            </a:rPr>
                             <m:t>𝑊</m:t>
                           </m:r>
                         </m:e>
                         <m:sub>
                           <m:r>
-                            <a:rPr lang="en-US" altLang="zh-CN" i="1"/>
+                            <a:rPr lang="en-US" altLang="zh-CN" i="1">
+                              <a:latin typeface="Cambria Math" panose="02040503050406030204" pitchFamily="18" charset="0"/>
+                            </a:rPr>
                             <m:t>2</m:t>
                           </m:r>
                         </m:sub>
@@ -7678,41 +8126,55 @@
                       <m:sSub>
                         <m:sSubPr>
                           <m:ctrlPr>
-                            <a:rPr lang="zh-CN" altLang="zh-CN" i="1"/>
+                            <a:rPr lang="zh-CN" altLang="zh-CN" i="1">
+                              <a:latin typeface="Cambria Math" panose="02040503050406030204" pitchFamily="18" charset="0"/>
+                            </a:rPr>
                           </m:ctrlPr>
                         </m:sSubPr>
                         <m:e>
                           <m:r>
-                            <a:rPr lang="en-US" altLang="zh-CN" i="1"/>
+                            <a:rPr lang="en-US" altLang="zh-CN" i="1">
+                              <a:latin typeface="Cambria Math" panose="02040503050406030204" pitchFamily="18" charset="0"/>
+                            </a:rPr>
                             <m:t>𝛾</m:t>
                           </m:r>
                         </m:e>
                         <m:sub>
                           <m:r>
-                            <a:rPr lang="en-US" altLang="zh-CN" i="1"/>
+                            <a:rPr lang="en-US" altLang="zh-CN" i="1">
+                              <a:latin typeface="Cambria Math" panose="02040503050406030204" pitchFamily="18" charset="0"/>
+                            </a:rPr>
                             <m:t>2</m:t>
                           </m:r>
                         </m:sub>
                       </m:sSub>
                       <m:r>
-                        <a:rPr lang="en-US" altLang="zh-CN" i="1"/>
+                        <a:rPr lang="en-US" altLang="zh-CN" i="1">
+                          <a:latin typeface="Cambria Math" panose="02040503050406030204" pitchFamily="18" charset="0"/>
+                        </a:rPr>
                         <m:t>+</m:t>
                       </m:r>
                       <m:sSub>
                         <m:sSubPr>
                           <m:ctrlPr>
-                            <a:rPr lang="zh-CN" altLang="zh-CN" i="1"/>
+                            <a:rPr lang="zh-CN" altLang="zh-CN" i="1">
+                              <a:latin typeface="Cambria Math" panose="02040503050406030204" pitchFamily="18" charset="0"/>
+                            </a:rPr>
                           </m:ctrlPr>
                         </m:sSubPr>
                         <m:e>
                           <m:r>
-                            <a:rPr lang="en-US" altLang="zh-CN" i="1"/>
+                            <a:rPr lang="en-US" altLang="zh-CN" i="1">
+                              <a:latin typeface="Cambria Math" panose="02040503050406030204" pitchFamily="18" charset="0"/>
+                            </a:rPr>
                             <m:t>𝑊</m:t>
                           </m:r>
                         </m:e>
                         <m:sub>
                           <m:r>
-                            <a:rPr lang="en-US" altLang="zh-CN" i="1"/>
+                            <a:rPr lang="en-US" altLang="zh-CN" i="1">
+                              <a:latin typeface="Cambria Math" panose="02040503050406030204" pitchFamily="18" charset="0"/>
+                            </a:rPr>
                             <m:t>3</m:t>
                           </m:r>
                         </m:sub>
@@ -7720,18 +8182,24 @@
                       <m:sSub>
                         <m:sSubPr>
                           <m:ctrlPr>
-                            <a:rPr lang="zh-CN" altLang="zh-CN" i="1"/>
+                            <a:rPr lang="zh-CN" altLang="zh-CN" i="1">
+                              <a:latin typeface="Cambria Math" panose="02040503050406030204" pitchFamily="18" charset="0"/>
+                            </a:rPr>
                           </m:ctrlPr>
                         </m:sSubPr>
                         <m:e>
                           <m:r>
-                            <a:rPr lang="en-US" altLang="zh-CN" i="1"/>
+                            <a:rPr lang="en-US" altLang="zh-CN" i="1">
+                              <a:latin typeface="Cambria Math" panose="02040503050406030204" pitchFamily="18" charset="0"/>
+                            </a:rPr>
                             <m:t>𝛾</m:t>
                           </m:r>
                         </m:e>
                         <m:sub>
                           <m:r>
-                            <a:rPr lang="en-US" altLang="zh-CN" i="1"/>
+                            <a:rPr lang="en-US" altLang="zh-CN" i="1">
+                              <a:latin typeface="Cambria Math" panose="02040503050406030204" pitchFamily="18" charset="0"/>
+                            </a:rPr>
                             <m:t>3</m:t>
                           </m:r>
                         </m:sub>
@@ -7787,7 +8255,7 @@
             </p:txBody>
           </p:sp>
         </mc:Choice>
-        <mc:Fallback>
+        <mc:Fallback xmlns="">
           <p:sp>
             <p:nvSpPr>
               <p:cNvPr id="3" name="内容占位符 2">
@@ -7880,7 +8348,7 @@
           <a:p>
             <a:r>
               <a:rPr lang="zh-CN" altLang="en-US" dirty="0"/>
-              <a:t>问题二</a:t>
+              <a:t>问题二的分析求解</a:t>
             </a:r>
           </a:p>
         </p:txBody>
@@ -7906,7 +8374,53 @@
           <a:bodyPr/>
           <a:lstStyle/>
           <a:p>
-            <a:endParaRPr lang="zh-CN" altLang="en-US"/>
+            <a:r>
+              <a:rPr lang="zh-CN" altLang="en-US" dirty="0"/>
+              <a:t>二氧化硫</a:t>
+            </a:r>
+            <a:endParaRPr lang="en-US" altLang="zh-CN" dirty="0"/>
+          </a:p>
+          <a:p>
+            <a:r>
+              <a:rPr lang="en-US" altLang="zh-CN" dirty="0"/>
+              <a:t>(1)</a:t>
+            </a:r>
+            <a:r>
+              <a:rPr lang="zh-CN" altLang="en-US" dirty="0"/>
+              <a:t>通过附件</a:t>
+            </a:r>
+            <a:r>
+              <a:rPr lang="en-US" altLang="zh-CN" dirty="0"/>
+              <a:t>2</a:t>
+            </a:r>
+            <a:r>
+              <a:rPr lang="zh-CN" altLang="en-US" dirty="0"/>
+              <a:t>所给出的模型，建立颜色读数和浓度间的模型。</a:t>
+            </a:r>
+          </a:p>
+          <a:p>
+            <a:br>
+              <a:rPr lang="zh-CN" altLang="en-US" dirty="0"/>
+            </a:br>
+            <a:r>
+              <a:rPr lang="en-US" altLang="zh-CN" dirty="0"/>
+              <a:t>(2)</a:t>
+            </a:r>
+            <a:r>
+              <a:rPr lang="zh-CN" altLang="en-US" dirty="0"/>
+              <a:t>通过</a:t>
+            </a:r>
+            <a:r>
+              <a:rPr lang="en-US" altLang="zh-CN" dirty="0"/>
+              <a:t>(1)</a:t>
+            </a:r>
+            <a:r>
+              <a:rPr lang="zh-CN" altLang="en-US" dirty="0"/>
+              <a:t>中建立的模型进行误差分析。</a:t>
+            </a:r>
+          </a:p>
+          <a:p>
+            <a:endParaRPr lang="zh-CN" altLang="en-US" dirty="0"/>
           </a:p>
         </p:txBody>
       </p:sp>
@@ -7945,7 +8459,7 @@
           <p:cNvPr id="2" name="标题 1">
             <a:extLst>
               <a:ext uri="{FF2B5EF4-FFF2-40B4-BE49-F238E27FC236}">
-                <a16:creationId xmlns:a16="http://schemas.microsoft.com/office/drawing/2014/main" id="{198C9893-A9A0-4813-B1A1-6A83E7901B0F}"/>
+                <a16:creationId xmlns:a16="http://schemas.microsoft.com/office/drawing/2014/main" id="{DD686DEB-8DF6-4603-A461-F8B067033E00}"/>
               </a:ext>
             </a:extLst>
           </p:cNvPr>
@@ -7963,7 +8477,7 @@
           <a:p>
             <a:r>
               <a:rPr lang="zh-CN" altLang="en-US" dirty="0"/>
-              <a:t>问题三</a:t>
+              <a:t>数据处理及分析</a:t>
             </a:r>
           </a:p>
         </p:txBody>
@@ -7973,7 +8487,7 @@
           <p:cNvPr id="3" name="内容占位符 2">
             <a:extLst>
               <a:ext uri="{FF2B5EF4-FFF2-40B4-BE49-F238E27FC236}">
-                <a16:creationId xmlns:a16="http://schemas.microsoft.com/office/drawing/2014/main" id="{8BAE6BD2-FA08-4273-AA6B-38969F62CCE3}"/>
+                <a16:creationId xmlns:a16="http://schemas.microsoft.com/office/drawing/2014/main" id="{679C5941-1111-40F2-8133-285DE4277A60}"/>
               </a:ext>
             </a:extLst>
           </p:cNvPr>
@@ -7989,117 +8503,283 @@
           <a:bodyPr/>
           <a:lstStyle/>
           <a:p>
-            <a:pPr marL="0" indent="0">
-              <a:buNone/>
-            </a:pPr>
+            <a:r>
+              <a:rPr lang="en-US" altLang="zh-CN" dirty="0"/>
+              <a:t>HS</a:t>
+            </a:r>
             <a:r>
               <a:rPr lang="zh-CN" altLang="en-US" dirty="0"/>
-              <a:t>数据量对模型的影响</a:t>
-            </a:r>
-            <a:endParaRPr lang="en-US" altLang="zh-CN" dirty="0"/>
-          </a:p>
-          <a:p>
-            <a:pPr marL="0" indent="0">
-              <a:buNone/>
-            </a:pPr>
-            <a:r>
-              <a:rPr lang="zh-CN" altLang="en-US" dirty="0"/>
-              <a:t>样本容量小：拟合偏差，难保证参数精确度（溴酸钾，硫酸铝钾）</a:t>
-            </a:r>
-            <a:endParaRPr lang="en-US" altLang="zh-CN" dirty="0"/>
-          </a:p>
-          <a:p>
-            <a:pPr marL="0" indent="0">
-              <a:buNone/>
-            </a:pPr>
-            <a:r>
-              <a:rPr lang="zh-CN" altLang="en-US" dirty="0"/>
-              <a:t>统一浓度下数据量（工业碱）</a:t>
-            </a:r>
-            <a:endParaRPr lang="en-US" altLang="zh-CN" dirty="0"/>
-          </a:p>
-          <a:p>
-            <a:pPr marL="0" indent="0">
-              <a:buNone/>
-            </a:pPr>
-            <a:r>
-              <a:rPr lang="zh-CN" altLang="en-US" dirty="0"/>
-              <a:t>数据量过大：数据处理困难，要有代表性</a:t>
-            </a:r>
-            <a:endParaRPr lang="en-US" altLang="zh-CN" dirty="0"/>
-          </a:p>
-          <a:p>
-            <a:pPr marL="0" indent="0">
-              <a:buNone/>
-            </a:pPr>
-            <a:r>
-              <a:rPr lang="zh-CN" altLang="en-US" dirty="0"/>
-              <a:t>颜色维度对模型的影响</a:t>
-            </a:r>
-            <a:endParaRPr lang="en-US" altLang="zh-CN" dirty="0"/>
-          </a:p>
-          <a:p>
-            <a:pPr marL="0" indent="0">
-              <a:buNone/>
-            </a:pPr>
-            <a:r>
-              <a:rPr lang="en-US" altLang="zh-CN" dirty="0"/>
-              <a:t>RGB</a:t>
-            </a:r>
-            <a:r>
-              <a:rPr lang="zh-CN" altLang="en-US" dirty="0"/>
-              <a:t>和</a:t>
-            </a:r>
-            <a:r>
-              <a:rPr lang="en-US" altLang="zh-CN" dirty="0"/>
-              <a:t>HSL</a:t>
-            </a:r>
-            <a:r>
-              <a:rPr lang="zh-CN" altLang="en-US" dirty="0"/>
-              <a:t>等价，降维</a:t>
-            </a:r>
-            <a:endParaRPr lang="en-US" altLang="zh-CN" dirty="0"/>
-          </a:p>
-          <a:p>
-            <a:pPr marL="0" indent="0">
-              <a:buNone/>
-            </a:pPr>
-            <a:r>
-              <a:rPr lang="zh-CN" altLang="en-US" dirty="0"/>
-              <a:t>一组</a:t>
-            </a:r>
-            <a:r>
-              <a:rPr lang="en-US" altLang="zh-CN" dirty="0"/>
-              <a:t>RGB</a:t>
-            </a:r>
-            <a:r>
-              <a:rPr lang="zh-CN" altLang="en-US" dirty="0"/>
-              <a:t>值对应唯一一个灰度</a:t>
-            </a:r>
-            <a:endParaRPr lang="en-US" altLang="zh-CN" dirty="0"/>
-          </a:p>
-          <a:p>
-            <a:pPr marL="0" indent="0">
-              <a:buNone/>
-            </a:pPr>
-            <a:r>
-              <a:rPr lang="zh-CN" altLang="en-US" dirty="0"/>
-              <a:t>？？？论文里我觉得有点小问题</a:t>
-            </a:r>
-            <a:endParaRPr lang="en-US" altLang="zh-CN" dirty="0"/>
-          </a:p>
-          <a:p>
-            <a:pPr marL="0" indent="0">
-              <a:buNone/>
-            </a:pPr>
-            <a:endParaRPr lang="zh-CN" altLang="en-US" dirty="0"/>
+              <a:t>计算值测量值表格</a:t>
+            </a:r>
           </a:p>
         </p:txBody>
       </p:sp>
     </p:spTree>
     <p:extLst>
       <p:ext uri="{BB962C8B-B14F-4D97-AF65-F5344CB8AC3E}">
-        <p14:creationId xmlns:p14="http://schemas.microsoft.com/office/powerpoint/2010/main" val="2977485603"/>
+        <p14:creationId xmlns:p14="http://schemas.microsoft.com/office/powerpoint/2010/main" val="3189688519"/>
+      </p:ext>
+    </p:extLst>
+  </p:cSld>
+  <p:clrMapOvr>
+    <a:masterClrMapping/>
+  </p:clrMapOvr>
+</p:sld>
+</file>
+
+<file path=ppt/slides/slide27.xml><?xml version="1.0" encoding="utf-8"?>
+<p:sld xmlns:a="http://schemas.openxmlformats.org/drawingml/2006/main" xmlns:r="http://schemas.openxmlformats.org/officeDocument/2006/relationships" xmlns:p="http://schemas.openxmlformats.org/presentationml/2006/main">
+  <p:cSld>
+    <p:spTree>
+      <p:nvGrpSpPr>
+        <p:cNvPr id="1" name=""/>
+        <p:cNvGrpSpPr/>
+        <p:nvPr/>
+      </p:nvGrpSpPr>
+      <p:grpSpPr>
+        <a:xfrm>
+          <a:off x="0" y="0"/>
+          <a:ext cx="0" cy="0"/>
+          <a:chOff x="0" y="0"/>
+          <a:chExt cx="0" cy="0"/>
+        </a:xfrm>
+      </p:grpSpPr>
+      <p:sp>
+        <p:nvSpPr>
+          <p:cNvPr id="2" name="标题 1">
+            <a:extLst>
+              <a:ext uri="{FF2B5EF4-FFF2-40B4-BE49-F238E27FC236}">
+                <a16:creationId xmlns:a16="http://schemas.microsoft.com/office/drawing/2014/main" id="{DD686DEB-8DF6-4603-A461-F8B067033E00}"/>
+              </a:ext>
+            </a:extLst>
+          </p:cNvPr>
+          <p:cNvSpPr>
+            <a:spLocks noGrp="1"/>
+          </p:cNvSpPr>
+          <p:nvPr>
+            <p:ph type="title"/>
+          </p:nvPr>
+        </p:nvSpPr>
+        <p:spPr/>
+        <p:txBody>
+          <a:bodyPr/>
+          <a:lstStyle/>
+          <a:p>
+            <a:r>
+              <a:rPr lang="zh-CN" altLang="en-US" dirty="0"/>
+              <a:t>数据处理及分析</a:t>
+            </a:r>
+          </a:p>
+        </p:txBody>
+      </p:sp>
+      <p:sp>
+        <p:nvSpPr>
+          <p:cNvPr id="3" name="内容占位符 2">
+            <a:extLst>
+              <a:ext uri="{FF2B5EF4-FFF2-40B4-BE49-F238E27FC236}">
+                <a16:creationId xmlns:a16="http://schemas.microsoft.com/office/drawing/2014/main" id="{679C5941-1111-40F2-8133-285DE4277A60}"/>
+              </a:ext>
+            </a:extLst>
+          </p:cNvPr>
+          <p:cNvSpPr>
+            <a:spLocks noGrp="1"/>
+          </p:cNvSpPr>
+          <p:nvPr>
+            <p:ph idx="1"/>
+          </p:nvPr>
+        </p:nvSpPr>
+        <p:spPr/>
+        <p:txBody>
+          <a:bodyPr/>
+          <a:lstStyle/>
+          <a:p>
+            <a:r>
+              <a:rPr lang="en-US" altLang="zh-CN" dirty="0"/>
+              <a:t>HS</a:t>
+            </a:r>
+            <a:r>
+              <a:rPr lang="zh-CN" altLang="en-US" dirty="0"/>
+              <a:t>吻合度</a:t>
+            </a:r>
+          </a:p>
+        </p:txBody>
+      </p:sp>
+    </p:spTree>
+    <p:extLst>
+      <p:ext uri="{BB962C8B-B14F-4D97-AF65-F5344CB8AC3E}">
+        <p14:creationId xmlns:p14="http://schemas.microsoft.com/office/powerpoint/2010/main" val="3259517139"/>
+      </p:ext>
+    </p:extLst>
+  </p:cSld>
+  <p:clrMapOvr>
+    <a:masterClrMapping/>
+  </p:clrMapOvr>
+</p:sld>
+</file>
+
+<file path=ppt/slides/slide28.xml><?xml version="1.0" encoding="utf-8"?>
+<p:sld xmlns:a="http://schemas.openxmlformats.org/drawingml/2006/main" xmlns:r="http://schemas.openxmlformats.org/officeDocument/2006/relationships" xmlns:p="http://schemas.openxmlformats.org/presentationml/2006/main">
+  <p:cSld>
+    <p:spTree>
+      <p:nvGrpSpPr>
+        <p:cNvPr id="1" name=""/>
+        <p:cNvGrpSpPr/>
+        <p:nvPr/>
+      </p:nvGrpSpPr>
+      <p:grpSpPr>
+        <a:xfrm>
+          <a:off x="0" y="0"/>
+          <a:ext cx="0" cy="0"/>
+          <a:chOff x="0" y="0"/>
+          <a:chExt cx="0" cy="0"/>
+        </a:xfrm>
+      </p:grpSpPr>
+      <p:sp>
+        <p:nvSpPr>
+          <p:cNvPr id="2" name="标题 1">
+            <a:extLst>
+              <a:ext uri="{FF2B5EF4-FFF2-40B4-BE49-F238E27FC236}">
+                <a16:creationId xmlns:a16="http://schemas.microsoft.com/office/drawing/2014/main" id="{DD686DEB-8DF6-4603-A461-F8B067033E00}"/>
+              </a:ext>
+            </a:extLst>
+          </p:cNvPr>
+          <p:cNvSpPr>
+            <a:spLocks noGrp="1"/>
+          </p:cNvSpPr>
+          <p:nvPr>
+            <p:ph type="title"/>
+          </p:nvPr>
+        </p:nvSpPr>
+        <p:spPr/>
+        <p:txBody>
+          <a:bodyPr/>
+          <a:lstStyle/>
+          <a:p>
+            <a:r>
+              <a:rPr lang="zh-CN" altLang="en-US" dirty="0"/>
+              <a:t>数据处理及分析</a:t>
+            </a:r>
+          </a:p>
+        </p:txBody>
+      </p:sp>
+      <p:sp>
+        <p:nvSpPr>
+          <p:cNvPr id="3" name="内容占位符 2">
+            <a:extLst>
+              <a:ext uri="{FF2B5EF4-FFF2-40B4-BE49-F238E27FC236}">
+                <a16:creationId xmlns:a16="http://schemas.microsoft.com/office/drawing/2014/main" id="{679C5941-1111-40F2-8133-285DE4277A60}"/>
+              </a:ext>
+            </a:extLst>
+          </p:cNvPr>
+          <p:cNvSpPr>
+            <a:spLocks noGrp="1"/>
+          </p:cNvSpPr>
+          <p:nvPr>
+            <p:ph idx="1"/>
+          </p:nvPr>
+        </p:nvSpPr>
+        <p:spPr/>
+        <p:txBody>
+          <a:bodyPr/>
+          <a:lstStyle/>
+          <a:p>
+            <a:r>
+              <a:rPr lang="zh-CN" altLang="en-US" dirty="0"/>
+              <a:t>数据质量分析结果表格</a:t>
+            </a:r>
+          </a:p>
+        </p:txBody>
+      </p:sp>
+    </p:spTree>
+    <p:extLst>
+      <p:ext uri="{BB962C8B-B14F-4D97-AF65-F5344CB8AC3E}">
+        <p14:creationId xmlns:p14="http://schemas.microsoft.com/office/powerpoint/2010/main" val="592268256"/>
+      </p:ext>
+    </p:extLst>
+  </p:cSld>
+  <p:clrMapOvr>
+    <a:masterClrMapping/>
+  </p:clrMapOvr>
+</p:sld>
+</file>
+
+<file path=ppt/slides/slide29.xml><?xml version="1.0" encoding="utf-8"?>
+<p:sld xmlns:a="http://schemas.openxmlformats.org/drawingml/2006/main" xmlns:r="http://schemas.openxmlformats.org/officeDocument/2006/relationships" xmlns:p="http://schemas.openxmlformats.org/presentationml/2006/main">
+  <p:cSld>
+    <p:spTree>
+      <p:nvGrpSpPr>
+        <p:cNvPr id="1" name=""/>
+        <p:cNvGrpSpPr/>
+        <p:nvPr/>
+      </p:nvGrpSpPr>
+      <p:grpSpPr>
+        <a:xfrm>
+          <a:off x="0" y="0"/>
+          <a:ext cx="0" cy="0"/>
+          <a:chOff x="0" y="0"/>
+          <a:chExt cx="0" cy="0"/>
+        </a:xfrm>
+      </p:grpSpPr>
+      <p:sp>
+        <p:nvSpPr>
+          <p:cNvPr id="2" name="标题 1">
+            <a:extLst>
+              <a:ext uri="{FF2B5EF4-FFF2-40B4-BE49-F238E27FC236}">
+                <a16:creationId xmlns:a16="http://schemas.microsoft.com/office/drawing/2014/main" id="{DD686DEB-8DF6-4603-A461-F8B067033E00}"/>
+              </a:ext>
+            </a:extLst>
+          </p:cNvPr>
+          <p:cNvSpPr>
+            <a:spLocks noGrp="1"/>
+          </p:cNvSpPr>
+          <p:nvPr>
+            <p:ph type="title"/>
+          </p:nvPr>
+        </p:nvSpPr>
+        <p:spPr/>
+        <p:txBody>
+          <a:bodyPr/>
+          <a:lstStyle/>
+          <a:p>
+            <a:r>
+              <a:rPr lang="zh-CN" altLang="en-US" dirty="0"/>
+              <a:t>数据处理及分析</a:t>
+            </a:r>
+          </a:p>
+        </p:txBody>
+      </p:sp>
+      <p:sp>
+        <p:nvSpPr>
+          <p:cNvPr id="3" name="内容占位符 2">
+            <a:extLst>
+              <a:ext uri="{FF2B5EF4-FFF2-40B4-BE49-F238E27FC236}">
+                <a16:creationId xmlns:a16="http://schemas.microsoft.com/office/drawing/2014/main" id="{679C5941-1111-40F2-8133-285DE4277A60}"/>
+              </a:ext>
+            </a:extLst>
+          </p:cNvPr>
+          <p:cNvSpPr>
+            <a:spLocks noGrp="1"/>
+          </p:cNvSpPr>
+          <p:nvPr>
+            <p:ph idx="1"/>
+          </p:nvPr>
+        </p:nvSpPr>
+        <p:spPr/>
+        <p:txBody>
+          <a:bodyPr/>
+          <a:lstStyle/>
+          <a:p>
+            <a:r>
+              <a:rPr lang="zh-CN" altLang="en-US" dirty="0"/>
+              <a:t>线性相关系数表格</a:t>
+            </a:r>
+          </a:p>
+        </p:txBody>
+      </p:sp>
+    </p:spTree>
+    <p:extLst>
+      <p:ext uri="{BB962C8B-B14F-4D97-AF65-F5344CB8AC3E}">
+        <p14:creationId xmlns:p14="http://schemas.microsoft.com/office/powerpoint/2010/main" val="815694579"/>
       </p:ext>
     </p:extLst>
   </p:cSld>
@@ -8282,6 +8962,731 @@
     <p:extLst>
       <p:ext uri="{BB962C8B-B14F-4D97-AF65-F5344CB8AC3E}">
         <p14:creationId xmlns:p14="http://schemas.microsoft.com/office/powerpoint/2010/main" val="838804326"/>
+      </p:ext>
+    </p:extLst>
+  </p:cSld>
+  <p:clrMapOvr>
+    <a:masterClrMapping/>
+  </p:clrMapOvr>
+</p:sld>
+</file>
+
+<file path=ppt/slides/slide30.xml><?xml version="1.0" encoding="utf-8"?>
+<p:sld xmlns:a="http://schemas.openxmlformats.org/drawingml/2006/main" xmlns:r="http://schemas.openxmlformats.org/officeDocument/2006/relationships" xmlns:p="http://schemas.openxmlformats.org/presentationml/2006/main">
+  <p:cSld>
+    <p:spTree>
+      <p:nvGrpSpPr>
+        <p:cNvPr id="1" name=""/>
+        <p:cNvGrpSpPr/>
+        <p:nvPr/>
+      </p:nvGrpSpPr>
+      <p:grpSpPr>
+        <a:xfrm>
+          <a:off x="0" y="0"/>
+          <a:ext cx="0" cy="0"/>
+          <a:chOff x="0" y="0"/>
+          <a:chExt cx="0" cy="0"/>
+        </a:xfrm>
+      </p:grpSpPr>
+      <p:sp>
+        <p:nvSpPr>
+          <p:cNvPr id="2" name="标题 1">
+            <a:extLst>
+              <a:ext uri="{FF2B5EF4-FFF2-40B4-BE49-F238E27FC236}">
+                <a16:creationId xmlns:a16="http://schemas.microsoft.com/office/drawing/2014/main" id="{DD686DEB-8DF6-4603-A461-F8B067033E00}"/>
+              </a:ext>
+            </a:extLst>
+          </p:cNvPr>
+          <p:cNvSpPr>
+            <a:spLocks noGrp="1"/>
+          </p:cNvSpPr>
+          <p:nvPr>
+            <p:ph type="title"/>
+          </p:nvPr>
+        </p:nvSpPr>
+        <p:spPr/>
+        <p:txBody>
+          <a:bodyPr/>
+          <a:lstStyle/>
+          <a:p>
+            <a:r>
+              <a:rPr lang="zh-CN" altLang="en-US" dirty="0"/>
+              <a:t>一元线性回归模型</a:t>
+            </a:r>
+          </a:p>
+        </p:txBody>
+      </p:sp>
+      <p:sp>
+        <p:nvSpPr>
+          <p:cNvPr id="3" name="内容占位符 2">
+            <a:extLst>
+              <a:ext uri="{FF2B5EF4-FFF2-40B4-BE49-F238E27FC236}">
+                <a16:creationId xmlns:a16="http://schemas.microsoft.com/office/drawing/2014/main" id="{679C5941-1111-40F2-8133-285DE4277A60}"/>
+              </a:ext>
+            </a:extLst>
+          </p:cNvPr>
+          <p:cNvSpPr>
+            <a:spLocks noGrp="1"/>
+          </p:cNvSpPr>
+          <p:nvPr>
+            <p:ph idx="1"/>
+          </p:nvPr>
+        </p:nvSpPr>
+        <p:spPr/>
+        <p:txBody>
+          <a:bodyPr/>
+          <a:lstStyle/>
+          <a:p>
+            <a:r>
+              <a:rPr lang="en-US" altLang="zh-CN" dirty="0" err="1"/>
+              <a:t>GrG_C</a:t>
+            </a:r>
+            <a:r>
+              <a:rPr lang="zh-CN" altLang="en-US" dirty="0"/>
+              <a:t>图</a:t>
+            </a:r>
+          </a:p>
+        </p:txBody>
+      </p:sp>
+    </p:spTree>
+    <p:extLst>
+      <p:ext uri="{BB962C8B-B14F-4D97-AF65-F5344CB8AC3E}">
+        <p14:creationId xmlns:p14="http://schemas.microsoft.com/office/powerpoint/2010/main" val="446965320"/>
+      </p:ext>
+    </p:extLst>
+  </p:cSld>
+  <p:clrMapOvr>
+    <a:masterClrMapping/>
+  </p:clrMapOvr>
+</p:sld>
+</file>
+
+<file path=ppt/slides/slide31.xml><?xml version="1.0" encoding="utf-8"?>
+<p:sld xmlns:a="http://schemas.openxmlformats.org/drawingml/2006/main" xmlns:r="http://schemas.openxmlformats.org/officeDocument/2006/relationships" xmlns:p="http://schemas.openxmlformats.org/presentationml/2006/main">
+  <p:cSld>
+    <p:spTree>
+      <p:nvGrpSpPr>
+        <p:cNvPr id="1" name=""/>
+        <p:cNvGrpSpPr/>
+        <p:nvPr/>
+      </p:nvGrpSpPr>
+      <p:grpSpPr>
+        <a:xfrm>
+          <a:off x="0" y="0"/>
+          <a:ext cx="0" cy="0"/>
+          <a:chOff x="0" y="0"/>
+          <a:chExt cx="0" cy="0"/>
+        </a:xfrm>
+      </p:grpSpPr>
+      <p:sp>
+        <p:nvSpPr>
+          <p:cNvPr id="2" name="标题 1">
+            <a:extLst>
+              <a:ext uri="{FF2B5EF4-FFF2-40B4-BE49-F238E27FC236}">
+                <a16:creationId xmlns:a16="http://schemas.microsoft.com/office/drawing/2014/main" id="{DD686DEB-8DF6-4603-A461-F8B067033E00}"/>
+              </a:ext>
+            </a:extLst>
+          </p:cNvPr>
+          <p:cNvSpPr>
+            <a:spLocks noGrp="1"/>
+          </p:cNvSpPr>
+          <p:nvPr>
+            <p:ph type="title"/>
+          </p:nvPr>
+        </p:nvSpPr>
+        <p:spPr/>
+        <p:txBody>
+          <a:bodyPr/>
+          <a:lstStyle/>
+          <a:p>
+            <a:r>
+              <a:rPr lang="zh-CN" altLang="en-US" dirty="0"/>
+              <a:t>指数增长模型</a:t>
+            </a:r>
+          </a:p>
+        </p:txBody>
+      </p:sp>
+      <p:sp>
+        <p:nvSpPr>
+          <p:cNvPr id="3" name="内容占位符 2">
+            <a:extLst>
+              <a:ext uri="{FF2B5EF4-FFF2-40B4-BE49-F238E27FC236}">
+                <a16:creationId xmlns:a16="http://schemas.microsoft.com/office/drawing/2014/main" id="{679C5941-1111-40F2-8133-285DE4277A60}"/>
+              </a:ext>
+            </a:extLst>
+          </p:cNvPr>
+          <p:cNvSpPr>
+            <a:spLocks noGrp="1"/>
+          </p:cNvSpPr>
+          <p:nvPr>
+            <p:ph idx="1"/>
+          </p:nvPr>
+        </p:nvSpPr>
+        <p:spPr/>
+        <p:txBody>
+          <a:bodyPr/>
+          <a:lstStyle/>
+          <a:p>
+            <a:r>
+              <a:rPr lang="zh-CN" altLang="en-US" dirty="0"/>
+              <a:t>浓度灰度图</a:t>
+            </a:r>
+            <a:endParaRPr lang="en-US" altLang="zh-CN" dirty="0"/>
+          </a:p>
+          <a:p>
+            <a:r>
+              <a:rPr lang="zh-CN" altLang="en-US" dirty="0"/>
+              <a:t>建立模型的公式</a:t>
+            </a:r>
+          </a:p>
+        </p:txBody>
+      </p:sp>
+    </p:spTree>
+    <p:extLst>
+      <p:ext uri="{BB962C8B-B14F-4D97-AF65-F5344CB8AC3E}">
+        <p14:creationId xmlns:p14="http://schemas.microsoft.com/office/powerpoint/2010/main" val="4049671284"/>
+      </p:ext>
+    </p:extLst>
+  </p:cSld>
+  <p:clrMapOvr>
+    <a:masterClrMapping/>
+  </p:clrMapOvr>
+</p:sld>
+</file>
+
+<file path=ppt/slides/slide32.xml><?xml version="1.0" encoding="utf-8"?>
+<p:sld xmlns:a="http://schemas.openxmlformats.org/drawingml/2006/main" xmlns:r="http://schemas.openxmlformats.org/officeDocument/2006/relationships" xmlns:p="http://schemas.openxmlformats.org/presentationml/2006/main">
+  <p:cSld>
+    <p:spTree>
+      <p:nvGrpSpPr>
+        <p:cNvPr id="1" name=""/>
+        <p:cNvGrpSpPr/>
+        <p:nvPr/>
+      </p:nvGrpSpPr>
+      <p:grpSpPr>
+        <a:xfrm>
+          <a:off x="0" y="0"/>
+          <a:ext cx="0" cy="0"/>
+          <a:chOff x="0" y="0"/>
+          <a:chExt cx="0" cy="0"/>
+        </a:xfrm>
+      </p:grpSpPr>
+      <p:sp>
+        <p:nvSpPr>
+          <p:cNvPr id="2" name="标题 1">
+            <a:extLst>
+              <a:ext uri="{FF2B5EF4-FFF2-40B4-BE49-F238E27FC236}">
+                <a16:creationId xmlns:a16="http://schemas.microsoft.com/office/drawing/2014/main" id="{DD686DEB-8DF6-4603-A461-F8B067033E00}"/>
+              </a:ext>
+            </a:extLst>
+          </p:cNvPr>
+          <p:cNvSpPr>
+            <a:spLocks noGrp="1"/>
+          </p:cNvSpPr>
+          <p:nvPr>
+            <p:ph type="title"/>
+          </p:nvPr>
+        </p:nvSpPr>
+        <p:spPr/>
+        <p:txBody>
+          <a:bodyPr/>
+          <a:lstStyle/>
+          <a:p>
+            <a:r>
+              <a:rPr lang="zh-CN" altLang="en-US" dirty="0"/>
+              <a:t>指数增长模型</a:t>
+            </a:r>
+          </a:p>
+        </p:txBody>
+      </p:sp>
+      <p:sp>
+        <p:nvSpPr>
+          <p:cNvPr id="3" name="内容占位符 2">
+            <a:extLst>
+              <a:ext uri="{FF2B5EF4-FFF2-40B4-BE49-F238E27FC236}">
+                <a16:creationId xmlns:a16="http://schemas.microsoft.com/office/drawing/2014/main" id="{679C5941-1111-40F2-8133-285DE4277A60}"/>
+              </a:ext>
+            </a:extLst>
+          </p:cNvPr>
+          <p:cNvSpPr>
+            <a:spLocks noGrp="1"/>
+          </p:cNvSpPr>
+          <p:nvPr>
+            <p:ph idx="1"/>
+          </p:nvPr>
+        </p:nvSpPr>
+        <p:spPr/>
+        <p:txBody>
+          <a:bodyPr/>
+          <a:lstStyle/>
+          <a:p>
+            <a:r>
+              <a:rPr lang="zh-CN" altLang="en-US" dirty="0"/>
+              <a:t>回归结果</a:t>
+            </a:r>
+          </a:p>
+        </p:txBody>
+      </p:sp>
+    </p:spTree>
+    <p:extLst>
+      <p:ext uri="{BB962C8B-B14F-4D97-AF65-F5344CB8AC3E}">
+        <p14:creationId xmlns:p14="http://schemas.microsoft.com/office/powerpoint/2010/main" val="814368793"/>
+      </p:ext>
+    </p:extLst>
+  </p:cSld>
+  <p:clrMapOvr>
+    <a:masterClrMapping/>
+  </p:clrMapOvr>
+</p:sld>
+</file>
+
+<file path=ppt/slides/slide33.xml><?xml version="1.0" encoding="utf-8"?>
+<p:sld xmlns:a="http://schemas.openxmlformats.org/drawingml/2006/main" xmlns:r="http://schemas.openxmlformats.org/officeDocument/2006/relationships" xmlns:p="http://schemas.openxmlformats.org/presentationml/2006/main">
+  <p:cSld>
+    <p:spTree>
+      <p:nvGrpSpPr>
+        <p:cNvPr id="1" name=""/>
+        <p:cNvGrpSpPr/>
+        <p:nvPr/>
+      </p:nvGrpSpPr>
+      <p:grpSpPr>
+        <a:xfrm>
+          <a:off x="0" y="0"/>
+          <a:ext cx="0" cy="0"/>
+          <a:chOff x="0" y="0"/>
+          <a:chExt cx="0" cy="0"/>
+        </a:xfrm>
+      </p:grpSpPr>
+      <p:sp>
+        <p:nvSpPr>
+          <p:cNvPr id="2" name="标题 1">
+            <a:extLst>
+              <a:ext uri="{FF2B5EF4-FFF2-40B4-BE49-F238E27FC236}">
+                <a16:creationId xmlns:a16="http://schemas.microsoft.com/office/drawing/2014/main" id="{DD686DEB-8DF6-4603-A461-F8B067033E00}"/>
+              </a:ext>
+            </a:extLst>
+          </p:cNvPr>
+          <p:cNvSpPr>
+            <a:spLocks noGrp="1"/>
+          </p:cNvSpPr>
+          <p:nvPr>
+            <p:ph type="title"/>
+          </p:nvPr>
+        </p:nvSpPr>
+        <p:spPr/>
+        <p:txBody>
+          <a:bodyPr/>
+          <a:lstStyle/>
+          <a:p>
+            <a:r>
+              <a:rPr lang="zh-CN" altLang="en-US" dirty="0"/>
+              <a:t>快速平衡模型</a:t>
+            </a:r>
+          </a:p>
+        </p:txBody>
+      </p:sp>
+      <p:sp>
+        <p:nvSpPr>
+          <p:cNvPr id="3" name="内容占位符 2">
+            <a:extLst>
+              <a:ext uri="{FF2B5EF4-FFF2-40B4-BE49-F238E27FC236}">
+                <a16:creationId xmlns:a16="http://schemas.microsoft.com/office/drawing/2014/main" id="{679C5941-1111-40F2-8133-285DE4277A60}"/>
+              </a:ext>
+            </a:extLst>
+          </p:cNvPr>
+          <p:cNvSpPr>
+            <a:spLocks noGrp="1"/>
+          </p:cNvSpPr>
+          <p:nvPr>
+            <p:ph idx="1"/>
+          </p:nvPr>
+        </p:nvSpPr>
+        <p:spPr/>
+        <p:txBody>
+          <a:bodyPr/>
+          <a:lstStyle/>
+          <a:p>
+            <a:r>
+              <a:rPr lang="en-US" altLang="zh-CN" dirty="0"/>
+              <a:t>HS</a:t>
+            </a:r>
+            <a:r>
+              <a:rPr lang="zh-CN" altLang="en-US" dirty="0"/>
+              <a:t>变化折线图</a:t>
+            </a:r>
+            <a:endParaRPr lang="en-US" altLang="zh-CN" dirty="0"/>
+          </a:p>
+          <a:p>
+            <a:r>
+              <a:rPr lang="zh-CN" altLang="en-US" dirty="0"/>
+              <a:t>建立模型的公式</a:t>
+            </a:r>
+          </a:p>
+        </p:txBody>
+      </p:sp>
+    </p:spTree>
+    <p:extLst>
+      <p:ext uri="{BB962C8B-B14F-4D97-AF65-F5344CB8AC3E}">
+        <p14:creationId xmlns:p14="http://schemas.microsoft.com/office/powerpoint/2010/main" val="1183692457"/>
+      </p:ext>
+    </p:extLst>
+  </p:cSld>
+  <p:clrMapOvr>
+    <a:masterClrMapping/>
+  </p:clrMapOvr>
+</p:sld>
+</file>
+
+<file path=ppt/slides/slide34.xml><?xml version="1.0" encoding="utf-8"?>
+<p:sld xmlns:a="http://schemas.openxmlformats.org/drawingml/2006/main" xmlns:r="http://schemas.openxmlformats.org/officeDocument/2006/relationships" xmlns:p="http://schemas.openxmlformats.org/presentationml/2006/main">
+  <p:cSld>
+    <p:spTree>
+      <p:nvGrpSpPr>
+        <p:cNvPr id="1" name=""/>
+        <p:cNvGrpSpPr/>
+        <p:nvPr/>
+      </p:nvGrpSpPr>
+      <p:grpSpPr>
+        <a:xfrm>
+          <a:off x="0" y="0"/>
+          <a:ext cx="0" cy="0"/>
+          <a:chOff x="0" y="0"/>
+          <a:chExt cx="0" cy="0"/>
+        </a:xfrm>
+      </p:grpSpPr>
+      <p:sp>
+        <p:nvSpPr>
+          <p:cNvPr id="2" name="标题 1">
+            <a:extLst>
+              <a:ext uri="{FF2B5EF4-FFF2-40B4-BE49-F238E27FC236}">
+                <a16:creationId xmlns:a16="http://schemas.microsoft.com/office/drawing/2014/main" id="{DD686DEB-8DF6-4603-A461-F8B067033E00}"/>
+              </a:ext>
+            </a:extLst>
+          </p:cNvPr>
+          <p:cNvSpPr>
+            <a:spLocks noGrp="1"/>
+          </p:cNvSpPr>
+          <p:nvPr>
+            <p:ph type="title"/>
+          </p:nvPr>
+        </p:nvSpPr>
+        <p:spPr/>
+        <p:txBody>
+          <a:bodyPr/>
+          <a:lstStyle/>
+          <a:p>
+            <a:r>
+              <a:rPr lang="zh-CN" altLang="en-US" dirty="0"/>
+              <a:t>快速平衡模型</a:t>
+            </a:r>
+          </a:p>
+        </p:txBody>
+      </p:sp>
+      <p:sp>
+        <p:nvSpPr>
+          <p:cNvPr id="3" name="内容占位符 2">
+            <a:extLst>
+              <a:ext uri="{FF2B5EF4-FFF2-40B4-BE49-F238E27FC236}">
+                <a16:creationId xmlns:a16="http://schemas.microsoft.com/office/drawing/2014/main" id="{679C5941-1111-40F2-8133-285DE4277A60}"/>
+              </a:ext>
+            </a:extLst>
+          </p:cNvPr>
+          <p:cNvSpPr>
+            <a:spLocks noGrp="1"/>
+          </p:cNvSpPr>
+          <p:nvPr>
+            <p:ph idx="1"/>
+          </p:nvPr>
+        </p:nvSpPr>
+        <p:spPr/>
+        <p:txBody>
+          <a:bodyPr/>
+          <a:lstStyle/>
+          <a:p>
+            <a:r>
+              <a:rPr lang="zh-CN" altLang="en-US"/>
+              <a:t>结果表格及公式</a:t>
+            </a:r>
+            <a:endParaRPr lang="zh-CN" altLang="en-US" dirty="0"/>
+          </a:p>
+        </p:txBody>
+      </p:sp>
+    </p:spTree>
+    <p:extLst>
+      <p:ext uri="{BB962C8B-B14F-4D97-AF65-F5344CB8AC3E}">
+        <p14:creationId xmlns:p14="http://schemas.microsoft.com/office/powerpoint/2010/main" val="4194368569"/>
+      </p:ext>
+    </p:extLst>
+  </p:cSld>
+  <p:clrMapOvr>
+    <a:masterClrMapping/>
+  </p:clrMapOvr>
+</p:sld>
+</file>
+
+<file path=ppt/slides/slide35.xml><?xml version="1.0" encoding="utf-8"?>
+<p:sld xmlns:a="http://schemas.openxmlformats.org/drawingml/2006/main" xmlns:r="http://schemas.openxmlformats.org/officeDocument/2006/relationships" xmlns:p="http://schemas.openxmlformats.org/presentationml/2006/main">
+  <p:cSld>
+    <p:spTree>
+      <p:nvGrpSpPr>
+        <p:cNvPr id="1" name=""/>
+        <p:cNvGrpSpPr/>
+        <p:nvPr/>
+      </p:nvGrpSpPr>
+      <p:grpSpPr>
+        <a:xfrm>
+          <a:off x="0" y="0"/>
+          <a:ext cx="0" cy="0"/>
+          <a:chOff x="0" y="0"/>
+          <a:chExt cx="0" cy="0"/>
+        </a:xfrm>
+      </p:grpSpPr>
+      <p:sp>
+        <p:nvSpPr>
+          <p:cNvPr id="2" name="标题 1">
+            <a:extLst>
+              <a:ext uri="{FF2B5EF4-FFF2-40B4-BE49-F238E27FC236}">
+                <a16:creationId xmlns:a16="http://schemas.microsoft.com/office/drawing/2014/main" id="{DD686DEB-8DF6-4603-A461-F8B067033E00}"/>
+              </a:ext>
+            </a:extLst>
+          </p:cNvPr>
+          <p:cNvSpPr>
+            <a:spLocks noGrp="1"/>
+          </p:cNvSpPr>
+          <p:nvPr>
+            <p:ph type="title"/>
+          </p:nvPr>
+        </p:nvSpPr>
+        <p:spPr/>
+        <p:txBody>
+          <a:bodyPr/>
+          <a:lstStyle/>
+          <a:p>
+            <a:r>
+              <a:rPr lang="zh-CN" altLang="en-US" dirty="0"/>
+              <a:t>指数增长模型</a:t>
+            </a:r>
+          </a:p>
+        </p:txBody>
+      </p:sp>
+      <p:sp>
+        <p:nvSpPr>
+          <p:cNvPr id="3" name="内容占位符 2">
+            <a:extLst>
+              <a:ext uri="{FF2B5EF4-FFF2-40B4-BE49-F238E27FC236}">
+                <a16:creationId xmlns:a16="http://schemas.microsoft.com/office/drawing/2014/main" id="{679C5941-1111-40F2-8133-285DE4277A60}"/>
+              </a:ext>
+            </a:extLst>
+          </p:cNvPr>
+          <p:cNvSpPr>
+            <a:spLocks noGrp="1"/>
+          </p:cNvSpPr>
+          <p:nvPr>
+            <p:ph idx="1"/>
+          </p:nvPr>
+        </p:nvSpPr>
+        <p:spPr/>
+        <p:txBody>
+          <a:bodyPr/>
+          <a:lstStyle/>
+          <a:p>
+            <a:r>
+              <a:rPr lang="zh-CN" altLang="en-US" dirty="0"/>
+              <a:t>回归结果</a:t>
+            </a:r>
+          </a:p>
+        </p:txBody>
+      </p:sp>
+    </p:spTree>
+    <p:extLst>
+      <p:ext uri="{BB962C8B-B14F-4D97-AF65-F5344CB8AC3E}">
+        <p14:creationId xmlns:p14="http://schemas.microsoft.com/office/powerpoint/2010/main" val="4283441676"/>
+      </p:ext>
+    </p:extLst>
+  </p:cSld>
+  <p:clrMapOvr>
+    <a:masterClrMapping/>
+  </p:clrMapOvr>
+</p:sld>
+</file>
+
+<file path=ppt/slides/slide36.xml><?xml version="1.0" encoding="utf-8"?>
+<p:sld xmlns:a="http://schemas.openxmlformats.org/drawingml/2006/main" xmlns:r="http://schemas.openxmlformats.org/officeDocument/2006/relationships" xmlns:p="http://schemas.openxmlformats.org/presentationml/2006/main">
+  <p:cSld>
+    <p:spTree>
+      <p:nvGrpSpPr>
+        <p:cNvPr id="1" name=""/>
+        <p:cNvGrpSpPr/>
+        <p:nvPr/>
+      </p:nvGrpSpPr>
+      <p:grpSpPr>
+        <a:xfrm>
+          <a:off x="0" y="0"/>
+          <a:ext cx="0" cy="0"/>
+          <a:chOff x="0" y="0"/>
+          <a:chExt cx="0" cy="0"/>
+        </a:xfrm>
+      </p:grpSpPr>
+      <p:sp>
+        <p:nvSpPr>
+          <p:cNvPr id="2" name="标题 1">
+            <a:extLst>
+              <a:ext uri="{FF2B5EF4-FFF2-40B4-BE49-F238E27FC236}">
+                <a16:creationId xmlns:a16="http://schemas.microsoft.com/office/drawing/2014/main" id="{198C9893-A9A0-4813-B1A1-6A83E7901B0F}"/>
+              </a:ext>
+            </a:extLst>
+          </p:cNvPr>
+          <p:cNvSpPr>
+            <a:spLocks noGrp="1"/>
+          </p:cNvSpPr>
+          <p:nvPr>
+            <p:ph type="title"/>
+          </p:nvPr>
+        </p:nvSpPr>
+        <p:spPr/>
+        <p:txBody>
+          <a:bodyPr/>
+          <a:lstStyle/>
+          <a:p>
+            <a:r>
+              <a:rPr lang="zh-CN" altLang="en-US" dirty="0"/>
+              <a:t>问题三</a:t>
+            </a:r>
+          </a:p>
+        </p:txBody>
+      </p:sp>
+      <p:sp>
+        <p:nvSpPr>
+          <p:cNvPr id="3" name="内容占位符 2">
+            <a:extLst>
+              <a:ext uri="{FF2B5EF4-FFF2-40B4-BE49-F238E27FC236}">
+                <a16:creationId xmlns:a16="http://schemas.microsoft.com/office/drawing/2014/main" id="{8BAE6BD2-FA08-4273-AA6B-38969F62CCE3}"/>
+              </a:ext>
+            </a:extLst>
+          </p:cNvPr>
+          <p:cNvSpPr>
+            <a:spLocks noGrp="1"/>
+          </p:cNvSpPr>
+          <p:nvPr>
+            <p:ph idx="1"/>
+          </p:nvPr>
+        </p:nvSpPr>
+        <p:spPr/>
+        <p:txBody>
+          <a:bodyPr/>
+          <a:lstStyle/>
+          <a:p>
+            <a:pPr marL="0" indent="0">
+              <a:buNone/>
+            </a:pPr>
+            <a:r>
+              <a:rPr lang="zh-CN" altLang="en-US" dirty="0"/>
+              <a:t>数据量对模型的影响</a:t>
+            </a:r>
+            <a:endParaRPr lang="en-US" altLang="zh-CN" dirty="0"/>
+          </a:p>
+          <a:p>
+            <a:pPr marL="0" indent="0">
+              <a:buNone/>
+            </a:pPr>
+            <a:r>
+              <a:rPr lang="zh-CN" altLang="en-US" dirty="0"/>
+              <a:t>样本容量小：拟合偏差，难保证参数精确度（溴酸钾，硫酸铝钾）</a:t>
+            </a:r>
+            <a:endParaRPr lang="en-US" altLang="zh-CN" dirty="0"/>
+          </a:p>
+          <a:p>
+            <a:pPr marL="0" indent="0">
+              <a:buNone/>
+            </a:pPr>
+            <a:r>
+              <a:rPr lang="zh-CN" altLang="en-US" dirty="0"/>
+              <a:t>统一浓度下数据量（工业碱）</a:t>
+            </a:r>
+            <a:endParaRPr lang="en-US" altLang="zh-CN" dirty="0"/>
+          </a:p>
+          <a:p>
+            <a:pPr marL="0" indent="0">
+              <a:buNone/>
+            </a:pPr>
+            <a:r>
+              <a:rPr lang="zh-CN" altLang="en-US" dirty="0"/>
+              <a:t>数据量过大：数据处理困难，要有代表性</a:t>
+            </a:r>
+            <a:endParaRPr lang="en-US" altLang="zh-CN" dirty="0"/>
+          </a:p>
+          <a:p>
+            <a:pPr marL="0" indent="0">
+              <a:buNone/>
+            </a:pPr>
+            <a:r>
+              <a:rPr lang="zh-CN" altLang="en-US" dirty="0"/>
+              <a:t>颜色维度对模型的影响</a:t>
+            </a:r>
+            <a:endParaRPr lang="en-US" altLang="zh-CN" dirty="0"/>
+          </a:p>
+          <a:p>
+            <a:pPr marL="0" indent="0">
+              <a:buNone/>
+            </a:pPr>
+            <a:r>
+              <a:rPr lang="en-US" altLang="zh-CN" dirty="0"/>
+              <a:t>RGB</a:t>
+            </a:r>
+            <a:r>
+              <a:rPr lang="zh-CN" altLang="en-US" dirty="0"/>
+              <a:t>和</a:t>
+            </a:r>
+            <a:r>
+              <a:rPr lang="en-US" altLang="zh-CN" dirty="0"/>
+              <a:t>HSL</a:t>
+            </a:r>
+            <a:r>
+              <a:rPr lang="zh-CN" altLang="en-US" dirty="0"/>
+              <a:t>等价，降维</a:t>
+            </a:r>
+            <a:endParaRPr lang="en-US" altLang="zh-CN" dirty="0"/>
+          </a:p>
+          <a:p>
+            <a:pPr marL="0" indent="0">
+              <a:buNone/>
+            </a:pPr>
+            <a:r>
+              <a:rPr lang="zh-CN" altLang="en-US" dirty="0"/>
+              <a:t>一组</a:t>
+            </a:r>
+            <a:r>
+              <a:rPr lang="en-US" altLang="zh-CN" dirty="0"/>
+              <a:t>RGB</a:t>
+            </a:r>
+            <a:r>
+              <a:rPr lang="zh-CN" altLang="en-US" dirty="0"/>
+              <a:t>值对应唯一一个灰度</a:t>
+            </a:r>
+            <a:endParaRPr lang="en-US" altLang="zh-CN" dirty="0"/>
+          </a:p>
+          <a:p>
+            <a:pPr marL="0" indent="0">
+              <a:buNone/>
+            </a:pPr>
+            <a:r>
+              <a:rPr lang="zh-CN" altLang="en-US" dirty="0"/>
+              <a:t>？？？论文里我觉得有点小问题</a:t>
+            </a:r>
+            <a:endParaRPr lang="en-US" altLang="zh-CN" dirty="0"/>
+          </a:p>
+          <a:p>
+            <a:pPr marL="0" indent="0">
+              <a:buNone/>
+            </a:pPr>
+            <a:endParaRPr lang="zh-CN" altLang="en-US" dirty="0"/>
+          </a:p>
+        </p:txBody>
+      </p:sp>
+    </p:spTree>
+    <p:extLst>
+      <p:ext uri="{BB962C8B-B14F-4D97-AF65-F5344CB8AC3E}">
+        <p14:creationId xmlns:p14="http://schemas.microsoft.com/office/powerpoint/2010/main" val="2977485603"/>
       </p:ext>
     </p:extLst>
   </p:cSld>
@@ -8692,8 +10097,8 @@
           </a:p>
         </p:txBody>
       </p:sp>
-      <mc:AlternateContent xmlns:mc="http://schemas.openxmlformats.org/markup-compatibility/2006">
-        <mc:Choice xmlns:a14="http://schemas.microsoft.com/office/drawing/2010/main" Requires="a14">
+      <mc:AlternateContent xmlns:mc="http://schemas.openxmlformats.org/markup-compatibility/2006" xmlns:a14="http://schemas.microsoft.com/office/drawing/2010/main">
+        <mc:Choice Requires="a14">
           <p:sp>
             <p:nvSpPr>
               <p:cNvPr id="3" name="内容占位符 2">
@@ -8755,31 +10160,45 @@
                     </m:oMathParaPr>
                     <m:oMath xmlns:m="http://schemas.openxmlformats.org/officeDocument/2006/math">
                       <m:r>
-                        <a:rPr lang="en-US" altLang="zh-CN" i="1"/>
+                        <a:rPr lang="en-US" altLang="zh-CN" i="1">
+                          <a:latin typeface="Cambria Math" panose="02040503050406030204" pitchFamily="18" charset="0"/>
+                        </a:rPr>
                         <m:t>𝐺𝑟</m:t>
                       </m:r>
                       <m:r>
-                        <a:rPr lang="en-US" altLang="zh-CN" i="1"/>
+                        <a:rPr lang="en-US" altLang="zh-CN" i="1">
+                          <a:latin typeface="Cambria Math" panose="02040503050406030204" pitchFamily="18" charset="0"/>
+                        </a:rPr>
                         <m:t>=0.2989</m:t>
                       </m:r>
                       <m:r>
-                        <a:rPr lang="en-US" altLang="zh-CN" i="1"/>
+                        <a:rPr lang="en-US" altLang="zh-CN" i="1">
+                          <a:latin typeface="Cambria Math" panose="02040503050406030204" pitchFamily="18" charset="0"/>
+                        </a:rPr>
                         <m:t>𝑅</m:t>
                       </m:r>
                       <m:r>
-                        <a:rPr lang="en-US" altLang="zh-CN" i="1"/>
+                        <a:rPr lang="en-US" altLang="zh-CN" i="1">
+                          <a:latin typeface="Cambria Math" panose="02040503050406030204" pitchFamily="18" charset="0"/>
+                        </a:rPr>
                         <m:t>+0.587</m:t>
                       </m:r>
                       <m:r>
-                        <a:rPr lang="en-US" altLang="zh-CN" i="1"/>
+                        <a:rPr lang="en-US" altLang="zh-CN" i="1">
+                          <a:latin typeface="Cambria Math" panose="02040503050406030204" pitchFamily="18" charset="0"/>
+                        </a:rPr>
                         <m:t>𝐺</m:t>
                       </m:r>
                       <m:r>
-                        <a:rPr lang="en-US" altLang="zh-CN" i="1"/>
+                        <a:rPr lang="en-US" altLang="zh-CN" i="1">
+                          <a:latin typeface="Cambria Math" panose="02040503050406030204" pitchFamily="18" charset="0"/>
+                        </a:rPr>
                         <m:t>+0.114</m:t>
                       </m:r>
                       <m:r>
-                        <a:rPr lang="en-US" altLang="zh-CN" i="1"/>
+                        <a:rPr lang="en-US" altLang="zh-CN" i="1">
+                          <a:latin typeface="Cambria Math" panose="02040503050406030204" pitchFamily="18" charset="0"/>
+                        </a:rPr>
                         <m:t>𝐵</m:t>
                       </m:r>
                     </m:oMath>
@@ -8824,7 +10243,7 @@
             </p:txBody>
           </p:sp>
         </mc:Choice>
-        <mc:Fallback>
+        <mc:Fallback xmlns="">
           <p:sp>
             <p:nvSpPr>
               <p:cNvPr id="3" name="内容占位符 2">
@@ -9078,8 +10497,8 @@
           </a:p>
         </p:txBody>
       </p:sp>
-      <mc:AlternateContent xmlns:mc="http://schemas.openxmlformats.org/markup-compatibility/2006">
-        <mc:Choice xmlns:a14="http://schemas.microsoft.com/office/drawing/2010/main" Requires="a14">
+      <mc:AlternateContent xmlns:mc="http://schemas.openxmlformats.org/markup-compatibility/2006" xmlns:a14="http://schemas.microsoft.com/office/drawing/2010/main">
+        <mc:Choice Requires="a14">
           <p:sp>
             <p:nvSpPr>
               <p:cNvPr id="3" name="内容占位符 2">
@@ -9256,7 +10675,7 @@
             </p:txBody>
           </p:sp>
         </mc:Choice>
-        <mc:Fallback>
+        <mc:Fallback xmlns="">
           <p:sp>
             <p:nvSpPr>
               <p:cNvPr id="3" name="内容占位符 2">
